--- a/01_doc/presentation.pptx
+++ b/01_doc/presentation.pptx
@@ -6,15 +6,18 @@
   </p:sldMasterIdLst>
   <p:sldIdLst>
     <p:sldId id="256" r:id="rId2"/>
-    <p:sldId id="257" r:id="rId3"/>
-    <p:sldId id="266" r:id="rId4"/>
-    <p:sldId id="269" r:id="rId5"/>
-    <p:sldId id="267" r:id="rId6"/>
-    <p:sldId id="258" r:id="rId7"/>
-    <p:sldId id="259" r:id="rId8"/>
-    <p:sldId id="260" r:id="rId9"/>
-    <p:sldId id="261" r:id="rId10"/>
-    <p:sldId id="265" r:id="rId11"/>
+    <p:sldId id="270" r:id="rId3"/>
+    <p:sldId id="257" r:id="rId4"/>
+    <p:sldId id="271" r:id="rId5"/>
+    <p:sldId id="272" r:id="rId6"/>
+    <p:sldId id="266" r:id="rId7"/>
+    <p:sldId id="269" r:id="rId8"/>
+    <p:sldId id="267" r:id="rId9"/>
+    <p:sldId id="258" r:id="rId10"/>
+    <p:sldId id="259" r:id="rId11"/>
+    <p:sldId id="260" r:id="rId12"/>
+    <p:sldId id="261" r:id="rId13"/>
+    <p:sldId id="265" r:id="rId14"/>
   </p:sldIdLst>
   <p:sldSz cx="12192000" cy="6858000"/>
   <p:notesSz cx="6858000" cy="9144000"/>
@@ -252,7 +255,7 @@
           <a:p>
             <a:fld id="{A2CBA9FF-E58C-4A4B-B797-E213643C68CF}" type="datetimeFigureOut">
               <a:rPr lang="hu-HU" smtClean="0"/>
-              <a:t>2018. 11. 19.</a:t>
+              <a:t>2018. 11. 29.</a:t>
             </a:fld>
             <a:endParaRPr lang="hu-HU"/>
           </a:p>
@@ -422,7 +425,7 @@
           <a:p>
             <a:fld id="{A2CBA9FF-E58C-4A4B-B797-E213643C68CF}" type="datetimeFigureOut">
               <a:rPr lang="hu-HU" smtClean="0"/>
-              <a:t>2018. 11. 19.</a:t>
+              <a:t>2018. 11. 29.</a:t>
             </a:fld>
             <a:endParaRPr lang="hu-HU"/>
           </a:p>
@@ -602,7 +605,7 @@
           <a:p>
             <a:fld id="{A2CBA9FF-E58C-4A4B-B797-E213643C68CF}" type="datetimeFigureOut">
               <a:rPr lang="hu-HU" smtClean="0"/>
-              <a:t>2018. 11. 19.</a:t>
+              <a:t>2018. 11. 29.</a:t>
             </a:fld>
             <a:endParaRPr lang="hu-HU"/>
           </a:p>
@@ -772,7 +775,7 @@
           <a:p>
             <a:fld id="{A2CBA9FF-E58C-4A4B-B797-E213643C68CF}" type="datetimeFigureOut">
               <a:rPr lang="hu-HU" smtClean="0"/>
-              <a:t>2018. 11. 19.</a:t>
+              <a:t>2018. 11. 29.</a:t>
             </a:fld>
             <a:endParaRPr lang="hu-HU"/>
           </a:p>
@@ -1018,7 +1021,7 @@
           <a:p>
             <a:fld id="{A2CBA9FF-E58C-4A4B-B797-E213643C68CF}" type="datetimeFigureOut">
               <a:rPr lang="hu-HU" smtClean="0"/>
-              <a:t>2018. 11. 19.</a:t>
+              <a:t>2018. 11. 29.</a:t>
             </a:fld>
             <a:endParaRPr lang="hu-HU"/>
           </a:p>
@@ -1250,7 +1253,7 @@
           <a:p>
             <a:fld id="{A2CBA9FF-E58C-4A4B-B797-E213643C68CF}" type="datetimeFigureOut">
               <a:rPr lang="hu-HU" smtClean="0"/>
-              <a:t>2018. 11. 19.</a:t>
+              <a:t>2018. 11. 29.</a:t>
             </a:fld>
             <a:endParaRPr lang="hu-HU"/>
           </a:p>
@@ -1617,7 +1620,7 @@
           <a:p>
             <a:fld id="{A2CBA9FF-E58C-4A4B-B797-E213643C68CF}" type="datetimeFigureOut">
               <a:rPr lang="hu-HU" smtClean="0"/>
-              <a:t>2018. 11. 19.</a:t>
+              <a:t>2018. 11. 29.</a:t>
             </a:fld>
             <a:endParaRPr lang="hu-HU"/>
           </a:p>
@@ -1735,7 +1738,7 @@
           <a:p>
             <a:fld id="{A2CBA9FF-E58C-4A4B-B797-E213643C68CF}" type="datetimeFigureOut">
               <a:rPr lang="hu-HU" smtClean="0"/>
-              <a:t>2018. 11. 19.</a:t>
+              <a:t>2018. 11. 29.</a:t>
             </a:fld>
             <a:endParaRPr lang="hu-HU"/>
           </a:p>
@@ -1830,7 +1833,7 @@
           <a:p>
             <a:fld id="{A2CBA9FF-E58C-4A4B-B797-E213643C68CF}" type="datetimeFigureOut">
               <a:rPr lang="hu-HU" smtClean="0"/>
-              <a:t>2018. 11. 19.</a:t>
+              <a:t>2018. 11. 29.</a:t>
             </a:fld>
             <a:endParaRPr lang="hu-HU"/>
           </a:p>
@@ -2107,7 +2110,7 @@
           <a:p>
             <a:fld id="{A2CBA9FF-E58C-4A4B-B797-E213643C68CF}" type="datetimeFigureOut">
               <a:rPr lang="hu-HU" smtClean="0"/>
-              <a:t>2018. 11. 19.</a:t>
+              <a:t>2018. 11. 29.</a:t>
             </a:fld>
             <a:endParaRPr lang="hu-HU"/>
           </a:p>
@@ -2360,7 +2363,7 @@
           <a:p>
             <a:fld id="{A2CBA9FF-E58C-4A4B-B797-E213643C68CF}" type="datetimeFigureOut">
               <a:rPr lang="hu-HU" smtClean="0"/>
-              <a:t>2018. 11. 19.</a:t>
+              <a:t>2018. 11. 29.</a:t>
             </a:fld>
             <a:endParaRPr lang="hu-HU"/>
           </a:p>
@@ -2573,7 +2576,7 @@
           <a:p>
             <a:fld id="{A2CBA9FF-E58C-4A4B-B797-E213643C68CF}" type="datetimeFigureOut">
               <a:rPr lang="hu-HU" smtClean="0"/>
-              <a:t>2018. 11. 19.</a:t>
+              <a:t>2018. 11. 29.</a:t>
             </a:fld>
             <a:endParaRPr lang="hu-HU"/>
           </a:p>
@@ -2997,11 +3000,15 @@
           <a:p>
             <a:r>
               <a:rPr lang="hu-HU" dirty="0" err="1" smtClean="0"/>
-              <a:t>Mozgásdetektáció</a:t>
+              <a:t>Mozgásdetekció</a:t>
             </a:r>
             <a:r>
               <a:rPr lang="hu-HU" dirty="0" smtClean="0"/>
-              <a:t> és apertúra probléma megoldása, neurális hálók támogatásával</a:t>
+              <a:t> </a:t>
+            </a:r>
+            <a:r>
+              <a:rPr lang="hu-HU" dirty="0" smtClean="0"/>
+              <a:t>és apertúra probléma megoldása, neurális hálók támogatásával</a:t>
             </a:r>
             <a:endParaRPr lang="hu-HU" dirty="0"/>
           </a:p>
@@ -3078,6 +3085,303 @@
       </p:grpSpPr>
       <p:sp>
         <p:nvSpPr>
+          <p:cNvPr id="2" name="Cím 1"/>
+          <p:cNvSpPr>
+            <a:spLocks noGrp="1"/>
+          </p:cNvSpPr>
+          <p:nvPr>
+            <p:ph type="title"/>
+          </p:nvPr>
+        </p:nvSpPr>
+        <p:spPr/>
+        <p:txBody>
+          <a:bodyPr/>
+          <a:lstStyle/>
+          <a:p>
+            <a:r>
+              <a:rPr lang="hu-HU" dirty="0" err="1"/>
+              <a:t>Mixture</a:t>
+            </a:r>
+            <a:r>
+              <a:rPr lang="hu-HU" dirty="0"/>
+              <a:t> of Gaussians</a:t>
+            </a:r>
+          </a:p>
+        </p:txBody>
+      </p:sp>
+      <p:sp>
+        <p:nvSpPr>
+          <p:cNvPr id="3" name="Tartalom helye 2"/>
+          <p:cNvSpPr>
+            <a:spLocks noGrp="1"/>
+          </p:cNvSpPr>
+          <p:nvPr>
+            <p:ph idx="1"/>
+          </p:nvPr>
+        </p:nvSpPr>
+        <p:spPr/>
+        <p:txBody>
+          <a:bodyPr/>
+          <a:lstStyle/>
+          <a:p>
+            <a:r>
+              <a:rPr lang="hu-HU" dirty="0" smtClean="0"/>
+              <a:t>Tömbműveletek</a:t>
+            </a:r>
+          </a:p>
+          <a:p>
+            <a:r>
+              <a:rPr lang="hu-HU" dirty="0" err="1" smtClean="0"/>
+              <a:t>np.einsum</a:t>
+            </a:r>
+            <a:r>
+              <a:rPr lang="hu-HU" dirty="0" smtClean="0"/>
+              <a:t>()</a:t>
+            </a:r>
+            <a:endParaRPr lang="hu-HU" dirty="0"/>
+          </a:p>
+        </p:txBody>
+      </p:sp>
+      <p:pic>
+        <p:nvPicPr>
+          <p:cNvPr id="4" name="Kép 3"/>
+          <p:cNvPicPr>
+            <a:picLocks noChangeAspect="1"/>
+          </p:cNvPicPr>
+          <p:nvPr/>
+        </p:nvPicPr>
+        <p:blipFill>
+          <a:blip r:embed="rId2"/>
+          <a:stretch>
+            <a:fillRect/>
+          </a:stretch>
+        </p:blipFill>
+        <p:spPr>
+          <a:xfrm>
+            <a:off x="4743730" y="2285159"/>
+            <a:ext cx="6444426" cy="879382"/>
+          </a:xfrm>
+          <a:prstGeom prst="rect">
+            <a:avLst/>
+          </a:prstGeom>
+        </p:spPr>
+      </p:pic>
+      <p:pic>
+        <p:nvPicPr>
+          <p:cNvPr id="5" name="Kép 4"/>
+          <p:cNvPicPr>
+            <a:picLocks noChangeAspect="1"/>
+          </p:cNvPicPr>
+          <p:nvPr/>
+        </p:nvPicPr>
+        <p:blipFill>
+          <a:blip r:embed="rId3"/>
+          <a:stretch>
+            <a:fillRect/>
+          </a:stretch>
+        </p:blipFill>
+        <p:spPr>
+          <a:xfrm>
+            <a:off x="3554785" y="4010585"/>
+            <a:ext cx="6786784" cy="1870262"/>
+          </a:xfrm>
+          <a:prstGeom prst="rect">
+            <a:avLst/>
+          </a:prstGeom>
+        </p:spPr>
+      </p:pic>
+    </p:spTree>
+    <p:extLst>
+      <p:ext uri="{BB962C8B-B14F-4D97-AF65-F5344CB8AC3E}">
+        <p14:creationId xmlns:p14="http://schemas.microsoft.com/office/powerpoint/2010/main" val="3060981070"/>
+      </p:ext>
+    </p:extLst>
+  </p:cSld>
+  <p:clrMapOvr>
+    <a:masterClrMapping/>
+  </p:clrMapOvr>
+</p:sld>
+</file>
+
+<file path=ppt/slides/slide11.xml><?xml version="1.0" encoding="utf-8"?>
+<p:sld xmlns:a="http://schemas.openxmlformats.org/drawingml/2006/main" xmlns:r="http://schemas.openxmlformats.org/officeDocument/2006/relationships" xmlns:p="http://schemas.openxmlformats.org/presentationml/2006/main">
+  <p:cSld>
+    <p:spTree>
+      <p:nvGrpSpPr>
+        <p:cNvPr id="1" name=""/>
+        <p:cNvGrpSpPr/>
+        <p:nvPr/>
+      </p:nvGrpSpPr>
+      <p:grpSpPr>
+        <a:xfrm>
+          <a:off x="0" y="0"/>
+          <a:ext cx="0" cy="0"/>
+          <a:chOff x="0" y="0"/>
+          <a:chExt cx="0" cy="0"/>
+        </a:xfrm>
+      </p:grpSpPr>
+      <p:sp>
+        <p:nvSpPr>
+          <p:cNvPr id="2" name="Cím 1"/>
+          <p:cNvSpPr>
+            <a:spLocks noGrp="1"/>
+          </p:cNvSpPr>
+          <p:nvPr>
+            <p:ph type="title"/>
+          </p:nvPr>
+        </p:nvSpPr>
+        <p:spPr/>
+        <p:txBody>
+          <a:bodyPr/>
+          <a:lstStyle/>
+          <a:p>
+            <a:r>
+              <a:rPr lang="hu-HU" dirty="0" smtClean="0"/>
+              <a:t>Elért eredmények</a:t>
+            </a:r>
+            <a:endParaRPr lang="hu-HU" dirty="0"/>
+          </a:p>
+        </p:txBody>
+      </p:sp>
+      <p:sp>
+        <p:nvSpPr>
+          <p:cNvPr id="3" name="Tartalom helye 2"/>
+          <p:cNvSpPr>
+            <a:spLocks noGrp="1"/>
+          </p:cNvSpPr>
+          <p:nvPr>
+            <p:ph idx="1"/>
+          </p:nvPr>
+        </p:nvSpPr>
+        <p:spPr/>
+        <p:txBody>
+          <a:bodyPr/>
+          <a:lstStyle/>
+          <a:p>
+            <a:r>
+              <a:rPr lang="hu-HU" dirty="0" smtClean="0"/>
+              <a:t>Teszt képek összehasonlítva </a:t>
+            </a:r>
+            <a:r>
+              <a:rPr lang="hu-HU" dirty="0" err="1" smtClean="0"/>
+              <a:t>openCV</a:t>
+            </a:r>
+            <a:r>
+              <a:rPr lang="hu-HU" dirty="0" smtClean="0"/>
+              <a:t> MOG algoritmussal</a:t>
+            </a:r>
+            <a:endParaRPr lang="hu-HU" dirty="0"/>
+          </a:p>
+        </p:txBody>
+      </p:sp>
+    </p:spTree>
+    <p:extLst>
+      <p:ext uri="{BB962C8B-B14F-4D97-AF65-F5344CB8AC3E}">
+        <p14:creationId xmlns:p14="http://schemas.microsoft.com/office/powerpoint/2010/main" val="4078088953"/>
+      </p:ext>
+    </p:extLst>
+  </p:cSld>
+  <p:clrMapOvr>
+    <a:masterClrMapping/>
+  </p:clrMapOvr>
+</p:sld>
+</file>
+
+<file path=ppt/slides/slide12.xml><?xml version="1.0" encoding="utf-8"?>
+<p:sld xmlns:a="http://schemas.openxmlformats.org/drawingml/2006/main" xmlns:r="http://schemas.openxmlformats.org/officeDocument/2006/relationships" xmlns:p="http://schemas.openxmlformats.org/presentationml/2006/main">
+  <p:cSld>
+    <p:spTree>
+      <p:nvGrpSpPr>
+        <p:cNvPr id="1" name=""/>
+        <p:cNvGrpSpPr/>
+        <p:nvPr/>
+      </p:nvGrpSpPr>
+      <p:grpSpPr>
+        <a:xfrm>
+          <a:off x="0" y="0"/>
+          <a:ext cx="0" cy="0"/>
+          <a:chOff x="0" y="0"/>
+          <a:chExt cx="0" cy="0"/>
+        </a:xfrm>
+      </p:grpSpPr>
+      <p:sp>
+        <p:nvSpPr>
+          <p:cNvPr id="2" name="Cím 1"/>
+          <p:cNvSpPr>
+            <a:spLocks noGrp="1"/>
+          </p:cNvSpPr>
+          <p:nvPr>
+            <p:ph type="title"/>
+          </p:nvPr>
+        </p:nvSpPr>
+        <p:spPr/>
+        <p:txBody>
+          <a:bodyPr/>
+          <a:lstStyle/>
+          <a:p>
+            <a:r>
+              <a:rPr lang="hu-HU" dirty="0" smtClean="0"/>
+              <a:t>További tervek</a:t>
+            </a:r>
+            <a:endParaRPr lang="hu-HU" dirty="0"/>
+          </a:p>
+        </p:txBody>
+      </p:sp>
+      <p:sp>
+        <p:nvSpPr>
+          <p:cNvPr id="3" name="Tartalom helye 2"/>
+          <p:cNvSpPr>
+            <a:spLocks noGrp="1"/>
+          </p:cNvSpPr>
+          <p:nvPr>
+            <p:ph idx="1"/>
+          </p:nvPr>
+        </p:nvSpPr>
+        <p:spPr/>
+        <p:txBody>
+          <a:bodyPr/>
+          <a:lstStyle/>
+          <a:p>
+            <a:r>
+              <a:rPr lang="hu-HU" dirty="0" smtClean="0"/>
+              <a:t>Neurális háló az apertúra problémára</a:t>
+            </a:r>
+            <a:endParaRPr lang="hu-HU" dirty="0"/>
+          </a:p>
+        </p:txBody>
+      </p:sp>
+    </p:spTree>
+    <p:extLst>
+      <p:ext uri="{BB962C8B-B14F-4D97-AF65-F5344CB8AC3E}">
+        <p14:creationId xmlns:p14="http://schemas.microsoft.com/office/powerpoint/2010/main" val="4020667477"/>
+      </p:ext>
+    </p:extLst>
+  </p:cSld>
+  <p:clrMapOvr>
+    <a:masterClrMapping/>
+  </p:clrMapOvr>
+</p:sld>
+</file>
+
+<file path=ppt/slides/slide13.xml><?xml version="1.0" encoding="utf-8"?>
+<p:sld xmlns:a="http://schemas.openxmlformats.org/drawingml/2006/main" xmlns:r="http://schemas.openxmlformats.org/officeDocument/2006/relationships" xmlns:p="http://schemas.openxmlformats.org/presentationml/2006/main">
+  <p:cSld>
+    <p:spTree>
+      <p:nvGrpSpPr>
+        <p:cNvPr id="1" name=""/>
+        <p:cNvGrpSpPr/>
+        <p:nvPr/>
+      </p:nvGrpSpPr>
+      <p:grpSpPr>
+        <a:xfrm>
+          <a:off x="0" y="0"/>
+          <a:ext cx="0" cy="0"/>
+          <a:chOff x="0" y="0"/>
+          <a:chExt cx="0" cy="0"/>
+        </a:xfrm>
+      </p:grpSpPr>
+      <p:sp>
+        <p:nvSpPr>
           <p:cNvPr id="4" name="Cím 3"/>
           <p:cNvSpPr>
             <a:spLocks noGrp="1"/>
@@ -3164,37 +3468,8 @@
           <a:lstStyle/>
           <a:p>
             <a:r>
-              <a:rPr lang="hu-HU" dirty="0" smtClean="0"/>
-              <a:t>Problémafelvetés</a:t>
-            </a:r>
-            <a:endParaRPr lang="hu-HU" dirty="0"/>
-          </a:p>
-        </p:txBody>
-      </p:sp>
-      <p:sp>
-        <p:nvSpPr>
-          <p:cNvPr id="4" name="Tartalom helye 3"/>
-          <p:cNvSpPr>
-            <a:spLocks noGrp="1"/>
-          </p:cNvSpPr>
-          <p:nvPr>
-            <p:ph sz="half" idx="1"/>
-          </p:nvPr>
-        </p:nvSpPr>
-        <p:spPr/>
-        <p:txBody>
-          <a:bodyPr/>
-          <a:lstStyle/>
-          <a:p>
-            <a:r>
-              <a:rPr lang="hu-HU" dirty="0" smtClean="0"/>
-              <a:t>MOG</a:t>
-            </a:r>
-          </a:p>
-          <a:p>
-            <a:r>
               <a:rPr lang="hu-HU" dirty="0" err="1" smtClean="0"/>
-              <a:t>Background</a:t>
+              <a:t>Mozgásdetekció</a:t>
             </a:r>
             <a:r>
               <a:rPr lang="hu-HU" dirty="0" smtClean="0"/>
@@ -3202,23 +3477,28 @@
             </a:r>
             <a:r>
               <a:rPr lang="hu-HU" dirty="0" err="1" smtClean="0"/>
-              <a:t>substaction</a:t>
-            </a:r>
-            <a:endParaRPr lang="hu-HU" dirty="0" smtClean="0"/>
-          </a:p>
-          <a:p>
+              <a:t>vs</a:t>
+            </a:r>
+            <a:r>
+              <a:rPr lang="hu-HU" dirty="0" smtClean="0"/>
+              <a:t> </a:t>
+            </a:r>
+            <a:r>
+              <a:rPr lang="hu-HU" dirty="0" err="1" smtClean="0"/>
+              <a:t>változásdetekció</a:t>
+            </a:r>
             <a:endParaRPr lang="hu-HU" dirty="0"/>
           </a:p>
         </p:txBody>
       </p:sp>
       <p:sp>
         <p:nvSpPr>
-          <p:cNvPr id="5" name="Tartalom helye 4"/>
-          <p:cNvSpPr>
-            <a:spLocks noGrp="1"/>
-          </p:cNvSpPr>
-          <p:nvPr>
-            <p:ph sz="half" idx="2"/>
+          <p:cNvPr id="3" name="Tartalom helye 2"/>
+          <p:cNvSpPr>
+            <a:spLocks noGrp="1"/>
+          </p:cNvSpPr>
+          <p:nvPr>
+            <p:ph idx="1"/>
           </p:nvPr>
         </p:nvSpPr>
         <p:spPr/>
@@ -3228,8 +3508,16 @@
           <a:p>
             <a:r>
               <a:rPr lang="hu-HU" dirty="0" smtClean="0"/>
-              <a:t>Apertúra probléma</a:t>
-            </a:r>
+              <a:t>Felhasználás</a:t>
+            </a:r>
+          </a:p>
+          <a:p>
+            <a:r>
+              <a:rPr lang="hu-HU" dirty="0" smtClean="0"/>
+              <a:t>Süt a nap...</a:t>
+            </a:r>
+          </a:p>
+          <a:p>
             <a:endParaRPr lang="hu-HU" dirty="0"/>
           </a:p>
         </p:txBody>
@@ -3237,7 +3525,7 @@
     </p:spTree>
     <p:extLst>
       <p:ext uri="{BB962C8B-B14F-4D97-AF65-F5344CB8AC3E}">
-        <p14:creationId xmlns:p14="http://schemas.microsoft.com/office/powerpoint/2010/main" val="845718645"/>
+        <p14:creationId xmlns:p14="http://schemas.microsoft.com/office/powerpoint/2010/main" val="1949123397"/>
       </p:ext>
     </p:extLst>
   </p:cSld>
@@ -3281,6 +3569,360 @@
           <a:p>
             <a:r>
               <a:rPr lang="hu-HU" dirty="0" smtClean="0"/>
+              <a:t>Problémafelvetés</a:t>
+            </a:r>
+            <a:endParaRPr lang="hu-HU" dirty="0"/>
+          </a:p>
+        </p:txBody>
+      </p:sp>
+      <p:sp>
+        <p:nvSpPr>
+          <p:cNvPr id="4" name="Tartalom helye 3"/>
+          <p:cNvSpPr>
+            <a:spLocks noGrp="1"/>
+          </p:cNvSpPr>
+          <p:nvPr>
+            <p:ph sz="half" idx="1"/>
+          </p:nvPr>
+        </p:nvSpPr>
+        <p:spPr/>
+        <p:txBody>
+          <a:bodyPr/>
+          <a:lstStyle/>
+          <a:p>
+            <a:r>
+              <a:rPr lang="hu-HU" dirty="0" smtClean="0"/>
+              <a:t>MOG</a:t>
+            </a:r>
+          </a:p>
+          <a:p>
+            <a:r>
+              <a:rPr lang="hu-HU" dirty="0" err="1" smtClean="0"/>
+              <a:t>Background</a:t>
+            </a:r>
+            <a:r>
+              <a:rPr lang="hu-HU" dirty="0" smtClean="0"/>
+              <a:t> </a:t>
+            </a:r>
+            <a:r>
+              <a:rPr lang="hu-HU" dirty="0" err="1" smtClean="0"/>
+              <a:t>substaction</a:t>
+            </a:r>
+            <a:endParaRPr lang="hu-HU" dirty="0" smtClean="0"/>
+          </a:p>
+          <a:p>
+            <a:endParaRPr lang="hu-HU" dirty="0"/>
+          </a:p>
+        </p:txBody>
+      </p:sp>
+      <p:sp>
+        <p:nvSpPr>
+          <p:cNvPr id="5" name="Tartalom helye 4"/>
+          <p:cNvSpPr>
+            <a:spLocks noGrp="1"/>
+          </p:cNvSpPr>
+          <p:nvPr>
+            <p:ph sz="half" idx="2"/>
+          </p:nvPr>
+        </p:nvSpPr>
+        <p:spPr/>
+        <p:txBody>
+          <a:bodyPr/>
+          <a:lstStyle/>
+          <a:p>
+            <a:r>
+              <a:rPr lang="hu-HU" dirty="0" smtClean="0"/>
+              <a:t>Apertúra </a:t>
+            </a:r>
+            <a:r>
+              <a:rPr lang="hu-HU" dirty="0" smtClean="0"/>
+              <a:t>probléma</a:t>
+            </a:r>
+          </a:p>
+          <a:p>
+            <a:endParaRPr lang="hu-HU" dirty="0"/>
+          </a:p>
+          <a:p>
+            <a:endParaRPr lang="hu-HU" dirty="0" smtClean="0"/>
+          </a:p>
+          <a:p>
+            <a:r>
+              <a:rPr lang="hu-HU" dirty="0" smtClean="0"/>
+              <a:t>Hivatkozás a cikkre</a:t>
+            </a:r>
+            <a:endParaRPr lang="hu-HU" dirty="0"/>
+          </a:p>
+        </p:txBody>
+      </p:sp>
+    </p:spTree>
+    <p:extLst>
+      <p:ext uri="{BB962C8B-B14F-4D97-AF65-F5344CB8AC3E}">
+        <p14:creationId xmlns:p14="http://schemas.microsoft.com/office/powerpoint/2010/main" val="845718645"/>
+      </p:ext>
+    </p:extLst>
+  </p:cSld>
+  <p:clrMapOvr>
+    <a:masterClrMapping/>
+  </p:clrMapOvr>
+</p:sld>
+</file>
+
+<file path=ppt/slides/slide4.xml><?xml version="1.0" encoding="utf-8"?>
+<p:sld xmlns:a="http://schemas.openxmlformats.org/drawingml/2006/main" xmlns:r="http://schemas.openxmlformats.org/officeDocument/2006/relationships" xmlns:p="http://schemas.openxmlformats.org/presentationml/2006/main">
+  <p:cSld>
+    <p:spTree>
+      <p:nvGrpSpPr>
+        <p:cNvPr id="1" name=""/>
+        <p:cNvGrpSpPr/>
+        <p:nvPr/>
+      </p:nvGrpSpPr>
+      <p:grpSpPr>
+        <a:xfrm>
+          <a:off x="0" y="0"/>
+          <a:ext cx="0" cy="0"/>
+          <a:chOff x="0" y="0"/>
+          <a:chExt cx="0" cy="0"/>
+        </a:xfrm>
+      </p:grpSpPr>
+      <p:sp>
+        <p:nvSpPr>
+          <p:cNvPr id="2" name="Cím 1"/>
+          <p:cNvSpPr>
+            <a:spLocks noGrp="1"/>
+          </p:cNvSpPr>
+          <p:nvPr>
+            <p:ph type="title"/>
+          </p:nvPr>
+        </p:nvSpPr>
+        <p:spPr/>
+        <p:txBody>
+          <a:bodyPr/>
+          <a:lstStyle/>
+          <a:p>
+            <a:r>
+              <a:rPr lang="hu-HU" dirty="0" smtClean="0"/>
+              <a:t>ötlet</a:t>
+            </a:r>
+            <a:endParaRPr lang="hu-HU" dirty="0"/>
+          </a:p>
+        </p:txBody>
+      </p:sp>
+      <p:sp>
+        <p:nvSpPr>
+          <p:cNvPr id="3" name="Tartalom helye 2"/>
+          <p:cNvSpPr>
+            <a:spLocks noGrp="1"/>
+          </p:cNvSpPr>
+          <p:nvPr>
+            <p:ph sz="half" idx="1"/>
+          </p:nvPr>
+        </p:nvSpPr>
+        <p:spPr/>
+        <p:txBody>
+          <a:bodyPr/>
+          <a:lstStyle/>
+          <a:p>
+            <a:r>
+              <a:rPr lang="hu-HU" dirty="0" smtClean="0"/>
+              <a:t>Apertúraprobléma megoldása</a:t>
+            </a:r>
+          </a:p>
+          <a:p>
+            <a:r>
+              <a:rPr lang="hu-HU" dirty="0" err="1" smtClean="0"/>
+              <a:t>Neural</a:t>
+            </a:r>
+            <a:r>
+              <a:rPr lang="hu-HU" dirty="0" smtClean="0"/>
+              <a:t> net</a:t>
+            </a:r>
+            <a:endParaRPr lang="hu-HU" dirty="0"/>
+          </a:p>
+        </p:txBody>
+      </p:sp>
+      <p:sp>
+        <p:nvSpPr>
+          <p:cNvPr id="4" name="Tartalom helye 3"/>
+          <p:cNvSpPr>
+            <a:spLocks noGrp="1"/>
+          </p:cNvSpPr>
+          <p:nvPr>
+            <p:ph sz="half" idx="2"/>
+          </p:nvPr>
+        </p:nvSpPr>
+        <p:spPr/>
+        <p:txBody>
+          <a:bodyPr/>
+          <a:lstStyle/>
+          <a:p>
+            <a:endParaRPr lang="hu-HU"/>
+          </a:p>
+        </p:txBody>
+      </p:sp>
+    </p:spTree>
+    <p:extLst>
+      <p:ext uri="{BB962C8B-B14F-4D97-AF65-F5344CB8AC3E}">
+        <p14:creationId xmlns:p14="http://schemas.microsoft.com/office/powerpoint/2010/main" val="1127630823"/>
+      </p:ext>
+    </p:extLst>
+  </p:cSld>
+  <p:clrMapOvr>
+    <a:masterClrMapping/>
+  </p:clrMapOvr>
+</p:sld>
+</file>
+
+<file path=ppt/slides/slide5.xml><?xml version="1.0" encoding="utf-8"?>
+<p:sld xmlns:a="http://schemas.openxmlformats.org/drawingml/2006/main" xmlns:r="http://schemas.openxmlformats.org/officeDocument/2006/relationships" xmlns:p="http://schemas.openxmlformats.org/presentationml/2006/main">
+  <p:cSld>
+    <p:spTree>
+      <p:nvGrpSpPr>
+        <p:cNvPr id="1" name=""/>
+        <p:cNvGrpSpPr/>
+        <p:nvPr/>
+      </p:nvGrpSpPr>
+      <p:grpSpPr>
+        <a:xfrm>
+          <a:off x="0" y="0"/>
+          <a:ext cx="0" cy="0"/>
+          <a:chOff x="0" y="0"/>
+          <a:chExt cx="0" cy="0"/>
+        </a:xfrm>
+      </p:grpSpPr>
+      <p:sp>
+        <p:nvSpPr>
+          <p:cNvPr id="2" name="Cím 1"/>
+          <p:cNvSpPr>
+            <a:spLocks noGrp="1"/>
+          </p:cNvSpPr>
+          <p:nvPr>
+            <p:ph type="title"/>
+          </p:nvPr>
+        </p:nvSpPr>
+        <p:spPr/>
+        <p:txBody>
+          <a:bodyPr/>
+          <a:lstStyle/>
+          <a:p>
+            <a:r>
+              <a:rPr lang="hu-HU" dirty="0" smtClean="0"/>
+              <a:t>Neurális háló</a:t>
+            </a:r>
+            <a:endParaRPr lang="hu-HU" dirty="0"/>
+          </a:p>
+        </p:txBody>
+      </p:sp>
+      <p:sp>
+        <p:nvSpPr>
+          <p:cNvPr id="3" name="Tartalom helye 2"/>
+          <p:cNvSpPr>
+            <a:spLocks noGrp="1"/>
+          </p:cNvSpPr>
+          <p:nvPr>
+            <p:ph sz="half" idx="1"/>
+          </p:nvPr>
+        </p:nvSpPr>
+        <p:spPr/>
+        <p:txBody>
+          <a:bodyPr/>
+          <a:lstStyle/>
+          <a:p>
+            <a:r>
+              <a:rPr lang="hu-HU" dirty="0" err="1" smtClean="0"/>
+              <a:t>Autoencoder</a:t>
+            </a:r>
+            <a:endParaRPr lang="hu-HU" dirty="0" smtClean="0"/>
+          </a:p>
+          <a:p>
+            <a:r>
+              <a:rPr lang="hu-HU" dirty="0" err="1" smtClean="0"/>
+              <a:t>Cafe</a:t>
+            </a:r>
+            <a:r>
+              <a:rPr lang="hu-HU" dirty="0" smtClean="0"/>
+              <a:t> 2</a:t>
+            </a:r>
+          </a:p>
+          <a:p>
+            <a:endParaRPr lang="hu-HU" dirty="0" smtClean="0"/>
+          </a:p>
+          <a:p>
+            <a:r>
+              <a:rPr lang="hu-HU" dirty="0" smtClean="0"/>
+              <a:t>Bemenet</a:t>
+            </a:r>
+          </a:p>
+          <a:p>
+            <a:endParaRPr lang="hu-HU" dirty="0"/>
+          </a:p>
+        </p:txBody>
+      </p:sp>
+      <p:sp>
+        <p:nvSpPr>
+          <p:cNvPr id="4" name="Tartalom helye 3"/>
+          <p:cNvSpPr>
+            <a:spLocks noGrp="1"/>
+          </p:cNvSpPr>
+          <p:nvPr>
+            <p:ph sz="half" idx="2"/>
+          </p:nvPr>
+        </p:nvSpPr>
+        <p:spPr/>
+        <p:txBody>
+          <a:bodyPr/>
+          <a:lstStyle/>
+          <a:p>
+            <a:endParaRPr lang="hu-HU"/>
+          </a:p>
+        </p:txBody>
+      </p:sp>
+    </p:spTree>
+    <p:extLst>
+      <p:ext uri="{BB962C8B-B14F-4D97-AF65-F5344CB8AC3E}">
+        <p14:creationId xmlns:p14="http://schemas.microsoft.com/office/powerpoint/2010/main" val="955277246"/>
+      </p:ext>
+    </p:extLst>
+  </p:cSld>
+  <p:clrMapOvr>
+    <a:masterClrMapping/>
+  </p:clrMapOvr>
+</p:sld>
+</file>
+
+<file path=ppt/slides/slide6.xml><?xml version="1.0" encoding="utf-8"?>
+<p:sld xmlns:a="http://schemas.openxmlformats.org/drawingml/2006/main" xmlns:r="http://schemas.openxmlformats.org/officeDocument/2006/relationships" xmlns:p="http://schemas.openxmlformats.org/presentationml/2006/main">
+  <p:cSld>
+    <p:spTree>
+      <p:nvGrpSpPr>
+        <p:cNvPr id="1" name=""/>
+        <p:cNvGrpSpPr/>
+        <p:nvPr/>
+      </p:nvGrpSpPr>
+      <p:grpSpPr>
+        <a:xfrm>
+          <a:off x="0" y="0"/>
+          <a:ext cx="0" cy="0"/>
+          <a:chOff x="0" y="0"/>
+          <a:chExt cx="0" cy="0"/>
+        </a:xfrm>
+      </p:grpSpPr>
+      <p:sp>
+        <p:nvSpPr>
+          <p:cNvPr id="2" name="Cím 1"/>
+          <p:cNvSpPr>
+            <a:spLocks noGrp="1"/>
+          </p:cNvSpPr>
+          <p:nvPr>
+            <p:ph type="title"/>
+          </p:nvPr>
+        </p:nvSpPr>
+        <p:spPr/>
+        <p:txBody>
+          <a:bodyPr/>
+          <a:lstStyle/>
+          <a:p>
+            <a:r>
+              <a:rPr lang="hu-HU" dirty="0" smtClean="0"/>
               <a:t>Fejlesztőkörnyezet</a:t>
             </a:r>
             <a:endParaRPr lang="hu-HU" dirty="0"/>
@@ -3329,7 +3971,7 @@
 </p:sld>
 </file>
 
-<file path=ppt/slides/slide4.xml><?xml version="1.0" encoding="utf-8"?>
+<file path=ppt/slides/slide7.xml><?xml version="1.0" encoding="utf-8"?>
 <p:sld xmlns:a="http://schemas.openxmlformats.org/drawingml/2006/main" xmlns:r="http://schemas.openxmlformats.org/officeDocument/2006/relationships" xmlns:p="http://schemas.openxmlformats.org/presentationml/2006/main">
   <p:cSld>
     <p:spTree>
@@ -3592,7 +4234,7 @@
 </p:sld>
 </file>
 
-<file path=ppt/slides/slide5.xml><?xml version="1.0" encoding="utf-8"?>
+<file path=ppt/slides/slide8.xml><?xml version="1.0" encoding="utf-8"?>
 <p:sld xmlns:a="http://schemas.openxmlformats.org/drawingml/2006/main" xmlns:r="http://schemas.openxmlformats.org/officeDocument/2006/relationships" xmlns:p="http://schemas.openxmlformats.org/presentationml/2006/main">
   <p:cSld>
     <p:spTree>
@@ -3763,7 +4405,7 @@
 </p:sld>
 </file>
 
-<file path=ppt/slides/slide6.xml><?xml version="1.0" encoding="utf-8"?>
+<file path=ppt/slides/slide9.xml><?xml version="1.0" encoding="utf-8"?>
 <p:sld xmlns:a="http://schemas.openxmlformats.org/drawingml/2006/main" xmlns:r="http://schemas.openxmlformats.org/officeDocument/2006/relationships" xmlns:p="http://schemas.openxmlformats.org/presentationml/2006/main">
   <p:cSld>
     <p:spTree>
@@ -3803,7 +4445,6 @@
               <a:rPr lang="hu-HU" dirty="0"/>
               <a:t> of Gaussians</a:t>
             </a:r>
-            <a:endParaRPr lang="hu-HU" dirty="0"/>
           </a:p>
         </p:txBody>
       </p:sp>
@@ -3828,11 +4469,7 @@
             </a:r>
             <a:r>
               <a:rPr lang="hu-HU" dirty="0" smtClean="0"/>
-              <a:t> </a:t>
-            </a:r>
-            <a:r>
-              <a:rPr lang="hu-HU" dirty="0" smtClean="0"/>
-              <a:t>adattárolás</a:t>
+              <a:t> adattárolás</a:t>
             </a:r>
           </a:p>
           <a:p>
@@ -3875,308 +4512,6 @@
     <p:extLst>
       <p:ext uri="{BB962C8B-B14F-4D97-AF65-F5344CB8AC3E}">
         <p14:creationId xmlns:p14="http://schemas.microsoft.com/office/powerpoint/2010/main" val="2621448735"/>
-      </p:ext>
-    </p:extLst>
-  </p:cSld>
-  <p:clrMapOvr>
-    <a:masterClrMapping/>
-  </p:clrMapOvr>
-</p:sld>
-</file>
-
-<file path=ppt/slides/slide7.xml><?xml version="1.0" encoding="utf-8"?>
-<p:sld xmlns:a="http://schemas.openxmlformats.org/drawingml/2006/main" xmlns:r="http://schemas.openxmlformats.org/officeDocument/2006/relationships" xmlns:p="http://schemas.openxmlformats.org/presentationml/2006/main">
-  <p:cSld>
-    <p:spTree>
-      <p:nvGrpSpPr>
-        <p:cNvPr id="1" name=""/>
-        <p:cNvGrpSpPr/>
-        <p:nvPr/>
-      </p:nvGrpSpPr>
-      <p:grpSpPr>
-        <a:xfrm>
-          <a:off x="0" y="0"/>
-          <a:ext cx="0" cy="0"/>
-          <a:chOff x="0" y="0"/>
-          <a:chExt cx="0" cy="0"/>
-        </a:xfrm>
-      </p:grpSpPr>
-      <p:sp>
-        <p:nvSpPr>
-          <p:cNvPr id="2" name="Cím 1"/>
-          <p:cNvSpPr>
-            <a:spLocks noGrp="1"/>
-          </p:cNvSpPr>
-          <p:nvPr>
-            <p:ph type="title"/>
-          </p:nvPr>
-        </p:nvSpPr>
-        <p:spPr/>
-        <p:txBody>
-          <a:bodyPr/>
-          <a:lstStyle/>
-          <a:p>
-            <a:r>
-              <a:rPr lang="hu-HU" dirty="0" err="1"/>
-              <a:t>Mixture</a:t>
-            </a:r>
-            <a:r>
-              <a:rPr lang="hu-HU" dirty="0"/>
-              <a:t> of Gaussians</a:t>
-            </a:r>
-            <a:endParaRPr lang="hu-HU" dirty="0"/>
-          </a:p>
-        </p:txBody>
-      </p:sp>
-      <p:sp>
-        <p:nvSpPr>
-          <p:cNvPr id="3" name="Tartalom helye 2"/>
-          <p:cNvSpPr>
-            <a:spLocks noGrp="1"/>
-          </p:cNvSpPr>
-          <p:nvPr>
-            <p:ph idx="1"/>
-          </p:nvPr>
-        </p:nvSpPr>
-        <p:spPr/>
-        <p:txBody>
-          <a:bodyPr/>
-          <a:lstStyle/>
-          <a:p>
-            <a:r>
-              <a:rPr lang="hu-HU" dirty="0" smtClean="0"/>
-              <a:t>Tömbműveletek</a:t>
-            </a:r>
-          </a:p>
-          <a:p>
-            <a:r>
-              <a:rPr lang="hu-HU" dirty="0" err="1" smtClean="0"/>
-              <a:t>np.einsum</a:t>
-            </a:r>
-            <a:r>
-              <a:rPr lang="hu-HU" dirty="0" smtClean="0"/>
-              <a:t>()</a:t>
-            </a:r>
-            <a:endParaRPr lang="hu-HU" dirty="0"/>
-          </a:p>
-        </p:txBody>
-      </p:sp>
-      <p:pic>
-        <p:nvPicPr>
-          <p:cNvPr id="4" name="Kép 3"/>
-          <p:cNvPicPr>
-            <a:picLocks noChangeAspect="1"/>
-          </p:cNvPicPr>
-          <p:nvPr/>
-        </p:nvPicPr>
-        <p:blipFill>
-          <a:blip r:embed="rId2"/>
-          <a:stretch>
-            <a:fillRect/>
-          </a:stretch>
-        </p:blipFill>
-        <p:spPr>
-          <a:xfrm>
-            <a:off x="4743730" y="2285159"/>
-            <a:ext cx="6444426" cy="879382"/>
-          </a:xfrm>
-          <a:prstGeom prst="rect">
-            <a:avLst/>
-          </a:prstGeom>
-        </p:spPr>
-      </p:pic>
-      <p:pic>
-        <p:nvPicPr>
-          <p:cNvPr id="5" name="Kép 4"/>
-          <p:cNvPicPr>
-            <a:picLocks noChangeAspect="1"/>
-          </p:cNvPicPr>
-          <p:nvPr/>
-        </p:nvPicPr>
-        <p:blipFill>
-          <a:blip r:embed="rId3"/>
-          <a:stretch>
-            <a:fillRect/>
-          </a:stretch>
-        </p:blipFill>
-        <p:spPr>
-          <a:xfrm>
-            <a:off x="3554785" y="4010585"/>
-            <a:ext cx="6786784" cy="1870262"/>
-          </a:xfrm>
-          <a:prstGeom prst="rect">
-            <a:avLst/>
-          </a:prstGeom>
-        </p:spPr>
-      </p:pic>
-    </p:spTree>
-    <p:extLst>
-      <p:ext uri="{BB962C8B-B14F-4D97-AF65-F5344CB8AC3E}">
-        <p14:creationId xmlns:p14="http://schemas.microsoft.com/office/powerpoint/2010/main" val="3060981070"/>
-      </p:ext>
-    </p:extLst>
-  </p:cSld>
-  <p:clrMapOvr>
-    <a:masterClrMapping/>
-  </p:clrMapOvr>
-</p:sld>
-</file>
-
-<file path=ppt/slides/slide8.xml><?xml version="1.0" encoding="utf-8"?>
-<p:sld xmlns:a="http://schemas.openxmlformats.org/drawingml/2006/main" xmlns:r="http://schemas.openxmlformats.org/officeDocument/2006/relationships" xmlns:p="http://schemas.openxmlformats.org/presentationml/2006/main">
-  <p:cSld>
-    <p:spTree>
-      <p:nvGrpSpPr>
-        <p:cNvPr id="1" name=""/>
-        <p:cNvGrpSpPr/>
-        <p:nvPr/>
-      </p:nvGrpSpPr>
-      <p:grpSpPr>
-        <a:xfrm>
-          <a:off x="0" y="0"/>
-          <a:ext cx="0" cy="0"/>
-          <a:chOff x="0" y="0"/>
-          <a:chExt cx="0" cy="0"/>
-        </a:xfrm>
-      </p:grpSpPr>
-      <p:sp>
-        <p:nvSpPr>
-          <p:cNvPr id="2" name="Cím 1"/>
-          <p:cNvSpPr>
-            <a:spLocks noGrp="1"/>
-          </p:cNvSpPr>
-          <p:nvPr>
-            <p:ph type="title"/>
-          </p:nvPr>
-        </p:nvSpPr>
-        <p:spPr/>
-        <p:txBody>
-          <a:bodyPr/>
-          <a:lstStyle/>
-          <a:p>
-            <a:r>
-              <a:rPr lang="hu-HU" dirty="0" smtClean="0"/>
-              <a:t>Elért eredmények</a:t>
-            </a:r>
-            <a:endParaRPr lang="hu-HU" dirty="0"/>
-          </a:p>
-        </p:txBody>
-      </p:sp>
-      <p:sp>
-        <p:nvSpPr>
-          <p:cNvPr id="3" name="Tartalom helye 2"/>
-          <p:cNvSpPr>
-            <a:spLocks noGrp="1"/>
-          </p:cNvSpPr>
-          <p:nvPr>
-            <p:ph idx="1"/>
-          </p:nvPr>
-        </p:nvSpPr>
-        <p:spPr/>
-        <p:txBody>
-          <a:bodyPr/>
-          <a:lstStyle/>
-          <a:p>
-            <a:r>
-              <a:rPr lang="hu-HU" dirty="0" smtClean="0"/>
-              <a:t>Teszt </a:t>
-            </a:r>
-            <a:r>
-              <a:rPr lang="hu-HU" dirty="0" smtClean="0"/>
-              <a:t>képek összehasonlítva </a:t>
-            </a:r>
-            <a:r>
-              <a:rPr lang="hu-HU" dirty="0" err="1" smtClean="0"/>
-              <a:t>openCV</a:t>
-            </a:r>
-            <a:r>
-              <a:rPr lang="hu-HU" dirty="0" smtClean="0"/>
-              <a:t> MOG algoritmussal</a:t>
-            </a:r>
-            <a:endParaRPr lang="hu-HU" dirty="0"/>
-          </a:p>
-        </p:txBody>
-      </p:sp>
-    </p:spTree>
-    <p:extLst>
-      <p:ext uri="{BB962C8B-B14F-4D97-AF65-F5344CB8AC3E}">
-        <p14:creationId xmlns:p14="http://schemas.microsoft.com/office/powerpoint/2010/main" val="4078088953"/>
-      </p:ext>
-    </p:extLst>
-  </p:cSld>
-  <p:clrMapOvr>
-    <a:masterClrMapping/>
-  </p:clrMapOvr>
-</p:sld>
-</file>
-
-<file path=ppt/slides/slide9.xml><?xml version="1.0" encoding="utf-8"?>
-<p:sld xmlns:a="http://schemas.openxmlformats.org/drawingml/2006/main" xmlns:r="http://schemas.openxmlformats.org/officeDocument/2006/relationships" xmlns:p="http://schemas.openxmlformats.org/presentationml/2006/main">
-  <p:cSld>
-    <p:spTree>
-      <p:nvGrpSpPr>
-        <p:cNvPr id="1" name=""/>
-        <p:cNvGrpSpPr/>
-        <p:nvPr/>
-      </p:nvGrpSpPr>
-      <p:grpSpPr>
-        <a:xfrm>
-          <a:off x="0" y="0"/>
-          <a:ext cx="0" cy="0"/>
-          <a:chOff x="0" y="0"/>
-          <a:chExt cx="0" cy="0"/>
-        </a:xfrm>
-      </p:grpSpPr>
-      <p:sp>
-        <p:nvSpPr>
-          <p:cNvPr id="2" name="Cím 1"/>
-          <p:cNvSpPr>
-            <a:spLocks noGrp="1"/>
-          </p:cNvSpPr>
-          <p:nvPr>
-            <p:ph type="title"/>
-          </p:nvPr>
-        </p:nvSpPr>
-        <p:spPr/>
-        <p:txBody>
-          <a:bodyPr/>
-          <a:lstStyle/>
-          <a:p>
-            <a:r>
-              <a:rPr lang="hu-HU" dirty="0" smtClean="0"/>
-              <a:t>További tervek</a:t>
-            </a:r>
-            <a:endParaRPr lang="hu-HU" dirty="0"/>
-          </a:p>
-        </p:txBody>
-      </p:sp>
-      <p:sp>
-        <p:nvSpPr>
-          <p:cNvPr id="3" name="Tartalom helye 2"/>
-          <p:cNvSpPr>
-            <a:spLocks noGrp="1"/>
-          </p:cNvSpPr>
-          <p:nvPr>
-            <p:ph idx="1"/>
-          </p:nvPr>
-        </p:nvSpPr>
-        <p:spPr/>
-        <p:txBody>
-          <a:bodyPr/>
-          <a:lstStyle/>
-          <a:p>
-            <a:r>
-              <a:rPr lang="hu-HU" dirty="0" smtClean="0"/>
-              <a:t>Neurális háló az apertúra problémára</a:t>
-            </a:r>
-            <a:endParaRPr lang="hu-HU" dirty="0"/>
-          </a:p>
-        </p:txBody>
-      </p:sp>
-    </p:spTree>
-    <p:extLst>
-      <p:ext uri="{BB962C8B-B14F-4D97-AF65-F5344CB8AC3E}">
-        <p14:creationId xmlns:p14="http://schemas.microsoft.com/office/powerpoint/2010/main" val="4020667477"/>
       </p:ext>
     </p:extLst>
   </p:cSld>

--- a/01_doc/presentation.pptx
+++ b/01_doc/presentation.pptx
@@ -255,7 +255,7 @@
           <a:p>
             <a:fld id="{A2CBA9FF-E58C-4A4B-B797-E213643C68CF}" type="datetimeFigureOut">
               <a:rPr lang="hu-HU" smtClean="0"/>
-              <a:t>2018. 11. 29.</a:t>
+              <a:t>2018. 12. 04.</a:t>
             </a:fld>
             <a:endParaRPr lang="hu-HU"/>
           </a:p>
@@ -425,7 +425,7 @@
           <a:p>
             <a:fld id="{A2CBA9FF-E58C-4A4B-B797-E213643C68CF}" type="datetimeFigureOut">
               <a:rPr lang="hu-HU" smtClean="0"/>
-              <a:t>2018. 11. 29.</a:t>
+              <a:t>2018. 12. 04.</a:t>
             </a:fld>
             <a:endParaRPr lang="hu-HU"/>
           </a:p>
@@ -605,7 +605,7 @@
           <a:p>
             <a:fld id="{A2CBA9FF-E58C-4A4B-B797-E213643C68CF}" type="datetimeFigureOut">
               <a:rPr lang="hu-HU" smtClean="0"/>
-              <a:t>2018. 11. 29.</a:t>
+              <a:t>2018. 12. 04.</a:t>
             </a:fld>
             <a:endParaRPr lang="hu-HU"/>
           </a:p>
@@ -775,7 +775,7 @@
           <a:p>
             <a:fld id="{A2CBA9FF-E58C-4A4B-B797-E213643C68CF}" type="datetimeFigureOut">
               <a:rPr lang="hu-HU" smtClean="0"/>
-              <a:t>2018. 11. 29.</a:t>
+              <a:t>2018. 12. 04.</a:t>
             </a:fld>
             <a:endParaRPr lang="hu-HU"/>
           </a:p>
@@ -1021,7 +1021,7 @@
           <a:p>
             <a:fld id="{A2CBA9FF-E58C-4A4B-B797-E213643C68CF}" type="datetimeFigureOut">
               <a:rPr lang="hu-HU" smtClean="0"/>
-              <a:t>2018. 11. 29.</a:t>
+              <a:t>2018. 12. 04.</a:t>
             </a:fld>
             <a:endParaRPr lang="hu-HU"/>
           </a:p>
@@ -1253,7 +1253,7 @@
           <a:p>
             <a:fld id="{A2CBA9FF-E58C-4A4B-B797-E213643C68CF}" type="datetimeFigureOut">
               <a:rPr lang="hu-HU" smtClean="0"/>
-              <a:t>2018. 11. 29.</a:t>
+              <a:t>2018. 12. 04.</a:t>
             </a:fld>
             <a:endParaRPr lang="hu-HU"/>
           </a:p>
@@ -1620,7 +1620,7 @@
           <a:p>
             <a:fld id="{A2CBA9FF-E58C-4A4B-B797-E213643C68CF}" type="datetimeFigureOut">
               <a:rPr lang="hu-HU" smtClean="0"/>
-              <a:t>2018. 11. 29.</a:t>
+              <a:t>2018. 12. 04.</a:t>
             </a:fld>
             <a:endParaRPr lang="hu-HU"/>
           </a:p>
@@ -1738,7 +1738,7 @@
           <a:p>
             <a:fld id="{A2CBA9FF-E58C-4A4B-B797-E213643C68CF}" type="datetimeFigureOut">
               <a:rPr lang="hu-HU" smtClean="0"/>
-              <a:t>2018. 11. 29.</a:t>
+              <a:t>2018. 12. 04.</a:t>
             </a:fld>
             <a:endParaRPr lang="hu-HU"/>
           </a:p>
@@ -1833,7 +1833,7 @@
           <a:p>
             <a:fld id="{A2CBA9FF-E58C-4A4B-B797-E213643C68CF}" type="datetimeFigureOut">
               <a:rPr lang="hu-HU" smtClean="0"/>
-              <a:t>2018. 11. 29.</a:t>
+              <a:t>2018. 12. 04.</a:t>
             </a:fld>
             <a:endParaRPr lang="hu-HU"/>
           </a:p>
@@ -2110,7 +2110,7 @@
           <a:p>
             <a:fld id="{A2CBA9FF-E58C-4A4B-B797-E213643C68CF}" type="datetimeFigureOut">
               <a:rPr lang="hu-HU" smtClean="0"/>
-              <a:t>2018. 11. 29.</a:t>
+              <a:t>2018. 12. 04.</a:t>
             </a:fld>
             <a:endParaRPr lang="hu-HU"/>
           </a:p>
@@ -2363,7 +2363,7 @@
           <a:p>
             <a:fld id="{A2CBA9FF-E58C-4A4B-B797-E213643C68CF}" type="datetimeFigureOut">
               <a:rPr lang="hu-HU" smtClean="0"/>
-              <a:t>2018. 11. 29.</a:t>
+              <a:t>2018. 12. 04.</a:t>
             </a:fld>
             <a:endParaRPr lang="hu-HU"/>
           </a:p>
@@ -2576,7 +2576,7 @@
           <a:p>
             <a:fld id="{A2CBA9FF-E58C-4A4B-B797-E213643C68CF}" type="datetimeFigureOut">
               <a:rPr lang="hu-HU" smtClean="0"/>
-              <a:t>2018. 11. 29.</a:t>
+              <a:t>2018. 12. 04.</a:t>
             </a:fld>
             <a:endParaRPr lang="hu-HU"/>
           </a:p>
@@ -2999,8 +2999,12 @@
           <a:lstStyle/>
           <a:p>
             <a:r>
+              <a:rPr lang="hu-HU" dirty="0" smtClean="0"/>
+              <a:t>Mozgás </a:t>
+            </a:r>
+            <a:r>
               <a:rPr lang="hu-HU" dirty="0" err="1" smtClean="0"/>
-              <a:t>Mozgásdetekció</a:t>
+              <a:t>detekció</a:t>
             </a:r>
             <a:r>
               <a:rPr lang="hu-HU" dirty="0" smtClean="0"/>
@@ -3632,11 +3636,7 @@
           <a:p>
             <a:r>
               <a:rPr lang="hu-HU" dirty="0" smtClean="0"/>
-              <a:t>Apertúra </a:t>
-            </a:r>
-            <a:r>
-              <a:rPr lang="hu-HU" dirty="0" smtClean="0"/>
-              <a:t>probléma</a:t>
+              <a:t>Apertúra probléma</a:t>
             </a:r>
           </a:p>
           <a:p>
@@ -4500,8 +4500,8 @@
         </p:blipFill>
         <p:spPr>
           <a:xfrm>
-            <a:off x="5196821" y="3816723"/>
-            <a:ext cx="6049403" cy="1768287"/>
+            <a:off x="3793126" y="3275215"/>
+            <a:ext cx="7560674" cy="2210043"/>
           </a:xfrm>
           <a:prstGeom prst="rect">
             <a:avLst/>

--- a/01_doc/presentation.pptx
+++ b/01_doc/presentation.pptx
@@ -12,9 +12,10 @@
     <p:sldId id="267" r:id="rId6"/>
     <p:sldId id="258" r:id="rId7"/>
     <p:sldId id="259" r:id="rId8"/>
-    <p:sldId id="260" r:id="rId9"/>
-    <p:sldId id="261" r:id="rId10"/>
-    <p:sldId id="265" r:id="rId11"/>
+    <p:sldId id="270" r:id="rId9"/>
+    <p:sldId id="260" r:id="rId10"/>
+    <p:sldId id="261" r:id="rId11"/>
+    <p:sldId id="265" r:id="rId12"/>
   </p:sldIdLst>
   <p:sldSz cx="12192000" cy="6858000"/>
   <p:notesSz cx="6858000" cy="9144000"/>
@@ -121,6 +122,8458 @@
 </p:presentation>
 </file>
 
+<file path=ppt/charts/chart1.xml><?xml version="1.0" encoding="utf-8"?>
+<c:chartSpace xmlns:c="http://schemas.openxmlformats.org/drawingml/2006/chart" xmlns:a="http://schemas.openxmlformats.org/drawingml/2006/main" xmlns:r="http://schemas.openxmlformats.org/officeDocument/2006/relationships" xmlns:c16r2="http://schemas.microsoft.com/office/drawing/2015/06/chart">
+  <c:date1904 val="0"/>
+  <c:lang val="hu-HU"/>
+  <c:roundedCorners val="0"/>
+  <mc:AlternateContent xmlns:mc="http://schemas.openxmlformats.org/markup-compatibility/2006">
+    <mc:Choice xmlns:c14="http://schemas.microsoft.com/office/drawing/2007/8/2/chart" Requires="c14">
+      <c14:style val="102"/>
+    </mc:Choice>
+    <mc:Fallback>
+      <c:style val="2"/>
+    </mc:Fallback>
+  </mc:AlternateContent>
+  <c:chart>
+    <c:title>
+      <c:tx>
+        <c:rich>
+          <a:bodyPr rot="0" spcFirstLastPara="1" vertOverflow="ellipsis" vert="horz" wrap="square" anchor="ctr" anchorCtr="1"/>
+          <a:lstStyle/>
+          <a:p>
+            <a:pPr>
+              <a:defRPr sz="1600" b="1" i="0" u="none" strike="noStrike" kern="1200" spc="100" baseline="0">
+                <a:solidFill>
+                  <a:schemeClr val="lt1">
+                    <a:lumMod val="95000"/>
+                  </a:schemeClr>
+                </a:solidFill>
+                <a:effectLst>
+                  <a:outerShdw blurRad="50800" dist="38100" dir="5400000" algn="t" rotWithShape="0">
+                    <a:prstClr val="black">
+                      <a:alpha val="40000"/>
+                    </a:prstClr>
+                  </a:outerShdw>
+                </a:effectLst>
+                <a:latin typeface="+mn-lt"/>
+                <a:ea typeface="+mn-ea"/>
+                <a:cs typeface="+mn-cs"/>
+              </a:defRPr>
+            </a:pPr>
+            <a:r>
+              <a:rPr lang="hu-HU" dirty="0" smtClean="0"/>
+              <a:t>Futási idő</a:t>
+            </a:r>
+            <a:endParaRPr lang="hu-HU" dirty="0"/>
+          </a:p>
+        </c:rich>
+      </c:tx>
+      <c:layout/>
+      <c:overlay val="0"/>
+      <c:spPr>
+        <a:noFill/>
+        <a:ln>
+          <a:noFill/>
+        </a:ln>
+        <a:effectLst/>
+      </c:spPr>
+      <c:txPr>
+        <a:bodyPr rot="0" spcFirstLastPara="1" vertOverflow="ellipsis" vert="horz" wrap="square" anchor="ctr" anchorCtr="1"/>
+        <a:lstStyle/>
+        <a:p>
+          <a:pPr>
+            <a:defRPr sz="1600" b="1" i="0" u="none" strike="noStrike" kern="1200" spc="100" baseline="0">
+              <a:solidFill>
+                <a:schemeClr val="lt1">
+                  <a:lumMod val="95000"/>
+                </a:schemeClr>
+              </a:solidFill>
+              <a:effectLst>
+                <a:outerShdw blurRad="50800" dist="38100" dir="5400000" algn="t" rotWithShape="0">
+                  <a:prstClr val="black">
+                    <a:alpha val="40000"/>
+                  </a:prstClr>
+                </a:outerShdw>
+              </a:effectLst>
+              <a:latin typeface="+mn-lt"/>
+              <a:ea typeface="+mn-ea"/>
+              <a:cs typeface="+mn-cs"/>
+            </a:defRPr>
+          </a:pPr>
+          <a:endParaRPr lang="hu-HU"/>
+        </a:p>
+      </c:txPr>
+    </c:title>
+    <c:autoTitleDeleted val="0"/>
+    <c:plotArea>
+      <c:layout>
+        <c:manualLayout>
+          <c:layoutTarget val="inner"/>
+          <c:xMode val="edge"/>
+          <c:yMode val="edge"/>
+          <c:x val="2.7450504047084493E-2"/>
+          <c:y val="8.163385768194649E-2"/>
+          <c:w val="0.94167372073777877"/>
+          <c:h val="0.79224279076891901"/>
+        </c:manualLayout>
+      </c:layout>
+      <c:scatterChart>
+        <c:scatterStyle val="lineMarker"/>
+        <c:varyColors val="0"/>
+        <c:ser>
+          <c:idx val="0"/>
+          <c:order val="0"/>
+          <c:tx>
+            <c:strRef>
+              <c:f>Munka4!$B$1</c:f>
+              <c:strCache>
+                <c:ptCount val="1"/>
+                <c:pt idx="0">
+                  <c:v>M()</c:v>
+                </c:pt>
+              </c:strCache>
+            </c:strRef>
+          </c:tx>
+          <c:spPr>
+            <a:ln w="25400" cap="rnd">
+              <a:noFill/>
+              <a:round/>
+            </a:ln>
+            <a:effectLst>
+              <a:outerShdw blurRad="57150" dist="19050" dir="5400000" algn="ctr" rotWithShape="0">
+                <a:srgbClr val="000000">
+                  <a:alpha val="63000"/>
+                </a:srgbClr>
+              </a:outerShdw>
+            </a:effectLst>
+          </c:spPr>
+          <c:marker>
+            <c:symbol val="circle"/>
+            <c:size val="6"/>
+            <c:spPr>
+              <a:gradFill rotWithShape="1">
+                <a:gsLst>
+                  <a:gs pos="0">
+                    <a:schemeClr val="accent1">
+                      <a:satMod val="103000"/>
+                      <a:lumMod val="102000"/>
+                      <a:tint val="94000"/>
+                    </a:schemeClr>
+                  </a:gs>
+                  <a:gs pos="50000">
+                    <a:schemeClr val="accent1">
+                      <a:satMod val="110000"/>
+                      <a:lumMod val="100000"/>
+                      <a:shade val="100000"/>
+                    </a:schemeClr>
+                  </a:gs>
+                  <a:gs pos="100000">
+                    <a:schemeClr val="accent1">
+                      <a:lumMod val="99000"/>
+                      <a:satMod val="120000"/>
+                      <a:shade val="78000"/>
+                    </a:schemeClr>
+                  </a:gs>
+                </a:gsLst>
+                <a:lin ang="5400000" scaled="0"/>
+              </a:gradFill>
+              <a:ln w="9525" cap="rnd">
+                <a:solidFill>
+                  <a:schemeClr val="accent1"/>
+                </a:solidFill>
+                <a:round/>
+              </a:ln>
+              <a:effectLst>
+                <a:outerShdw blurRad="57150" dist="19050" dir="5400000" algn="ctr" rotWithShape="0">
+                  <a:srgbClr val="000000">
+                    <a:alpha val="63000"/>
+                  </a:srgbClr>
+                </a:outerShdw>
+              </a:effectLst>
+            </c:spPr>
+          </c:marker>
+          <c:xVal>
+            <c:numRef>
+              <c:f>Munka4!$A$2:$A$301</c:f>
+              <c:numCache>
+                <c:formatCode>General</c:formatCode>
+                <c:ptCount val="300"/>
+                <c:pt idx="0">
+                  <c:v>69120</c:v>
+                </c:pt>
+                <c:pt idx="1">
+                  <c:v>138240</c:v>
+                </c:pt>
+                <c:pt idx="2">
+                  <c:v>207360</c:v>
+                </c:pt>
+                <c:pt idx="3">
+                  <c:v>276480</c:v>
+                </c:pt>
+                <c:pt idx="4">
+                  <c:v>345600</c:v>
+                </c:pt>
+                <c:pt idx="5">
+                  <c:v>414720</c:v>
+                </c:pt>
+                <c:pt idx="6">
+                  <c:v>483840</c:v>
+                </c:pt>
+                <c:pt idx="7">
+                  <c:v>552960</c:v>
+                </c:pt>
+                <c:pt idx="8">
+                  <c:v>622080</c:v>
+                </c:pt>
+                <c:pt idx="9">
+                  <c:v>691200</c:v>
+                </c:pt>
+                <c:pt idx="10">
+                  <c:v>760320</c:v>
+                </c:pt>
+                <c:pt idx="11">
+                  <c:v>829440</c:v>
+                </c:pt>
+                <c:pt idx="12">
+                  <c:v>898560</c:v>
+                </c:pt>
+                <c:pt idx="13">
+                  <c:v>967680</c:v>
+                </c:pt>
+                <c:pt idx="14">
+                  <c:v>1036800</c:v>
+                </c:pt>
+                <c:pt idx="15">
+                  <c:v>1105920</c:v>
+                </c:pt>
+                <c:pt idx="16">
+                  <c:v>1175040</c:v>
+                </c:pt>
+                <c:pt idx="17">
+                  <c:v>1244160</c:v>
+                </c:pt>
+                <c:pt idx="18">
+                  <c:v>1313280</c:v>
+                </c:pt>
+                <c:pt idx="19">
+                  <c:v>1382400</c:v>
+                </c:pt>
+                <c:pt idx="20">
+                  <c:v>1451520</c:v>
+                </c:pt>
+                <c:pt idx="21">
+                  <c:v>1520640</c:v>
+                </c:pt>
+                <c:pt idx="22">
+                  <c:v>1589760</c:v>
+                </c:pt>
+                <c:pt idx="23">
+                  <c:v>1658880</c:v>
+                </c:pt>
+                <c:pt idx="24">
+                  <c:v>1728000</c:v>
+                </c:pt>
+                <c:pt idx="25">
+                  <c:v>1797120</c:v>
+                </c:pt>
+                <c:pt idx="26">
+                  <c:v>1866240</c:v>
+                </c:pt>
+                <c:pt idx="27">
+                  <c:v>1935360</c:v>
+                </c:pt>
+                <c:pt idx="28">
+                  <c:v>2004480</c:v>
+                </c:pt>
+                <c:pt idx="29">
+                  <c:v>2073600</c:v>
+                </c:pt>
+                <c:pt idx="30">
+                  <c:v>2142720</c:v>
+                </c:pt>
+                <c:pt idx="31">
+                  <c:v>2211840</c:v>
+                </c:pt>
+                <c:pt idx="32">
+                  <c:v>2280960</c:v>
+                </c:pt>
+                <c:pt idx="33">
+                  <c:v>2350080</c:v>
+                </c:pt>
+                <c:pt idx="34">
+                  <c:v>2419200</c:v>
+                </c:pt>
+                <c:pt idx="35">
+                  <c:v>2488320</c:v>
+                </c:pt>
+                <c:pt idx="36">
+                  <c:v>2557440</c:v>
+                </c:pt>
+                <c:pt idx="37">
+                  <c:v>2626560</c:v>
+                </c:pt>
+                <c:pt idx="38">
+                  <c:v>2695680</c:v>
+                </c:pt>
+                <c:pt idx="39">
+                  <c:v>2764800</c:v>
+                </c:pt>
+                <c:pt idx="40">
+                  <c:v>2833920</c:v>
+                </c:pt>
+                <c:pt idx="41">
+                  <c:v>2903040</c:v>
+                </c:pt>
+                <c:pt idx="42">
+                  <c:v>2972160</c:v>
+                </c:pt>
+                <c:pt idx="43">
+                  <c:v>3041280</c:v>
+                </c:pt>
+                <c:pt idx="44">
+                  <c:v>3110400</c:v>
+                </c:pt>
+                <c:pt idx="45">
+                  <c:v>3179520</c:v>
+                </c:pt>
+                <c:pt idx="46">
+                  <c:v>3248640</c:v>
+                </c:pt>
+                <c:pt idx="47">
+                  <c:v>3317760</c:v>
+                </c:pt>
+                <c:pt idx="48">
+                  <c:v>3386880</c:v>
+                </c:pt>
+                <c:pt idx="49">
+                  <c:v>3456000</c:v>
+                </c:pt>
+                <c:pt idx="50">
+                  <c:v>3525120</c:v>
+                </c:pt>
+                <c:pt idx="51">
+                  <c:v>3594240</c:v>
+                </c:pt>
+                <c:pt idx="52">
+                  <c:v>3663360</c:v>
+                </c:pt>
+                <c:pt idx="53">
+                  <c:v>3732480</c:v>
+                </c:pt>
+                <c:pt idx="54">
+                  <c:v>3801600</c:v>
+                </c:pt>
+                <c:pt idx="55">
+                  <c:v>3870720</c:v>
+                </c:pt>
+                <c:pt idx="56">
+                  <c:v>3939840</c:v>
+                </c:pt>
+                <c:pt idx="57">
+                  <c:v>4008960</c:v>
+                </c:pt>
+                <c:pt idx="58">
+                  <c:v>4078080</c:v>
+                </c:pt>
+                <c:pt idx="59">
+                  <c:v>0</c:v>
+                </c:pt>
+                <c:pt idx="60">
+                  <c:v>69120</c:v>
+                </c:pt>
+                <c:pt idx="61">
+                  <c:v>138240</c:v>
+                </c:pt>
+                <c:pt idx="62">
+                  <c:v>207360</c:v>
+                </c:pt>
+                <c:pt idx="63">
+                  <c:v>276480</c:v>
+                </c:pt>
+                <c:pt idx="64">
+                  <c:v>345600</c:v>
+                </c:pt>
+                <c:pt idx="65">
+                  <c:v>414720</c:v>
+                </c:pt>
+                <c:pt idx="66">
+                  <c:v>483840</c:v>
+                </c:pt>
+                <c:pt idx="67">
+                  <c:v>552960</c:v>
+                </c:pt>
+                <c:pt idx="68">
+                  <c:v>622080</c:v>
+                </c:pt>
+                <c:pt idx="69">
+                  <c:v>691200</c:v>
+                </c:pt>
+                <c:pt idx="70">
+                  <c:v>760320</c:v>
+                </c:pt>
+                <c:pt idx="71">
+                  <c:v>829440</c:v>
+                </c:pt>
+                <c:pt idx="72">
+                  <c:v>898560</c:v>
+                </c:pt>
+                <c:pt idx="73">
+                  <c:v>967680</c:v>
+                </c:pt>
+                <c:pt idx="74">
+                  <c:v>1036800</c:v>
+                </c:pt>
+                <c:pt idx="75">
+                  <c:v>1105920</c:v>
+                </c:pt>
+                <c:pt idx="76">
+                  <c:v>1175040</c:v>
+                </c:pt>
+                <c:pt idx="77">
+                  <c:v>1244160</c:v>
+                </c:pt>
+                <c:pt idx="78">
+                  <c:v>1313280</c:v>
+                </c:pt>
+                <c:pt idx="79">
+                  <c:v>1382400</c:v>
+                </c:pt>
+                <c:pt idx="80">
+                  <c:v>1451520</c:v>
+                </c:pt>
+                <c:pt idx="81">
+                  <c:v>1520640</c:v>
+                </c:pt>
+                <c:pt idx="82">
+                  <c:v>1589760</c:v>
+                </c:pt>
+                <c:pt idx="83">
+                  <c:v>1658880</c:v>
+                </c:pt>
+                <c:pt idx="84">
+                  <c:v>1728000</c:v>
+                </c:pt>
+                <c:pt idx="85">
+                  <c:v>1797120</c:v>
+                </c:pt>
+                <c:pt idx="86">
+                  <c:v>1866240</c:v>
+                </c:pt>
+                <c:pt idx="87">
+                  <c:v>1935360</c:v>
+                </c:pt>
+                <c:pt idx="88">
+                  <c:v>2004480</c:v>
+                </c:pt>
+                <c:pt idx="89">
+                  <c:v>2073600</c:v>
+                </c:pt>
+                <c:pt idx="90">
+                  <c:v>2142720</c:v>
+                </c:pt>
+                <c:pt idx="91">
+                  <c:v>2211840</c:v>
+                </c:pt>
+                <c:pt idx="92">
+                  <c:v>2280960</c:v>
+                </c:pt>
+                <c:pt idx="93">
+                  <c:v>2350080</c:v>
+                </c:pt>
+                <c:pt idx="94">
+                  <c:v>2419200</c:v>
+                </c:pt>
+                <c:pt idx="95">
+                  <c:v>2488320</c:v>
+                </c:pt>
+                <c:pt idx="96">
+                  <c:v>2557440</c:v>
+                </c:pt>
+                <c:pt idx="97">
+                  <c:v>2626560</c:v>
+                </c:pt>
+                <c:pt idx="98">
+                  <c:v>2695680</c:v>
+                </c:pt>
+                <c:pt idx="99">
+                  <c:v>2764800</c:v>
+                </c:pt>
+                <c:pt idx="100">
+                  <c:v>2833920</c:v>
+                </c:pt>
+                <c:pt idx="101">
+                  <c:v>2903040</c:v>
+                </c:pt>
+                <c:pt idx="102">
+                  <c:v>2972160</c:v>
+                </c:pt>
+                <c:pt idx="103">
+                  <c:v>3041280</c:v>
+                </c:pt>
+                <c:pt idx="104">
+                  <c:v>3110400</c:v>
+                </c:pt>
+                <c:pt idx="105">
+                  <c:v>3179520</c:v>
+                </c:pt>
+                <c:pt idx="106">
+                  <c:v>3248640</c:v>
+                </c:pt>
+                <c:pt idx="107">
+                  <c:v>3317760</c:v>
+                </c:pt>
+                <c:pt idx="108">
+                  <c:v>3386880</c:v>
+                </c:pt>
+                <c:pt idx="109">
+                  <c:v>3456000</c:v>
+                </c:pt>
+                <c:pt idx="110">
+                  <c:v>3525120</c:v>
+                </c:pt>
+                <c:pt idx="111">
+                  <c:v>3594240</c:v>
+                </c:pt>
+                <c:pt idx="112">
+                  <c:v>3663360</c:v>
+                </c:pt>
+                <c:pt idx="113">
+                  <c:v>3732480</c:v>
+                </c:pt>
+                <c:pt idx="114">
+                  <c:v>3801600</c:v>
+                </c:pt>
+                <c:pt idx="115">
+                  <c:v>3870720</c:v>
+                </c:pt>
+                <c:pt idx="116">
+                  <c:v>3939840</c:v>
+                </c:pt>
+                <c:pt idx="117">
+                  <c:v>4008960</c:v>
+                </c:pt>
+                <c:pt idx="118">
+                  <c:v>4078080</c:v>
+                </c:pt>
+                <c:pt idx="119">
+                  <c:v>0</c:v>
+                </c:pt>
+                <c:pt idx="120">
+                  <c:v>69120</c:v>
+                </c:pt>
+                <c:pt idx="121">
+                  <c:v>138240</c:v>
+                </c:pt>
+                <c:pt idx="122">
+                  <c:v>207360</c:v>
+                </c:pt>
+                <c:pt idx="123">
+                  <c:v>276480</c:v>
+                </c:pt>
+                <c:pt idx="124">
+                  <c:v>345600</c:v>
+                </c:pt>
+                <c:pt idx="125">
+                  <c:v>414720</c:v>
+                </c:pt>
+                <c:pt idx="126">
+                  <c:v>483840</c:v>
+                </c:pt>
+                <c:pt idx="127">
+                  <c:v>552960</c:v>
+                </c:pt>
+                <c:pt idx="128">
+                  <c:v>622080</c:v>
+                </c:pt>
+                <c:pt idx="129">
+                  <c:v>691200</c:v>
+                </c:pt>
+                <c:pt idx="130">
+                  <c:v>760320</c:v>
+                </c:pt>
+                <c:pt idx="131">
+                  <c:v>829440</c:v>
+                </c:pt>
+                <c:pt idx="132">
+                  <c:v>898560</c:v>
+                </c:pt>
+                <c:pt idx="133">
+                  <c:v>967680</c:v>
+                </c:pt>
+                <c:pt idx="134">
+                  <c:v>1036800</c:v>
+                </c:pt>
+                <c:pt idx="135">
+                  <c:v>1105920</c:v>
+                </c:pt>
+                <c:pt idx="136">
+                  <c:v>1175040</c:v>
+                </c:pt>
+                <c:pt idx="137">
+                  <c:v>1244160</c:v>
+                </c:pt>
+                <c:pt idx="138">
+                  <c:v>1313280</c:v>
+                </c:pt>
+                <c:pt idx="139">
+                  <c:v>1382400</c:v>
+                </c:pt>
+                <c:pt idx="140">
+                  <c:v>1451520</c:v>
+                </c:pt>
+                <c:pt idx="141">
+                  <c:v>1520640</c:v>
+                </c:pt>
+                <c:pt idx="142">
+                  <c:v>1589760</c:v>
+                </c:pt>
+                <c:pt idx="143">
+                  <c:v>1658880</c:v>
+                </c:pt>
+                <c:pt idx="144">
+                  <c:v>1728000</c:v>
+                </c:pt>
+                <c:pt idx="145">
+                  <c:v>1797120</c:v>
+                </c:pt>
+                <c:pt idx="146">
+                  <c:v>1866240</c:v>
+                </c:pt>
+                <c:pt idx="147">
+                  <c:v>1935360</c:v>
+                </c:pt>
+                <c:pt idx="148">
+                  <c:v>2004480</c:v>
+                </c:pt>
+                <c:pt idx="149">
+                  <c:v>2073600</c:v>
+                </c:pt>
+                <c:pt idx="150">
+                  <c:v>2142720</c:v>
+                </c:pt>
+                <c:pt idx="151">
+                  <c:v>2211840</c:v>
+                </c:pt>
+                <c:pt idx="152">
+                  <c:v>2280960</c:v>
+                </c:pt>
+                <c:pt idx="153">
+                  <c:v>2350080</c:v>
+                </c:pt>
+                <c:pt idx="154">
+                  <c:v>2419200</c:v>
+                </c:pt>
+                <c:pt idx="155">
+                  <c:v>2488320</c:v>
+                </c:pt>
+                <c:pt idx="156">
+                  <c:v>2557440</c:v>
+                </c:pt>
+                <c:pt idx="157">
+                  <c:v>2626560</c:v>
+                </c:pt>
+                <c:pt idx="158">
+                  <c:v>2695680</c:v>
+                </c:pt>
+                <c:pt idx="159">
+                  <c:v>2764800</c:v>
+                </c:pt>
+                <c:pt idx="160">
+                  <c:v>2833920</c:v>
+                </c:pt>
+                <c:pt idx="161">
+                  <c:v>2903040</c:v>
+                </c:pt>
+                <c:pt idx="162">
+                  <c:v>2972160</c:v>
+                </c:pt>
+                <c:pt idx="163">
+                  <c:v>3041280</c:v>
+                </c:pt>
+                <c:pt idx="164">
+                  <c:v>3110400</c:v>
+                </c:pt>
+                <c:pt idx="165">
+                  <c:v>3179520</c:v>
+                </c:pt>
+                <c:pt idx="166">
+                  <c:v>3248640</c:v>
+                </c:pt>
+                <c:pt idx="167">
+                  <c:v>3317760</c:v>
+                </c:pt>
+                <c:pt idx="168">
+                  <c:v>3386880</c:v>
+                </c:pt>
+                <c:pt idx="169">
+                  <c:v>3456000</c:v>
+                </c:pt>
+                <c:pt idx="170">
+                  <c:v>3525120</c:v>
+                </c:pt>
+                <c:pt idx="171">
+                  <c:v>3594240</c:v>
+                </c:pt>
+                <c:pt idx="172">
+                  <c:v>3663360</c:v>
+                </c:pt>
+                <c:pt idx="173">
+                  <c:v>3732480</c:v>
+                </c:pt>
+                <c:pt idx="174">
+                  <c:v>3801600</c:v>
+                </c:pt>
+                <c:pt idx="175">
+                  <c:v>3870720</c:v>
+                </c:pt>
+                <c:pt idx="176">
+                  <c:v>3939840</c:v>
+                </c:pt>
+                <c:pt idx="177">
+                  <c:v>4008960</c:v>
+                </c:pt>
+                <c:pt idx="178">
+                  <c:v>4078080</c:v>
+                </c:pt>
+                <c:pt idx="179">
+                  <c:v>0</c:v>
+                </c:pt>
+                <c:pt idx="180">
+                  <c:v>69120</c:v>
+                </c:pt>
+                <c:pt idx="181">
+                  <c:v>138240</c:v>
+                </c:pt>
+                <c:pt idx="182">
+                  <c:v>207360</c:v>
+                </c:pt>
+                <c:pt idx="183">
+                  <c:v>276480</c:v>
+                </c:pt>
+                <c:pt idx="184">
+                  <c:v>345600</c:v>
+                </c:pt>
+                <c:pt idx="185">
+                  <c:v>414720</c:v>
+                </c:pt>
+                <c:pt idx="186">
+                  <c:v>483840</c:v>
+                </c:pt>
+                <c:pt idx="187">
+                  <c:v>552960</c:v>
+                </c:pt>
+                <c:pt idx="188">
+                  <c:v>622080</c:v>
+                </c:pt>
+                <c:pt idx="189">
+                  <c:v>691200</c:v>
+                </c:pt>
+                <c:pt idx="190">
+                  <c:v>760320</c:v>
+                </c:pt>
+                <c:pt idx="191">
+                  <c:v>829440</c:v>
+                </c:pt>
+                <c:pt idx="192">
+                  <c:v>898560</c:v>
+                </c:pt>
+                <c:pt idx="193">
+                  <c:v>967680</c:v>
+                </c:pt>
+                <c:pt idx="194">
+                  <c:v>1036800</c:v>
+                </c:pt>
+                <c:pt idx="195">
+                  <c:v>1105920</c:v>
+                </c:pt>
+                <c:pt idx="196">
+                  <c:v>1175040</c:v>
+                </c:pt>
+                <c:pt idx="197">
+                  <c:v>1244160</c:v>
+                </c:pt>
+                <c:pt idx="198">
+                  <c:v>1313280</c:v>
+                </c:pt>
+                <c:pt idx="199">
+                  <c:v>1382400</c:v>
+                </c:pt>
+                <c:pt idx="200">
+                  <c:v>1451520</c:v>
+                </c:pt>
+                <c:pt idx="201">
+                  <c:v>1520640</c:v>
+                </c:pt>
+                <c:pt idx="202">
+                  <c:v>1589760</c:v>
+                </c:pt>
+                <c:pt idx="203">
+                  <c:v>1658880</c:v>
+                </c:pt>
+                <c:pt idx="204">
+                  <c:v>1728000</c:v>
+                </c:pt>
+                <c:pt idx="205">
+                  <c:v>1797120</c:v>
+                </c:pt>
+                <c:pt idx="206">
+                  <c:v>1866240</c:v>
+                </c:pt>
+                <c:pt idx="207">
+                  <c:v>1935360</c:v>
+                </c:pt>
+                <c:pt idx="208">
+                  <c:v>2004480</c:v>
+                </c:pt>
+                <c:pt idx="209">
+                  <c:v>2073600</c:v>
+                </c:pt>
+                <c:pt idx="210">
+                  <c:v>2142720</c:v>
+                </c:pt>
+                <c:pt idx="211">
+                  <c:v>2211840</c:v>
+                </c:pt>
+                <c:pt idx="212">
+                  <c:v>2280960</c:v>
+                </c:pt>
+                <c:pt idx="213">
+                  <c:v>2350080</c:v>
+                </c:pt>
+                <c:pt idx="214">
+                  <c:v>2419200</c:v>
+                </c:pt>
+                <c:pt idx="215">
+                  <c:v>2488320</c:v>
+                </c:pt>
+                <c:pt idx="216">
+                  <c:v>2557440</c:v>
+                </c:pt>
+                <c:pt idx="217">
+                  <c:v>2626560</c:v>
+                </c:pt>
+                <c:pt idx="218">
+                  <c:v>2695680</c:v>
+                </c:pt>
+                <c:pt idx="219">
+                  <c:v>2764800</c:v>
+                </c:pt>
+                <c:pt idx="220">
+                  <c:v>2833920</c:v>
+                </c:pt>
+                <c:pt idx="221">
+                  <c:v>2903040</c:v>
+                </c:pt>
+                <c:pt idx="222">
+                  <c:v>2972160</c:v>
+                </c:pt>
+                <c:pt idx="223">
+                  <c:v>3041280</c:v>
+                </c:pt>
+                <c:pt idx="224">
+                  <c:v>3110400</c:v>
+                </c:pt>
+                <c:pt idx="225">
+                  <c:v>3179520</c:v>
+                </c:pt>
+                <c:pt idx="226">
+                  <c:v>3248640</c:v>
+                </c:pt>
+                <c:pt idx="227">
+                  <c:v>3317760</c:v>
+                </c:pt>
+                <c:pt idx="228">
+                  <c:v>3386880</c:v>
+                </c:pt>
+                <c:pt idx="229">
+                  <c:v>3456000</c:v>
+                </c:pt>
+                <c:pt idx="230">
+                  <c:v>3525120</c:v>
+                </c:pt>
+                <c:pt idx="231">
+                  <c:v>3594240</c:v>
+                </c:pt>
+                <c:pt idx="232">
+                  <c:v>3663360</c:v>
+                </c:pt>
+                <c:pt idx="233">
+                  <c:v>3732480</c:v>
+                </c:pt>
+                <c:pt idx="234">
+                  <c:v>3801600</c:v>
+                </c:pt>
+                <c:pt idx="235">
+                  <c:v>3870720</c:v>
+                </c:pt>
+                <c:pt idx="236">
+                  <c:v>3939840</c:v>
+                </c:pt>
+                <c:pt idx="237">
+                  <c:v>4008960</c:v>
+                </c:pt>
+                <c:pt idx="238">
+                  <c:v>4078080</c:v>
+                </c:pt>
+                <c:pt idx="239">
+                  <c:v>0</c:v>
+                </c:pt>
+                <c:pt idx="240">
+                  <c:v>69120</c:v>
+                </c:pt>
+                <c:pt idx="241">
+                  <c:v>138240</c:v>
+                </c:pt>
+                <c:pt idx="242">
+                  <c:v>207360</c:v>
+                </c:pt>
+                <c:pt idx="243">
+                  <c:v>276480</c:v>
+                </c:pt>
+                <c:pt idx="244">
+                  <c:v>345600</c:v>
+                </c:pt>
+                <c:pt idx="245">
+                  <c:v>414720</c:v>
+                </c:pt>
+                <c:pt idx="246">
+                  <c:v>483840</c:v>
+                </c:pt>
+                <c:pt idx="247">
+                  <c:v>552960</c:v>
+                </c:pt>
+                <c:pt idx="248">
+                  <c:v>622080</c:v>
+                </c:pt>
+                <c:pt idx="249">
+                  <c:v>691200</c:v>
+                </c:pt>
+                <c:pt idx="250">
+                  <c:v>760320</c:v>
+                </c:pt>
+                <c:pt idx="251">
+                  <c:v>829440</c:v>
+                </c:pt>
+                <c:pt idx="252">
+                  <c:v>898560</c:v>
+                </c:pt>
+                <c:pt idx="253">
+                  <c:v>967680</c:v>
+                </c:pt>
+                <c:pt idx="254">
+                  <c:v>1036800</c:v>
+                </c:pt>
+                <c:pt idx="255">
+                  <c:v>1105920</c:v>
+                </c:pt>
+                <c:pt idx="256">
+                  <c:v>1175040</c:v>
+                </c:pt>
+                <c:pt idx="257">
+                  <c:v>1244160</c:v>
+                </c:pt>
+                <c:pt idx="258">
+                  <c:v>1313280</c:v>
+                </c:pt>
+                <c:pt idx="259">
+                  <c:v>1382400</c:v>
+                </c:pt>
+                <c:pt idx="260">
+                  <c:v>1451520</c:v>
+                </c:pt>
+                <c:pt idx="261">
+                  <c:v>1520640</c:v>
+                </c:pt>
+                <c:pt idx="262">
+                  <c:v>1589760</c:v>
+                </c:pt>
+                <c:pt idx="263">
+                  <c:v>1658880</c:v>
+                </c:pt>
+                <c:pt idx="264">
+                  <c:v>1728000</c:v>
+                </c:pt>
+                <c:pt idx="265">
+                  <c:v>1797120</c:v>
+                </c:pt>
+                <c:pt idx="266">
+                  <c:v>1866240</c:v>
+                </c:pt>
+                <c:pt idx="267">
+                  <c:v>1935360</c:v>
+                </c:pt>
+                <c:pt idx="268">
+                  <c:v>2004480</c:v>
+                </c:pt>
+                <c:pt idx="269">
+                  <c:v>2073600</c:v>
+                </c:pt>
+                <c:pt idx="270">
+                  <c:v>2142720</c:v>
+                </c:pt>
+                <c:pt idx="271">
+                  <c:v>2211840</c:v>
+                </c:pt>
+                <c:pt idx="272">
+                  <c:v>2280960</c:v>
+                </c:pt>
+                <c:pt idx="273">
+                  <c:v>2350080</c:v>
+                </c:pt>
+                <c:pt idx="274">
+                  <c:v>2419200</c:v>
+                </c:pt>
+                <c:pt idx="275">
+                  <c:v>2488320</c:v>
+                </c:pt>
+                <c:pt idx="276">
+                  <c:v>2557440</c:v>
+                </c:pt>
+                <c:pt idx="277">
+                  <c:v>2626560</c:v>
+                </c:pt>
+                <c:pt idx="278">
+                  <c:v>2695680</c:v>
+                </c:pt>
+                <c:pt idx="279">
+                  <c:v>2764800</c:v>
+                </c:pt>
+                <c:pt idx="280">
+                  <c:v>2833920</c:v>
+                </c:pt>
+                <c:pt idx="281">
+                  <c:v>2903040</c:v>
+                </c:pt>
+                <c:pt idx="282">
+                  <c:v>2972160</c:v>
+                </c:pt>
+                <c:pt idx="283">
+                  <c:v>3041280</c:v>
+                </c:pt>
+                <c:pt idx="284">
+                  <c:v>3110400</c:v>
+                </c:pt>
+                <c:pt idx="285">
+                  <c:v>3179520</c:v>
+                </c:pt>
+                <c:pt idx="286">
+                  <c:v>3248640</c:v>
+                </c:pt>
+                <c:pt idx="287">
+                  <c:v>3317760</c:v>
+                </c:pt>
+                <c:pt idx="288">
+                  <c:v>3386880</c:v>
+                </c:pt>
+                <c:pt idx="289">
+                  <c:v>3456000</c:v>
+                </c:pt>
+                <c:pt idx="290">
+                  <c:v>3525120</c:v>
+                </c:pt>
+                <c:pt idx="291">
+                  <c:v>3594240</c:v>
+                </c:pt>
+                <c:pt idx="292">
+                  <c:v>3663360</c:v>
+                </c:pt>
+                <c:pt idx="293">
+                  <c:v>3732480</c:v>
+                </c:pt>
+                <c:pt idx="294">
+                  <c:v>3801600</c:v>
+                </c:pt>
+                <c:pt idx="295">
+                  <c:v>3870720</c:v>
+                </c:pt>
+                <c:pt idx="296">
+                  <c:v>3939840</c:v>
+                </c:pt>
+                <c:pt idx="297">
+                  <c:v>4008960</c:v>
+                </c:pt>
+                <c:pt idx="298">
+                  <c:v>4078080</c:v>
+                </c:pt>
+                <c:pt idx="299">
+                  <c:v>0</c:v>
+                </c:pt>
+              </c:numCache>
+            </c:numRef>
+          </c:xVal>
+          <c:yVal>
+            <c:numRef>
+              <c:f>Munka4!$B$2:$B$301</c:f>
+              <c:numCache>
+                <c:formatCode>General</c:formatCode>
+                <c:ptCount val="300"/>
+                <c:pt idx="0">
+                  <c:v>0.27785372734069802</c:v>
+                </c:pt>
+                <c:pt idx="1">
+                  <c:v>8.9760065078735296E-2</c:v>
+                </c:pt>
+                <c:pt idx="2">
+                  <c:v>0.14261770248413</c:v>
+                </c:pt>
+                <c:pt idx="3">
+                  <c:v>0.19248437881469699</c:v>
+                </c:pt>
+                <c:pt idx="4">
+                  <c:v>0.23038291931152299</c:v>
+                </c:pt>
+                <c:pt idx="5">
+                  <c:v>0.50464892387390103</c:v>
+                </c:pt>
+                <c:pt idx="6">
+                  <c:v>0.36103343963623002</c:v>
+                </c:pt>
+                <c:pt idx="7">
+                  <c:v>0.449795722961425</c:v>
+                </c:pt>
+                <c:pt idx="8">
+                  <c:v>0.47472906112670898</c:v>
+                </c:pt>
+                <c:pt idx="9">
+                  <c:v>0.49068713188171298</c:v>
+                </c:pt>
+                <c:pt idx="10">
+                  <c:v>0.63131022453308105</c:v>
+                </c:pt>
+                <c:pt idx="11">
+                  <c:v>0.57147026062011697</c:v>
+                </c:pt>
+                <c:pt idx="12">
+                  <c:v>0.56847858428955</c:v>
+                </c:pt>
+                <c:pt idx="13">
+                  <c:v>0.57446169853210405</c:v>
+                </c:pt>
+                <c:pt idx="14">
+                  <c:v>0.61434841156005804</c:v>
+                </c:pt>
+                <c:pt idx="15">
+                  <c:v>0.64626884460449197</c:v>
+                </c:pt>
+                <c:pt idx="16">
+                  <c:v>0.72605800628662098</c:v>
+                </c:pt>
+                <c:pt idx="17">
+                  <c:v>1.0124309062957699</c:v>
+                </c:pt>
+                <c:pt idx="18">
+                  <c:v>0.92751669883728005</c:v>
+                </c:pt>
+                <c:pt idx="19">
+                  <c:v>0.90956664085388095</c:v>
+                </c:pt>
+                <c:pt idx="20">
+                  <c:v>1.0102953910827599</c:v>
+                </c:pt>
+                <c:pt idx="21">
+                  <c:v>0.91155934333801203</c:v>
+                </c:pt>
+                <c:pt idx="22">
+                  <c:v>0.97838163375854403</c:v>
+                </c:pt>
+                <c:pt idx="23">
+                  <c:v>1.00929880142211</c:v>
+                </c:pt>
+                <c:pt idx="24">
+                  <c:v>1.36933493614196</c:v>
+                </c:pt>
+                <c:pt idx="25">
+                  <c:v>1.1439335346221899</c:v>
+                </c:pt>
+                <c:pt idx="26">
+                  <c:v>1.1848292350769001</c:v>
+                </c:pt>
+                <c:pt idx="27">
+                  <c:v>1.12698554992675</c:v>
+                </c:pt>
+                <c:pt idx="28">
+                  <c:v>1.19380450248718</c:v>
+                </c:pt>
+                <c:pt idx="29">
+                  <c:v>1.24466848373413</c:v>
+                </c:pt>
+                <c:pt idx="30">
+                  <c:v>1.3294429779052701</c:v>
+                </c:pt>
+                <c:pt idx="31">
+                  <c:v>1.3902778625488199</c:v>
+                </c:pt>
+                <c:pt idx="32">
+                  <c:v>1.32046747207641</c:v>
+                </c:pt>
+                <c:pt idx="33">
+                  <c:v>1.4331641197204501</c:v>
+                </c:pt>
+                <c:pt idx="34">
+                  <c:v>1.41321873664855</c:v>
+                </c:pt>
+                <c:pt idx="35">
+                  <c:v>1.5458633899688701</c:v>
+                </c:pt>
+                <c:pt idx="36">
+                  <c:v>1.6346251964569001</c:v>
+                </c:pt>
+                <c:pt idx="37">
+                  <c:v>1.8195281028747501</c:v>
+                </c:pt>
+                <c:pt idx="38">
+                  <c:v>2.2163848876953098</c:v>
+                </c:pt>
+                <c:pt idx="39">
+                  <c:v>1.62863969802856</c:v>
+                </c:pt>
+                <c:pt idx="40">
+                  <c:v>1.66756391525268</c:v>
+                </c:pt>
+                <c:pt idx="41">
+                  <c:v>1.67154788970947</c:v>
+                </c:pt>
+                <c:pt idx="42">
+                  <c:v>1.9659020900726301</c:v>
+                </c:pt>
+                <c:pt idx="43">
+                  <c:v>2.9755258560180602</c:v>
+                </c:pt>
+                <c:pt idx="44">
+                  <c:v>2.0433666706085201</c:v>
+                </c:pt>
+                <c:pt idx="45">
+                  <c:v>2.0512444972991899</c:v>
+                </c:pt>
+                <c:pt idx="46">
+                  <c:v>2.28655505180358</c:v>
+                </c:pt>
+                <c:pt idx="47">
+                  <c:v>2.1601722240447998</c:v>
+                </c:pt>
+                <c:pt idx="48">
+                  <c:v>4.0486855506896902</c:v>
+                </c:pt>
+                <c:pt idx="49">
+                  <c:v>2.3802716732025102</c:v>
+                </c:pt>
+                <c:pt idx="50">
+                  <c:v>3.1051990985870299</c:v>
+                </c:pt>
+                <c:pt idx="51">
+                  <c:v>3.6499507427215501</c:v>
+                </c:pt>
+                <c:pt idx="52">
+                  <c:v>2.7134251594543399</c:v>
+                </c:pt>
+                <c:pt idx="53">
+                  <c:v>2.7349901199340798</c:v>
+                </c:pt>
+                <c:pt idx="54">
+                  <c:v>2.4959731101989702</c:v>
+                </c:pt>
+                <c:pt idx="55">
+                  <c:v>2.6033539772033598</c:v>
+                </c:pt>
+                <c:pt idx="56">
+                  <c:v>2.5131254196166899</c:v>
+                </c:pt>
+                <c:pt idx="57">
+                  <c:v>2.5882048606872501</c:v>
+                </c:pt>
+                <c:pt idx="58">
+                  <c:v>2.6221141815185498</c:v>
+                </c:pt>
+                <c:pt idx="59">
+                  <c:v>0</c:v>
+                </c:pt>
+                <c:pt idx="60">
+                  <c:v>0.124809980392456</c:v>
+                </c:pt>
+                <c:pt idx="61">
+                  <c:v>9.0756416320800698E-2</c:v>
+                </c:pt>
+                <c:pt idx="62">
+                  <c:v>0.12865543365478499</c:v>
+                </c:pt>
+                <c:pt idx="63">
+                  <c:v>0.17054247856140101</c:v>
+                </c:pt>
+                <c:pt idx="64">
+                  <c:v>0.235369682312011</c:v>
+                </c:pt>
+                <c:pt idx="65">
+                  <c:v>0.252323627471923</c:v>
+                </c:pt>
+                <c:pt idx="66">
+                  <c:v>0.305182695388793</c:v>
+                </c:pt>
+                <c:pt idx="67">
+                  <c:v>0.33510327339172302</c:v>
+                </c:pt>
+                <c:pt idx="68">
+                  <c:v>0.37499642372131298</c:v>
+                </c:pt>
+                <c:pt idx="69">
+                  <c:v>0.40591335296630798</c:v>
+                </c:pt>
+                <c:pt idx="70">
+                  <c:v>0.433840751647949</c:v>
+                </c:pt>
+                <c:pt idx="71">
+                  <c:v>0.48171234130859297</c:v>
+                </c:pt>
+                <c:pt idx="72">
+                  <c:v>0.508639335632324</c:v>
+                </c:pt>
+                <c:pt idx="73">
+                  <c:v>0.53456830978393499</c:v>
+                </c:pt>
+                <c:pt idx="74">
+                  <c:v>0.61734867095947199</c:v>
+                </c:pt>
+                <c:pt idx="75">
+                  <c:v>0.69613766670226995</c:v>
+                </c:pt>
+                <c:pt idx="76">
+                  <c:v>0.684168100357055</c:v>
+                </c:pt>
+                <c:pt idx="77">
+                  <c:v>0.75398278236389105</c:v>
+                </c:pt>
+                <c:pt idx="78">
+                  <c:v>0.74201583862304599</c:v>
+                </c:pt>
+                <c:pt idx="79">
+                  <c:v>0.77691984176635698</c:v>
+                </c:pt>
+                <c:pt idx="80">
+                  <c:v>0.84772944450378396</c:v>
+                </c:pt>
+                <c:pt idx="81">
+                  <c:v>1.0033142566680899</c:v>
+                </c:pt>
+                <c:pt idx="82">
+                  <c:v>0.8995943069458</c:v>
+                </c:pt>
+                <c:pt idx="83">
+                  <c:v>1.00830125808715</c:v>
+                </c:pt>
+                <c:pt idx="84">
+                  <c:v>0.97838068008422796</c:v>
+                </c:pt>
+                <c:pt idx="85">
+                  <c:v>1.0701372623443599</c:v>
+                </c:pt>
+                <c:pt idx="86">
+                  <c:v>1.0651507377624501</c:v>
+                </c:pt>
+                <c:pt idx="87">
+                  <c:v>1.3594336509704501</c:v>
+                </c:pt>
+                <c:pt idx="88">
+                  <c:v>1.16488885879516</c:v>
+                </c:pt>
+                <c:pt idx="89">
+                  <c:v>1.22272849082946</c:v>
+                </c:pt>
+                <c:pt idx="90">
+                  <c:v>1.28356409072875</c:v>
+                </c:pt>
+                <c:pt idx="91">
+                  <c:v>1.2506532669067301</c:v>
+                </c:pt>
+                <c:pt idx="92">
+                  <c:v>1.2945356369018499</c:v>
+                </c:pt>
+                <c:pt idx="93">
+                  <c:v>1.3214638233184799</c:v>
+                </c:pt>
+                <c:pt idx="94">
+                  <c:v>1.4092278480529701</c:v>
+                </c:pt>
+                <c:pt idx="95">
+                  <c:v>1.40723276138305</c:v>
+                </c:pt>
+                <c:pt idx="96">
+                  <c:v>1.4750511646270701</c:v>
+                </c:pt>
+                <c:pt idx="97">
+                  <c:v>1.6386141777038501</c:v>
+                </c:pt>
+                <c:pt idx="98">
+                  <c:v>1.90789365768432</c:v>
+                </c:pt>
+                <c:pt idx="99">
+                  <c:v>1.60171270370483</c:v>
+                </c:pt>
+                <c:pt idx="100">
+                  <c:v>1.6306359767913801</c:v>
+                </c:pt>
+                <c:pt idx="101">
+                  <c:v>1.6964592933654701</c:v>
+                </c:pt>
+                <c:pt idx="102">
+                  <c:v>1.8949296474456701</c:v>
+                </c:pt>
+                <c:pt idx="103">
+                  <c:v>2.30762338638305</c:v>
+                </c:pt>
+                <c:pt idx="104">
+                  <c:v>6.4585812091827304</c:v>
+                </c:pt>
+                <c:pt idx="105">
+                  <c:v>2.2223973274230899</c:v>
+                </c:pt>
+                <c:pt idx="106">
+                  <c:v>8.28189921379089</c:v>
+                </c:pt>
+                <c:pt idx="107">
+                  <c:v>2.2720699310302699</c:v>
+                </c:pt>
+                <c:pt idx="108">
+                  <c:v>2.2417237758636399</c:v>
+                </c:pt>
+                <c:pt idx="109">
+                  <c:v>3.8887753486633301</c:v>
+                </c:pt>
+                <c:pt idx="110">
+                  <c:v>3.95143270492553</c:v>
+                </c:pt>
+                <c:pt idx="111">
+                  <c:v>5.7211778163909903</c:v>
+                </c:pt>
+                <c:pt idx="112">
+                  <c:v>2.37461066246032</c:v>
+                </c:pt>
+                <c:pt idx="113">
+                  <c:v>2.6301383972167902</c:v>
+                </c:pt>
+                <c:pt idx="114">
+                  <c:v>2.6158707141876198</c:v>
+                </c:pt>
+                <c:pt idx="115">
+                  <c:v>2.5838532447814901</c:v>
+                </c:pt>
+                <c:pt idx="116">
+                  <c:v>2.61588358879089</c:v>
+                </c:pt>
+                <c:pt idx="117">
+                  <c:v>2.72487115859985</c:v>
+                </c:pt>
+                <c:pt idx="118">
+                  <c:v>2.8068311214446999</c:v>
+                </c:pt>
+                <c:pt idx="119">
+                  <c:v>0</c:v>
+                </c:pt>
+                <c:pt idx="120">
+                  <c:v>0.17834997177124001</c:v>
+                </c:pt>
+                <c:pt idx="121">
+                  <c:v>0.10024285316467201</c:v>
+                </c:pt>
+                <c:pt idx="122">
+                  <c:v>0.16273331642150801</c:v>
+                </c:pt>
+                <c:pt idx="123">
+                  <c:v>0.18159651756286599</c:v>
+                </c:pt>
+                <c:pt idx="124">
+                  <c:v>0.222018241882324</c:v>
+                </c:pt>
+                <c:pt idx="125">
+                  <c:v>0.24144005775451599</c:v>
+                </c:pt>
+                <c:pt idx="126">
+                  <c:v>0.320818901062011</c:v>
+                </c:pt>
+                <c:pt idx="127">
+                  <c:v>0.34014558792114202</c:v>
+                </c:pt>
+                <c:pt idx="128">
+                  <c:v>0.36276602745056102</c:v>
+                </c:pt>
+                <c:pt idx="129">
+                  <c:v>0.43271613121032698</c:v>
+                </c:pt>
+                <c:pt idx="130">
+                  <c:v>0.43587255477905201</c:v>
+                </c:pt>
+                <c:pt idx="131">
+                  <c:v>0.49633455276489202</c:v>
+                </c:pt>
+                <c:pt idx="132">
+                  <c:v>0.53411149978637695</c:v>
+                </c:pt>
+                <c:pt idx="133">
+                  <c:v>0.58431863784789995</c:v>
+                </c:pt>
+                <c:pt idx="134">
+                  <c:v>0.64313507080078103</c:v>
+                </c:pt>
+                <c:pt idx="135">
+                  <c:v>0.67385053634643499</c:v>
+                </c:pt>
+                <c:pt idx="136">
+                  <c:v>0.68622279167175204</c:v>
+                </c:pt>
+                <c:pt idx="137">
+                  <c:v>0.726545810699462</c:v>
+                </c:pt>
+                <c:pt idx="138">
+                  <c:v>0.82676577568054199</c:v>
+                </c:pt>
+                <c:pt idx="139">
+                  <c:v>0.88046026229858398</c:v>
+                </c:pt>
+                <c:pt idx="140">
+                  <c:v>0.92741727828979403</c:v>
+                </c:pt>
+                <c:pt idx="141">
+                  <c:v>0.93207812309265103</c:v>
+                </c:pt>
+                <c:pt idx="142">
+                  <c:v>0.94022226333618097</c:v>
+                </c:pt>
+                <c:pt idx="143">
+                  <c:v>0.998463153839111</c:v>
+                </c:pt>
+                <c:pt idx="144">
+                  <c:v>1.02803826332092</c:v>
+                </c:pt>
+                <c:pt idx="145">
+                  <c:v>1.0894477367401101</c:v>
+                </c:pt>
+                <c:pt idx="146">
+                  <c:v>1.10055947303771</c:v>
+                </c:pt>
+                <c:pt idx="147">
+                  <c:v>1.1872642040252599</c:v>
+                </c:pt>
+                <c:pt idx="148">
+                  <c:v>1.4286236763000399</c:v>
+                </c:pt>
+                <c:pt idx="149">
+                  <c:v>1.33084392547607</c:v>
+                </c:pt>
+                <c:pt idx="150">
+                  <c:v>1.5342261791229199</c:v>
+                </c:pt>
+                <c:pt idx="151">
+                  <c:v>1.34913706779479</c:v>
+                </c:pt>
+                <c:pt idx="152">
+                  <c:v>1.39813160896301</c:v>
+                </c:pt>
+                <c:pt idx="153">
+                  <c:v>1.6825878620147701</c:v>
+                </c:pt>
+                <c:pt idx="154">
+                  <c:v>1.5349383354187001</c:v>
+                </c:pt>
+                <c:pt idx="155">
+                  <c:v>1.5812344551086399</c:v>
+                </c:pt>
+                <c:pt idx="156">
+                  <c:v>1.6768825054168699</c:v>
+                </c:pt>
+                <c:pt idx="157">
+                  <c:v>1.6739478111267001</c:v>
+                </c:pt>
+                <c:pt idx="158">
+                  <c:v>1.7070178985595701</c:v>
+                </c:pt>
+                <c:pt idx="159">
+                  <c:v>1.68158435821533</c:v>
+                </c:pt>
+                <c:pt idx="160">
+                  <c:v>1.7447156906127901</c:v>
+                </c:pt>
+                <c:pt idx="161">
+                  <c:v>1.80449962615966</c:v>
+                </c:pt>
+                <c:pt idx="162">
+                  <c:v>2.4059922695159899</c:v>
+                </c:pt>
+                <c:pt idx="163">
+                  <c:v>2.2620432376861501</c:v>
+                </c:pt>
+                <c:pt idx="164">
+                  <c:v>2.2146627902984601</c:v>
+                </c:pt>
+                <c:pt idx="165">
+                  <c:v>2.2309939861297599</c:v>
+                </c:pt>
+                <c:pt idx="166">
+                  <c:v>2.3009366989135698</c:v>
+                </c:pt>
+                <c:pt idx="167">
+                  <c:v>2.3109154701232901</c:v>
+                </c:pt>
+                <c:pt idx="168">
+                  <c:v>3.8600771427154501</c:v>
+                </c:pt>
+                <c:pt idx="169">
+                  <c:v>4.1482660770416198</c:v>
+                </c:pt>
+                <c:pt idx="170">
+                  <c:v>2.3366184234619101</c:v>
+                </c:pt>
+                <c:pt idx="171">
+                  <c:v>2.1546390056610099</c:v>
+                </c:pt>
+                <c:pt idx="172">
+                  <c:v>3.4082837104797301</c:v>
+                </c:pt>
+                <c:pt idx="173">
+                  <c:v>2.5400240421295099</c:v>
+                </c:pt>
+                <c:pt idx="174">
+                  <c:v>2.7066164016723602</c:v>
+                </c:pt>
+                <c:pt idx="175">
+                  <c:v>2.5442936420440598</c:v>
+                </c:pt>
+                <c:pt idx="176">
+                  <c:v>2.64125633239746</c:v>
+                </c:pt>
+                <c:pt idx="177">
+                  <c:v>4.7462687492370597</c:v>
+                </c:pt>
+                <c:pt idx="178">
+                  <c:v>2.9224586486816402</c:v>
+                </c:pt>
+                <c:pt idx="179">
+                  <c:v>0</c:v>
+                </c:pt>
+                <c:pt idx="180">
+                  <c:v>0.13798832893371499</c:v>
+                </c:pt>
+                <c:pt idx="181">
+                  <c:v>8.4619045257568304E-2</c:v>
+                </c:pt>
+                <c:pt idx="182">
+                  <c:v>0.131475925445556</c:v>
+                </c:pt>
+                <c:pt idx="183">
+                  <c:v>0.193972587585449</c:v>
+                </c:pt>
+                <c:pt idx="184">
+                  <c:v>0.24735140800475999</c:v>
+                </c:pt>
+                <c:pt idx="185">
+                  <c:v>0.279651880264282</c:v>
+                </c:pt>
+                <c:pt idx="186">
+                  <c:v>0.30557322502136203</c:v>
+                </c:pt>
+                <c:pt idx="187">
+                  <c:v>0.35409283638000399</c:v>
+                </c:pt>
+                <c:pt idx="188">
+                  <c:v>0.38098096847534102</c:v>
+                </c:pt>
+                <c:pt idx="189">
+                  <c:v>0.42304635047912598</c:v>
+                </c:pt>
+                <c:pt idx="190">
+                  <c:v>0.48565125465393</c:v>
+                </c:pt>
+                <c:pt idx="191">
+                  <c:v>0.48560094833374001</c:v>
+                </c:pt>
+                <c:pt idx="192">
+                  <c:v>0.57023715972900302</c:v>
+                </c:pt>
+                <c:pt idx="193">
+                  <c:v>0.594207763671875</c:v>
+                </c:pt>
+                <c:pt idx="194">
+                  <c:v>0.627460956573486</c:v>
+                </c:pt>
+                <c:pt idx="195">
+                  <c:v>0.693276166915893</c:v>
+                </c:pt>
+                <c:pt idx="196">
+                  <c:v>0.70186567306518499</c:v>
+                </c:pt>
+                <c:pt idx="197">
+                  <c:v>0.74791049957275302</c:v>
+                </c:pt>
+                <c:pt idx="198">
+                  <c:v>0.77561593055725098</c:v>
+                </c:pt>
+                <c:pt idx="199">
+                  <c:v>0.82655334472656194</c:v>
+                </c:pt>
+                <c:pt idx="200">
+                  <c:v>0.85484051704406705</c:v>
+                </c:pt>
+                <c:pt idx="201">
+                  <c:v>0.90719652175903298</c:v>
+                </c:pt>
+                <c:pt idx="202">
+                  <c:v>0.94793295860290505</c:v>
+                </c:pt>
+                <c:pt idx="203">
+                  <c:v>0.96703219413757302</c:v>
+                </c:pt>
+                <c:pt idx="204">
+                  <c:v>1.1182551383972099</c:v>
+                </c:pt>
+                <c:pt idx="205">
+                  <c:v>1.10811591148376</c:v>
+                </c:pt>
+                <c:pt idx="206">
+                  <c:v>1.14017677307128</c:v>
+                </c:pt>
+                <c:pt idx="207">
+                  <c:v>1.14965200424194</c:v>
+                </c:pt>
+                <c:pt idx="208">
+                  <c:v>1.2143652439117401</c:v>
+                </c:pt>
+                <c:pt idx="209">
+                  <c:v>1.26756596565246</c:v>
+                </c:pt>
+                <c:pt idx="210">
+                  <c:v>1.2859573364257799</c:v>
+                </c:pt>
+                <c:pt idx="211">
+                  <c:v>1.3315963745117101</c:v>
+                </c:pt>
+                <c:pt idx="212">
+                  <c:v>1.3697249889373699</c:v>
+                </c:pt>
+                <c:pt idx="213">
+                  <c:v>1.44742655754089</c:v>
+                </c:pt>
+                <c:pt idx="214">
+                  <c:v>1.49043893814086</c:v>
+                </c:pt>
+                <c:pt idx="215">
+                  <c:v>1.50286817550659</c:v>
+                </c:pt>
+                <c:pt idx="216">
+                  <c:v>1.5258719921112001</c:v>
+                </c:pt>
+                <c:pt idx="217">
+                  <c:v>1.7470052242278999</c:v>
+                </c:pt>
+                <c:pt idx="218">
+                  <c:v>1.6943125724792401</c:v>
+                </c:pt>
+                <c:pt idx="219">
+                  <c:v>1.70347547531127</c:v>
+                </c:pt>
+                <c:pt idx="220">
+                  <c:v>1.7231142520904501</c:v>
+                </c:pt>
+                <c:pt idx="221">
+                  <c:v>1.7808666229248</c:v>
+                </c:pt>
+                <c:pt idx="222">
+                  <c:v>2.0015475749969398</c:v>
+                </c:pt>
+                <c:pt idx="223">
+                  <c:v>1.8889405727386399</c:v>
+                </c:pt>
+                <c:pt idx="224">
+                  <c:v>1.9740781784057599</c:v>
+                </c:pt>
+                <c:pt idx="225">
+                  <c:v>2.10542893409729</c:v>
+                </c:pt>
+                <c:pt idx="226">
+                  <c:v>2.4643757343292201</c:v>
+                </c:pt>
+                <c:pt idx="227">
+                  <c:v>3.2800319194793701</c:v>
+                </c:pt>
+                <c:pt idx="228">
+                  <c:v>2.45274353027343</c:v>
+                </c:pt>
+                <c:pt idx="229">
+                  <c:v>2.3682987689971902</c:v>
+                </c:pt>
+                <c:pt idx="230">
+                  <c:v>2.4214498996734601</c:v>
+                </c:pt>
+                <c:pt idx="231">
+                  <c:v>4.8612308502197203</c:v>
+                </c:pt>
+                <c:pt idx="232">
+                  <c:v>2.79605960845947</c:v>
+                </c:pt>
+                <c:pt idx="233">
+                  <c:v>2.5375354290008501</c:v>
+                </c:pt>
+                <c:pt idx="234">
+                  <c:v>2.6442229747772199</c:v>
+                </c:pt>
+                <c:pt idx="235">
+                  <c:v>2.7066776752471902</c:v>
+                </c:pt>
+                <c:pt idx="236">
+                  <c:v>2.7224595546722399</c:v>
+                </c:pt>
+                <c:pt idx="237">
+                  <c:v>2.6220469474792401</c:v>
+                </c:pt>
+                <c:pt idx="238">
+                  <c:v>3.34148049354553</c:v>
+                </c:pt>
+                <c:pt idx="239">
+                  <c:v>0</c:v>
+                </c:pt>
+                <c:pt idx="240">
+                  <c:v>5.3371906280517502E-2</c:v>
+                </c:pt>
+                <c:pt idx="241">
+                  <c:v>8.4615945816039997E-2</c:v>
+                </c:pt>
+                <c:pt idx="242">
+                  <c:v>0.14709782600402799</c:v>
+                </c:pt>
+                <c:pt idx="243">
+                  <c:v>0.178348302841186</c:v>
+                </c:pt>
+                <c:pt idx="244">
+                  <c:v>0.23176765441894501</c:v>
+                </c:pt>
+                <c:pt idx="245">
+                  <c:v>0.26180648803710899</c:v>
+                </c:pt>
+                <c:pt idx="246">
+                  <c:v>0.364536523818969</c:v>
+                </c:pt>
+                <c:pt idx="247">
+                  <c:v>0.34293913841247498</c:v>
+                </c:pt>
+                <c:pt idx="248">
+                  <c:v>0.38105654716491699</c:v>
+                </c:pt>
+                <c:pt idx="249">
+                  <c:v>0.43065690994262601</c:v>
+                </c:pt>
+                <c:pt idx="250">
+                  <c:v>0.52259111404418901</c:v>
+                </c:pt>
+                <c:pt idx="251">
+                  <c:v>0.56142187118530196</c:v>
+                </c:pt>
+                <c:pt idx="252">
+                  <c:v>0.64159154891967696</c:v>
+                </c:pt>
+                <c:pt idx="253">
+                  <c:v>0.64686560630798295</c:v>
+                </c:pt>
+                <c:pt idx="254">
+                  <c:v>0.632712602615356</c:v>
+                </c:pt>
+                <c:pt idx="255">
+                  <c:v>0.65445399284362704</c:v>
+                </c:pt>
+                <c:pt idx="256">
+                  <c:v>0.70562839508056596</c:v>
+                </c:pt>
+                <c:pt idx="257">
+                  <c:v>0.73649120330810502</c:v>
+                </c:pt>
+                <c:pt idx="258">
+                  <c:v>0.79787802696228005</c:v>
+                </c:pt>
+                <c:pt idx="259">
+                  <c:v>0.83319687843322698</c:v>
+                </c:pt>
+                <c:pt idx="260">
+                  <c:v>0.87094259262084905</c:v>
+                </c:pt>
+                <c:pt idx="261">
+                  <c:v>0.97466158866882302</c:v>
+                </c:pt>
+                <c:pt idx="262">
+                  <c:v>0.95782780647277799</c:v>
+                </c:pt>
+                <c:pt idx="263">
+                  <c:v>1.0066833496093699</c:v>
+                </c:pt>
+                <c:pt idx="264">
+                  <c:v>1.06097340583801</c:v>
+                </c:pt>
+                <c:pt idx="265">
+                  <c:v>1.0287845134735101</c:v>
+                </c:pt>
+                <c:pt idx="266">
+                  <c:v>1.1222574710845901</c:v>
+                </c:pt>
+                <c:pt idx="267">
+                  <c:v>1.13904905319213</c:v>
+                </c:pt>
+                <c:pt idx="268">
+                  <c:v>1.2563741207122801</c:v>
+                </c:pt>
+                <c:pt idx="269">
+                  <c:v>1.27054691314697</c:v>
+                </c:pt>
+                <c:pt idx="270">
+                  <c:v>1.2994732856750399</c:v>
+                </c:pt>
+                <c:pt idx="271">
+                  <c:v>1.34128046035766</c:v>
+                </c:pt>
+                <c:pt idx="272">
+                  <c:v>1.35836625099182</c:v>
+                </c:pt>
+                <c:pt idx="273">
+                  <c:v>1.3950715065002399</c:v>
+                </c:pt>
+                <c:pt idx="274">
+                  <c:v>1.44792532920837</c:v>
+                </c:pt>
+                <c:pt idx="275">
+                  <c:v>1.5045571327209399</c:v>
+                </c:pt>
+                <c:pt idx="276">
+                  <c:v>1.6551342010498</c:v>
+                </c:pt>
+                <c:pt idx="277">
+                  <c:v>1.7627255916595399</c:v>
+                </c:pt>
+                <c:pt idx="278">
+                  <c:v>1.6552639007568299</c:v>
+                </c:pt>
+                <c:pt idx="279">
+                  <c:v>1.68203568458557</c:v>
+                </c:pt>
+                <c:pt idx="280">
+                  <c:v>1.76320099830627</c:v>
+                </c:pt>
+                <c:pt idx="281">
+                  <c:v>1.7957789897918699</c:v>
+                </c:pt>
+                <c:pt idx="282">
+                  <c:v>2.0237445831298801</c:v>
+                </c:pt>
+                <c:pt idx="283">
+                  <c:v>1.88872170448303</c:v>
+                </c:pt>
+                <c:pt idx="284">
+                  <c:v>2.06767725944519</c:v>
+                </c:pt>
+                <c:pt idx="285">
+                  <c:v>2.1269431114196702</c:v>
+                </c:pt>
+                <c:pt idx="286">
+                  <c:v>2.1587834358215301</c:v>
+                </c:pt>
+                <c:pt idx="287">
+                  <c:v>2.2367868423461901</c:v>
+                </c:pt>
+                <c:pt idx="288">
+                  <c:v>2.2742383480071999</c:v>
+                </c:pt>
+                <c:pt idx="289">
+                  <c:v>5.5361831188201904</c:v>
+                </c:pt>
+                <c:pt idx="290">
+                  <c:v>2.5895805358886701</c:v>
+                </c:pt>
+                <c:pt idx="291">
+                  <c:v>2.43718981742858</c:v>
+                </c:pt>
+                <c:pt idx="292">
+                  <c:v>3.81055331230163</c:v>
+                </c:pt>
+                <c:pt idx="293">
+                  <c:v>4.5894243717193604</c:v>
+                </c:pt>
+                <c:pt idx="294">
+                  <c:v>2.8373844623565598</c:v>
+                </c:pt>
+                <c:pt idx="295">
+                  <c:v>5.72994065284729</c:v>
+                </c:pt>
+                <c:pt idx="296">
+                  <c:v>3.0450160503387398</c:v>
+                </c:pt>
+                <c:pt idx="297">
+                  <c:v>2.7604179382324201</c:v>
+                </c:pt>
+                <c:pt idx="298">
+                  <c:v>5.2982070446014404</c:v>
+                </c:pt>
+                <c:pt idx="299">
+                  <c:v>0</c:v>
+                </c:pt>
+              </c:numCache>
+            </c:numRef>
+          </c:yVal>
+          <c:smooth val="0"/>
+          <c:extLst>
+            <c:ext xmlns:c16="http://schemas.microsoft.com/office/drawing/2014/chart" uri="{C3380CC4-5D6E-409C-BE32-E72D297353CC}">
+              <c16:uniqueId val="{00000000-0538-4EEC-B248-58CE21234AA6}"/>
+            </c:ext>
+          </c:extLst>
+        </c:ser>
+        <c:ser>
+          <c:idx val="1"/>
+          <c:order val="1"/>
+          <c:tx>
+            <c:strRef>
+              <c:f>Munka4!$C$1</c:f>
+              <c:strCache>
+                <c:ptCount val="1"/>
+                <c:pt idx="0">
+                  <c:v>Omega  update</c:v>
+                </c:pt>
+              </c:strCache>
+            </c:strRef>
+          </c:tx>
+          <c:spPr>
+            <a:ln w="25400" cap="rnd">
+              <a:noFill/>
+              <a:round/>
+            </a:ln>
+            <a:effectLst>
+              <a:outerShdw blurRad="57150" dist="19050" dir="5400000" algn="ctr" rotWithShape="0">
+                <a:srgbClr val="000000">
+                  <a:alpha val="63000"/>
+                </a:srgbClr>
+              </a:outerShdw>
+            </a:effectLst>
+          </c:spPr>
+          <c:marker>
+            <c:symbol val="circle"/>
+            <c:size val="6"/>
+            <c:spPr>
+              <a:gradFill rotWithShape="1">
+                <a:gsLst>
+                  <a:gs pos="0">
+                    <a:schemeClr val="accent2">
+                      <a:satMod val="103000"/>
+                      <a:lumMod val="102000"/>
+                      <a:tint val="94000"/>
+                    </a:schemeClr>
+                  </a:gs>
+                  <a:gs pos="50000">
+                    <a:schemeClr val="accent2">
+                      <a:satMod val="110000"/>
+                      <a:lumMod val="100000"/>
+                      <a:shade val="100000"/>
+                    </a:schemeClr>
+                  </a:gs>
+                  <a:gs pos="100000">
+                    <a:schemeClr val="accent2">
+                      <a:lumMod val="99000"/>
+                      <a:satMod val="120000"/>
+                      <a:shade val="78000"/>
+                    </a:schemeClr>
+                  </a:gs>
+                </a:gsLst>
+                <a:lin ang="5400000" scaled="0"/>
+              </a:gradFill>
+              <a:ln w="9525" cap="rnd">
+                <a:solidFill>
+                  <a:schemeClr val="accent2"/>
+                </a:solidFill>
+                <a:round/>
+              </a:ln>
+              <a:effectLst>
+                <a:outerShdw blurRad="57150" dist="19050" dir="5400000" algn="ctr" rotWithShape="0">
+                  <a:srgbClr val="000000">
+                    <a:alpha val="63000"/>
+                  </a:srgbClr>
+                </a:outerShdw>
+              </a:effectLst>
+            </c:spPr>
+          </c:marker>
+          <c:xVal>
+            <c:numRef>
+              <c:f>Munka4!$A$2:$A$301</c:f>
+              <c:numCache>
+                <c:formatCode>General</c:formatCode>
+                <c:ptCount val="300"/>
+                <c:pt idx="0">
+                  <c:v>69120</c:v>
+                </c:pt>
+                <c:pt idx="1">
+                  <c:v>138240</c:v>
+                </c:pt>
+                <c:pt idx="2">
+                  <c:v>207360</c:v>
+                </c:pt>
+                <c:pt idx="3">
+                  <c:v>276480</c:v>
+                </c:pt>
+                <c:pt idx="4">
+                  <c:v>345600</c:v>
+                </c:pt>
+                <c:pt idx="5">
+                  <c:v>414720</c:v>
+                </c:pt>
+                <c:pt idx="6">
+                  <c:v>483840</c:v>
+                </c:pt>
+                <c:pt idx="7">
+                  <c:v>552960</c:v>
+                </c:pt>
+                <c:pt idx="8">
+                  <c:v>622080</c:v>
+                </c:pt>
+                <c:pt idx="9">
+                  <c:v>691200</c:v>
+                </c:pt>
+                <c:pt idx="10">
+                  <c:v>760320</c:v>
+                </c:pt>
+                <c:pt idx="11">
+                  <c:v>829440</c:v>
+                </c:pt>
+                <c:pt idx="12">
+                  <c:v>898560</c:v>
+                </c:pt>
+                <c:pt idx="13">
+                  <c:v>967680</c:v>
+                </c:pt>
+                <c:pt idx="14">
+                  <c:v>1036800</c:v>
+                </c:pt>
+                <c:pt idx="15">
+                  <c:v>1105920</c:v>
+                </c:pt>
+                <c:pt idx="16">
+                  <c:v>1175040</c:v>
+                </c:pt>
+                <c:pt idx="17">
+                  <c:v>1244160</c:v>
+                </c:pt>
+                <c:pt idx="18">
+                  <c:v>1313280</c:v>
+                </c:pt>
+                <c:pt idx="19">
+                  <c:v>1382400</c:v>
+                </c:pt>
+                <c:pt idx="20">
+                  <c:v>1451520</c:v>
+                </c:pt>
+                <c:pt idx="21">
+                  <c:v>1520640</c:v>
+                </c:pt>
+                <c:pt idx="22">
+                  <c:v>1589760</c:v>
+                </c:pt>
+                <c:pt idx="23">
+                  <c:v>1658880</c:v>
+                </c:pt>
+                <c:pt idx="24">
+                  <c:v>1728000</c:v>
+                </c:pt>
+                <c:pt idx="25">
+                  <c:v>1797120</c:v>
+                </c:pt>
+                <c:pt idx="26">
+                  <c:v>1866240</c:v>
+                </c:pt>
+                <c:pt idx="27">
+                  <c:v>1935360</c:v>
+                </c:pt>
+                <c:pt idx="28">
+                  <c:v>2004480</c:v>
+                </c:pt>
+                <c:pt idx="29">
+                  <c:v>2073600</c:v>
+                </c:pt>
+                <c:pt idx="30">
+                  <c:v>2142720</c:v>
+                </c:pt>
+                <c:pt idx="31">
+                  <c:v>2211840</c:v>
+                </c:pt>
+                <c:pt idx="32">
+                  <c:v>2280960</c:v>
+                </c:pt>
+                <c:pt idx="33">
+                  <c:v>2350080</c:v>
+                </c:pt>
+                <c:pt idx="34">
+                  <c:v>2419200</c:v>
+                </c:pt>
+                <c:pt idx="35">
+                  <c:v>2488320</c:v>
+                </c:pt>
+                <c:pt idx="36">
+                  <c:v>2557440</c:v>
+                </c:pt>
+                <c:pt idx="37">
+                  <c:v>2626560</c:v>
+                </c:pt>
+                <c:pt idx="38">
+                  <c:v>2695680</c:v>
+                </c:pt>
+                <c:pt idx="39">
+                  <c:v>2764800</c:v>
+                </c:pt>
+                <c:pt idx="40">
+                  <c:v>2833920</c:v>
+                </c:pt>
+                <c:pt idx="41">
+                  <c:v>2903040</c:v>
+                </c:pt>
+                <c:pt idx="42">
+                  <c:v>2972160</c:v>
+                </c:pt>
+                <c:pt idx="43">
+                  <c:v>3041280</c:v>
+                </c:pt>
+                <c:pt idx="44">
+                  <c:v>3110400</c:v>
+                </c:pt>
+                <c:pt idx="45">
+                  <c:v>3179520</c:v>
+                </c:pt>
+                <c:pt idx="46">
+                  <c:v>3248640</c:v>
+                </c:pt>
+                <c:pt idx="47">
+                  <c:v>3317760</c:v>
+                </c:pt>
+                <c:pt idx="48">
+                  <c:v>3386880</c:v>
+                </c:pt>
+                <c:pt idx="49">
+                  <c:v>3456000</c:v>
+                </c:pt>
+                <c:pt idx="50">
+                  <c:v>3525120</c:v>
+                </c:pt>
+                <c:pt idx="51">
+                  <c:v>3594240</c:v>
+                </c:pt>
+                <c:pt idx="52">
+                  <c:v>3663360</c:v>
+                </c:pt>
+                <c:pt idx="53">
+                  <c:v>3732480</c:v>
+                </c:pt>
+                <c:pt idx="54">
+                  <c:v>3801600</c:v>
+                </c:pt>
+                <c:pt idx="55">
+                  <c:v>3870720</c:v>
+                </c:pt>
+                <c:pt idx="56">
+                  <c:v>3939840</c:v>
+                </c:pt>
+                <c:pt idx="57">
+                  <c:v>4008960</c:v>
+                </c:pt>
+                <c:pt idx="58">
+                  <c:v>4078080</c:v>
+                </c:pt>
+                <c:pt idx="59">
+                  <c:v>0</c:v>
+                </c:pt>
+                <c:pt idx="60">
+                  <c:v>69120</c:v>
+                </c:pt>
+                <c:pt idx="61">
+                  <c:v>138240</c:v>
+                </c:pt>
+                <c:pt idx="62">
+                  <c:v>207360</c:v>
+                </c:pt>
+                <c:pt idx="63">
+                  <c:v>276480</c:v>
+                </c:pt>
+                <c:pt idx="64">
+                  <c:v>345600</c:v>
+                </c:pt>
+                <c:pt idx="65">
+                  <c:v>414720</c:v>
+                </c:pt>
+                <c:pt idx="66">
+                  <c:v>483840</c:v>
+                </c:pt>
+                <c:pt idx="67">
+                  <c:v>552960</c:v>
+                </c:pt>
+                <c:pt idx="68">
+                  <c:v>622080</c:v>
+                </c:pt>
+                <c:pt idx="69">
+                  <c:v>691200</c:v>
+                </c:pt>
+                <c:pt idx="70">
+                  <c:v>760320</c:v>
+                </c:pt>
+                <c:pt idx="71">
+                  <c:v>829440</c:v>
+                </c:pt>
+                <c:pt idx="72">
+                  <c:v>898560</c:v>
+                </c:pt>
+                <c:pt idx="73">
+                  <c:v>967680</c:v>
+                </c:pt>
+                <c:pt idx="74">
+                  <c:v>1036800</c:v>
+                </c:pt>
+                <c:pt idx="75">
+                  <c:v>1105920</c:v>
+                </c:pt>
+                <c:pt idx="76">
+                  <c:v>1175040</c:v>
+                </c:pt>
+                <c:pt idx="77">
+                  <c:v>1244160</c:v>
+                </c:pt>
+                <c:pt idx="78">
+                  <c:v>1313280</c:v>
+                </c:pt>
+                <c:pt idx="79">
+                  <c:v>1382400</c:v>
+                </c:pt>
+                <c:pt idx="80">
+                  <c:v>1451520</c:v>
+                </c:pt>
+                <c:pt idx="81">
+                  <c:v>1520640</c:v>
+                </c:pt>
+                <c:pt idx="82">
+                  <c:v>1589760</c:v>
+                </c:pt>
+                <c:pt idx="83">
+                  <c:v>1658880</c:v>
+                </c:pt>
+                <c:pt idx="84">
+                  <c:v>1728000</c:v>
+                </c:pt>
+                <c:pt idx="85">
+                  <c:v>1797120</c:v>
+                </c:pt>
+                <c:pt idx="86">
+                  <c:v>1866240</c:v>
+                </c:pt>
+                <c:pt idx="87">
+                  <c:v>1935360</c:v>
+                </c:pt>
+                <c:pt idx="88">
+                  <c:v>2004480</c:v>
+                </c:pt>
+                <c:pt idx="89">
+                  <c:v>2073600</c:v>
+                </c:pt>
+                <c:pt idx="90">
+                  <c:v>2142720</c:v>
+                </c:pt>
+                <c:pt idx="91">
+                  <c:v>2211840</c:v>
+                </c:pt>
+                <c:pt idx="92">
+                  <c:v>2280960</c:v>
+                </c:pt>
+                <c:pt idx="93">
+                  <c:v>2350080</c:v>
+                </c:pt>
+                <c:pt idx="94">
+                  <c:v>2419200</c:v>
+                </c:pt>
+                <c:pt idx="95">
+                  <c:v>2488320</c:v>
+                </c:pt>
+                <c:pt idx="96">
+                  <c:v>2557440</c:v>
+                </c:pt>
+                <c:pt idx="97">
+                  <c:v>2626560</c:v>
+                </c:pt>
+                <c:pt idx="98">
+                  <c:v>2695680</c:v>
+                </c:pt>
+                <c:pt idx="99">
+                  <c:v>2764800</c:v>
+                </c:pt>
+                <c:pt idx="100">
+                  <c:v>2833920</c:v>
+                </c:pt>
+                <c:pt idx="101">
+                  <c:v>2903040</c:v>
+                </c:pt>
+                <c:pt idx="102">
+                  <c:v>2972160</c:v>
+                </c:pt>
+                <c:pt idx="103">
+                  <c:v>3041280</c:v>
+                </c:pt>
+                <c:pt idx="104">
+                  <c:v>3110400</c:v>
+                </c:pt>
+                <c:pt idx="105">
+                  <c:v>3179520</c:v>
+                </c:pt>
+                <c:pt idx="106">
+                  <c:v>3248640</c:v>
+                </c:pt>
+                <c:pt idx="107">
+                  <c:v>3317760</c:v>
+                </c:pt>
+                <c:pt idx="108">
+                  <c:v>3386880</c:v>
+                </c:pt>
+                <c:pt idx="109">
+                  <c:v>3456000</c:v>
+                </c:pt>
+                <c:pt idx="110">
+                  <c:v>3525120</c:v>
+                </c:pt>
+                <c:pt idx="111">
+                  <c:v>3594240</c:v>
+                </c:pt>
+                <c:pt idx="112">
+                  <c:v>3663360</c:v>
+                </c:pt>
+                <c:pt idx="113">
+                  <c:v>3732480</c:v>
+                </c:pt>
+                <c:pt idx="114">
+                  <c:v>3801600</c:v>
+                </c:pt>
+                <c:pt idx="115">
+                  <c:v>3870720</c:v>
+                </c:pt>
+                <c:pt idx="116">
+                  <c:v>3939840</c:v>
+                </c:pt>
+                <c:pt idx="117">
+                  <c:v>4008960</c:v>
+                </c:pt>
+                <c:pt idx="118">
+                  <c:v>4078080</c:v>
+                </c:pt>
+                <c:pt idx="119">
+                  <c:v>0</c:v>
+                </c:pt>
+                <c:pt idx="120">
+                  <c:v>69120</c:v>
+                </c:pt>
+                <c:pt idx="121">
+                  <c:v>138240</c:v>
+                </c:pt>
+                <c:pt idx="122">
+                  <c:v>207360</c:v>
+                </c:pt>
+                <c:pt idx="123">
+                  <c:v>276480</c:v>
+                </c:pt>
+                <c:pt idx="124">
+                  <c:v>345600</c:v>
+                </c:pt>
+                <c:pt idx="125">
+                  <c:v>414720</c:v>
+                </c:pt>
+                <c:pt idx="126">
+                  <c:v>483840</c:v>
+                </c:pt>
+                <c:pt idx="127">
+                  <c:v>552960</c:v>
+                </c:pt>
+                <c:pt idx="128">
+                  <c:v>622080</c:v>
+                </c:pt>
+                <c:pt idx="129">
+                  <c:v>691200</c:v>
+                </c:pt>
+                <c:pt idx="130">
+                  <c:v>760320</c:v>
+                </c:pt>
+                <c:pt idx="131">
+                  <c:v>829440</c:v>
+                </c:pt>
+                <c:pt idx="132">
+                  <c:v>898560</c:v>
+                </c:pt>
+                <c:pt idx="133">
+                  <c:v>967680</c:v>
+                </c:pt>
+                <c:pt idx="134">
+                  <c:v>1036800</c:v>
+                </c:pt>
+                <c:pt idx="135">
+                  <c:v>1105920</c:v>
+                </c:pt>
+                <c:pt idx="136">
+                  <c:v>1175040</c:v>
+                </c:pt>
+                <c:pt idx="137">
+                  <c:v>1244160</c:v>
+                </c:pt>
+                <c:pt idx="138">
+                  <c:v>1313280</c:v>
+                </c:pt>
+                <c:pt idx="139">
+                  <c:v>1382400</c:v>
+                </c:pt>
+                <c:pt idx="140">
+                  <c:v>1451520</c:v>
+                </c:pt>
+                <c:pt idx="141">
+                  <c:v>1520640</c:v>
+                </c:pt>
+                <c:pt idx="142">
+                  <c:v>1589760</c:v>
+                </c:pt>
+                <c:pt idx="143">
+                  <c:v>1658880</c:v>
+                </c:pt>
+                <c:pt idx="144">
+                  <c:v>1728000</c:v>
+                </c:pt>
+                <c:pt idx="145">
+                  <c:v>1797120</c:v>
+                </c:pt>
+                <c:pt idx="146">
+                  <c:v>1866240</c:v>
+                </c:pt>
+                <c:pt idx="147">
+                  <c:v>1935360</c:v>
+                </c:pt>
+                <c:pt idx="148">
+                  <c:v>2004480</c:v>
+                </c:pt>
+                <c:pt idx="149">
+                  <c:v>2073600</c:v>
+                </c:pt>
+                <c:pt idx="150">
+                  <c:v>2142720</c:v>
+                </c:pt>
+                <c:pt idx="151">
+                  <c:v>2211840</c:v>
+                </c:pt>
+                <c:pt idx="152">
+                  <c:v>2280960</c:v>
+                </c:pt>
+                <c:pt idx="153">
+                  <c:v>2350080</c:v>
+                </c:pt>
+                <c:pt idx="154">
+                  <c:v>2419200</c:v>
+                </c:pt>
+                <c:pt idx="155">
+                  <c:v>2488320</c:v>
+                </c:pt>
+                <c:pt idx="156">
+                  <c:v>2557440</c:v>
+                </c:pt>
+                <c:pt idx="157">
+                  <c:v>2626560</c:v>
+                </c:pt>
+                <c:pt idx="158">
+                  <c:v>2695680</c:v>
+                </c:pt>
+                <c:pt idx="159">
+                  <c:v>2764800</c:v>
+                </c:pt>
+                <c:pt idx="160">
+                  <c:v>2833920</c:v>
+                </c:pt>
+                <c:pt idx="161">
+                  <c:v>2903040</c:v>
+                </c:pt>
+                <c:pt idx="162">
+                  <c:v>2972160</c:v>
+                </c:pt>
+                <c:pt idx="163">
+                  <c:v>3041280</c:v>
+                </c:pt>
+                <c:pt idx="164">
+                  <c:v>3110400</c:v>
+                </c:pt>
+                <c:pt idx="165">
+                  <c:v>3179520</c:v>
+                </c:pt>
+                <c:pt idx="166">
+                  <c:v>3248640</c:v>
+                </c:pt>
+                <c:pt idx="167">
+                  <c:v>3317760</c:v>
+                </c:pt>
+                <c:pt idx="168">
+                  <c:v>3386880</c:v>
+                </c:pt>
+                <c:pt idx="169">
+                  <c:v>3456000</c:v>
+                </c:pt>
+                <c:pt idx="170">
+                  <c:v>3525120</c:v>
+                </c:pt>
+                <c:pt idx="171">
+                  <c:v>3594240</c:v>
+                </c:pt>
+                <c:pt idx="172">
+                  <c:v>3663360</c:v>
+                </c:pt>
+                <c:pt idx="173">
+                  <c:v>3732480</c:v>
+                </c:pt>
+                <c:pt idx="174">
+                  <c:v>3801600</c:v>
+                </c:pt>
+                <c:pt idx="175">
+                  <c:v>3870720</c:v>
+                </c:pt>
+                <c:pt idx="176">
+                  <c:v>3939840</c:v>
+                </c:pt>
+                <c:pt idx="177">
+                  <c:v>4008960</c:v>
+                </c:pt>
+                <c:pt idx="178">
+                  <c:v>4078080</c:v>
+                </c:pt>
+                <c:pt idx="179">
+                  <c:v>0</c:v>
+                </c:pt>
+                <c:pt idx="180">
+                  <c:v>69120</c:v>
+                </c:pt>
+                <c:pt idx="181">
+                  <c:v>138240</c:v>
+                </c:pt>
+                <c:pt idx="182">
+                  <c:v>207360</c:v>
+                </c:pt>
+                <c:pt idx="183">
+                  <c:v>276480</c:v>
+                </c:pt>
+                <c:pt idx="184">
+                  <c:v>345600</c:v>
+                </c:pt>
+                <c:pt idx="185">
+                  <c:v>414720</c:v>
+                </c:pt>
+                <c:pt idx="186">
+                  <c:v>483840</c:v>
+                </c:pt>
+                <c:pt idx="187">
+                  <c:v>552960</c:v>
+                </c:pt>
+                <c:pt idx="188">
+                  <c:v>622080</c:v>
+                </c:pt>
+                <c:pt idx="189">
+                  <c:v>691200</c:v>
+                </c:pt>
+                <c:pt idx="190">
+                  <c:v>760320</c:v>
+                </c:pt>
+                <c:pt idx="191">
+                  <c:v>829440</c:v>
+                </c:pt>
+                <c:pt idx="192">
+                  <c:v>898560</c:v>
+                </c:pt>
+                <c:pt idx="193">
+                  <c:v>967680</c:v>
+                </c:pt>
+                <c:pt idx="194">
+                  <c:v>1036800</c:v>
+                </c:pt>
+                <c:pt idx="195">
+                  <c:v>1105920</c:v>
+                </c:pt>
+                <c:pt idx="196">
+                  <c:v>1175040</c:v>
+                </c:pt>
+                <c:pt idx="197">
+                  <c:v>1244160</c:v>
+                </c:pt>
+                <c:pt idx="198">
+                  <c:v>1313280</c:v>
+                </c:pt>
+                <c:pt idx="199">
+                  <c:v>1382400</c:v>
+                </c:pt>
+                <c:pt idx="200">
+                  <c:v>1451520</c:v>
+                </c:pt>
+                <c:pt idx="201">
+                  <c:v>1520640</c:v>
+                </c:pt>
+                <c:pt idx="202">
+                  <c:v>1589760</c:v>
+                </c:pt>
+                <c:pt idx="203">
+                  <c:v>1658880</c:v>
+                </c:pt>
+                <c:pt idx="204">
+                  <c:v>1728000</c:v>
+                </c:pt>
+                <c:pt idx="205">
+                  <c:v>1797120</c:v>
+                </c:pt>
+                <c:pt idx="206">
+                  <c:v>1866240</c:v>
+                </c:pt>
+                <c:pt idx="207">
+                  <c:v>1935360</c:v>
+                </c:pt>
+                <c:pt idx="208">
+                  <c:v>2004480</c:v>
+                </c:pt>
+                <c:pt idx="209">
+                  <c:v>2073600</c:v>
+                </c:pt>
+                <c:pt idx="210">
+                  <c:v>2142720</c:v>
+                </c:pt>
+                <c:pt idx="211">
+                  <c:v>2211840</c:v>
+                </c:pt>
+                <c:pt idx="212">
+                  <c:v>2280960</c:v>
+                </c:pt>
+                <c:pt idx="213">
+                  <c:v>2350080</c:v>
+                </c:pt>
+                <c:pt idx="214">
+                  <c:v>2419200</c:v>
+                </c:pt>
+                <c:pt idx="215">
+                  <c:v>2488320</c:v>
+                </c:pt>
+                <c:pt idx="216">
+                  <c:v>2557440</c:v>
+                </c:pt>
+                <c:pt idx="217">
+                  <c:v>2626560</c:v>
+                </c:pt>
+                <c:pt idx="218">
+                  <c:v>2695680</c:v>
+                </c:pt>
+                <c:pt idx="219">
+                  <c:v>2764800</c:v>
+                </c:pt>
+                <c:pt idx="220">
+                  <c:v>2833920</c:v>
+                </c:pt>
+                <c:pt idx="221">
+                  <c:v>2903040</c:v>
+                </c:pt>
+                <c:pt idx="222">
+                  <c:v>2972160</c:v>
+                </c:pt>
+                <c:pt idx="223">
+                  <c:v>3041280</c:v>
+                </c:pt>
+                <c:pt idx="224">
+                  <c:v>3110400</c:v>
+                </c:pt>
+                <c:pt idx="225">
+                  <c:v>3179520</c:v>
+                </c:pt>
+                <c:pt idx="226">
+                  <c:v>3248640</c:v>
+                </c:pt>
+                <c:pt idx="227">
+                  <c:v>3317760</c:v>
+                </c:pt>
+                <c:pt idx="228">
+                  <c:v>3386880</c:v>
+                </c:pt>
+                <c:pt idx="229">
+                  <c:v>3456000</c:v>
+                </c:pt>
+                <c:pt idx="230">
+                  <c:v>3525120</c:v>
+                </c:pt>
+                <c:pt idx="231">
+                  <c:v>3594240</c:v>
+                </c:pt>
+                <c:pt idx="232">
+                  <c:v>3663360</c:v>
+                </c:pt>
+                <c:pt idx="233">
+                  <c:v>3732480</c:v>
+                </c:pt>
+                <c:pt idx="234">
+                  <c:v>3801600</c:v>
+                </c:pt>
+                <c:pt idx="235">
+                  <c:v>3870720</c:v>
+                </c:pt>
+                <c:pt idx="236">
+                  <c:v>3939840</c:v>
+                </c:pt>
+                <c:pt idx="237">
+                  <c:v>4008960</c:v>
+                </c:pt>
+                <c:pt idx="238">
+                  <c:v>4078080</c:v>
+                </c:pt>
+                <c:pt idx="239">
+                  <c:v>0</c:v>
+                </c:pt>
+                <c:pt idx="240">
+                  <c:v>69120</c:v>
+                </c:pt>
+                <c:pt idx="241">
+                  <c:v>138240</c:v>
+                </c:pt>
+                <c:pt idx="242">
+                  <c:v>207360</c:v>
+                </c:pt>
+                <c:pt idx="243">
+                  <c:v>276480</c:v>
+                </c:pt>
+                <c:pt idx="244">
+                  <c:v>345600</c:v>
+                </c:pt>
+                <c:pt idx="245">
+                  <c:v>414720</c:v>
+                </c:pt>
+                <c:pt idx="246">
+                  <c:v>483840</c:v>
+                </c:pt>
+                <c:pt idx="247">
+                  <c:v>552960</c:v>
+                </c:pt>
+                <c:pt idx="248">
+                  <c:v>622080</c:v>
+                </c:pt>
+                <c:pt idx="249">
+                  <c:v>691200</c:v>
+                </c:pt>
+                <c:pt idx="250">
+                  <c:v>760320</c:v>
+                </c:pt>
+                <c:pt idx="251">
+                  <c:v>829440</c:v>
+                </c:pt>
+                <c:pt idx="252">
+                  <c:v>898560</c:v>
+                </c:pt>
+                <c:pt idx="253">
+                  <c:v>967680</c:v>
+                </c:pt>
+                <c:pt idx="254">
+                  <c:v>1036800</c:v>
+                </c:pt>
+                <c:pt idx="255">
+                  <c:v>1105920</c:v>
+                </c:pt>
+                <c:pt idx="256">
+                  <c:v>1175040</c:v>
+                </c:pt>
+                <c:pt idx="257">
+                  <c:v>1244160</c:v>
+                </c:pt>
+                <c:pt idx="258">
+                  <c:v>1313280</c:v>
+                </c:pt>
+                <c:pt idx="259">
+                  <c:v>1382400</c:v>
+                </c:pt>
+                <c:pt idx="260">
+                  <c:v>1451520</c:v>
+                </c:pt>
+                <c:pt idx="261">
+                  <c:v>1520640</c:v>
+                </c:pt>
+                <c:pt idx="262">
+                  <c:v>1589760</c:v>
+                </c:pt>
+                <c:pt idx="263">
+                  <c:v>1658880</c:v>
+                </c:pt>
+                <c:pt idx="264">
+                  <c:v>1728000</c:v>
+                </c:pt>
+                <c:pt idx="265">
+                  <c:v>1797120</c:v>
+                </c:pt>
+                <c:pt idx="266">
+                  <c:v>1866240</c:v>
+                </c:pt>
+                <c:pt idx="267">
+                  <c:v>1935360</c:v>
+                </c:pt>
+                <c:pt idx="268">
+                  <c:v>2004480</c:v>
+                </c:pt>
+                <c:pt idx="269">
+                  <c:v>2073600</c:v>
+                </c:pt>
+                <c:pt idx="270">
+                  <c:v>2142720</c:v>
+                </c:pt>
+                <c:pt idx="271">
+                  <c:v>2211840</c:v>
+                </c:pt>
+                <c:pt idx="272">
+                  <c:v>2280960</c:v>
+                </c:pt>
+                <c:pt idx="273">
+                  <c:v>2350080</c:v>
+                </c:pt>
+                <c:pt idx="274">
+                  <c:v>2419200</c:v>
+                </c:pt>
+                <c:pt idx="275">
+                  <c:v>2488320</c:v>
+                </c:pt>
+                <c:pt idx="276">
+                  <c:v>2557440</c:v>
+                </c:pt>
+                <c:pt idx="277">
+                  <c:v>2626560</c:v>
+                </c:pt>
+                <c:pt idx="278">
+                  <c:v>2695680</c:v>
+                </c:pt>
+                <c:pt idx="279">
+                  <c:v>2764800</c:v>
+                </c:pt>
+                <c:pt idx="280">
+                  <c:v>2833920</c:v>
+                </c:pt>
+                <c:pt idx="281">
+                  <c:v>2903040</c:v>
+                </c:pt>
+                <c:pt idx="282">
+                  <c:v>2972160</c:v>
+                </c:pt>
+                <c:pt idx="283">
+                  <c:v>3041280</c:v>
+                </c:pt>
+                <c:pt idx="284">
+                  <c:v>3110400</c:v>
+                </c:pt>
+                <c:pt idx="285">
+                  <c:v>3179520</c:v>
+                </c:pt>
+                <c:pt idx="286">
+                  <c:v>3248640</c:v>
+                </c:pt>
+                <c:pt idx="287">
+                  <c:v>3317760</c:v>
+                </c:pt>
+                <c:pt idx="288">
+                  <c:v>3386880</c:v>
+                </c:pt>
+                <c:pt idx="289">
+                  <c:v>3456000</c:v>
+                </c:pt>
+                <c:pt idx="290">
+                  <c:v>3525120</c:v>
+                </c:pt>
+                <c:pt idx="291">
+                  <c:v>3594240</c:v>
+                </c:pt>
+                <c:pt idx="292">
+                  <c:v>3663360</c:v>
+                </c:pt>
+                <c:pt idx="293">
+                  <c:v>3732480</c:v>
+                </c:pt>
+                <c:pt idx="294">
+                  <c:v>3801600</c:v>
+                </c:pt>
+                <c:pt idx="295">
+                  <c:v>3870720</c:v>
+                </c:pt>
+                <c:pt idx="296">
+                  <c:v>3939840</c:v>
+                </c:pt>
+                <c:pt idx="297">
+                  <c:v>4008960</c:v>
+                </c:pt>
+                <c:pt idx="298">
+                  <c:v>4078080</c:v>
+                </c:pt>
+                <c:pt idx="299">
+                  <c:v>0</c:v>
+                </c:pt>
+              </c:numCache>
+            </c:numRef>
+          </c:xVal>
+          <c:yVal>
+            <c:numRef>
+              <c:f>Munka4!$C$2:$C$301</c:f>
+              <c:numCache>
+                <c:formatCode>General</c:formatCode>
+                <c:ptCount val="300"/>
+                <c:pt idx="0">
+                  <c:v>1.69572830200195E-2</c:v>
+                </c:pt>
+                <c:pt idx="1">
+                  <c:v>2.8923511505126901E-2</c:v>
+                </c:pt>
+                <c:pt idx="2">
+                  <c:v>4.5878171920776298E-2</c:v>
+                </c:pt>
+                <c:pt idx="3">
+                  <c:v>6.7818880081176702E-2</c:v>
+                </c:pt>
+                <c:pt idx="4">
+                  <c:v>8.7765693664550698E-2</c:v>
+                </c:pt>
+                <c:pt idx="5">
+                  <c:v>0.11569023132324199</c:v>
+                </c:pt>
+                <c:pt idx="6">
+                  <c:v>0.110704183578491</c:v>
+                </c:pt>
+                <c:pt idx="7">
+                  <c:v>0.152592182159423</c:v>
+                </c:pt>
+                <c:pt idx="8">
+                  <c:v>0.14062333106994601</c:v>
+                </c:pt>
+                <c:pt idx="9">
+                  <c:v>0.13763189315795801</c:v>
+                </c:pt>
+                <c:pt idx="10">
+                  <c:v>0.19647383689880299</c:v>
+                </c:pt>
+                <c:pt idx="11">
+                  <c:v>0.181515216827392</c:v>
+                </c:pt>
+                <c:pt idx="12">
+                  <c:v>0.19447970390319799</c:v>
+                </c:pt>
+                <c:pt idx="13">
+                  <c:v>0.192484855651855</c:v>
+                </c:pt>
+                <c:pt idx="14">
+                  <c:v>0.20744490623474099</c:v>
+                </c:pt>
+                <c:pt idx="15">
+                  <c:v>0.21143603324890101</c:v>
+                </c:pt>
+                <c:pt idx="16">
+                  <c:v>0.23137998580932601</c:v>
+                </c:pt>
+                <c:pt idx="17">
+                  <c:v>0.251326084136962</c:v>
+                </c:pt>
+                <c:pt idx="18">
+                  <c:v>0.286234140396118</c:v>
+                </c:pt>
+                <c:pt idx="19">
+                  <c:v>0.28822803497314398</c:v>
+                </c:pt>
+                <c:pt idx="20">
+                  <c:v>0.31715226173400801</c:v>
+                </c:pt>
+                <c:pt idx="21">
+                  <c:v>0.293215751647949</c:v>
+                </c:pt>
+                <c:pt idx="22">
+                  <c:v>0.29221677780151301</c:v>
+                </c:pt>
+                <c:pt idx="23">
+                  <c:v>0.41189670562744102</c:v>
+                </c:pt>
+                <c:pt idx="24">
+                  <c:v>0.54254865646362305</c:v>
+                </c:pt>
+                <c:pt idx="25">
+                  <c:v>0.38497018814086897</c:v>
+                </c:pt>
+                <c:pt idx="26">
+                  <c:v>0.36901140213012601</c:v>
+                </c:pt>
+                <c:pt idx="27">
+                  <c:v>0.36302804946899397</c:v>
+                </c:pt>
+                <c:pt idx="28">
+                  <c:v>0.42186999320983798</c:v>
+                </c:pt>
+                <c:pt idx="29">
+                  <c:v>0.382974863052368</c:v>
+                </c:pt>
+                <c:pt idx="30">
+                  <c:v>0.42386364936828602</c:v>
+                </c:pt>
+                <c:pt idx="31">
+                  <c:v>0.46276283264160101</c:v>
+                </c:pt>
+                <c:pt idx="32">
+                  <c:v>0.43184161186218201</c:v>
+                </c:pt>
+                <c:pt idx="33">
+                  <c:v>0.45578169822692799</c:v>
+                </c:pt>
+                <c:pt idx="34">
+                  <c:v>0.45278859138488697</c:v>
+                </c:pt>
+                <c:pt idx="35">
+                  <c:v>0.47672414779663003</c:v>
+                </c:pt>
+                <c:pt idx="36">
+                  <c:v>0.86967301368713301</c:v>
+                </c:pt>
+                <c:pt idx="37">
+                  <c:v>0.48769545555114702</c:v>
+                </c:pt>
+                <c:pt idx="38">
+                  <c:v>0.49766564369201599</c:v>
+                </c:pt>
+                <c:pt idx="39">
+                  <c:v>0.55750751495361295</c:v>
+                </c:pt>
+                <c:pt idx="40">
+                  <c:v>0.51758790016174305</c:v>
+                </c:pt>
+                <c:pt idx="41">
+                  <c:v>0.54154896736144997</c:v>
+                </c:pt>
+                <c:pt idx="42">
+                  <c:v>0.57645559310912997</c:v>
+                </c:pt>
+                <c:pt idx="43">
+                  <c:v>0.54952979087829501</c:v>
+                </c:pt>
+                <c:pt idx="44">
+                  <c:v>0.59241628646850497</c:v>
+                </c:pt>
+                <c:pt idx="45">
+                  <c:v>0.60338568687438898</c:v>
+                </c:pt>
+                <c:pt idx="46">
+                  <c:v>0.66522049903869596</c:v>
+                </c:pt>
+                <c:pt idx="47">
+                  <c:v>0.65522027015686002</c:v>
+                </c:pt>
+                <c:pt idx="48">
+                  <c:v>0.68716168403625399</c:v>
+                </c:pt>
+                <c:pt idx="49">
+                  <c:v>0.70408535003662098</c:v>
+                </c:pt>
+                <c:pt idx="50">
+                  <c:v>0.79686760902404696</c:v>
+                </c:pt>
+                <c:pt idx="51">
+                  <c:v>0.86368870735168402</c:v>
+                </c:pt>
+                <c:pt idx="52">
+                  <c:v>0.92751717567443803</c:v>
+                </c:pt>
+                <c:pt idx="53">
+                  <c:v>0.730230093002319</c:v>
+                </c:pt>
+                <c:pt idx="54">
+                  <c:v>1.0908222198486299</c:v>
+                </c:pt>
+                <c:pt idx="55">
+                  <c:v>0.78390169143676702</c:v>
+                </c:pt>
+                <c:pt idx="56">
+                  <c:v>0.82280230522155695</c:v>
+                </c:pt>
+                <c:pt idx="57">
+                  <c:v>0.82180285453796298</c:v>
+                </c:pt>
+                <c:pt idx="58">
+                  <c:v>0.86668109893798795</c:v>
+                </c:pt>
+                <c:pt idx="59">
+                  <c:v>0</c:v>
+                </c:pt>
+                <c:pt idx="60">
+                  <c:v>1.29661560058593E-2</c:v>
+                </c:pt>
+                <c:pt idx="61">
+                  <c:v>2.79257297515869E-2</c:v>
+                </c:pt>
+                <c:pt idx="62">
+                  <c:v>3.7898540496826102E-2</c:v>
+                </c:pt>
+                <c:pt idx="63">
+                  <c:v>5.7845830917358398E-2</c:v>
+                </c:pt>
+                <c:pt idx="64">
+                  <c:v>7.0810556411743095E-2</c:v>
+                </c:pt>
+                <c:pt idx="65">
+                  <c:v>8.4772109985351493E-2</c:v>
+                </c:pt>
+                <c:pt idx="66">
+                  <c:v>0.103723049163818</c:v>
+                </c:pt>
+                <c:pt idx="67">
+                  <c:v>0.108709096908569</c:v>
+                </c:pt>
+                <c:pt idx="68">
+                  <c:v>0.123668670654296</c:v>
+                </c:pt>
+                <c:pt idx="69">
+                  <c:v>0.13264417648315399</c:v>
+                </c:pt>
+                <c:pt idx="70">
+                  <c:v>0.14062070846557601</c:v>
+                </c:pt>
+                <c:pt idx="71">
+                  <c:v>0.153587341308593</c:v>
+                </c:pt>
+                <c:pt idx="72">
+                  <c:v>0.167550563812255</c:v>
+                </c:pt>
+                <c:pt idx="73">
+                  <c:v>0.18350934982299799</c:v>
+                </c:pt>
+                <c:pt idx="74">
+                  <c:v>0.201459646224975</c:v>
+                </c:pt>
+                <c:pt idx="75">
+                  <c:v>0.209438562393188</c:v>
+                </c:pt>
+                <c:pt idx="76">
+                  <c:v>0.21343040466308499</c:v>
+                </c:pt>
+                <c:pt idx="77">
+                  <c:v>0.234371423721313</c:v>
+                </c:pt>
+                <c:pt idx="78">
+                  <c:v>0.24334621429443301</c:v>
+                </c:pt>
+                <c:pt idx="79">
+                  <c:v>0.25930595397949202</c:v>
+                </c:pt>
+                <c:pt idx="80">
+                  <c:v>0.26130104064941401</c:v>
+                </c:pt>
+                <c:pt idx="81">
+                  <c:v>0.338095903396606</c:v>
+                </c:pt>
+                <c:pt idx="82">
+                  <c:v>0.28523421287536599</c:v>
+                </c:pt>
+                <c:pt idx="83">
+                  <c:v>0.33211684226989702</c:v>
+                </c:pt>
+                <c:pt idx="84">
+                  <c:v>0.32313489913940402</c:v>
+                </c:pt>
+                <c:pt idx="85">
+                  <c:v>0.31914472579955999</c:v>
+                </c:pt>
+                <c:pt idx="86">
+                  <c:v>0.33310723304748502</c:v>
+                </c:pt>
+                <c:pt idx="87">
+                  <c:v>0.38297414779663003</c:v>
+                </c:pt>
+                <c:pt idx="88">
+                  <c:v>0.35703778266906699</c:v>
+                </c:pt>
+                <c:pt idx="89">
+                  <c:v>0.376990556716918</c:v>
+                </c:pt>
+                <c:pt idx="90">
+                  <c:v>0.41588735580444303</c:v>
+                </c:pt>
+                <c:pt idx="91">
+                  <c:v>0.390953779220581</c:v>
+                </c:pt>
+                <c:pt idx="92">
+                  <c:v>0.425861597061157</c:v>
+                </c:pt>
+                <c:pt idx="93">
+                  <c:v>0.483705043792724</c:v>
+                </c:pt>
+                <c:pt idx="94">
+                  <c:v>0.47672438621520902</c:v>
+                </c:pt>
+                <c:pt idx="95">
+                  <c:v>0.44780135154724099</c:v>
+                </c:pt>
+                <c:pt idx="96">
+                  <c:v>0.48769497871398898</c:v>
+                </c:pt>
+                <c:pt idx="97">
+                  <c:v>0.51362586021423295</c:v>
+                </c:pt>
+                <c:pt idx="98">
+                  <c:v>0.50365161895751898</c:v>
+                </c:pt>
+                <c:pt idx="99">
+                  <c:v>0.49567365646362299</c:v>
+                </c:pt>
+                <c:pt idx="100">
+                  <c:v>0.53058004379272405</c:v>
+                </c:pt>
+                <c:pt idx="101">
+                  <c:v>0.566483974456787</c:v>
+                </c:pt>
+                <c:pt idx="102">
+                  <c:v>0.62233352661132801</c:v>
+                </c:pt>
+                <c:pt idx="103">
+                  <c:v>0.60338354110717696</c:v>
+                </c:pt>
+                <c:pt idx="104">
+                  <c:v>0.57845306396484297</c:v>
+                </c:pt>
+                <c:pt idx="105">
+                  <c:v>0.64128184318542403</c:v>
+                </c:pt>
+                <c:pt idx="106">
+                  <c:v>0.68317222595214799</c:v>
+                </c:pt>
+                <c:pt idx="107">
+                  <c:v>0.63230562210082997</c:v>
+                </c:pt>
+                <c:pt idx="108">
+                  <c:v>0.67419743537902799</c:v>
+                </c:pt>
+                <c:pt idx="109">
+                  <c:v>0.97407293319702104</c:v>
+                </c:pt>
+                <c:pt idx="110">
+                  <c:v>0.64254069328308105</c:v>
+                </c:pt>
+                <c:pt idx="111">
+                  <c:v>0.68625617027282704</c:v>
+                </c:pt>
+                <c:pt idx="112">
+                  <c:v>0.77913641929626398</c:v>
+                </c:pt>
+                <c:pt idx="113">
+                  <c:v>0.89686203002929599</c:v>
+                </c:pt>
+                <c:pt idx="114">
+                  <c:v>0.84501266479492099</c:v>
+                </c:pt>
+                <c:pt idx="115">
+                  <c:v>0.84108281135559004</c:v>
+                </c:pt>
+                <c:pt idx="116">
+                  <c:v>0.77068614959716797</c:v>
+                </c:pt>
+                <c:pt idx="117">
+                  <c:v>0.90219569206237704</c:v>
+                </c:pt>
+                <c:pt idx="118">
+                  <c:v>0.78633666038513095</c:v>
+                </c:pt>
+                <c:pt idx="119">
+                  <c:v>0</c:v>
+                </c:pt>
+                <c:pt idx="120">
+                  <c:v>2.2126674652099599E-2</c:v>
+                </c:pt>
+                <c:pt idx="121">
+                  <c:v>2.2135019302368102E-2</c:v>
+                </c:pt>
+                <c:pt idx="122">
+                  <c:v>3.7758111953735303E-2</c:v>
+                </c:pt>
+                <c:pt idx="123">
+                  <c:v>6.0340404510497998E-2</c:v>
+                </c:pt>
+                <c:pt idx="124">
+                  <c:v>6.0451030731201102E-2</c:v>
+                </c:pt>
+                <c:pt idx="125">
+                  <c:v>8.0460071563720703E-2</c:v>
+                </c:pt>
+                <c:pt idx="126">
+                  <c:v>9.2805147171020494E-2</c:v>
+                </c:pt>
+                <c:pt idx="127">
+                  <c:v>0.102661371231079</c:v>
+                </c:pt>
+                <c:pt idx="128">
+                  <c:v>0.12059998512268</c:v>
+                </c:pt>
+                <c:pt idx="129">
+                  <c:v>0.13798856735229401</c:v>
+                </c:pt>
+                <c:pt idx="130">
+                  <c:v>0.15169715881347601</c:v>
+                </c:pt>
+                <c:pt idx="131">
+                  <c:v>0.15119552612304599</c:v>
+                </c:pt>
+                <c:pt idx="132">
+                  <c:v>0.169104099273681</c:v>
+                </c:pt>
+                <c:pt idx="133">
+                  <c:v>0.18141150474548301</c:v>
+                </c:pt>
+                <c:pt idx="134">
+                  <c:v>0.20345473289489699</c:v>
+                </c:pt>
+                <c:pt idx="135">
+                  <c:v>0.21124172210693301</c:v>
+                </c:pt>
+                <c:pt idx="136">
+                  <c:v>0.22182273864745999</c:v>
+                </c:pt>
+                <c:pt idx="137">
+                  <c:v>0.23172092437744099</c:v>
+                </c:pt>
+                <c:pt idx="138">
+                  <c:v>0.23959398269653301</c:v>
+                </c:pt>
+                <c:pt idx="139">
+                  <c:v>0.26296830177307101</c:v>
+                </c:pt>
+                <c:pt idx="140">
+                  <c:v>0.29274606704711897</c:v>
+                </c:pt>
+                <c:pt idx="141">
+                  <c:v>0.288228750228881</c:v>
+                </c:pt>
+                <c:pt idx="142">
+                  <c:v>0.30439686775207497</c:v>
+                </c:pt>
+                <c:pt idx="143">
+                  <c:v>0.31048941612243602</c:v>
+                </c:pt>
+                <c:pt idx="144">
+                  <c:v>0.33326148986816401</c:v>
+                </c:pt>
+                <c:pt idx="145">
+                  <c:v>0.33228969573974598</c:v>
+                </c:pt>
+                <c:pt idx="146">
+                  <c:v>0.33217668533325101</c:v>
+                </c:pt>
+                <c:pt idx="147">
+                  <c:v>0.347627162933349</c:v>
+                </c:pt>
+                <c:pt idx="148">
+                  <c:v>0.393110752105712</c:v>
+                </c:pt>
+                <c:pt idx="149">
+                  <c:v>0.38539314270019498</c:v>
+                </c:pt>
+                <c:pt idx="150">
+                  <c:v>0.44377923011779702</c:v>
+                </c:pt>
+                <c:pt idx="151">
+                  <c:v>0.40595698356628401</c:v>
+                </c:pt>
+                <c:pt idx="152">
+                  <c:v>0.43224716186523399</c:v>
+                </c:pt>
+                <c:pt idx="153">
+                  <c:v>0.44367599487304599</c:v>
+                </c:pt>
+                <c:pt idx="154">
+                  <c:v>0.46996259689330999</c:v>
+                </c:pt>
+                <c:pt idx="155">
+                  <c:v>0.46996688842773399</c:v>
+                </c:pt>
+                <c:pt idx="156">
+                  <c:v>0.496444702148437</c:v>
+                </c:pt>
+                <c:pt idx="157">
+                  <c:v>0.50523591041564897</c:v>
+                </c:pt>
+                <c:pt idx="158">
+                  <c:v>0.52693247795104903</c:v>
+                </c:pt>
+                <c:pt idx="159">
+                  <c:v>0.52336454391479403</c:v>
+                </c:pt>
+                <c:pt idx="160">
+                  <c:v>0.52392339706420898</c:v>
+                </c:pt>
+                <c:pt idx="161">
+                  <c:v>0.56369423866271895</c:v>
+                </c:pt>
+                <c:pt idx="162">
+                  <c:v>0.61712336540222101</c:v>
+                </c:pt>
+                <c:pt idx="163">
+                  <c:v>0.57018470764160101</c:v>
+                </c:pt>
+                <c:pt idx="164">
+                  <c:v>0.595051050186157</c:v>
+                </c:pt>
+                <c:pt idx="165">
+                  <c:v>0.617107152938842</c:v>
+                </c:pt>
+                <c:pt idx="166">
+                  <c:v>0.64761018753051702</c:v>
+                </c:pt>
+                <c:pt idx="167">
+                  <c:v>0.63415288925170898</c:v>
+                </c:pt>
+                <c:pt idx="168">
+                  <c:v>0.66634893417358398</c:v>
+                </c:pt>
+                <c:pt idx="169">
+                  <c:v>1.2019798755645701</c:v>
+                </c:pt>
+                <c:pt idx="170">
+                  <c:v>0.686123847961425</c:v>
+                </c:pt>
+                <c:pt idx="171">
+                  <c:v>0.655115365982055</c:v>
+                </c:pt>
+                <c:pt idx="172">
+                  <c:v>0.91762232780456499</c:v>
+                </c:pt>
+                <c:pt idx="173">
+                  <c:v>0.71734786033630304</c:v>
+                </c:pt>
+                <c:pt idx="174">
+                  <c:v>0.74859619140625</c:v>
+                </c:pt>
+                <c:pt idx="175">
+                  <c:v>0.73297619819641102</c:v>
+                </c:pt>
+                <c:pt idx="176">
+                  <c:v>0.78228998184204102</c:v>
+                </c:pt>
+                <c:pt idx="177">
+                  <c:v>1.03870224952697</c:v>
+                </c:pt>
+                <c:pt idx="178">
+                  <c:v>0.891762495040893</c:v>
+                </c:pt>
+                <c:pt idx="179">
+                  <c:v>0</c:v>
+                </c:pt>
+                <c:pt idx="180">
+                  <c:v>1.5627861022949201E-2</c:v>
+                </c:pt>
+                <c:pt idx="181">
+                  <c:v>3.1253099441528299E-2</c:v>
+                </c:pt>
+                <c:pt idx="182">
+                  <c:v>3.7756204605102497E-2</c:v>
+                </c:pt>
+                <c:pt idx="183">
+                  <c:v>5.3373098373413003E-2</c:v>
+                </c:pt>
+                <c:pt idx="184">
+                  <c:v>6.8995475769042899E-2</c:v>
+                </c:pt>
+                <c:pt idx="185">
+                  <c:v>7.2440862655639607E-2</c:v>
+                </c:pt>
+                <c:pt idx="186">
+                  <c:v>8.4621906280517495E-2</c:v>
+                </c:pt>
+                <c:pt idx="187">
+                  <c:v>0.100242614746093</c:v>
+                </c:pt>
+                <c:pt idx="188">
+                  <c:v>0.11298632621765101</c:v>
+                </c:pt>
+                <c:pt idx="189">
+                  <c:v>0.12088584899902299</c:v>
+                </c:pt>
+                <c:pt idx="190">
+                  <c:v>0.13799595832824699</c:v>
+                </c:pt>
+                <c:pt idx="191">
+                  <c:v>0.169237375259399</c:v>
+                </c:pt>
+                <c:pt idx="192">
+                  <c:v>0.169251203536987</c:v>
+                </c:pt>
+                <c:pt idx="193">
+                  <c:v>0.18929028511047299</c:v>
+                </c:pt>
+                <c:pt idx="194">
+                  <c:v>0.19168138504028301</c:v>
+                </c:pt>
+                <c:pt idx="195">
+                  <c:v>0.201403617858886</c:v>
+                </c:pt>
+                <c:pt idx="196">
+                  <c:v>0.23240613937377899</c:v>
+                </c:pt>
+                <c:pt idx="197">
+                  <c:v>0.24006557464599601</c:v>
+                </c:pt>
+                <c:pt idx="198">
+                  <c:v>0.247340202331542</c:v>
+                </c:pt>
+                <c:pt idx="199">
+                  <c:v>0.252151489257812</c:v>
+                </c:pt>
+                <c:pt idx="200">
+                  <c:v>0.28031325340270902</c:v>
+                </c:pt>
+                <c:pt idx="201">
+                  <c:v>0.28212904930114702</c:v>
+                </c:pt>
+                <c:pt idx="202">
+                  <c:v>0.30122160911559998</c:v>
+                </c:pt>
+                <c:pt idx="203">
+                  <c:v>0.33200001716613697</c:v>
+                </c:pt>
+                <c:pt idx="204">
+                  <c:v>0.34349822998046797</c:v>
+                </c:pt>
+                <c:pt idx="205">
+                  <c:v>0.31784319877624501</c:v>
+                </c:pt>
+                <c:pt idx="206">
+                  <c:v>0.34303069114684998</c:v>
+                </c:pt>
+                <c:pt idx="207">
+                  <c:v>0.36231637001037598</c:v>
+                </c:pt>
+                <c:pt idx="208">
+                  <c:v>0.37887191772460899</c:v>
+                </c:pt>
+                <c:pt idx="209">
+                  <c:v>0.385377407073974</c:v>
+                </c:pt>
+                <c:pt idx="210">
+                  <c:v>0.38534998893737699</c:v>
+                </c:pt>
+                <c:pt idx="211">
+                  <c:v>0.38849782943725503</c:v>
+                </c:pt>
+                <c:pt idx="212">
+                  <c:v>0.40513968467712402</c:v>
+                </c:pt>
+                <c:pt idx="213">
+                  <c:v>0.42170524597167902</c:v>
+                </c:pt>
+                <c:pt idx="214">
+                  <c:v>0.42562794685363697</c:v>
+                </c:pt>
+                <c:pt idx="215">
+                  <c:v>0.45364141464233398</c:v>
+                </c:pt>
+                <c:pt idx="216">
+                  <c:v>0.478418588638305</c:v>
+                </c:pt>
+                <c:pt idx="217">
+                  <c:v>0.50122094154357899</c:v>
+                </c:pt>
+                <c:pt idx="218">
+                  <c:v>0.51684498786926203</c:v>
+                </c:pt>
+                <c:pt idx="219">
+                  <c:v>0.51431512832641602</c:v>
+                </c:pt>
+                <c:pt idx="220">
+                  <c:v>0.51690053939819303</c:v>
+                </c:pt>
+                <c:pt idx="221">
+                  <c:v>0.55479097366332997</c:v>
+                </c:pt>
+                <c:pt idx="222">
+                  <c:v>0.54816126823425204</c:v>
+                </c:pt>
+                <c:pt idx="223">
+                  <c:v>0.586314916610717</c:v>
+                </c:pt>
+                <c:pt idx="224">
+                  <c:v>0.57418680191039995</c:v>
+                </c:pt>
+                <c:pt idx="225">
+                  <c:v>0.60147809982299805</c:v>
+                </c:pt>
+                <c:pt idx="226">
+                  <c:v>0.646259784698486</c:v>
+                </c:pt>
+                <c:pt idx="227">
+                  <c:v>0.63922286033630304</c:v>
+                </c:pt>
+                <c:pt idx="228">
+                  <c:v>0.717260122299194</c:v>
+                </c:pt>
+                <c:pt idx="229">
+                  <c:v>0.73294830322265603</c:v>
+                </c:pt>
+                <c:pt idx="230">
+                  <c:v>0.68613314628600997</c:v>
+                </c:pt>
+                <c:pt idx="231">
+                  <c:v>0.74858188629150302</c:v>
+                </c:pt>
+                <c:pt idx="232">
+                  <c:v>0.85243058204650801</c:v>
+                </c:pt>
+                <c:pt idx="233">
+                  <c:v>0.78638863563537598</c:v>
+                </c:pt>
+                <c:pt idx="234">
+                  <c:v>0.748282670974731</c:v>
+                </c:pt>
+                <c:pt idx="235">
+                  <c:v>0.786426782608032</c:v>
+                </c:pt>
+                <c:pt idx="236">
+                  <c:v>0.871085405349731</c:v>
+                </c:pt>
+                <c:pt idx="237">
+                  <c:v>0.89042925834655695</c:v>
+                </c:pt>
+                <c:pt idx="238">
+                  <c:v>0.84027433395385698</c:v>
+                </c:pt>
+                <c:pt idx="239">
+                  <c:v>0</c:v>
+                </c:pt>
+                <c:pt idx="240">
+                  <c:v>1.5628099441528299E-2</c:v>
+                </c:pt>
+                <c:pt idx="241">
+                  <c:v>3.12442779541015E-2</c:v>
+                </c:pt>
+                <c:pt idx="242">
+                  <c:v>5.3379297256469699E-2</c:v>
+                </c:pt>
+                <c:pt idx="243">
+                  <c:v>5.3383350372314398E-2</c:v>
+                </c:pt>
+                <c:pt idx="244">
+                  <c:v>7.0408582687377902E-2</c:v>
+                </c:pt>
+                <c:pt idx="245">
+                  <c:v>8.0621957778930595E-2</c:v>
+                </c:pt>
+                <c:pt idx="246">
+                  <c:v>0.10883617401123</c:v>
+                </c:pt>
+                <c:pt idx="247">
+                  <c:v>0.109129190444946</c:v>
+                </c:pt>
+                <c:pt idx="248">
+                  <c:v>0.11281681060791</c:v>
+                </c:pt>
+                <c:pt idx="249">
+                  <c:v>0.13388395309448201</c:v>
+                </c:pt>
+                <c:pt idx="250">
+                  <c:v>0.15127110481262199</c:v>
+                </c:pt>
+                <c:pt idx="251">
+                  <c:v>0.193972587585449</c:v>
+                </c:pt>
+                <c:pt idx="252">
+                  <c:v>0.23161578178405701</c:v>
+                </c:pt>
+                <c:pt idx="253">
+                  <c:v>0.269477128982543</c:v>
+                </c:pt>
+                <c:pt idx="254">
+                  <c:v>0.20048832893371499</c:v>
+                </c:pt>
+                <c:pt idx="255">
+                  <c:v>0.211548566818237</c:v>
+                </c:pt>
+                <c:pt idx="256">
+                  <c:v>0.22160220146179199</c:v>
+                </c:pt>
+                <c:pt idx="257">
+                  <c:v>0.23173022270202601</c:v>
+                </c:pt>
+                <c:pt idx="258">
+                  <c:v>0.24170851707458399</c:v>
+                </c:pt>
+                <c:pt idx="259">
+                  <c:v>0.25386071205139099</c:v>
+                </c:pt>
+                <c:pt idx="260">
+                  <c:v>0.26948022842407199</c:v>
+                </c:pt>
+                <c:pt idx="261">
+                  <c:v>0.285120248794555</c:v>
+                </c:pt>
+                <c:pt idx="262">
+                  <c:v>0.31021070480346602</c:v>
+                </c:pt>
+                <c:pt idx="263">
+                  <c:v>0.31320834159851002</c:v>
+                </c:pt>
+                <c:pt idx="264">
+                  <c:v>0.31216192245483398</c:v>
+                </c:pt>
+                <c:pt idx="265">
+                  <c:v>0.34760284423828097</c:v>
+                </c:pt>
+                <c:pt idx="266">
+                  <c:v>0.336686611175537</c:v>
+                </c:pt>
+                <c:pt idx="267">
+                  <c:v>0.36263632774353</c:v>
+                </c:pt>
+                <c:pt idx="268">
+                  <c:v>0.37883162498474099</c:v>
+                </c:pt>
+                <c:pt idx="269">
+                  <c:v>0.37283396720886203</c:v>
+                </c:pt>
+                <c:pt idx="270">
+                  <c:v>0.39346694946289001</c:v>
+                </c:pt>
+                <c:pt idx="271">
+                  <c:v>0.41103553771972601</c:v>
+                </c:pt>
+                <c:pt idx="272">
+                  <c:v>0.40894985198974598</c:v>
+                </c:pt>
+                <c:pt idx="273">
+                  <c:v>0.43225407600402799</c:v>
+                </c:pt>
+                <c:pt idx="274">
+                  <c:v>0.43870663642883301</c:v>
+                </c:pt>
+                <c:pt idx="275">
+                  <c:v>0.51241827011108398</c:v>
+                </c:pt>
+                <c:pt idx="276">
+                  <c:v>0.4861741065979</c:v>
+                </c:pt>
+                <c:pt idx="277">
+                  <c:v>0.501930952072143</c:v>
+                </c:pt>
+                <c:pt idx="278">
+                  <c:v>0.50376844406127896</c:v>
+                </c:pt>
+                <c:pt idx="279">
+                  <c:v>0.53877496719360296</c:v>
+                </c:pt>
+                <c:pt idx="280">
+                  <c:v>0.523906469345092</c:v>
+                </c:pt>
+                <c:pt idx="281">
+                  <c:v>0.53274488449096602</c:v>
+                </c:pt>
+                <c:pt idx="282">
+                  <c:v>0.57023143768310502</c:v>
+                </c:pt>
+                <c:pt idx="283">
+                  <c:v>0.60148072242736805</c:v>
+                </c:pt>
+                <c:pt idx="284">
+                  <c:v>0.60150074958801203</c:v>
+                </c:pt>
+                <c:pt idx="285">
+                  <c:v>0.613908290863037</c:v>
+                </c:pt>
+                <c:pt idx="286">
+                  <c:v>0.63688445091247503</c:v>
+                </c:pt>
+                <c:pt idx="287">
+                  <c:v>0.67049217224121005</c:v>
+                </c:pt>
+                <c:pt idx="288">
+                  <c:v>0.63928699493408203</c:v>
+                </c:pt>
+                <c:pt idx="289">
+                  <c:v>0.72383904457092196</c:v>
+                </c:pt>
+                <c:pt idx="290">
+                  <c:v>0.71169829368591297</c:v>
+                </c:pt>
+                <c:pt idx="291">
+                  <c:v>0.73294091224670399</c:v>
+                </c:pt>
+                <c:pt idx="292">
+                  <c:v>1.23459196090698</c:v>
+                </c:pt>
+                <c:pt idx="293">
+                  <c:v>0.83982253074645996</c:v>
+                </c:pt>
+                <c:pt idx="294">
+                  <c:v>0.74855804443359297</c:v>
+                </c:pt>
+                <c:pt idx="295">
+                  <c:v>0.80201816558837802</c:v>
+                </c:pt>
+                <c:pt idx="296">
+                  <c:v>0.77982044219970703</c:v>
+                </c:pt>
+                <c:pt idx="297">
+                  <c:v>0.817638158798217</c:v>
+                </c:pt>
+                <c:pt idx="298">
+                  <c:v>1.20289850234985</c:v>
+                </c:pt>
+                <c:pt idx="299">
+                  <c:v>0</c:v>
+                </c:pt>
+              </c:numCache>
+            </c:numRef>
+          </c:yVal>
+          <c:smooth val="0"/>
+          <c:extLst>
+            <c:ext xmlns:c16="http://schemas.microsoft.com/office/drawing/2014/chart" uri="{C3380CC4-5D6E-409C-BE32-E72D297353CC}">
+              <c16:uniqueId val="{00000001-0538-4EEC-B248-58CE21234AA6}"/>
+            </c:ext>
+          </c:extLst>
+        </c:ser>
+        <c:ser>
+          <c:idx val="2"/>
+          <c:order val="2"/>
+          <c:tx>
+            <c:strRef>
+              <c:f>Munka4!$D$1</c:f>
+              <c:strCache>
+                <c:ptCount val="1"/>
+                <c:pt idx="0">
+                  <c:v>Mue update</c:v>
+                </c:pt>
+              </c:strCache>
+            </c:strRef>
+          </c:tx>
+          <c:spPr>
+            <a:ln w="25400" cap="rnd">
+              <a:noFill/>
+              <a:round/>
+            </a:ln>
+            <a:effectLst>
+              <a:outerShdw blurRad="57150" dist="19050" dir="5400000" algn="ctr" rotWithShape="0">
+                <a:srgbClr val="000000">
+                  <a:alpha val="63000"/>
+                </a:srgbClr>
+              </a:outerShdw>
+            </a:effectLst>
+          </c:spPr>
+          <c:marker>
+            <c:symbol val="circle"/>
+            <c:size val="6"/>
+            <c:spPr>
+              <a:gradFill rotWithShape="1">
+                <a:gsLst>
+                  <a:gs pos="0">
+                    <a:schemeClr val="accent3">
+                      <a:satMod val="103000"/>
+                      <a:lumMod val="102000"/>
+                      <a:tint val="94000"/>
+                    </a:schemeClr>
+                  </a:gs>
+                  <a:gs pos="50000">
+                    <a:schemeClr val="accent3">
+                      <a:satMod val="110000"/>
+                      <a:lumMod val="100000"/>
+                      <a:shade val="100000"/>
+                    </a:schemeClr>
+                  </a:gs>
+                  <a:gs pos="100000">
+                    <a:schemeClr val="accent3">
+                      <a:lumMod val="99000"/>
+                      <a:satMod val="120000"/>
+                      <a:shade val="78000"/>
+                    </a:schemeClr>
+                  </a:gs>
+                </a:gsLst>
+                <a:lin ang="5400000" scaled="0"/>
+              </a:gradFill>
+              <a:ln w="9525" cap="rnd">
+                <a:solidFill>
+                  <a:schemeClr val="accent3"/>
+                </a:solidFill>
+                <a:round/>
+              </a:ln>
+              <a:effectLst>
+                <a:outerShdw blurRad="57150" dist="19050" dir="5400000" algn="ctr" rotWithShape="0">
+                  <a:srgbClr val="000000">
+                    <a:alpha val="63000"/>
+                  </a:srgbClr>
+                </a:outerShdw>
+              </a:effectLst>
+            </c:spPr>
+          </c:marker>
+          <c:xVal>
+            <c:numRef>
+              <c:f>Munka4!$A$2:$A$301</c:f>
+              <c:numCache>
+                <c:formatCode>General</c:formatCode>
+                <c:ptCount val="300"/>
+                <c:pt idx="0">
+                  <c:v>69120</c:v>
+                </c:pt>
+                <c:pt idx="1">
+                  <c:v>138240</c:v>
+                </c:pt>
+                <c:pt idx="2">
+                  <c:v>207360</c:v>
+                </c:pt>
+                <c:pt idx="3">
+                  <c:v>276480</c:v>
+                </c:pt>
+                <c:pt idx="4">
+                  <c:v>345600</c:v>
+                </c:pt>
+                <c:pt idx="5">
+                  <c:v>414720</c:v>
+                </c:pt>
+                <c:pt idx="6">
+                  <c:v>483840</c:v>
+                </c:pt>
+                <c:pt idx="7">
+                  <c:v>552960</c:v>
+                </c:pt>
+                <c:pt idx="8">
+                  <c:v>622080</c:v>
+                </c:pt>
+                <c:pt idx="9">
+                  <c:v>691200</c:v>
+                </c:pt>
+                <c:pt idx="10">
+                  <c:v>760320</c:v>
+                </c:pt>
+                <c:pt idx="11">
+                  <c:v>829440</c:v>
+                </c:pt>
+                <c:pt idx="12">
+                  <c:v>898560</c:v>
+                </c:pt>
+                <c:pt idx="13">
+                  <c:v>967680</c:v>
+                </c:pt>
+                <c:pt idx="14">
+                  <c:v>1036800</c:v>
+                </c:pt>
+                <c:pt idx="15">
+                  <c:v>1105920</c:v>
+                </c:pt>
+                <c:pt idx="16">
+                  <c:v>1175040</c:v>
+                </c:pt>
+                <c:pt idx="17">
+                  <c:v>1244160</c:v>
+                </c:pt>
+                <c:pt idx="18">
+                  <c:v>1313280</c:v>
+                </c:pt>
+                <c:pt idx="19">
+                  <c:v>1382400</c:v>
+                </c:pt>
+                <c:pt idx="20">
+                  <c:v>1451520</c:v>
+                </c:pt>
+                <c:pt idx="21">
+                  <c:v>1520640</c:v>
+                </c:pt>
+                <c:pt idx="22">
+                  <c:v>1589760</c:v>
+                </c:pt>
+                <c:pt idx="23">
+                  <c:v>1658880</c:v>
+                </c:pt>
+                <c:pt idx="24">
+                  <c:v>1728000</c:v>
+                </c:pt>
+                <c:pt idx="25">
+                  <c:v>1797120</c:v>
+                </c:pt>
+                <c:pt idx="26">
+                  <c:v>1866240</c:v>
+                </c:pt>
+                <c:pt idx="27">
+                  <c:v>1935360</c:v>
+                </c:pt>
+                <c:pt idx="28">
+                  <c:v>2004480</c:v>
+                </c:pt>
+                <c:pt idx="29">
+                  <c:v>2073600</c:v>
+                </c:pt>
+                <c:pt idx="30">
+                  <c:v>2142720</c:v>
+                </c:pt>
+                <c:pt idx="31">
+                  <c:v>2211840</c:v>
+                </c:pt>
+                <c:pt idx="32">
+                  <c:v>2280960</c:v>
+                </c:pt>
+                <c:pt idx="33">
+                  <c:v>2350080</c:v>
+                </c:pt>
+                <c:pt idx="34">
+                  <c:v>2419200</c:v>
+                </c:pt>
+                <c:pt idx="35">
+                  <c:v>2488320</c:v>
+                </c:pt>
+                <c:pt idx="36">
+                  <c:v>2557440</c:v>
+                </c:pt>
+                <c:pt idx="37">
+                  <c:v>2626560</c:v>
+                </c:pt>
+                <c:pt idx="38">
+                  <c:v>2695680</c:v>
+                </c:pt>
+                <c:pt idx="39">
+                  <c:v>2764800</c:v>
+                </c:pt>
+                <c:pt idx="40">
+                  <c:v>2833920</c:v>
+                </c:pt>
+                <c:pt idx="41">
+                  <c:v>2903040</c:v>
+                </c:pt>
+                <c:pt idx="42">
+                  <c:v>2972160</c:v>
+                </c:pt>
+                <c:pt idx="43">
+                  <c:v>3041280</c:v>
+                </c:pt>
+                <c:pt idx="44">
+                  <c:v>3110400</c:v>
+                </c:pt>
+                <c:pt idx="45">
+                  <c:v>3179520</c:v>
+                </c:pt>
+                <c:pt idx="46">
+                  <c:v>3248640</c:v>
+                </c:pt>
+                <c:pt idx="47">
+                  <c:v>3317760</c:v>
+                </c:pt>
+                <c:pt idx="48">
+                  <c:v>3386880</c:v>
+                </c:pt>
+                <c:pt idx="49">
+                  <c:v>3456000</c:v>
+                </c:pt>
+                <c:pt idx="50">
+                  <c:v>3525120</c:v>
+                </c:pt>
+                <c:pt idx="51">
+                  <c:v>3594240</c:v>
+                </c:pt>
+                <c:pt idx="52">
+                  <c:v>3663360</c:v>
+                </c:pt>
+                <c:pt idx="53">
+                  <c:v>3732480</c:v>
+                </c:pt>
+                <c:pt idx="54">
+                  <c:v>3801600</c:v>
+                </c:pt>
+                <c:pt idx="55">
+                  <c:v>3870720</c:v>
+                </c:pt>
+                <c:pt idx="56">
+                  <c:v>3939840</c:v>
+                </c:pt>
+                <c:pt idx="57">
+                  <c:v>4008960</c:v>
+                </c:pt>
+                <c:pt idx="58">
+                  <c:v>4078080</c:v>
+                </c:pt>
+                <c:pt idx="59">
+                  <c:v>0</c:v>
+                </c:pt>
+                <c:pt idx="60">
+                  <c:v>69120</c:v>
+                </c:pt>
+                <c:pt idx="61">
+                  <c:v>138240</c:v>
+                </c:pt>
+                <c:pt idx="62">
+                  <c:v>207360</c:v>
+                </c:pt>
+                <c:pt idx="63">
+                  <c:v>276480</c:v>
+                </c:pt>
+                <c:pt idx="64">
+                  <c:v>345600</c:v>
+                </c:pt>
+                <c:pt idx="65">
+                  <c:v>414720</c:v>
+                </c:pt>
+                <c:pt idx="66">
+                  <c:v>483840</c:v>
+                </c:pt>
+                <c:pt idx="67">
+                  <c:v>552960</c:v>
+                </c:pt>
+                <c:pt idx="68">
+                  <c:v>622080</c:v>
+                </c:pt>
+                <c:pt idx="69">
+                  <c:v>691200</c:v>
+                </c:pt>
+                <c:pt idx="70">
+                  <c:v>760320</c:v>
+                </c:pt>
+                <c:pt idx="71">
+                  <c:v>829440</c:v>
+                </c:pt>
+                <c:pt idx="72">
+                  <c:v>898560</c:v>
+                </c:pt>
+                <c:pt idx="73">
+                  <c:v>967680</c:v>
+                </c:pt>
+                <c:pt idx="74">
+                  <c:v>1036800</c:v>
+                </c:pt>
+                <c:pt idx="75">
+                  <c:v>1105920</c:v>
+                </c:pt>
+                <c:pt idx="76">
+                  <c:v>1175040</c:v>
+                </c:pt>
+                <c:pt idx="77">
+                  <c:v>1244160</c:v>
+                </c:pt>
+                <c:pt idx="78">
+                  <c:v>1313280</c:v>
+                </c:pt>
+                <c:pt idx="79">
+                  <c:v>1382400</c:v>
+                </c:pt>
+                <c:pt idx="80">
+                  <c:v>1451520</c:v>
+                </c:pt>
+                <c:pt idx="81">
+                  <c:v>1520640</c:v>
+                </c:pt>
+                <c:pt idx="82">
+                  <c:v>1589760</c:v>
+                </c:pt>
+                <c:pt idx="83">
+                  <c:v>1658880</c:v>
+                </c:pt>
+                <c:pt idx="84">
+                  <c:v>1728000</c:v>
+                </c:pt>
+                <c:pt idx="85">
+                  <c:v>1797120</c:v>
+                </c:pt>
+                <c:pt idx="86">
+                  <c:v>1866240</c:v>
+                </c:pt>
+                <c:pt idx="87">
+                  <c:v>1935360</c:v>
+                </c:pt>
+                <c:pt idx="88">
+                  <c:v>2004480</c:v>
+                </c:pt>
+                <c:pt idx="89">
+                  <c:v>2073600</c:v>
+                </c:pt>
+                <c:pt idx="90">
+                  <c:v>2142720</c:v>
+                </c:pt>
+                <c:pt idx="91">
+                  <c:v>2211840</c:v>
+                </c:pt>
+                <c:pt idx="92">
+                  <c:v>2280960</c:v>
+                </c:pt>
+                <c:pt idx="93">
+                  <c:v>2350080</c:v>
+                </c:pt>
+                <c:pt idx="94">
+                  <c:v>2419200</c:v>
+                </c:pt>
+                <c:pt idx="95">
+                  <c:v>2488320</c:v>
+                </c:pt>
+                <c:pt idx="96">
+                  <c:v>2557440</c:v>
+                </c:pt>
+                <c:pt idx="97">
+                  <c:v>2626560</c:v>
+                </c:pt>
+                <c:pt idx="98">
+                  <c:v>2695680</c:v>
+                </c:pt>
+                <c:pt idx="99">
+                  <c:v>2764800</c:v>
+                </c:pt>
+                <c:pt idx="100">
+                  <c:v>2833920</c:v>
+                </c:pt>
+                <c:pt idx="101">
+                  <c:v>2903040</c:v>
+                </c:pt>
+                <c:pt idx="102">
+                  <c:v>2972160</c:v>
+                </c:pt>
+                <c:pt idx="103">
+                  <c:v>3041280</c:v>
+                </c:pt>
+                <c:pt idx="104">
+                  <c:v>3110400</c:v>
+                </c:pt>
+                <c:pt idx="105">
+                  <c:v>3179520</c:v>
+                </c:pt>
+                <c:pt idx="106">
+                  <c:v>3248640</c:v>
+                </c:pt>
+                <c:pt idx="107">
+                  <c:v>3317760</c:v>
+                </c:pt>
+                <c:pt idx="108">
+                  <c:v>3386880</c:v>
+                </c:pt>
+                <c:pt idx="109">
+                  <c:v>3456000</c:v>
+                </c:pt>
+                <c:pt idx="110">
+                  <c:v>3525120</c:v>
+                </c:pt>
+                <c:pt idx="111">
+                  <c:v>3594240</c:v>
+                </c:pt>
+                <c:pt idx="112">
+                  <c:v>3663360</c:v>
+                </c:pt>
+                <c:pt idx="113">
+                  <c:v>3732480</c:v>
+                </c:pt>
+                <c:pt idx="114">
+                  <c:v>3801600</c:v>
+                </c:pt>
+                <c:pt idx="115">
+                  <c:v>3870720</c:v>
+                </c:pt>
+                <c:pt idx="116">
+                  <c:v>3939840</c:v>
+                </c:pt>
+                <c:pt idx="117">
+                  <c:v>4008960</c:v>
+                </c:pt>
+                <c:pt idx="118">
+                  <c:v>4078080</c:v>
+                </c:pt>
+                <c:pt idx="119">
+                  <c:v>0</c:v>
+                </c:pt>
+                <c:pt idx="120">
+                  <c:v>69120</c:v>
+                </c:pt>
+                <c:pt idx="121">
+                  <c:v>138240</c:v>
+                </c:pt>
+                <c:pt idx="122">
+                  <c:v>207360</c:v>
+                </c:pt>
+                <c:pt idx="123">
+                  <c:v>276480</c:v>
+                </c:pt>
+                <c:pt idx="124">
+                  <c:v>345600</c:v>
+                </c:pt>
+                <c:pt idx="125">
+                  <c:v>414720</c:v>
+                </c:pt>
+                <c:pt idx="126">
+                  <c:v>483840</c:v>
+                </c:pt>
+                <c:pt idx="127">
+                  <c:v>552960</c:v>
+                </c:pt>
+                <c:pt idx="128">
+                  <c:v>622080</c:v>
+                </c:pt>
+                <c:pt idx="129">
+                  <c:v>691200</c:v>
+                </c:pt>
+                <c:pt idx="130">
+                  <c:v>760320</c:v>
+                </c:pt>
+                <c:pt idx="131">
+                  <c:v>829440</c:v>
+                </c:pt>
+                <c:pt idx="132">
+                  <c:v>898560</c:v>
+                </c:pt>
+                <c:pt idx="133">
+                  <c:v>967680</c:v>
+                </c:pt>
+                <c:pt idx="134">
+                  <c:v>1036800</c:v>
+                </c:pt>
+                <c:pt idx="135">
+                  <c:v>1105920</c:v>
+                </c:pt>
+                <c:pt idx="136">
+                  <c:v>1175040</c:v>
+                </c:pt>
+                <c:pt idx="137">
+                  <c:v>1244160</c:v>
+                </c:pt>
+                <c:pt idx="138">
+                  <c:v>1313280</c:v>
+                </c:pt>
+                <c:pt idx="139">
+                  <c:v>1382400</c:v>
+                </c:pt>
+                <c:pt idx="140">
+                  <c:v>1451520</c:v>
+                </c:pt>
+                <c:pt idx="141">
+                  <c:v>1520640</c:v>
+                </c:pt>
+                <c:pt idx="142">
+                  <c:v>1589760</c:v>
+                </c:pt>
+                <c:pt idx="143">
+                  <c:v>1658880</c:v>
+                </c:pt>
+                <c:pt idx="144">
+                  <c:v>1728000</c:v>
+                </c:pt>
+                <c:pt idx="145">
+                  <c:v>1797120</c:v>
+                </c:pt>
+                <c:pt idx="146">
+                  <c:v>1866240</c:v>
+                </c:pt>
+                <c:pt idx="147">
+                  <c:v>1935360</c:v>
+                </c:pt>
+                <c:pt idx="148">
+                  <c:v>2004480</c:v>
+                </c:pt>
+                <c:pt idx="149">
+                  <c:v>2073600</c:v>
+                </c:pt>
+                <c:pt idx="150">
+                  <c:v>2142720</c:v>
+                </c:pt>
+                <c:pt idx="151">
+                  <c:v>2211840</c:v>
+                </c:pt>
+                <c:pt idx="152">
+                  <c:v>2280960</c:v>
+                </c:pt>
+                <c:pt idx="153">
+                  <c:v>2350080</c:v>
+                </c:pt>
+                <c:pt idx="154">
+                  <c:v>2419200</c:v>
+                </c:pt>
+                <c:pt idx="155">
+                  <c:v>2488320</c:v>
+                </c:pt>
+                <c:pt idx="156">
+                  <c:v>2557440</c:v>
+                </c:pt>
+                <c:pt idx="157">
+                  <c:v>2626560</c:v>
+                </c:pt>
+                <c:pt idx="158">
+                  <c:v>2695680</c:v>
+                </c:pt>
+                <c:pt idx="159">
+                  <c:v>2764800</c:v>
+                </c:pt>
+                <c:pt idx="160">
+                  <c:v>2833920</c:v>
+                </c:pt>
+                <c:pt idx="161">
+                  <c:v>2903040</c:v>
+                </c:pt>
+                <c:pt idx="162">
+                  <c:v>2972160</c:v>
+                </c:pt>
+                <c:pt idx="163">
+                  <c:v>3041280</c:v>
+                </c:pt>
+                <c:pt idx="164">
+                  <c:v>3110400</c:v>
+                </c:pt>
+                <c:pt idx="165">
+                  <c:v>3179520</c:v>
+                </c:pt>
+                <c:pt idx="166">
+                  <c:v>3248640</c:v>
+                </c:pt>
+                <c:pt idx="167">
+                  <c:v>3317760</c:v>
+                </c:pt>
+                <c:pt idx="168">
+                  <c:v>3386880</c:v>
+                </c:pt>
+                <c:pt idx="169">
+                  <c:v>3456000</c:v>
+                </c:pt>
+                <c:pt idx="170">
+                  <c:v>3525120</c:v>
+                </c:pt>
+                <c:pt idx="171">
+                  <c:v>3594240</c:v>
+                </c:pt>
+                <c:pt idx="172">
+                  <c:v>3663360</c:v>
+                </c:pt>
+                <c:pt idx="173">
+                  <c:v>3732480</c:v>
+                </c:pt>
+                <c:pt idx="174">
+                  <c:v>3801600</c:v>
+                </c:pt>
+                <c:pt idx="175">
+                  <c:v>3870720</c:v>
+                </c:pt>
+                <c:pt idx="176">
+                  <c:v>3939840</c:v>
+                </c:pt>
+                <c:pt idx="177">
+                  <c:v>4008960</c:v>
+                </c:pt>
+                <c:pt idx="178">
+                  <c:v>4078080</c:v>
+                </c:pt>
+                <c:pt idx="179">
+                  <c:v>0</c:v>
+                </c:pt>
+                <c:pt idx="180">
+                  <c:v>69120</c:v>
+                </c:pt>
+                <c:pt idx="181">
+                  <c:v>138240</c:v>
+                </c:pt>
+                <c:pt idx="182">
+                  <c:v>207360</c:v>
+                </c:pt>
+                <c:pt idx="183">
+                  <c:v>276480</c:v>
+                </c:pt>
+                <c:pt idx="184">
+                  <c:v>345600</c:v>
+                </c:pt>
+                <c:pt idx="185">
+                  <c:v>414720</c:v>
+                </c:pt>
+                <c:pt idx="186">
+                  <c:v>483840</c:v>
+                </c:pt>
+                <c:pt idx="187">
+                  <c:v>552960</c:v>
+                </c:pt>
+                <c:pt idx="188">
+                  <c:v>622080</c:v>
+                </c:pt>
+                <c:pt idx="189">
+                  <c:v>691200</c:v>
+                </c:pt>
+                <c:pt idx="190">
+                  <c:v>760320</c:v>
+                </c:pt>
+                <c:pt idx="191">
+                  <c:v>829440</c:v>
+                </c:pt>
+                <c:pt idx="192">
+                  <c:v>898560</c:v>
+                </c:pt>
+                <c:pt idx="193">
+                  <c:v>967680</c:v>
+                </c:pt>
+                <c:pt idx="194">
+                  <c:v>1036800</c:v>
+                </c:pt>
+                <c:pt idx="195">
+                  <c:v>1105920</c:v>
+                </c:pt>
+                <c:pt idx="196">
+                  <c:v>1175040</c:v>
+                </c:pt>
+                <c:pt idx="197">
+                  <c:v>1244160</c:v>
+                </c:pt>
+                <c:pt idx="198">
+                  <c:v>1313280</c:v>
+                </c:pt>
+                <c:pt idx="199">
+                  <c:v>1382400</c:v>
+                </c:pt>
+                <c:pt idx="200">
+                  <c:v>1451520</c:v>
+                </c:pt>
+                <c:pt idx="201">
+                  <c:v>1520640</c:v>
+                </c:pt>
+                <c:pt idx="202">
+                  <c:v>1589760</c:v>
+                </c:pt>
+                <c:pt idx="203">
+                  <c:v>1658880</c:v>
+                </c:pt>
+                <c:pt idx="204">
+                  <c:v>1728000</c:v>
+                </c:pt>
+                <c:pt idx="205">
+                  <c:v>1797120</c:v>
+                </c:pt>
+                <c:pt idx="206">
+                  <c:v>1866240</c:v>
+                </c:pt>
+                <c:pt idx="207">
+                  <c:v>1935360</c:v>
+                </c:pt>
+                <c:pt idx="208">
+                  <c:v>2004480</c:v>
+                </c:pt>
+                <c:pt idx="209">
+                  <c:v>2073600</c:v>
+                </c:pt>
+                <c:pt idx="210">
+                  <c:v>2142720</c:v>
+                </c:pt>
+                <c:pt idx="211">
+                  <c:v>2211840</c:v>
+                </c:pt>
+                <c:pt idx="212">
+                  <c:v>2280960</c:v>
+                </c:pt>
+                <c:pt idx="213">
+                  <c:v>2350080</c:v>
+                </c:pt>
+                <c:pt idx="214">
+                  <c:v>2419200</c:v>
+                </c:pt>
+                <c:pt idx="215">
+                  <c:v>2488320</c:v>
+                </c:pt>
+                <c:pt idx="216">
+                  <c:v>2557440</c:v>
+                </c:pt>
+                <c:pt idx="217">
+                  <c:v>2626560</c:v>
+                </c:pt>
+                <c:pt idx="218">
+                  <c:v>2695680</c:v>
+                </c:pt>
+                <c:pt idx="219">
+                  <c:v>2764800</c:v>
+                </c:pt>
+                <c:pt idx="220">
+                  <c:v>2833920</c:v>
+                </c:pt>
+                <c:pt idx="221">
+                  <c:v>2903040</c:v>
+                </c:pt>
+                <c:pt idx="222">
+                  <c:v>2972160</c:v>
+                </c:pt>
+                <c:pt idx="223">
+                  <c:v>3041280</c:v>
+                </c:pt>
+                <c:pt idx="224">
+                  <c:v>3110400</c:v>
+                </c:pt>
+                <c:pt idx="225">
+                  <c:v>3179520</c:v>
+                </c:pt>
+                <c:pt idx="226">
+                  <c:v>3248640</c:v>
+                </c:pt>
+                <c:pt idx="227">
+                  <c:v>3317760</c:v>
+                </c:pt>
+                <c:pt idx="228">
+                  <c:v>3386880</c:v>
+                </c:pt>
+                <c:pt idx="229">
+                  <c:v>3456000</c:v>
+                </c:pt>
+                <c:pt idx="230">
+                  <c:v>3525120</c:v>
+                </c:pt>
+                <c:pt idx="231">
+                  <c:v>3594240</c:v>
+                </c:pt>
+                <c:pt idx="232">
+                  <c:v>3663360</c:v>
+                </c:pt>
+                <c:pt idx="233">
+                  <c:v>3732480</c:v>
+                </c:pt>
+                <c:pt idx="234">
+                  <c:v>3801600</c:v>
+                </c:pt>
+                <c:pt idx="235">
+                  <c:v>3870720</c:v>
+                </c:pt>
+                <c:pt idx="236">
+                  <c:v>3939840</c:v>
+                </c:pt>
+                <c:pt idx="237">
+                  <c:v>4008960</c:v>
+                </c:pt>
+                <c:pt idx="238">
+                  <c:v>4078080</c:v>
+                </c:pt>
+                <c:pt idx="239">
+                  <c:v>0</c:v>
+                </c:pt>
+                <c:pt idx="240">
+                  <c:v>69120</c:v>
+                </c:pt>
+                <c:pt idx="241">
+                  <c:v>138240</c:v>
+                </c:pt>
+                <c:pt idx="242">
+                  <c:v>207360</c:v>
+                </c:pt>
+                <c:pt idx="243">
+                  <c:v>276480</c:v>
+                </c:pt>
+                <c:pt idx="244">
+                  <c:v>345600</c:v>
+                </c:pt>
+                <c:pt idx="245">
+                  <c:v>414720</c:v>
+                </c:pt>
+                <c:pt idx="246">
+                  <c:v>483840</c:v>
+                </c:pt>
+                <c:pt idx="247">
+                  <c:v>552960</c:v>
+                </c:pt>
+                <c:pt idx="248">
+                  <c:v>622080</c:v>
+                </c:pt>
+                <c:pt idx="249">
+                  <c:v>691200</c:v>
+                </c:pt>
+                <c:pt idx="250">
+                  <c:v>760320</c:v>
+                </c:pt>
+                <c:pt idx="251">
+                  <c:v>829440</c:v>
+                </c:pt>
+                <c:pt idx="252">
+                  <c:v>898560</c:v>
+                </c:pt>
+                <c:pt idx="253">
+                  <c:v>967680</c:v>
+                </c:pt>
+                <c:pt idx="254">
+                  <c:v>1036800</c:v>
+                </c:pt>
+                <c:pt idx="255">
+                  <c:v>1105920</c:v>
+                </c:pt>
+                <c:pt idx="256">
+                  <c:v>1175040</c:v>
+                </c:pt>
+                <c:pt idx="257">
+                  <c:v>1244160</c:v>
+                </c:pt>
+                <c:pt idx="258">
+                  <c:v>1313280</c:v>
+                </c:pt>
+                <c:pt idx="259">
+                  <c:v>1382400</c:v>
+                </c:pt>
+                <c:pt idx="260">
+                  <c:v>1451520</c:v>
+                </c:pt>
+                <c:pt idx="261">
+                  <c:v>1520640</c:v>
+                </c:pt>
+                <c:pt idx="262">
+                  <c:v>1589760</c:v>
+                </c:pt>
+                <c:pt idx="263">
+                  <c:v>1658880</c:v>
+                </c:pt>
+                <c:pt idx="264">
+                  <c:v>1728000</c:v>
+                </c:pt>
+                <c:pt idx="265">
+                  <c:v>1797120</c:v>
+                </c:pt>
+                <c:pt idx="266">
+                  <c:v>1866240</c:v>
+                </c:pt>
+                <c:pt idx="267">
+                  <c:v>1935360</c:v>
+                </c:pt>
+                <c:pt idx="268">
+                  <c:v>2004480</c:v>
+                </c:pt>
+                <c:pt idx="269">
+                  <c:v>2073600</c:v>
+                </c:pt>
+                <c:pt idx="270">
+                  <c:v>2142720</c:v>
+                </c:pt>
+                <c:pt idx="271">
+                  <c:v>2211840</c:v>
+                </c:pt>
+                <c:pt idx="272">
+                  <c:v>2280960</c:v>
+                </c:pt>
+                <c:pt idx="273">
+                  <c:v>2350080</c:v>
+                </c:pt>
+                <c:pt idx="274">
+                  <c:v>2419200</c:v>
+                </c:pt>
+                <c:pt idx="275">
+                  <c:v>2488320</c:v>
+                </c:pt>
+                <c:pt idx="276">
+                  <c:v>2557440</c:v>
+                </c:pt>
+                <c:pt idx="277">
+                  <c:v>2626560</c:v>
+                </c:pt>
+                <c:pt idx="278">
+                  <c:v>2695680</c:v>
+                </c:pt>
+                <c:pt idx="279">
+                  <c:v>2764800</c:v>
+                </c:pt>
+                <c:pt idx="280">
+                  <c:v>2833920</c:v>
+                </c:pt>
+                <c:pt idx="281">
+                  <c:v>2903040</c:v>
+                </c:pt>
+                <c:pt idx="282">
+                  <c:v>2972160</c:v>
+                </c:pt>
+                <c:pt idx="283">
+                  <c:v>3041280</c:v>
+                </c:pt>
+                <c:pt idx="284">
+                  <c:v>3110400</c:v>
+                </c:pt>
+                <c:pt idx="285">
+                  <c:v>3179520</c:v>
+                </c:pt>
+                <c:pt idx="286">
+                  <c:v>3248640</c:v>
+                </c:pt>
+                <c:pt idx="287">
+                  <c:v>3317760</c:v>
+                </c:pt>
+                <c:pt idx="288">
+                  <c:v>3386880</c:v>
+                </c:pt>
+                <c:pt idx="289">
+                  <c:v>3456000</c:v>
+                </c:pt>
+                <c:pt idx="290">
+                  <c:v>3525120</c:v>
+                </c:pt>
+                <c:pt idx="291">
+                  <c:v>3594240</c:v>
+                </c:pt>
+                <c:pt idx="292">
+                  <c:v>3663360</c:v>
+                </c:pt>
+                <c:pt idx="293">
+                  <c:v>3732480</c:v>
+                </c:pt>
+                <c:pt idx="294">
+                  <c:v>3801600</c:v>
+                </c:pt>
+                <c:pt idx="295">
+                  <c:v>3870720</c:v>
+                </c:pt>
+                <c:pt idx="296">
+                  <c:v>3939840</c:v>
+                </c:pt>
+                <c:pt idx="297">
+                  <c:v>4008960</c:v>
+                </c:pt>
+                <c:pt idx="298">
+                  <c:v>4078080</c:v>
+                </c:pt>
+                <c:pt idx="299">
+                  <c:v>0</c:v>
+                </c:pt>
+              </c:numCache>
+            </c:numRef>
+          </c:xVal>
+          <c:yVal>
+            <c:numRef>
+              <c:f>Munka4!$D$2:$D$301</c:f>
+              <c:numCache>
+                <c:formatCode>General</c:formatCode>
+                <c:ptCount val="300"/>
+                <c:pt idx="0">
+                  <c:v>5.4849863052368102E-2</c:v>
+                </c:pt>
+                <c:pt idx="1">
+                  <c:v>0.11070203781127901</c:v>
+                </c:pt>
+                <c:pt idx="2">
+                  <c:v>0.19647336006164501</c:v>
+                </c:pt>
+                <c:pt idx="3">
+                  <c:v>0.3091721534729</c:v>
+                </c:pt>
+                <c:pt idx="4">
+                  <c:v>0.28623390197753901</c:v>
+                </c:pt>
+                <c:pt idx="5">
+                  <c:v>0.39394569396972601</c:v>
+                </c:pt>
+                <c:pt idx="6">
+                  <c:v>0.414890527725219</c:v>
+                </c:pt>
+                <c:pt idx="7">
+                  <c:v>0.48071408271789501</c:v>
+                </c:pt>
+                <c:pt idx="8">
+                  <c:v>0.48171091079711897</c:v>
+                </c:pt>
+                <c:pt idx="9">
+                  <c:v>0.53057909011840798</c:v>
+                </c:pt>
+                <c:pt idx="10">
+                  <c:v>0.61435723304748502</c:v>
+                </c:pt>
+                <c:pt idx="11">
+                  <c:v>2.2978525161743102</c:v>
+                </c:pt>
+                <c:pt idx="12">
+                  <c:v>0.67020797729492099</c:v>
+                </c:pt>
+                <c:pt idx="13">
+                  <c:v>0.73702740669250399</c:v>
+                </c:pt>
+                <c:pt idx="14">
+                  <c:v>0.83775925636291504</c:v>
+                </c:pt>
+                <c:pt idx="15">
+                  <c:v>0.909565448760986</c:v>
+                </c:pt>
+                <c:pt idx="16">
+                  <c:v>0.93350124359130804</c:v>
+                </c:pt>
+                <c:pt idx="17">
+                  <c:v>1.00929951667785</c:v>
+                </c:pt>
+                <c:pt idx="18">
+                  <c:v>1.17485523223876</c:v>
+                </c:pt>
+                <c:pt idx="19">
+                  <c:v>1.1120231151580799</c:v>
+                </c:pt>
+                <c:pt idx="20">
+                  <c:v>1.2526466846466</c:v>
+                </c:pt>
+                <c:pt idx="21">
+                  <c:v>1.1269841194152801</c:v>
+                </c:pt>
+                <c:pt idx="22">
+                  <c:v>1.24965572357177</c:v>
+                </c:pt>
+                <c:pt idx="23">
+                  <c:v>1.2157466411590501</c:v>
+                </c:pt>
+                <c:pt idx="24">
+                  <c:v>1.8061649799346899</c:v>
+                </c:pt>
+                <c:pt idx="25">
+                  <c:v>1.4880168437957699</c:v>
+                </c:pt>
+                <c:pt idx="26">
+                  <c:v>1.43914890289306</c:v>
+                </c:pt>
+                <c:pt idx="27">
+                  <c:v>1.4411418437957699</c:v>
+                </c:pt>
+                <c:pt idx="28">
+                  <c:v>1.6126840114593499</c:v>
+                </c:pt>
+                <c:pt idx="29">
+                  <c:v>1.67551589012146</c:v>
+                </c:pt>
+                <c:pt idx="30">
+                  <c:v>1.5797734260559</c:v>
+                </c:pt>
+                <c:pt idx="31">
+                  <c:v>1.87797498703002</c:v>
+                </c:pt>
+                <c:pt idx="32">
+                  <c:v>1.7363543510437001</c:v>
+                </c:pt>
+                <c:pt idx="33">
+                  <c:v>1.75031518936157</c:v>
+                </c:pt>
+                <c:pt idx="34">
+                  <c:v>1.84904956817626</c:v>
+                </c:pt>
+                <c:pt idx="35">
+                  <c:v>1.80417156219482</c:v>
+                </c:pt>
+                <c:pt idx="36">
+                  <c:v>2.2938599586486799</c:v>
+                </c:pt>
+                <c:pt idx="37">
+                  <c:v>2.40955138206481</c:v>
+                </c:pt>
+                <c:pt idx="38">
+                  <c:v>2.0555005073547301</c:v>
+                </c:pt>
+                <c:pt idx="39">
+                  <c:v>2.0525095462799001</c:v>
+                </c:pt>
+                <c:pt idx="40">
+                  <c:v>2.1811630725860498</c:v>
+                </c:pt>
+                <c:pt idx="41">
+                  <c:v>2.0894100666046098</c:v>
+                </c:pt>
+                <c:pt idx="42">
+                  <c:v>2.2769074440002401</c:v>
+                </c:pt>
+                <c:pt idx="43">
+                  <c:v>2.3297648429870601</c:v>
+                </c:pt>
+                <c:pt idx="44">
+                  <c:v>2.7247054576873699</c:v>
+                </c:pt>
+                <c:pt idx="45">
+                  <c:v>2.51427102088928</c:v>
+                </c:pt>
+                <c:pt idx="46">
+                  <c:v>2.60303330421447</c:v>
+                </c:pt>
+                <c:pt idx="47">
+                  <c:v>2.6917963027954102</c:v>
+                </c:pt>
+                <c:pt idx="48">
+                  <c:v>2.6937911510467498</c:v>
+                </c:pt>
+                <c:pt idx="49">
+                  <c:v>2.7576193809509202</c:v>
+                </c:pt>
+                <c:pt idx="50">
+                  <c:v>2.85236620903015</c:v>
+                </c:pt>
+                <c:pt idx="51">
+                  <c:v>3.0559000968933101</c:v>
+                </c:pt>
+                <c:pt idx="52">
+                  <c:v>3.3969099521636901</c:v>
+                </c:pt>
+                <c:pt idx="53">
+                  <c:v>3.4920170307159402</c:v>
+                </c:pt>
+                <c:pt idx="54">
+                  <c:v>3.1480402946472101</c:v>
+                </c:pt>
+                <c:pt idx="55">
+                  <c:v>3.0697848796844398</c:v>
+                </c:pt>
+                <c:pt idx="56">
+                  <c:v>3.0877306461334202</c:v>
+                </c:pt>
+                <c:pt idx="57">
+                  <c:v>3.3899252414703298</c:v>
+                </c:pt>
+                <c:pt idx="58">
+                  <c:v>3.4210073947906401</c:v>
+                </c:pt>
+                <c:pt idx="59">
+                  <c:v>0</c:v>
+                </c:pt>
+                <c:pt idx="60">
+                  <c:v>5.4852247238159103E-2</c:v>
+                </c:pt>
+                <c:pt idx="61">
+                  <c:v>0.114692687988281</c:v>
+                </c:pt>
+                <c:pt idx="62">
+                  <c:v>0.15458631515502899</c:v>
+                </c:pt>
+                <c:pt idx="63">
+                  <c:v>0.22938728332519501</c:v>
+                </c:pt>
+                <c:pt idx="64">
+                  <c:v>0.28324222564697199</c:v>
+                </c:pt>
+                <c:pt idx="65">
+                  <c:v>0.33111405372619601</c:v>
+                </c:pt>
+                <c:pt idx="66">
+                  <c:v>0.368014335632324</c:v>
+                </c:pt>
+                <c:pt idx="67">
+                  <c:v>0.43583321571350098</c:v>
+                </c:pt>
+                <c:pt idx="68">
+                  <c:v>0.46874475479125899</c:v>
+                </c:pt>
+                <c:pt idx="69">
+                  <c:v>0.53656458854675204</c:v>
+                </c:pt>
+                <c:pt idx="70">
+                  <c:v>0.58343958854675204</c:v>
+                </c:pt>
+                <c:pt idx="71">
+                  <c:v>0.61535429954528797</c:v>
+                </c:pt>
+                <c:pt idx="72">
+                  <c:v>0.70311808586120605</c:v>
+                </c:pt>
+                <c:pt idx="73">
+                  <c:v>0.72306513786315896</c:v>
+                </c:pt>
+                <c:pt idx="74">
+                  <c:v>0.79188084602355902</c:v>
+                </c:pt>
+                <c:pt idx="75">
+                  <c:v>0.80983138084411599</c:v>
+                </c:pt>
+                <c:pt idx="76">
+                  <c:v>0.88961744308471602</c:v>
+                </c:pt>
+                <c:pt idx="77">
+                  <c:v>0.96342134475707997</c:v>
+                </c:pt>
+                <c:pt idx="78">
+                  <c:v>1.02126812934875</c:v>
+                </c:pt>
+                <c:pt idx="79">
+                  <c:v>1.05218482017517</c:v>
+                </c:pt>
+                <c:pt idx="80">
+                  <c:v>1.1030480861663801</c:v>
+                </c:pt>
+                <c:pt idx="81">
+                  <c:v>1.17485451698303</c:v>
+                </c:pt>
+                <c:pt idx="82">
+                  <c:v>1.1658811569213801</c:v>
+                </c:pt>
+                <c:pt idx="83">
+                  <c:v>1.2666041851043699</c:v>
+                </c:pt>
+                <c:pt idx="84">
+                  <c:v>1.2666110992431601</c:v>
+                </c:pt>
+                <c:pt idx="85">
+                  <c:v>1.3404126167297301</c:v>
+                </c:pt>
+                <c:pt idx="86">
+                  <c:v>1.41620969772338</c:v>
+                </c:pt>
+                <c:pt idx="87">
+                  <c:v>1.4431388378143299</c:v>
+                </c:pt>
+                <c:pt idx="88">
+                  <c:v>1.4940013885498</c:v>
+                </c:pt>
+                <c:pt idx="89">
+                  <c:v>1.5388822555541899</c:v>
+                </c:pt>
+                <c:pt idx="90">
+                  <c:v>1.67651391029357</c:v>
+                </c:pt>
+                <c:pt idx="91">
+                  <c:v>1.6475923061370801</c:v>
+                </c:pt>
+                <c:pt idx="92">
+                  <c:v>1.6436002254486</c:v>
+                </c:pt>
+                <c:pt idx="93">
+                  <c:v>1.7333638668060301</c:v>
+                </c:pt>
+                <c:pt idx="94">
+                  <c:v>1.92883872985839</c:v>
+                </c:pt>
+                <c:pt idx="95">
+                  <c:v>1.8889467716217001</c:v>
+                </c:pt>
+                <c:pt idx="96">
+                  <c:v>1.90589952468872</c:v>
+                </c:pt>
+                <c:pt idx="97">
+                  <c:v>1.97272276878356</c:v>
+                </c:pt>
+                <c:pt idx="98">
+                  <c:v>2.0036375522613499</c:v>
+                </c:pt>
+                <c:pt idx="99">
+                  <c:v>1.97770690917968</c:v>
+                </c:pt>
+                <c:pt idx="100">
+                  <c:v>2.0933978557586599</c:v>
+                </c:pt>
+                <c:pt idx="101">
+                  <c:v>2.2569627761840798</c:v>
+                </c:pt>
+                <c:pt idx="102">
+                  <c:v>2.3856170177459699</c:v>
+                </c:pt>
+                <c:pt idx="103">
+                  <c:v>2.42116975784301</c:v>
+                </c:pt>
+                <c:pt idx="104">
+                  <c:v>2.5242438316345202</c:v>
+                </c:pt>
+                <c:pt idx="105">
+                  <c:v>2.6169958114624001</c:v>
+                </c:pt>
+                <c:pt idx="106">
+                  <c:v>2.5564165115356401</c:v>
+                </c:pt>
+                <c:pt idx="107">
+                  <c:v>2.6233551502227699</c:v>
+                </c:pt>
+                <c:pt idx="108">
+                  <c:v>2.6359443664550701</c:v>
+                </c:pt>
+                <c:pt idx="109">
+                  <c:v>2.7616107463836599</c:v>
+                </c:pt>
+                <c:pt idx="110">
+                  <c:v>2.7385113239288299</c:v>
+                </c:pt>
+                <c:pt idx="111">
+                  <c:v>2.7590320110321001</c:v>
+                </c:pt>
+                <c:pt idx="112">
+                  <c:v>3.0639150142669598</c:v>
+                </c:pt>
+                <c:pt idx="113">
+                  <c:v>3.1591629981994598</c:v>
+                </c:pt>
+                <c:pt idx="114">
+                  <c:v>3.2022123336791899</c:v>
+                </c:pt>
+                <c:pt idx="115">
+                  <c:v>3.3037738800048801</c:v>
+                </c:pt>
+                <c:pt idx="116">
+                  <c:v>3.1647760868072501</c:v>
+                </c:pt>
+                <c:pt idx="117">
+                  <c:v>3.39734888076782</c:v>
+                </c:pt>
+                <c:pt idx="118">
+                  <c:v>3.2666604518890301</c:v>
+                </c:pt>
+                <c:pt idx="119">
+                  <c:v>0</c:v>
+                </c:pt>
+                <c:pt idx="120">
+                  <c:v>6.2490701675414997E-2</c:v>
+                </c:pt>
+                <c:pt idx="121">
+                  <c:v>0.115866661071777</c:v>
+                </c:pt>
+                <c:pt idx="122">
+                  <c:v>0.16273140907287501</c:v>
+                </c:pt>
+                <c:pt idx="123">
+                  <c:v>0.22101879119873</c:v>
+                </c:pt>
+                <c:pt idx="124">
+                  <c:v>0.29060125350952098</c:v>
+                </c:pt>
+                <c:pt idx="125">
+                  <c:v>0.312261343002319</c:v>
+                </c:pt>
+                <c:pt idx="126">
+                  <c:v>0.36276507377624501</c:v>
+                </c:pt>
+                <c:pt idx="127">
+                  <c:v>0.43296313285827598</c:v>
+                </c:pt>
+                <c:pt idx="128">
+                  <c:v>0.464763402938842</c:v>
+                </c:pt>
+                <c:pt idx="129">
+                  <c:v>0.54372239112854004</c:v>
+                </c:pt>
+                <c:pt idx="130">
+                  <c:v>0.55429410934448198</c:v>
+                </c:pt>
+                <c:pt idx="131">
+                  <c:v>0.61791920661926203</c:v>
+                </c:pt>
+                <c:pt idx="132">
+                  <c:v>0.66545152664184504</c:v>
+                </c:pt>
+                <c:pt idx="133">
+                  <c:v>0.79705929756164495</c:v>
+                </c:pt>
+                <c:pt idx="134">
+                  <c:v>0.78819727897643999</c:v>
+                </c:pt>
+                <c:pt idx="135">
+                  <c:v>0.82239556312561002</c:v>
+                </c:pt>
+                <c:pt idx="136">
+                  <c:v>0.87859296798705999</c:v>
+                </c:pt>
+                <c:pt idx="137">
+                  <c:v>0.93344020843505804</c:v>
+                </c:pt>
+                <c:pt idx="138">
+                  <c:v>1.01986503601074</c:v>
+                </c:pt>
+                <c:pt idx="139">
+                  <c:v>1.10393261909484</c:v>
+                </c:pt>
+                <c:pt idx="140">
+                  <c:v>1.06195664405822</c:v>
+                </c:pt>
+                <c:pt idx="141">
+                  <c:v>1.1112258434295601</c:v>
+                </c:pt>
+                <c:pt idx="142">
+                  <c:v>1.1738765239715501</c:v>
+                </c:pt>
+                <c:pt idx="143">
+                  <c:v>1.20379614830017</c:v>
+                </c:pt>
+                <c:pt idx="144">
+                  <c:v>1.2704279422760001</c:v>
+                </c:pt>
+                <c:pt idx="145">
+                  <c:v>1.3331925868987999</c:v>
+                </c:pt>
+                <c:pt idx="146">
+                  <c:v>1.41702461242675</c:v>
+                </c:pt>
+                <c:pt idx="147">
+                  <c:v>1.5089886188507</c:v>
+                </c:pt>
+                <c:pt idx="148">
+                  <c:v>1.60337710380554</c:v>
+                </c:pt>
+                <c:pt idx="149">
+                  <c:v>1.6476688385009699</c:v>
+                </c:pt>
+                <c:pt idx="150">
+                  <c:v>2.2372624874114901</c:v>
+                </c:pt>
+                <c:pt idx="151">
+                  <c:v>1.7677481174468901</c:v>
+                </c:pt>
+                <c:pt idx="152">
+                  <c:v>2.1121404170989901</c:v>
+                </c:pt>
+                <c:pt idx="153">
+                  <c:v>1.8094966411590501</c:v>
+                </c:pt>
+                <c:pt idx="154">
+                  <c:v>1.9159972667694001</c:v>
+                </c:pt>
+                <c:pt idx="155">
+                  <c:v>1.8940222263336099</c:v>
+                </c:pt>
+                <c:pt idx="156">
+                  <c:v>1.9720973968505799</c:v>
+                </c:pt>
+                <c:pt idx="157">
+                  <c:v>2.0621170997619598</c:v>
+                </c:pt>
+                <c:pt idx="158">
+                  <c:v>2.0620758533477699</c:v>
+                </c:pt>
+                <c:pt idx="159">
+                  <c:v>2.04861187934875</c:v>
+                </c:pt>
+                <c:pt idx="160">
+                  <c:v>2.2029232978820801</c:v>
+                </c:pt>
+                <c:pt idx="161">
+                  <c:v>2.18489217758178</c:v>
+                </c:pt>
+                <c:pt idx="162">
+                  <c:v>2.8724267482757502</c:v>
+                </c:pt>
+                <c:pt idx="163">
+                  <c:v>2.4024989604949898</c:v>
+                </c:pt>
+                <c:pt idx="164">
+                  <c:v>2.46659207344055</c:v>
+                </c:pt>
+                <c:pt idx="165">
+                  <c:v>2.55973029136657</c:v>
+                </c:pt>
+                <c:pt idx="166">
+                  <c:v>2.69207262992858</c:v>
+                </c:pt>
+                <c:pt idx="167">
+                  <c:v>2.5890009403228702</c:v>
+                </c:pt>
+                <c:pt idx="168">
+                  <c:v>2.7681298255920401</c:v>
+                </c:pt>
+                <c:pt idx="169">
+                  <c:v>2.9473133087158199</c:v>
+                </c:pt>
+                <c:pt idx="170">
+                  <c:v>2.7313096523284899</c:v>
+                </c:pt>
+                <c:pt idx="171">
+                  <c:v>2.7880444526672301</c:v>
+                </c:pt>
+                <c:pt idx="172">
+                  <c:v>2.8224449157714799</c:v>
+                </c:pt>
+                <c:pt idx="173">
+                  <c:v>2.9122786521911599</c:v>
+                </c:pt>
+                <c:pt idx="174">
+                  <c:v>3.0163037776946999</c:v>
+                </c:pt>
+                <c:pt idx="175">
+                  <c:v>3.0263681411743102</c:v>
+                </c:pt>
+                <c:pt idx="176">
+                  <c:v>3.3763670921325599</c:v>
+                </c:pt>
+                <c:pt idx="177">
+                  <c:v>3.5066819190978999</c:v>
+                </c:pt>
+                <c:pt idx="178">
+                  <c:v>4.74778127670288</c:v>
+                </c:pt>
+                <c:pt idx="179">
+                  <c:v>0</c:v>
+                </c:pt>
+                <c:pt idx="180">
+                  <c:v>4.6862125396728502E-2</c:v>
+                </c:pt>
+                <c:pt idx="181">
+                  <c:v>0.115861654281616</c:v>
+                </c:pt>
+                <c:pt idx="182">
+                  <c:v>0.16272544860839799</c:v>
+                </c:pt>
+                <c:pt idx="183">
+                  <c:v>0.231724023818969</c:v>
+                </c:pt>
+                <c:pt idx="184">
+                  <c:v>0.28713512420654203</c:v>
+                </c:pt>
+                <c:pt idx="185">
+                  <c:v>0.319905996322631</c:v>
+                </c:pt>
+                <c:pt idx="186">
+                  <c:v>0.37842679023742598</c:v>
+                </c:pt>
+                <c:pt idx="187">
+                  <c:v>0.40102386474609297</c:v>
+                </c:pt>
+                <c:pt idx="188">
+                  <c:v>0.46372938156127902</c:v>
+                </c:pt>
+                <c:pt idx="189">
+                  <c:v>0.50576686859130804</c:v>
+                </c:pt>
+                <c:pt idx="190">
+                  <c:v>0.57933020591735795</c:v>
+                </c:pt>
+                <c:pt idx="191">
+                  <c:v>0.60152578353881803</c:v>
+                </c:pt>
+                <c:pt idx="192">
+                  <c:v>0.68818092346191395</c:v>
+                </c:pt>
+                <c:pt idx="193">
+                  <c:v>0.708135366439819</c:v>
+                </c:pt>
+                <c:pt idx="194">
+                  <c:v>0.766074419021606</c:v>
+                </c:pt>
+                <c:pt idx="195">
+                  <c:v>0.83875584602355902</c:v>
+                </c:pt>
+                <c:pt idx="196">
+                  <c:v>0.865456342697143</c:v>
+                </c:pt>
+                <c:pt idx="197">
+                  <c:v>0.91155862808227495</c:v>
+                </c:pt>
+                <c:pt idx="198">
+                  <c:v>0.97141909599304199</c:v>
+                </c:pt>
+                <c:pt idx="199">
+                  <c:v>1.03885149955749</c:v>
+                </c:pt>
+                <c:pt idx="200">
+                  <c:v>1.1005513668060301</c:v>
+                </c:pt>
+                <c:pt idx="201">
+                  <c:v>1.15023565292358</c:v>
+                </c:pt>
+                <c:pt idx="202">
+                  <c:v>1.22876095771789</c:v>
+                </c:pt>
+                <c:pt idx="203">
+                  <c:v>1.2499296665191599</c:v>
+                </c:pt>
+                <c:pt idx="204">
+                  <c:v>1.31087446212768</c:v>
+                </c:pt>
+                <c:pt idx="205">
+                  <c:v>1.35699915885925</c:v>
+                </c:pt>
+                <c:pt idx="206">
+                  <c:v>1.3841681480407699</c:v>
+                </c:pt>
+                <c:pt idx="207">
+                  <c:v>1.4140644073486299</c:v>
+                </c:pt>
+                <c:pt idx="208">
+                  <c:v>1.47867107391357</c:v>
+                </c:pt>
+                <c:pt idx="209">
+                  <c:v>1.57096624374389</c:v>
+                </c:pt>
+                <c:pt idx="210">
+                  <c:v>1.6324865818023599</c:v>
+                </c:pt>
+                <c:pt idx="211">
+                  <c:v>1.6573305130004801</c:v>
+                </c:pt>
+                <c:pt idx="212">
+                  <c:v>1.72747755050659</c:v>
+                </c:pt>
+                <c:pt idx="213">
+                  <c:v>1.7699666023254299</c:v>
+                </c:pt>
+                <c:pt idx="214">
+                  <c:v>1.8686010837554901</c:v>
+                </c:pt>
+                <c:pt idx="215">
+                  <c:v>1.9091596603393499</c:v>
+                </c:pt>
+                <c:pt idx="216">
+                  <c:v>1.9479131698608301</c:v>
+                </c:pt>
+                <c:pt idx="217">
+                  <c:v>1.9272115230560301</c:v>
+                </c:pt>
+                <c:pt idx="218">
+                  <c:v>1.9739902019500699</c:v>
+                </c:pt>
+                <c:pt idx="219">
+                  <c:v>2.04980397224426</c:v>
+                </c:pt>
+                <c:pt idx="220">
+                  <c:v>2.1435358524322501</c:v>
+                </c:pt>
+                <c:pt idx="221">
+                  <c:v>2.2317190170288002</c:v>
+                </c:pt>
+                <c:pt idx="222">
+                  <c:v>2.2418251037597599</c:v>
+                </c:pt>
+                <c:pt idx="223">
+                  <c:v>2.3066408634185702</c:v>
+                </c:pt>
+                <c:pt idx="224">
+                  <c:v>2.4148676395416202</c:v>
+                </c:pt>
+                <c:pt idx="225">
+                  <c:v>2.46102547645568</c:v>
+                </c:pt>
+                <c:pt idx="226">
+                  <c:v>2.99647784233093</c:v>
+                </c:pt>
+                <c:pt idx="227">
+                  <c:v>2.69466829299926</c:v>
+                </c:pt>
+                <c:pt idx="228">
+                  <c:v>2.8278203010559002</c:v>
+                </c:pt>
+                <c:pt idx="229">
+                  <c:v>2.6902573108672998</c:v>
+                </c:pt>
+                <c:pt idx="230">
+                  <c:v>2.7855303287506099</c:v>
+                </c:pt>
+                <c:pt idx="231">
+                  <c:v>2.8845043182372998</c:v>
+                </c:pt>
+                <c:pt idx="232">
+                  <c:v>3.2626771926879798</c:v>
+                </c:pt>
+                <c:pt idx="233">
+                  <c:v>3.0158488750457701</c:v>
+                </c:pt>
+                <c:pt idx="234">
+                  <c:v>3.0368628501892001</c:v>
+                </c:pt>
+                <c:pt idx="235">
+                  <c:v>3.0558056831359801</c:v>
+                </c:pt>
+                <c:pt idx="236">
+                  <c:v>3.22880935668945</c:v>
+                </c:pt>
+                <c:pt idx="237">
+                  <c:v>3.42804503440856</c:v>
+                </c:pt>
+                <c:pt idx="238">
+                  <c:v>3.3003468513488698</c:v>
+                </c:pt>
+                <c:pt idx="239">
+                  <c:v>0</c:v>
+                </c:pt>
+                <c:pt idx="240">
+                  <c:v>4.68723773956298E-2</c:v>
+                </c:pt>
+                <c:pt idx="241">
+                  <c:v>0.10674786567687899</c:v>
+                </c:pt>
+                <c:pt idx="242">
+                  <c:v>0.17834424972534099</c:v>
+                </c:pt>
+                <c:pt idx="243">
+                  <c:v>0.24241518974304199</c:v>
+                </c:pt>
+                <c:pt idx="244">
+                  <c:v>0.29296708106994601</c:v>
+                </c:pt>
+                <c:pt idx="245">
+                  <c:v>0.33286714553833002</c:v>
+                </c:pt>
+                <c:pt idx="246">
+                  <c:v>0.365360498428344</c:v>
+                </c:pt>
+                <c:pt idx="247">
+                  <c:v>0.42559194564819303</c:v>
+                </c:pt>
+                <c:pt idx="248">
+                  <c:v>0.47514319419860801</c:v>
+                </c:pt>
+                <c:pt idx="249">
+                  <c:v>0.529926776885986</c:v>
+                </c:pt>
+                <c:pt idx="250">
+                  <c:v>0.685655117034912</c:v>
+                </c:pt>
+                <c:pt idx="251">
+                  <c:v>0.68607211112975997</c:v>
+                </c:pt>
+                <c:pt idx="252">
+                  <c:v>0.70218062400817804</c:v>
+                </c:pt>
+                <c:pt idx="253">
+                  <c:v>0.78613328933715798</c:v>
+                </c:pt>
+                <c:pt idx="254">
+                  <c:v>0.75512337684631303</c:v>
+                </c:pt>
+                <c:pt idx="255">
+                  <c:v>0.80765986442565896</c:v>
+                </c:pt>
+                <c:pt idx="256">
+                  <c:v>0.86766386032104403</c:v>
+                </c:pt>
+                <c:pt idx="257">
+                  <c:v>0.94899082183837802</c:v>
+                </c:pt>
+                <c:pt idx="258">
+                  <c:v>0.96439552307128895</c:v>
+                </c:pt>
+                <c:pt idx="259">
+                  <c:v>1.01826667785644</c:v>
+                </c:pt>
+                <c:pt idx="260">
+                  <c:v>1.0870988368987999</c:v>
+                </c:pt>
+                <c:pt idx="261">
+                  <c:v>1.11845755577087</c:v>
+                </c:pt>
+                <c:pt idx="262">
+                  <c:v>1.1733090877532899</c:v>
+                </c:pt>
+                <c:pt idx="263">
+                  <c:v>1.21954345703125</c:v>
+                </c:pt>
+                <c:pt idx="264">
+                  <c:v>1.26162910461425</c:v>
+                </c:pt>
+                <c:pt idx="265">
+                  <c:v>1.36260557174682</c:v>
+                </c:pt>
+                <c:pt idx="266">
+                  <c:v>1.3876545429229701</c:v>
+                </c:pt>
+                <c:pt idx="267">
+                  <c:v>1.54090452194213</c:v>
+                </c:pt>
+                <c:pt idx="268">
+                  <c:v>1.4724869728088299</c:v>
+                </c:pt>
+                <c:pt idx="269">
+                  <c:v>1.5437309741973799</c:v>
+                </c:pt>
+                <c:pt idx="270">
+                  <c:v>1.63585376739501</c:v>
+                </c:pt>
+                <c:pt idx="271">
+                  <c:v>1.66642594337463</c:v>
+                </c:pt>
+                <c:pt idx="272">
+                  <c:v>1.70425176620483</c:v>
+                </c:pt>
+                <c:pt idx="273">
+                  <c:v>1.7512834072112999</c:v>
+                </c:pt>
+                <c:pt idx="274">
+                  <c:v>1.8266675472259499</c:v>
+                </c:pt>
+                <c:pt idx="275">
+                  <c:v>2.1257748603820801</c:v>
+                </c:pt>
+                <c:pt idx="276">
+                  <c:v>2.0350966453552202</c:v>
+                </c:pt>
+                <c:pt idx="277">
+                  <c:v>2.0221173763275102</c:v>
+                </c:pt>
+                <c:pt idx="278">
+                  <c:v>2.0568156242370601</c:v>
+                </c:pt>
+                <c:pt idx="279">
+                  <c:v>2.1055996417999201</c:v>
+                </c:pt>
+                <c:pt idx="280">
+                  <c:v>2.0865778923034601</c:v>
+                </c:pt>
+                <c:pt idx="281">
+                  <c:v>2.24767637252807</c:v>
+                </c:pt>
+                <c:pt idx="282">
+                  <c:v>2.25907278060913</c:v>
+                </c:pt>
+                <c:pt idx="283">
+                  <c:v>2.3101849555969198</c:v>
+                </c:pt>
+                <c:pt idx="284">
+                  <c:v>2.4474301338195801</c:v>
+                </c:pt>
+                <c:pt idx="285">
+                  <c:v>2.4454922676086399</c:v>
+                </c:pt>
+                <c:pt idx="286">
+                  <c:v>2.5371565818786599</c:v>
+                </c:pt>
+                <c:pt idx="287">
+                  <c:v>2.6760604381561199</c:v>
+                </c:pt>
+                <c:pt idx="288">
+                  <c:v>2.6279103755950901</c:v>
+                </c:pt>
+                <c:pt idx="289">
+                  <c:v>2.7676649093627899</c:v>
+                </c:pt>
+                <c:pt idx="290">
+                  <c:v>2.9032597541809002</c:v>
+                </c:pt>
+                <c:pt idx="291">
+                  <c:v>2.87373924255371</c:v>
+                </c:pt>
+                <c:pt idx="292">
+                  <c:v>3.25340700149536</c:v>
+                </c:pt>
+                <c:pt idx="293">
+                  <c:v>2.9980885982513401</c:v>
+                </c:pt>
+                <c:pt idx="294">
+                  <c:v>3.0253701210021902</c:v>
+                </c:pt>
+                <c:pt idx="295">
+                  <c:v>3.15905261039733</c:v>
+                </c:pt>
+                <c:pt idx="296">
+                  <c:v>2.8761940002441402</c:v>
+                </c:pt>
+                <c:pt idx="297">
+                  <c:v>3.19188976287841</c:v>
+                </c:pt>
+                <c:pt idx="298">
+                  <c:v>3.29448342323303</c:v>
+                </c:pt>
+                <c:pt idx="299">
+                  <c:v>0</c:v>
+                </c:pt>
+              </c:numCache>
+            </c:numRef>
+          </c:yVal>
+          <c:smooth val="0"/>
+          <c:extLst>
+            <c:ext xmlns:c16="http://schemas.microsoft.com/office/drawing/2014/chart" uri="{C3380CC4-5D6E-409C-BE32-E72D297353CC}">
+              <c16:uniqueId val="{00000002-0538-4EEC-B248-58CE21234AA6}"/>
+            </c:ext>
+          </c:extLst>
+        </c:ser>
+        <c:ser>
+          <c:idx val="3"/>
+          <c:order val="3"/>
+          <c:tx>
+            <c:strRef>
+              <c:f>Munka4!$E$1</c:f>
+              <c:strCache>
+                <c:ptCount val="1"/>
+                <c:pt idx="0">
+                  <c:v>Sigma update</c:v>
+                </c:pt>
+              </c:strCache>
+            </c:strRef>
+          </c:tx>
+          <c:spPr>
+            <a:ln w="25400" cap="rnd">
+              <a:noFill/>
+              <a:round/>
+            </a:ln>
+            <a:effectLst>
+              <a:outerShdw blurRad="57150" dist="19050" dir="5400000" algn="ctr" rotWithShape="0">
+                <a:srgbClr val="000000">
+                  <a:alpha val="63000"/>
+                </a:srgbClr>
+              </a:outerShdw>
+            </a:effectLst>
+          </c:spPr>
+          <c:marker>
+            <c:symbol val="circle"/>
+            <c:size val="6"/>
+            <c:spPr>
+              <a:gradFill rotWithShape="1">
+                <a:gsLst>
+                  <a:gs pos="0">
+                    <a:schemeClr val="accent4">
+                      <a:satMod val="103000"/>
+                      <a:lumMod val="102000"/>
+                      <a:tint val="94000"/>
+                    </a:schemeClr>
+                  </a:gs>
+                  <a:gs pos="50000">
+                    <a:schemeClr val="accent4">
+                      <a:satMod val="110000"/>
+                      <a:lumMod val="100000"/>
+                      <a:shade val="100000"/>
+                    </a:schemeClr>
+                  </a:gs>
+                  <a:gs pos="100000">
+                    <a:schemeClr val="accent4">
+                      <a:lumMod val="99000"/>
+                      <a:satMod val="120000"/>
+                      <a:shade val="78000"/>
+                    </a:schemeClr>
+                  </a:gs>
+                </a:gsLst>
+                <a:lin ang="5400000" scaled="0"/>
+              </a:gradFill>
+              <a:ln w="9525" cap="rnd">
+                <a:solidFill>
+                  <a:schemeClr val="accent4"/>
+                </a:solidFill>
+                <a:round/>
+              </a:ln>
+              <a:effectLst>
+                <a:outerShdw blurRad="57150" dist="19050" dir="5400000" algn="ctr" rotWithShape="0">
+                  <a:srgbClr val="000000">
+                    <a:alpha val="63000"/>
+                  </a:srgbClr>
+                </a:outerShdw>
+              </a:effectLst>
+            </c:spPr>
+          </c:marker>
+          <c:xVal>
+            <c:numRef>
+              <c:f>Munka4!$A$2:$A$301</c:f>
+              <c:numCache>
+                <c:formatCode>General</c:formatCode>
+                <c:ptCount val="300"/>
+                <c:pt idx="0">
+                  <c:v>69120</c:v>
+                </c:pt>
+                <c:pt idx="1">
+                  <c:v>138240</c:v>
+                </c:pt>
+                <c:pt idx="2">
+                  <c:v>207360</c:v>
+                </c:pt>
+                <c:pt idx="3">
+                  <c:v>276480</c:v>
+                </c:pt>
+                <c:pt idx="4">
+                  <c:v>345600</c:v>
+                </c:pt>
+                <c:pt idx="5">
+                  <c:v>414720</c:v>
+                </c:pt>
+                <c:pt idx="6">
+                  <c:v>483840</c:v>
+                </c:pt>
+                <c:pt idx="7">
+                  <c:v>552960</c:v>
+                </c:pt>
+                <c:pt idx="8">
+                  <c:v>622080</c:v>
+                </c:pt>
+                <c:pt idx="9">
+                  <c:v>691200</c:v>
+                </c:pt>
+                <c:pt idx="10">
+                  <c:v>760320</c:v>
+                </c:pt>
+                <c:pt idx="11">
+                  <c:v>829440</c:v>
+                </c:pt>
+                <c:pt idx="12">
+                  <c:v>898560</c:v>
+                </c:pt>
+                <c:pt idx="13">
+                  <c:v>967680</c:v>
+                </c:pt>
+                <c:pt idx="14">
+                  <c:v>1036800</c:v>
+                </c:pt>
+                <c:pt idx="15">
+                  <c:v>1105920</c:v>
+                </c:pt>
+                <c:pt idx="16">
+                  <c:v>1175040</c:v>
+                </c:pt>
+                <c:pt idx="17">
+                  <c:v>1244160</c:v>
+                </c:pt>
+                <c:pt idx="18">
+                  <c:v>1313280</c:v>
+                </c:pt>
+                <c:pt idx="19">
+                  <c:v>1382400</c:v>
+                </c:pt>
+                <c:pt idx="20">
+                  <c:v>1451520</c:v>
+                </c:pt>
+                <c:pt idx="21">
+                  <c:v>1520640</c:v>
+                </c:pt>
+                <c:pt idx="22">
+                  <c:v>1589760</c:v>
+                </c:pt>
+                <c:pt idx="23">
+                  <c:v>1658880</c:v>
+                </c:pt>
+                <c:pt idx="24">
+                  <c:v>1728000</c:v>
+                </c:pt>
+                <c:pt idx="25">
+                  <c:v>1797120</c:v>
+                </c:pt>
+                <c:pt idx="26">
+                  <c:v>1866240</c:v>
+                </c:pt>
+                <c:pt idx="27">
+                  <c:v>1935360</c:v>
+                </c:pt>
+                <c:pt idx="28">
+                  <c:v>2004480</c:v>
+                </c:pt>
+                <c:pt idx="29">
+                  <c:v>2073600</c:v>
+                </c:pt>
+                <c:pt idx="30">
+                  <c:v>2142720</c:v>
+                </c:pt>
+                <c:pt idx="31">
+                  <c:v>2211840</c:v>
+                </c:pt>
+                <c:pt idx="32">
+                  <c:v>2280960</c:v>
+                </c:pt>
+                <c:pt idx="33">
+                  <c:v>2350080</c:v>
+                </c:pt>
+                <c:pt idx="34">
+                  <c:v>2419200</c:v>
+                </c:pt>
+                <c:pt idx="35">
+                  <c:v>2488320</c:v>
+                </c:pt>
+                <c:pt idx="36">
+                  <c:v>2557440</c:v>
+                </c:pt>
+                <c:pt idx="37">
+                  <c:v>2626560</c:v>
+                </c:pt>
+                <c:pt idx="38">
+                  <c:v>2695680</c:v>
+                </c:pt>
+                <c:pt idx="39">
+                  <c:v>2764800</c:v>
+                </c:pt>
+                <c:pt idx="40">
+                  <c:v>2833920</c:v>
+                </c:pt>
+                <c:pt idx="41">
+                  <c:v>2903040</c:v>
+                </c:pt>
+                <c:pt idx="42">
+                  <c:v>2972160</c:v>
+                </c:pt>
+                <c:pt idx="43">
+                  <c:v>3041280</c:v>
+                </c:pt>
+                <c:pt idx="44">
+                  <c:v>3110400</c:v>
+                </c:pt>
+                <c:pt idx="45">
+                  <c:v>3179520</c:v>
+                </c:pt>
+                <c:pt idx="46">
+                  <c:v>3248640</c:v>
+                </c:pt>
+                <c:pt idx="47">
+                  <c:v>3317760</c:v>
+                </c:pt>
+                <c:pt idx="48">
+                  <c:v>3386880</c:v>
+                </c:pt>
+                <c:pt idx="49">
+                  <c:v>3456000</c:v>
+                </c:pt>
+                <c:pt idx="50">
+                  <c:v>3525120</c:v>
+                </c:pt>
+                <c:pt idx="51">
+                  <c:v>3594240</c:v>
+                </c:pt>
+                <c:pt idx="52">
+                  <c:v>3663360</c:v>
+                </c:pt>
+                <c:pt idx="53">
+                  <c:v>3732480</c:v>
+                </c:pt>
+                <c:pt idx="54">
+                  <c:v>3801600</c:v>
+                </c:pt>
+                <c:pt idx="55">
+                  <c:v>3870720</c:v>
+                </c:pt>
+                <c:pt idx="56">
+                  <c:v>3939840</c:v>
+                </c:pt>
+                <c:pt idx="57">
+                  <c:v>4008960</c:v>
+                </c:pt>
+                <c:pt idx="58">
+                  <c:v>4078080</c:v>
+                </c:pt>
+                <c:pt idx="59">
+                  <c:v>0</c:v>
+                </c:pt>
+                <c:pt idx="60">
+                  <c:v>69120</c:v>
+                </c:pt>
+                <c:pt idx="61">
+                  <c:v>138240</c:v>
+                </c:pt>
+                <c:pt idx="62">
+                  <c:v>207360</c:v>
+                </c:pt>
+                <c:pt idx="63">
+                  <c:v>276480</c:v>
+                </c:pt>
+                <c:pt idx="64">
+                  <c:v>345600</c:v>
+                </c:pt>
+                <c:pt idx="65">
+                  <c:v>414720</c:v>
+                </c:pt>
+                <c:pt idx="66">
+                  <c:v>483840</c:v>
+                </c:pt>
+                <c:pt idx="67">
+                  <c:v>552960</c:v>
+                </c:pt>
+                <c:pt idx="68">
+                  <c:v>622080</c:v>
+                </c:pt>
+                <c:pt idx="69">
+                  <c:v>691200</c:v>
+                </c:pt>
+                <c:pt idx="70">
+                  <c:v>760320</c:v>
+                </c:pt>
+                <c:pt idx="71">
+                  <c:v>829440</c:v>
+                </c:pt>
+                <c:pt idx="72">
+                  <c:v>898560</c:v>
+                </c:pt>
+                <c:pt idx="73">
+                  <c:v>967680</c:v>
+                </c:pt>
+                <c:pt idx="74">
+                  <c:v>1036800</c:v>
+                </c:pt>
+                <c:pt idx="75">
+                  <c:v>1105920</c:v>
+                </c:pt>
+                <c:pt idx="76">
+                  <c:v>1175040</c:v>
+                </c:pt>
+                <c:pt idx="77">
+                  <c:v>1244160</c:v>
+                </c:pt>
+                <c:pt idx="78">
+                  <c:v>1313280</c:v>
+                </c:pt>
+                <c:pt idx="79">
+                  <c:v>1382400</c:v>
+                </c:pt>
+                <c:pt idx="80">
+                  <c:v>1451520</c:v>
+                </c:pt>
+                <c:pt idx="81">
+                  <c:v>1520640</c:v>
+                </c:pt>
+                <c:pt idx="82">
+                  <c:v>1589760</c:v>
+                </c:pt>
+                <c:pt idx="83">
+                  <c:v>1658880</c:v>
+                </c:pt>
+                <c:pt idx="84">
+                  <c:v>1728000</c:v>
+                </c:pt>
+                <c:pt idx="85">
+                  <c:v>1797120</c:v>
+                </c:pt>
+                <c:pt idx="86">
+                  <c:v>1866240</c:v>
+                </c:pt>
+                <c:pt idx="87">
+                  <c:v>1935360</c:v>
+                </c:pt>
+                <c:pt idx="88">
+                  <c:v>2004480</c:v>
+                </c:pt>
+                <c:pt idx="89">
+                  <c:v>2073600</c:v>
+                </c:pt>
+                <c:pt idx="90">
+                  <c:v>2142720</c:v>
+                </c:pt>
+                <c:pt idx="91">
+                  <c:v>2211840</c:v>
+                </c:pt>
+                <c:pt idx="92">
+                  <c:v>2280960</c:v>
+                </c:pt>
+                <c:pt idx="93">
+                  <c:v>2350080</c:v>
+                </c:pt>
+                <c:pt idx="94">
+                  <c:v>2419200</c:v>
+                </c:pt>
+                <c:pt idx="95">
+                  <c:v>2488320</c:v>
+                </c:pt>
+                <c:pt idx="96">
+                  <c:v>2557440</c:v>
+                </c:pt>
+                <c:pt idx="97">
+                  <c:v>2626560</c:v>
+                </c:pt>
+                <c:pt idx="98">
+                  <c:v>2695680</c:v>
+                </c:pt>
+                <c:pt idx="99">
+                  <c:v>2764800</c:v>
+                </c:pt>
+                <c:pt idx="100">
+                  <c:v>2833920</c:v>
+                </c:pt>
+                <c:pt idx="101">
+                  <c:v>2903040</c:v>
+                </c:pt>
+                <c:pt idx="102">
+                  <c:v>2972160</c:v>
+                </c:pt>
+                <c:pt idx="103">
+                  <c:v>3041280</c:v>
+                </c:pt>
+                <c:pt idx="104">
+                  <c:v>3110400</c:v>
+                </c:pt>
+                <c:pt idx="105">
+                  <c:v>3179520</c:v>
+                </c:pt>
+                <c:pt idx="106">
+                  <c:v>3248640</c:v>
+                </c:pt>
+                <c:pt idx="107">
+                  <c:v>3317760</c:v>
+                </c:pt>
+                <c:pt idx="108">
+                  <c:v>3386880</c:v>
+                </c:pt>
+                <c:pt idx="109">
+                  <c:v>3456000</c:v>
+                </c:pt>
+                <c:pt idx="110">
+                  <c:v>3525120</c:v>
+                </c:pt>
+                <c:pt idx="111">
+                  <c:v>3594240</c:v>
+                </c:pt>
+                <c:pt idx="112">
+                  <c:v>3663360</c:v>
+                </c:pt>
+                <c:pt idx="113">
+                  <c:v>3732480</c:v>
+                </c:pt>
+                <c:pt idx="114">
+                  <c:v>3801600</c:v>
+                </c:pt>
+                <c:pt idx="115">
+                  <c:v>3870720</c:v>
+                </c:pt>
+                <c:pt idx="116">
+                  <c:v>3939840</c:v>
+                </c:pt>
+                <c:pt idx="117">
+                  <c:v>4008960</c:v>
+                </c:pt>
+                <c:pt idx="118">
+                  <c:v>4078080</c:v>
+                </c:pt>
+                <c:pt idx="119">
+                  <c:v>0</c:v>
+                </c:pt>
+                <c:pt idx="120">
+                  <c:v>69120</c:v>
+                </c:pt>
+                <c:pt idx="121">
+                  <c:v>138240</c:v>
+                </c:pt>
+                <c:pt idx="122">
+                  <c:v>207360</c:v>
+                </c:pt>
+                <c:pt idx="123">
+                  <c:v>276480</c:v>
+                </c:pt>
+                <c:pt idx="124">
+                  <c:v>345600</c:v>
+                </c:pt>
+                <c:pt idx="125">
+                  <c:v>414720</c:v>
+                </c:pt>
+                <c:pt idx="126">
+                  <c:v>483840</c:v>
+                </c:pt>
+                <c:pt idx="127">
+                  <c:v>552960</c:v>
+                </c:pt>
+                <c:pt idx="128">
+                  <c:v>622080</c:v>
+                </c:pt>
+                <c:pt idx="129">
+                  <c:v>691200</c:v>
+                </c:pt>
+                <c:pt idx="130">
+                  <c:v>760320</c:v>
+                </c:pt>
+                <c:pt idx="131">
+                  <c:v>829440</c:v>
+                </c:pt>
+                <c:pt idx="132">
+                  <c:v>898560</c:v>
+                </c:pt>
+                <c:pt idx="133">
+                  <c:v>967680</c:v>
+                </c:pt>
+                <c:pt idx="134">
+                  <c:v>1036800</c:v>
+                </c:pt>
+                <c:pt idx="135">
+                  <c:v>1105920</c:v>
+                </c:pt>
+                <c:pt idx="136">
+                  <c:v>1175040</c:v>
+                </c:pt>
+                <c:pt idx="137">
+                  <c:v>1244160</c:v>
+                </c:pt>
+                <c:pt idx="138">
+                  <c:v>1313280</c:v>
+                </c:pt>
+                <c:pt idx="139">
+                  <c:v>1382400</c:v>
+                </c:pt>
+                <c:pt idx="140">
+                  <c:v>1451520</c:v>
+                </c:pt>
+                <c:pt idx="141">
+                  <c:v>1520640</c:v>
+                </c:pt>
+                <c:pt idx="142">
+                  <c:v>1589760</c:v>
+                </c:pt>
+                <c:pt idx="143">
+                  <c:v>1658880</c:v>
+                </c:pt>
+                <c:pt idx="144">
+                  <c:v>1728000</c:v>
+                </c:pt>
+                <c:pt idx="145">
+                  <c:v>1797120</c:v>
+                </c:pt>
+                <c:pt idx="146">
+                  <c:v>1866240</c:v>
+                </c:pt>
+                <c:pt idx="147">
+                  <c:v>1935360</c:v>
+                </c:pt>
+                <c:pt idx="148">
+                  <c:v>2004480</c:v>
+                </c:pt>
+                <c:pt idx="149">
+                  <c:v>2073600</c:v>
+                </c:pt>
+                <c:pt idx="150">
+                  <c:v>2142720</c:v>
+                </c:pt>
+                <c:pt idx="151">
+                  <c:v>2211840</c:v>
+                </c:pt>
+                <c:pt idx="152">
+                  <c:v>2280960</c:v>
+                </c:pt>
+                <c:pt idx="153">
+                  <c:v>2350080</c:v>
+                </c:pt>
+                <c:pt idx="154">
+                  <c:v>2419200</c:v>
+                </c:pt>
+                <c:pt idx="155">
+                  <c:v>2488320</c:v>
+                </c:pt>
+                <c:pt idx="156">
+                  <c:v>2557440</c:v>
+                </c:pt>
+                <c:pt idx="157">
+                  <c:v>2626560</c:v>
+                </c:pt>
+                <c:pt idx="158">
+                  <c:v>2695680</c:v>
+                </c:pt>
+                <c:pt idx="159">
+                  <c:v>2764800</c:v>
+                </c:pt>
+                <c:pt idx="160">
+                  <c:v>2833920</c:v>
+                </c:pt>
+                <c:pt idx="161">
+                  <c:v>2903040</c:v>
+                </c:pt>
+                <c:pt idx="162">
+                  <c:v>2972160</c:v>
+                </c:pt>
+                <c:pt idx="163">
+                  <c:v>3041280</c:v>
+                </c:pt>
+                <c:pt idx="164">
+                  <c:v>3110400</c:v>
+                </c:pt>
+                <c:pt idx="165">
+                  <c:v>3179520</c:v>
+                </c:pt>
+                <c:pt idx="166">
+                  <c:v>3248640</c:v>
+                </c:pt>
+                <c:pt idx="167">
+                  <c:v>3317760</c:v>
+                </c:pt>
+                <c:pt idx="168">
+                  <c:v>3386880</c:v>
+                </c:pt>
+                <c:pt idx="169">
+                  <c:v>3456000</c:v>
+                </c:pt>
+                <c:pt idx="170">
+                  <c:v>3525120</c:v>
+                </c:pt>
+                <c:pt idx="171">
+                  <c:v>3594240</c:v>
+                </c:pt>
+                <c:pt idx="172">
+                  <c:v>3663360</c:v>
+                </c:pt>
+                <c:pt idx="173">
+                  <c:v>3732480</c:v>
+                </c:pt>
+                <c:pt idx="174">
+                  <c:v>3801600</c:v>
+                </c:pt>
+                <c:pt idx="175">
+                  <c:v>3870720</c:v>
+                </c:pt>
+                <c:pt idx="176">
+                  <c:v>3939840</c:v>
+                </c:pt>
+                <c:pt idx="177">
+                  <c:v>4008960</c:v>
+                </c:pt>
+                <c:pt idx="178">
+                  <c:v>4078080</c:v>
+                </c:pt>
+                <c:pt idx="179">
+                  <c:v>0</c:v>
+                </c:pt>
+                <c:pt idx="180">
+                  <c:v>69120</c:v>
+                </c:pt>
+                <c:pt idx="181">
+                  <c:v>138240</c:v>
+                </c:pt>
+                <c:pt idx="182">
+                  <c:v>207360</c:v>
+                </c:pt>
+                <c:pt idx="183">
+                  <c:v>276480</c:v>
+                </c:pt>
+                <c:pt idx="184">
+                  <c:v>345600</c:v>
+                </c:pt>
+                <c:pt idx="185">
+                  <c:v>414720</c:v>
+                </c:pt>
+                <c:pt idx="186">
+                  <c:v>483840</c:v>
+                </c:pt>
+                <c:pt idx="187">
+                  <c:v>552960</c:v>
+                </c:pt>
+                <c:pt idx="188">
+                  <c:v>622080</c:v>
+                </c:pt>
+                <c:pt idx="189">
+                  <c:v>691200</c:v>
+                </c:pt>
+                <c:pt idx="190">
+                  <c:v>760320</c:v>
+                </c:pt>
+                <c:pt idx="191">
+                  <c:v>829440</c:v>
+                </c:pt>
+                <c:pt idx="192">
+                  <c:v>898560</c:v>
+                </c:pt>
+                <c:pt idx="193">
+                  <c:v>967680</c:v>
+                </c:pt>
+                <c:pt idx="194">
+                  <c:v>1036800</c:v>
+                </c:pt>
+                <c:pt idx="195">
+                  <c:v>1105920</c:v>
+                </c:pt>
+                <c:pt idx="196">
+                  <c:v>1175040</c:v>
+                </c:pt>
+                <c:pt idx="197">
+                  <c:v>1244160</c:v>
+                </c:pt>
+                <c:pt idx="198">
+                  <c:v>1313280</c:v>
+                </c:pt>
+                <c:pt idx="199">
+                  <c:v>1382400</c:v>
+                </c:pt>
+                <c:pt idx="200">
+                  <c:v>1451520</c:v>
+                </c:pt>
+                <c:pt idx="201">
+                  <c:v>1520640</c:v>
+                </c:pt>
+                <c:pt idx="202">
+                  <c:v>1589760</c:v>
+                </c:pt>
+                <c:pt idx="203">
+                  <c:v>1658880</c:v>
+                </c:pt>
+                <c:pt idx="204">
+                  <c:v>1728000</c:v>
+                </c:pt>
+                <c:pt idx="205">
+                  <c:v>1797120</c:v>
+                </c:pt>
+                <c:pt idx="206">
+                  <c:v>1866240</c:v>
+                </c:pt>
+                <c:pt idx="207">
+                  <c:v>1935360</c:v>
+                </c:pt>
+                <c:pt idx="208">
+                  <c:v>2004480</c:v>
+                </c:pt>
+                <c:pt idx="209">
+                  <c:v>2073600</c:v>
+                </c:pt>
+                <c:pt idx="210">
+                  <c:v>2142720</c:v>
+                </c:pt>
+                <c:pt idx="211">
+                  <c:v>2211840</c:v>
+                </c:pt>
+                <c:pt idx="212">
+                  <c:v>2280960</c:v>
+                </c:pt>
+                <c:pt idx="213">
+                  <c:v>2350080</c:v>
+                </c:pt>
+                <c:pt idx="214">
+                  <c:v>2419200</c:v>
+                </c:pt>
+                <c:pt idx="215">
+                  <c:v>2488320</c:v>
+                </c:pt>
+                <c:pt idx="216">
+                  <c:v>2557440</c:v>
+                </c:pt>
+                <c:pt idx="217">
+                  <c:v>2626560</c:v>
+                </c:pt>
+                <c:pt idx="218">
+                  <c:v>2695680</c:v>
+                </c:pt>
+                <c:pt idx="219">
+                  <c:v>2764800</c:v>
+                </c:pt>
+                <c:pt idx="220">
+                  <c:v>2833920</c:v>
+                </c:pt>
+                <c:pt idx="221">
+                  <c:v>2903040</c:v>
+                </c:pt>
+                <c:pt idx="222">
+                  <c:v>2972160</c:v>
+                </c:pt>
+                <c:pt idx="223">
+                  <c:v>3041280</c:v>
+                </c:pt>
+                <c:pt idx="224">
+                  <c:v>3110400</c:v>
+                </c:pt>
+                <c:pt idx="225">
+                  <c:v>3179520</c:v>
+                </c:pt>
+                <c:pt idx="226">
+                  <c:v>3248640</c:v>
+                </c:pt>
+                <c:pt idx="227">
+                  <c:v>3317760</c:v>
+                </c:pt>
+                <c:pt idx="228">
+                  <c:v>3386880</c:v>
+                </c:pt>
+                <c:pt idx="229">
+                  <c:v>3456000</c:v>
+                </c:pt>
+                <c:pt idx="230">
+                  <c:v>3525120</c:v>
+                </c:pt>
+                <c:pt idx="231">
+                  <c:v>3594240</c:v>
+                </c:pt>
+                <c:pt idx="232">
+                  <c:v>3663360</c:v>
+                </c:pt>
+                <c:pt idx="233">
+                  <c:v>3732480</c:v>
+                </c:pt>
+                <c:pt idx="234">
+                  <c:v>3801600</c:v>
+                </c:pt>
+                <c:pt idx="235">
+                  <c:v>3870720</c:v>
+                </c:pt>
+                <c:pt idx="236">
+                  <c:v>3939840</c:v>
+                </c:pt>
+                <c:pt idx="237">
+                  <c:v>4008960</c:v>
+                </c:pt>
+                <c:pt idx="238">
+                  <c:v>4078080</c:v>
+                </c:pt>
+                <c:pt idx="239">
+                  <c:v>0</c:v>
+                </c:pt>
+                <c:pt idx="240">
+                  <c:v>69120</c:v>
+                </c:pt>
+                <c:pt idx="241">
+                  <c:v>138240</c:v>
+                </c:pt>
+                <c:pt idx="242">
+                  <c:v>207360</c:v>
+                </c:pt>
+                <c:pt idx="243">
+                  <c:v>276480</c:v>
+                </c:pt>
+                <c:pt idx="244">
+                  <c:v>345600</c:v>
+                </c:pt>
+                <c:pt idx="245">
+                  <c:v>414720</c:v>
+                </c:pt>
+                <c:pt idx="246">
+                  <c:v>483840</c:v>
+                </c:pt>
+                <c:pt idx="247">
+                  <c:v>552960</c:v>
+                </c:pt>
+                <c:pt idx="248">
+                  <c:v>622080</c:v>
+                </c:pt>
+                <c:pt idx="249">
+                  <c:v>691200</c:v>
+                </c:pt>
+                <c:pt idx="250">
+                  <c:v>760320</c:v>
+                </c:pt>
+                <c:pt idx="251">
+                  <c:v>829440</c:v>
+                </c:pt>
+                <c:pt idx="252">
+                  <c:v>898560</c:v>
+                </c:pt>
+                <c:pt idx="253">
+                  <c:v>967680</c:v>
+                </c:pt>
+                <c:pt idx="254">
+                  <c:v>1036800</c:v>
+                </c:pt>
+                <c:pt idx="255">
+                  <c:v>1105920</c:v>
+                </c:pt>
+                <c:pt idx="256">
+                  <c:v>1175040</c:v>
+                </c:pt>
+                <c:pt idx="257">
+                  <c:v>1244160</c:v>
+                </c:pt>
+                <c:pt idx="258">
+                  <c:v>1313280</c:v>
+                </c:pt>
+                <c:pt idx="259">
+                  <c:v>1382400</c:v>
+                </c:pt>
+                <c:pt idx="260">
+                  <c:v>1451520</c:v>
+                </c:pt>
+                <c:pt idx="261">
+                  <c:v>1520640</c:v>
+                </c:pt>
+                <c:pt idx="262">
+                  <c:v>1589760</c:v>
+                </c:pt>
+                <c:pt idx="263">
+                  <c:v>1658880</c:v>
+                </c:pt>
+                <c:pt idx="264">
+                  <c:v>1728000</c:v>
+                </c:pt>
+                <c:pt idx="265">
+                  <c:v>1797120</c:v>
+                </c:pt>
+                <c:pt idx="266">
+                  <c:v>1866240</c:v>
+                </c:pt>
+                <c:pt idx="267">
+                  <c:v>1935360</c:v>
+                </c:pt>
+                <c:pt idx="268">
+                  <c:v>2004480</c:v>
+                </c:pt>
+                <c:pt idx="269">
+                  <c:v>2073600</c:v>
+                </c:pt>
+                <c:pt idx="270">
+                  <c:v>2142720</c:v>
+                </c:pt>
+                <c:pt idx="271">
+                  <c:v>2211840</c:v>
+                </c:pt>
+                <c:pt idx="272">
+                  <c:v>2280960</c:v>
+                </c:pt>
+                <c:pt idx="273">
+                  <c:v>2350080</c:v>
+                </c:pt>
+                <c:pt idx="274">
+                  <c:v>2419200</c:v>
+                </c:pt>
+                <c:pt idx="275">
+                  <c:v>2488320</c:v>
+                </c:pt>
+                <c:pt idx="276">
+                  <c:v>2557440</c:v>
+                </c:pt>
+                <c:pt idx="277">
+                  <c:v>2626560</c:v>
+                </c:pt>
+                <c:pt idx="278">
+                  <c:v>2695680</c:v>
+                </c:pt>
+                <c:pt idx="279">
+                  <c:v>2764800</c:v>
+                </c:pt>
+                <c:pt idx="280">
+                  <c:v>2833920</c:v>
+                </c:pt>
+                <c:pt idx="281">
+                  <c:v>2903040</c:v>
+                </c:pt>
+                <c:pt idx="282">
+                  <c:v>2972160</c:v>
+                </c:pt>
+                <c:pt idx="283">
+                  <c:v>3041280</c:v>
+                </c:pt>
+                <c:pt idx="284">
+                  <c:v>3110400</c:v>
+                </c:pt>
+                <c:pt idx="285">
+                  <c:v>3179520</c:v>
+                </c:pt>
+                <c:pt idx="286">
+                  <c:v>3248640</c:v>
+                </c:pt>
+                <c:pt idx="287">
+                  <c:v>3317760</c:v>
+                </c:pt>
+                <c:pt idx="288">
+                  <c:v>3386880</c:v>
+                </c:pt>
+                <c:pt idx="289">
+                  <c:v>3456000</c:v>
+                </c:pt>
+                <c:pt idx="290">
+                  <c:v>3525120</c:v>
+                </c:pt>
+                <c:pt idx="291">
+                  <c:v>3594240</c:v>
+                </c:pt>
+                <c:pt idx="292">
+                  <c:v>3663360</c:v>
+                </c:pt>
+                <c:pt idx="293">
+                  <c:v>3732480</c:v>
+                </c:pt>
+                <c:pt idx="294">
+                  <c:v>3801600</c:v>
+                </c:pt>
+                <c:pt idx="295">
+                  <c:v>3870720</c:v>
+                </c:pt>
+                <c:pt idx="296">
+                  <c:v>3939840</c:v>
+                </c:pt>
+                <c:pt idx="297">
+                  <c:v>4008960</c:v>
+                </c:pt>
+                <c:pt idx="298">
+                  <c:v>4078080</c:v>
+                </c:pt>
+                <c:pt idx="299">
+                  <c:v>0</c:v>
+                </c:pt>
+              </c:numCache>
+            </c:numRef>
+          </c:xVal>
+          <c:yVal>
+            <c:numRef>
+              <c:f>Munka4!$E$2:$E$301</c:f>
+              <c:numCache>
+                <c:formatCode>General</c:formatCode>
+                <c:ptCount val="300"/>
+                <c:pt idx="0">
+                  <c:v>9.075927734375E-2</c:v>
+                </c:pt>
+                <c:pt idx="1">
+                  <c:v>0.17652797698974601</c:v>
+                </c:pt>
+                <c:pt idx="2">
+                  <c:v>0.38397240638732899</c:v>
+                </c:pt>
+                <c:pt idx="3">
+                  <c:v>0.66621708869934004</c:v>
+                </c:pt>
+                <c:pt idx="4">
+                  <c:v>0.52559494972229004</c:v>
+                </c:pt>
+                <c:pt idx="5">
+                  <c:v>0.56847786903381303</c:v>
+                </c:pt>
+                <c:pt idx="6">
+                  <c:v>0.73303651809692305</c:v>
+                </c:pt>
+                <c:pt idx="7">
+                  <c:v>0.86468434333801203</c:v>
+                </c:pt>
+                <c:pt idx="8">
+                  <c:v>0.80285167694091797</c:v>
+                </c:pt>
+                <c:pt idx="9">
+                  <c:v>1.0013198852539</c:v>
+                </c:pt>
+                <c:pt idx="10">
+                  <c:v>1.0521824359893699</c:v>
+                </c:pt>
+                <c:pt idx="11">
+                  <c:v>1.5099580287933301</c:v>
+                </c:pt>
+                <c:pt idx="12">
+                  <c:v>1.1828322410583401</c:v>
+                </c:pt>
+                <c:pt idx="13">
+                  <c:v>1.27758240699768</c:v>
+                </c:pt>
+                <c:pt idx="14">
+                  <c:v>2.2160694599151598</c:v>
+                </c:pt>
+                <c:pt idx="15">
+                  <c:v>1.9208581447601301</c:v>
+                </c:pt>
+                <c:pt idx="16">
+                  <c:v>2.1053657531738201</c:v>
+                </c:pt>
+                <c:pt idx="17">
+                  <c:v>1.6907944679260201</c:v>
+                </c:pt>
+                <c:pt idx="18">
+                  <c:v>2.2868800163268999</c:v>
+                </c:pt>
+                <c:pt idx="19">
+                  <c:v>1.8500492572784399</c:v>
+                </c:pt>
+                <c:pt idx="20">
+                  <c:v>1.94778752326965</c:v>
+                </c:pt>
+                <c:pt idx="21">
+                  <c:v>1.9856860637664699</c:v>
+                </c:pt>
+                <c:pt idx="22">
+                  <c:v>1.99466133117675</c:v>
+                </c:pt>
+                <c:pt idx="23">
+                  <c:v>2.0315632820129301</c:v>
+                </c:pt>
+                <c:pt idx="24">
+                  <c:v>3.41984963417053</c:v>
+                </c:pt>
+                <c:pt idx="25">
+                  <c:v>2.4803624153137198</c:v>
+                </c:pt>
+                <c:pt idx="26">
+                  <c:v>2.31580209732055</c:v>
+                </c:pt>
+                <c:pt idx="27">
+                  <c:v>2.41852831840515</c:v>
+                </c:pt>
+                <c:pt idx="28">
+                  <c:v>2.5332212448120099</c:v>
+                </c:pt>
+                <c:pt idx="29">
+                  <c:v>2.6319563388824401</c:v>
+                </c:pt>
+                <c:pt idx="30">
+                  <c:v>2.76958727836608</c:v>
+                </c:pt>
+                <c:pt idx="31">
+                  <c:v>2.94312167167663</c:v>
+                </c:pt>
+                <c:pt idx="32">
+                  <c:v>2.9102103710174498</c:v>
+                </c:pt>
+                <c:pt idx="33">
+                  <c:v>2.8473803997039702</c:v>
+                </c:pt>
+                <c:pt idx="34">
+                  <c:v>2.96805739402771</c:v>
+                </c:pt>
+                <c:pt idx="35">
+                  <c:v>3.2582814693450901</c:v>
+                </c:pt>
+                <c:pt idx="36">
+                  <c:v>5.2679021358489901</c:v>
+                </c:pt>
+                <c:pt idx="37">
+                  <c:v>4.0816299915313703</c:v>
+                </c:pt>
+                <c:pt idx="38">
+                  <c:v>3.4907059669494598</c:v>
+                </c:pt>
+                <c:pt idx="39">
+                  <c:v>3.6322767734527499</c:v>
+                </c:pt>
+                <c:pt idx="40">
+                  <c:v>4.2875261306762598</c:v>
+                </c:pt>
+                <c:pt idx="41">
+                  <c:v>3.9823403358459402</c:v>
+                </c:pt>
+                <c:pt idx="42">
+                  <c:v>4.1380617618560702</c:v>
+                </c:pt>
+                <c:pt idx="43">
+                  <c:v>3.9816217422485298</c:v>
+                </c:pt>
+                <c:pt idx="44">
+                  <c:v>4.3393876552581698</c:v>
+                </c:pt>
+                <c:pt idx="45">
+                  <c:v>4.9034295082092196</c:v>
+                </c:pt>
+                <c:pt idx="46">
+                  <c:v>5.6059072017669598</c:v>
+                </c:pt>
+                <c:pt idx="47">
+                  <c:v>5.6862490177154497</c:v>
+                </c:pt>
+                <c:pt idx="48">
+                  <c:v>5.3187656402587802</c:v>
+                </c:pt>
+                <c:pt idx="49">
+                  <c:v>7.1753048896789497</c:v>
+                </c:pt>
+                <c:pt idx="50">
+                  <c:v>7.2834401130676198</c:v>
+                </c:pt>
+                <c:pt idx="51">
+                  <c:v>13.502445697784401</c:v>
+                </c:pt>
+                <c:pt idx="52">
+                  <c:v>10</c:v>
+                </c:pt>
+                <c:pt idx="53">
+                  <c:v>9.5633175373077393</c:v>
+                </c:pt>
+                <c:pt idx="54">
+                  <c:v>10.3199114799499</c:v>
+                </c:pt>
+                <c:pt idx="55">
+                  <c:v>9.7533445358276296</c:v>
+                </c:pt>
+                <c:pt idx="56">
+                  <c:v>9.7376785278320295</c:v>
+                </c:pt>
+                <c:pt idx="57">
+                  <c:v>10.2994728088378</c:v>
+                </c:pt>
+                <c:pt idx="58">
+                  <c:v>11.1548917293548</c:v>
+                </c:pt>
+                <c:pt idx="59">
+                  <c:v>0</c:v>
+                </c:pt>
+                <c:pt idx="60">
+                  <c:v>0.14361619949340801</c:v>
+                </c:pt>
+                <c:pt idx="61">
+                  <c:v>0.17952084541320801</c:v>
+                </c:pt>
+                <c:pt idx="62">
+                  <c:v>0.25631546974182101</c:v>
+                </c:pt>
+                <c:pt idx="63">
+                  <c:v>0.35305380821228</c:v>
+                </c:pt>
+                <c:pt idx="64">
+                  <c:v>0.42984914779663003</c:v>
+                </c:pt>
+                <c:pt idx="65">
+                  <c:v>0.52359962463378895</c:v>
+                </c:pt>
+                <c:pt idx="66">
+                  <c:v>0.59141731262206998</c:v>
+                </c:pt>
+                <c:pt idx="67">
+                  <c:v>0.81681394577026301</c:v>
+                </c:pt>
+                <c:pt idx="68">
+                  <c:v>0.77492713928222601</c:v>
+                </c:pt>
+                <c:pt idx="69">
+                  <c:v>0.85072350502014105</c:v>
+                </c:pt>
+                <c:pt idx="70">
+                  <c:v>0.98237109184265103</c:v>
+                </c:pt>
+                <c:pt idx="71">
+                  <c:v>0.98236966133117598</c:v>
+                </c:pt>
+                <c:pt idx="72">
+                  <c:v>1.1070375442504801</c:v>
+                </c:pt>
+                <c:pt idx="73">
+                  <c:v>1.13396644592285</c:v>
+                </c:pt>
+                <c:pt idx="74">
+                  <c:v>1.2935388088226301</c:v>
+                </c:pt>
+                <c:pt idx="75">
+                  <c:v>1.32345843315124</c:v>
+                </c:pt>
+                <c:pt idx="76">
+                  <c:v>1.4271810054778999</c:v>
+                </c:pt>
+                <c:pt idx="77">
+                  <c:v>1.4800398349761901</c:v>
+                </c:pt>
+                <c:pt idx="78">
+                  <c:v>1.5737879276275599</c:v>
+                </c:pt>
+                <c:pt idx="79">
+                  <c:v>1.7213945388793901</c:v>
+                </c:pt>
+                <c:pt idx="80">
+                  <c:v>1.7852241992950399</c:v>
+                </c:pt>
+                <c:pt idx="81">
+                  <c:v>1.8909394741058301</c:v>
+                </c:pt>
+                <c:pt idx="82">
+                  <c:v>1.97172307968139</c:v>
+                </c:pt>
+                <c:pt idx="83">
+                  <c:v>2.08442187309265</c:v>
+                </c:pt>
+                <c:pt idx="84">
+                  <c:v>2.0804312229156401</c:v>
+                </c:pt>
+                <c:pt idx="85">
+                  <c:v>2.1462562084197998</c:v>
+                </c:pt>
+                <c:pt idx="86">
+                  <c:v>2.2669360637664702</c:v>
+                </c:pt>
+                <c:pt idx="87">
+                  <c:v>2.30084133148193</c:v>
+                </c:pt>
+                <c:pt idx="88">
+                  <c:v>2.43747687339782</c:v>
+                </c:pt>
+                <c:pt idx="89">
+                  <c:v>2.5352144241332999</c:v>
+                </c:pt>
+                <c:pt idx="90">
+                  <c:v>2.7675924301147399</c:v>
+                </c:pt>
+                <c:pt idx="91">
+                  <c:v>2.7426578998565598</c:v>
+                </c:pt>
+                <c:pt idx="92">
+                  <c:v>2.8034965991973801</c:v>
+                </c:pt>
+                <c:pt idx="93">
+                  <c:v>3.0737721920013401</c:v>
+                </c:pt>
+                <c:pt idx="94">
+                  <c:v>3.2064192295074401</c:v>
+                </c:pt>
+                <c:pt idx="95">
+                  <c:v>3.13361239433288</c:v>
+                </c:pt>
+                <c:pt idx="96">
+                  <c:v>3.2143971920013401</c:v>
+                </c:pt>
+                <c:pt idx="97">
+                  <c:v>3.6123301982879599</c:v>
+                </c:pt>
+                <c:pt idx="98">
+                  <c:v>3.4677195549011199</c:v>
+                </c:pt>
+                <c:pt idx="99">
+                  <c:v>3.6033561229705802</c:v>
+                </c:pt>
+                <c:pt idx="100">
+                  <c:v>3.6711745262145898</c:v>
+                </c:pt>
+                <c:pt idx="101">
+                  <c:v>3.8008251190185498</c:v>
+                </c:pt>
+                <c:pt idx="102">
+                  <c:v>6.5135657787322998</c:v>
+                </c:pt>
+                <c:pt idx="103">
+                  <c:v>5.3546690940856898</c:v>
+                </c:pt>
+                <c:pt idx="104">
+                  <c:v>6.76647877693176</c:v>
+                </c:pt>
+                <c:pt idx="105">
+                  <c:v>5.0577428340911803</c:v>
+                </c:pt>
+                <c:pt idx="106">
+                  <c:v>5.3356120586395201</c:v>
+                </c:pt>
+                <c:pt idx="107">
+                  <c:v>5.6314630508422798</c:v>
+                </c:pt>
+                <c:pt idx="108">
+                  <c:v>5.5232257843017498</c:v>
+                </c:pt>
+                <c:pt idx="109">
+                  <c:v>6.1897680759429896</c:v>
+                </c:pt>
+                <c:pt idx="110">
+                  <c:v>7.3191769123077304</c:v>
+                </c:pt>
+                <c:pt idx="111">
+                  <c:v>8.7497341632843</c:v>
+                </c:pt>
+                <c:pt idx="112">
+                  <c:v>9.6557538509368896</c:v>
+                </c:pt>
+                <c:pt idx="113">
+                  <c:v>8.4343333244323695</c:v>
+                </c:pt>
+                <c:pt idx="114">
+                  <c:v>8.8053383827209402</c:v>
+                </c:pt>
+                <c:pt idx="115">
+                  <c:v>14.8645644187927</c:v>
+                </c:pt>
+                <c:pt idx="116">
+                  <c:v>9.0697283744811994</c:v>
+                </c:pt>
+                <c:pt idx="117">
+                  <c:v>10.205702543258599</c:v>
+                </c:pt>
+                <c:pt idx="118">
+                  <c:v>11.691993713378899</c:v>
+                </c:pt>
+                <c:pt idx="119">
+                  <c:v>0</c:v>
+                </c:pt>
+                <c:pt idx="120">
+                  <c:v>0.13147902488708399</c:v>
+                </c:pt>
+                <c:pt idx="121">
+                  <c:v>0.18486976623535101</c:v>
+                </c:pt>
+                <c:pt idx="122">
+                  <c:v>0.32473278045654203</c:v>
+                </c:pt>
+                <c:pt idx="123">
+                  <c:v>0.40667605400085399</c:v>
+                </c:pt>
+                <c:pt idx="124">
+                  <c:v>0.50576734542846602</c:v>
+                </c:pt>
+                <c:pt idx="125">
+                  <c:v>0.56162905693054199</c:v>
+                </c:pt>
+                <c:pt idx="126">
+                  <c:v>0.66416740417480402</c:v>
+                </c:pt>
+                <c:pt idx="127">
+                  <c:v>0.78757882118225098</c:v>
+                </c:pt>
+                <c:pt idx="128">
+                  <c:v>0.88283491134643499</c:v>
+                </c:pt>
+                <c:pt idx="129">
+                  <c:v>0.97018909454345703</c:v>
+                </c:pt>
+                <c:pt idx="130">
+                  <c:v>1.0856704711914</c:v>
+                </c:pt>
+                <c:pt idx="131">
+                  <c:v>1.1456480026245099</c:v>
+                </c:pt>
+                <c:pt idx="132">
+                  <c:v>1.26420354843139</c:v>
+                </c:pt>
+                <c:pt idx="133">
+                  <c:v>1.38347959518432</c:v>
+                </c:pt>
+                <c:pt idx="134">
+                  <c:v>1.4634587764739899</c:v>
+                </c:pt>
+                <c:pt idx="135">
+                  <c:v>1.4934105873107899</c:v>
+                </c:pt>
+                <c:pt idx="136">
+                  <c:v>1.5910496711730899</c:v>
+                </c:pt>
+                <c:pt idx="137">
+                  <c:v>1.7150230407714799</c:v>
+                </c:pt>
+                <c:pt idx="138">
+                  <c:v>1.82390284538269</c:v>
+                </c:pt>
+                <c:pt idx="139">
+                  <c:v>2.0408313274383501</c:v>
+                </c:pt>
+                <c:pt idx="140">
+                  <c:v>2.0025887489318799</c:v>
+                </c:pt>
+                <c:pt idx="141">
+                  <c:v>2.1368553638458199</c:v>
+                </c:pt>
+                <c:pt idx="142">
+                  <c:v>2.2095909118652299</c:v>
+                </c:pt>
+                <c:pt idx="143">
+                  <c:v>2.33927321434021</c:v>
+                </c:pt>
+                <c:pt idx="144">
+                  <c:v>2.4012899398803702</c:v>
+                </c:pt>
+                <c:pt idx="145">
+                  <c:v>2.4801530838012602</c:v>
+                </c:pt>
+                <c:pt idx="146">
+                  <c:v>2.6526675224304199</c:v>
+                </c:pt>
+                <c:pt idx="147">
+                  <c:v>3.43687772750854</c:v>
+                </c:pt>
+                <c:pt idx="148">
+                  <c:v>2.7804245948791499</c:v>
+                </c:pt>
+                <c:pt idx="149">
+                  <c:v>3.5646564960479701</c:v>
+                </c:pt>
+                <c:pt idx="150">
+                  <c:v>3.0370495319366402</c:v>
+                </c:pt>
+                <c:pt idx="151">
+                  <c:v>3.4237384796142498</c:v>
+                </c:pt>
+                <c:pt idx="152">
+                  <c:v>3.5487394332885698</c:v>
+                </c:pt>
+                <c:pt idx="153">
+                  <c:v>3.3793871402740399</c:v>
+                </c:pt>
+                <c:pt idx="154">
+                  <c:v>3.5545451641082701</c:v>
+                </c:pt>
+                <c:pt idx="155">
+                  <c:v>3.5617434978485099</c:v>
+                </c:pt>
+                <c:pt idx="156">
+                  <c:v>3.6962871551513601</c:v>
+                </c:pt>
+                <c:pt idx="157">
+                  <c:v>3.74368691444396</c:v>
+                </c:pt>
+                <c:pt idx="158">
+                  <c:v>3.7917091846465998</c:v>
+                </c:pt>
+                <c:pt idx="159">
+                  <c:v>3.8951838016510001</c:v>
+                </c:pt>
+                <c:pt idx="160">
+                  <c:v>4.0047266483306796</c:v>
+                </c:pt>
+                <c:pt idx="161">
+                  <c:v>4.5527758598327601</c:v>
+                </c:pt>
+                <c:pt idx="162">
+                  <c:v>4.5365941524505597</c:v>
+                </c:pt>
+                <c:pt idx="163">
+                  <c:v>4.5562424659729004</c:v>
+                </c:pt>
+                <c:pt idx="164">
+                  <c:v>4.9488995075225803</c:v>
+                </c:pt>
+                <c:pt idx="165">
+                  <c:v>5.9911916255950901</c:v>
+                </c:pt>
+                <c:pt idx="166">
+                  <c:v>6.5174355506896902</c:v>
+                </c:pt>
+                <c:pt idx="167">
+                  <c:v>5.88846755027771</c:v>
+                </c:pt>
+                <c:pt idx="168">
+                  <c:v>6.4607260227203298</c:v>
+                </c:pt>
+                <c:pt idx="169">
+                  <c:v>6.9848499298095703</c:v>
+                </c:pt>
+                <c:pt idx="170">
+                  <c:v>6.0557496547698904</c:v>
+                </c:pt>
+                <c:pt idx="171">
+                  <c:v>8.0349400043487496</c:v>
+                </c:pt>
+                <c:pt idx="172">
+                  <c:v>7.8007330894470197</c:v>
+                </c:pt>
+                <c:pt idx="173">
+                  <c:v>8.0418024063110298</c:v>
+                </c:pt>
+                <c:pt idx="174">
+                  <c:v>8.12825608253479</c:v>
+                </c:pt>
+                <c:pt idx="175">
+                  <c:v>8.1445806026458705</c:v>
+                </c:pt>
+                <c:pt idx="176">
+                  <c:v>10.297794103622399</c:v>
+                </c:pt>
+                <c:pt idx="177">
+                  <c:v>17.6849541664123</c:v>
+                </c:pt>
+                <c:pt idx="178">
+                  <c:v>12.634011745452799</c:v>
+                </c:pt>
+                <c:pt idx="179">
+                  <c:v>0</c:v>
+                </c:pt>
+                <c:pt idx="180">
+                  <c:v>0.15408921241760201</c:v>
+                </c:pt>
+                <c:pt idx="181">
+                  <c:v>0.20048689842224099</c:v>
+                </c:pt>
+                <c:pt idx="182">
+                  <c:v>0.32284927368164001</c:v>
+                </c:pt>
+                <c:pt idx="183">
+                  <c:v>0.41658067703246998</c:v>
+                </c:pt>
+                <c:pt idx="184">
+                  <c:v>0.514970302581787</c:v>
+                </c:pt>
+                <c:pt idx="185">
+                  <c:v>0.57681894302368097</c:v>
+                </c:pt>
+                <c:pt idx="186">
+                  <c:v>0.68608808517455999</c:v>
+                </c:pt>
+                <c:pt idx="187">
+                  <c:v>0.780517578125</c:v>
+                </c:pt>
+                <c:pt idx="188">
+                  <c:v>0.85666894912719704</c:v>
+                </c:pt>
+                <c:pt idx="189">
+                  <c:v>0.98030948638916005</c:v>
+                </c:pt>
+                <c:pt idx="190">
+                  <c:v>1.0557439327239899</c:v>
+                </c:pt>
+                <c:pt idx="191">
+                  <c:v>1.1804051399230899</c:v>
+                </c:pt>
+                <c:pt idx="192">
+                  <c:v>1.24195337295532</c:v>
+                </c:pt>
+                <c:pt idx="193">
+                  <c:v>1.30194163322448</c:v>
+                </c:pt>
+                <c:pt idx="194">
+                  <c:v>1.4130554199218699</c:v>
+                </c:pt>
+                <c:pt idx="195">
+                  <c:v>1.51250123977661</c:v>
+                </c:pt>
+                <c:pt idx="196">
+                  <c:v>1.5831923484802199</c:v>
+                </c:pt>
+                <c:pt idx="197">
+                  <c:v>1.7134563922882</c:v>
+                </c:pt>
+                <c:pt idx="198">
+                  <c:v>1.8405072689056301</c:v>
+                </c:pt>
+                <c:pt idx="199">
+                  <c:v>1.8804807662963801</c:v>
+                </c:pt>
+                <c:pt idx="200">
+                  <c:v>2.0097174644470202</c:v>
+                </c:pt>
+                <c:pt idx="201">
+                  <c:v>2.0486266613006499</c:v>
+                </c:pt>
+                <c:pt idx="202">
+                  <c:v>2.1811006069183301</c:v>
+                </c:pt>
+                <c:pt idx="203">
+                  <c:v>2.4018058776855402</c:v>
+                </c:pt>
+                <c:pt idx="204">
+                  <c:v>2.3820631504058798</c:v>
+                </c:pt>
+                <c:pt idx="205">
+                  <c:v>2.5150904655456499</c:v>
+                </c:pt>
+                <c:pt idx="206">
+                  <c:v>2.64941310882568</c:v>
+                </c:pt>
+                <c:pt idx="207">
+                  <c:v>2.7548127174377401</c:v>
+                </c:pt>
+                <c:pt idx="208">
+                  <c:v>2.7515683174133301</c:v>
+                </c:pt>
+                <c:pt idx="209">
+                  <c:v>2.8474323749542201</c:v>
+                </c:pt>
+                <c:pt idx="210">
+                  <c:v>3.0364849567413299</c:v>
+                </c:pt>
+                <c:pt idx="211">
+                  <c:v>3.1400902271270699</c:v>
+                </c:pt>
+                <c:pt idx="212">
+                  <c:v>3.2016932964324898</c:v>
+                </c:pt>
+                <c:pt idx="213">
+                  <c:v>3.3893256187438898</c:v>
+                </c:pt>
+                <c:pt idx="214">
+                  <c:v>3.36884093284606</c:v>
+                </c:pt>
+                <c:pt idx="215">
+                  <c:v>3.5509443283081001</c:v>
+                </c:pt>
+                <c:pt idx="216">
+                  <c:v>3.62932229042053</c:v>
+                </c:pt>
+                <c:pt idx="217">
+                  <c:v>3.7656695842742902</c:v>
+                </c:pt>
+                <c:pt idx="218">
+                  <c:v>3.83439040184021</c:v>
+                </c:pt>
+                <c:pt idx="219">
+                  <c:v>3.89667391777038</c:v>
+                </c:pt>
+                <c:pt idx="220">
+                  <c:v>4.0162019729614196</c:v>
+                </c:pt>
+                <c:pt idx="221">
+                  <c:v>4.2962586879730198</c:v>
+                </c:pt>
+                <c:pt idx="222">
+                  <c:v>4.2665317058563197</c:v>
+                </c:pt>
+                <c:pt idx="223">
+                  <c:v>4.66456699371337</c:v>
+                </c:pt>
+                <c:pt idx="224">
+                  <c:v>4.5795688629150302</c:v>
+                </c:pt>
+                <c:pt idx="225">
+                  <c:v>5.2061226367950404</c:v>
+                </c:pt>
+                <c:pt idx="226">
+                  <c:v>5.7689688205718896</c:v>
+                </c:pt>
+                <c:pt idx="227">
+                  <c:v>5.8713965415954501</c:v>
+                </c:pt>
+                <c:pt idx="228">
+                  <c:v>7.94370436668396</c:v>
+                </c:pt>
+                <c:pt idx="229">
+                  <c:v>6.86824202537536</c:v>
+                </c:pt>
+                <c:pt idx="230">
+                  <c:v>6.9398763179778999</c:v>
+                </c:pt>
+                <c:pt idx="231">
+                  <c:v>8.3398618698120099</c:v>
+                </c:pt>
+                <c:pt idx="232">
+                  <c:v>9.2462346553802401</c:v>
+                </c:pt>
+                <c:pt idx="233">
+                  <c:v>8.0749635696411097</c:v>
+                </c:pt>
+                <c:pt idx="234">
+                  <c:v>9.8780283927917392</c:v>
+                </c:pt>
+                <c:pt idx="235">
+                  <c:v>8.6310517787933296</c:v>
+                </c:pt>
+                <c:pt idx="236">
+                  <c:v>10.1733520030975</c:v>
+                </c:pt>
+                <c:pt idx="237">
+                  <c:v>10.5976200103759</c:v>
+                </c:pt>
+                <c:pt idx="238">
+                  <c:v>9.9537310600280708</c:v>
+                </c:pt>
+                <c:pt idx="239">
+                  <c:v>0</c:v>
+                </c:pt>
+                <c:pt idx="240">
+                  <c:v>0.11585187911987301</c:v>
+                </c:pt>
+                <c:pt idx="241">
+                  <c:v>0.216108083724975</c:v>
+                </c:pt>
+                <c:pt idx="242">
+                  <c:v>0.30722784996032698</c:v>
+                </c:pt>
+                <c:pt idx="243">
+                  <c:v>0.414131879806518</c:v>
+                </c:pt>
+                <c:pt idx="244">
+                  <c:v>0.52332973480224598</c:v>
+                </c:pt>
+                <c:pt idx="245">
+                  <c:v>0.59467506408691395</c:v>
+                </c:pt>
+                <c:pt idx="246">
+                  <c:v>0.693057060241699</c:v>
+                </c:pt>
+                <c:pt idx="247">
+                  <c:v>0.75576114654541005</c:v>
+                </c:pt>
+                <c:pt idx="248">
+                  <c:v>0.85753798484802202</c:v>
+                </c:pt>
+                <c:pt idx="249">
+                  <c:v>1.0053074359893699</c:v>
+                </c:pt>
+                <c:pt idx="250">
+                  <c:v>1.2662534713745099</c:v>
+                </c:pt>
+                <c:pt idx="251">
+                  <c:v>1.3001697063446001</c:v>
+                </c:pt>
+                <c:pt idx="252">
+                  <c:v>1.3142607212066599</c:v>
+                </c:pt>
+                <c:pt idx="253">
+                  <c:v>1.31878662109375</c:v>
+                </c:pt>
+                <c:pt idx="254">
+                  <c:v>1.44068026542663</c:v>
+                </c:pt>
+                <c:pt idx="255">
+                  <c:v>1.5232915878295801</c:v>
+                </c:pt>
+                <c:pt idx="256">
+                  <c:v>1.5919704437255799</c:v>
+                </c:pt>
+                <c:pt idx="257">
+                  <c:v>1.7626819610595701</c:v>
+                </c:pt>
+                <c:pt idx="258">
+                  <c:v>1.77286171913146</c:v>
+                </c:pt>
+                <c:pt idx="259">
+                  <c:v>1.9512901306152299</c:v>
+                </c:pt>
+                <c:pt idx="260">
+                  <c:v>2.01361632347106</c:v>
+                </c:pt>
+                <c:pt idx="261">
+                  <c:v>2.0805287361145002</c:v>
+                </c:pt>
+                <c:pt idx="262">
+                  <c:v>2.2036986351013099</c:v>
+                </c:pt>
+                <c:pt idx="263">
+                  <c:v>2.3510353565215998</c:v>
+                </c:pt>
+                <c:pt idx="264">
+                  <c:v>2.43000888824462</c:v>
+                </c:pt>
+                <c:pt idx="265">
+                  <c:v>2.4994297027587802</c:v>
+                </c:pt>
+                <c:pt idx="266">
+                  <c:v>2.6339159011840798</c:v>
+                </c:pt>
+                <c:pt idx="267">
+                  <c:v>2.8091440200805602</c:v>
+                </c:pt>
+                <c:pt idx="268">
+                  <c:v>2.7703859806060702</c:v>
+                </c:pt>
+                <c:pt idx="269">
+                  <c:v>2.82208156585693</c:v>
+                </c:pt>
+                <c:pt idx="270">
+                  <c:v>2.9973394870757999</c:v>
+                </c:pt>
+                <c:pt idx="271">
+                  <c:v>3.12450671195983</c:v>
+                </c:pt>
+                <c:pt idx="272">
+                  <c:v>3.2126052379608101</c:v>
+                </c:pt>
+                <c:pt idx="273">
+                  <c:v>3.2350113391876198</c:v>
+                </c:pt>
+                <c:pt idx="274">
+                  <c:v>3.40787529945373</c:v>
+                </c:pt>
+                <c:pt idx="275">
+                  <c:v>3.5421757698059002</c:v>
+                </c:pt>
+                <c:pt idx="276">
+                  <c:v>3.91751503944396</c:v>
+                </c:pt>
+                <c:pt idx="277">
+                  <c:v>3.8003792762756299</c:v>
+                </c:pt>
+                <c:pt idx="278">
+                  <c:v>3.8537313938140798</c:v>
+                </c:pt>
+                <c:pt idx="279">
+                  <c:v>3.9503502845764098</c:v>
+                </c:pt>
+                <c:pt idx="280">
+                  <c:v>4.0595107078552202</c:v>
+                </c:pt>
+                <c:pt idx="281">
+                  <c:v>4.3883867263793901</c:v>
+                </c:pt>
+                <c:pt idx="282">
+                  <c:v>4.3141355514526296</c:v>
+                </c:pt>
+                <c:pt idx="283">
+                  <c:v>4.2995584011077801</c:v>
+                </c:pt>
+                <c:pt idx="284">
+                  <c:v>4.8220293521881104</c:v>
+                </c:pt>
+                <c:pt idx="285">
+                  <c:v>4.8955631256103498</c:v>
+                </c:pt>
+                <c:pt idx="286">
+                  <c:v>5.1114044189453098</c:v>
+                </c:pt>
+                <c:pt idx="287">
+                  <c:v>6.91438508033752</c:v>
+                </c:pt>
+                <c:pt idx="288">
+                  <c:v>5.7124156951904297</c:v>
+                </c:pt>
+                <c:pt idx="289">
+                  <c:v>8.3813459873199392</c:v>
+                </c:pt>
+                <c:pt idx="290">
+                  <c:v>7.9450926780700604</c:v>
+                </c:pt>
+                <c:pt idx="291">
+                  <c:v>8.2850685119628906</c:v>
+                </c:pt>
+                <c:pt idx="292">
+                  <c:v>10.169314622879</c:v>
+                </c:pt>
+                <c:pt idx="293">
+                  <c:v>9.1655535697936994</c:v>
+                </c:pt>
+                <c:pt idx="294">
+                  <c:v>8.1989767551422101</c:v>
+                </c:pt>
+                <c:pt idx="295">
+                  <c:v>9.1571979522705007</c:v>
+                </c:pt>
+                <c:pt idx="296">
+                  <c:v>9.6964828968048096</c:v>
+                </c:pt>
+                <c:pt idx="297">
+                  <c:v>9.6346056461334193</c:v>
+                </c:pt>
+                <c:pt idx="298">
+                  <c:v>14.679643630981399</c:v>
+                </c:pt>
+                <c:pt idx="299">
+                  <c:v>0</c:v>
+                </c:pt>
+              </c:numCache>
+            </c:numRef>
+          </c:yVal>
+          <c:smooth val="0"/>
+          <c:extLst>
+            <c:ext xmlns:c16="http://schemas.microsoft.com/office/drawing/2014/chart" uri="{C3380CC4-5D6E-409C-BE32-E72D297353CC}">
+              <c16:uniqueId val="{00000003-0538-4EEC-B248-58CE21234AA6}"/>
+            </c:ext>
+          </c:extLst>
+        </c:ser>
+        <c:dLbls>
+          <c:showLegendKey val="0"/>
+          <c:showVal val="0"/>
+          <c:showCatName val="0"/>
+          <c:showSerName val="0"/>
+          <c:showPercent val="0"/>
+          <c:showBubbleSize val="0"/>
+        </c:dLbls>
+        <c:axId val="834283935"/>
+        <c:axId val="834280607"/>
+      </c:scatterChart>
+      <c:valAx>
+        <c:axId val="834283935"/>
+        <c:scaling>
+          <c:orientation val="minMax"/>
+        </c:scaling>
+        <c:delete val="0"/>
+        <c:axPos val="b"/>
+        <c:majorGridlines>
+          <c:spPr>
+            <a:ln w="9525" cap="flat" cmpd="sng" algn="ctr">
+              <a:solidFill>
+                <a:schemeClr val="lt1">
+                  <a:lumMod val="95000"/>
+                  <a:alpha val="10000"/>
+                </a:schemeClr>
+              </a:solidFill>
+              <a:round/>
+            </a:ln>
+            <a:effectLst/>
+          </c:spPr>
+        </c:majorGridlines>
+        <c:numFmt formatCode="General" sourceLinked="1"/>
+        <c:majorTickMark val="none"/>
+        <c:minorTickMark val="none"/>
+        <c:tickLblPos val="nextTo"/>
+        <c:spPr>
+          <a:noFill/>
+          <a:ln w="9525" cap="flat" cmpd="sng" algn="ctr">
+            <a:solidFill>
+              <a:schemeClr val="lt1">
+                <a:lumMod val="50000"/>
+              </a:schemeClr>
+            </a:solidFill>
+          </a:ln>
+          <a:effectLst/>
+        </c:spPr>
+        <c:txPr>
+          <a:bodyPr rot="-60000000" spcFirstLastPara="1" vertOverflow="ellipsis" vert="horz" wrap="square" anchor="ctr" anchorCtr="1"/>
+          <a:lstStyle/>
+          <a:p>
+            <a:pPr>
+              <a:defRPr sz="900" b="0" i="0" u="none" strike="noStrike" kern="1200" baseline="0">
+                <a:solidFill>
+                  <a:schemeClr val="lt1">
+                    <a:lumMod val="75000"/>
+                  </a:schemeClr>
+                </a:solidFill>
+                <a:latin typeface="+mn-lt"/>
+                <a:ea typeface="+mn-ea"/>
+                <a:cs typeface="+mn-cs"/>
+              </a:defRPr>
+            </a:pPr>
+            <a:endParaRPr lang="hu-HU"/>
+          </a:p>
+        </c:txPr>
+        <c:crossAx val="834280607"/>
+        <c:crosses val="autoZero"/>
+        <c:crossBetween val="midCat"/>
+      </c:valAx>
+      <c:valAx>
+        <c:axId val="834280607"/>
+        <c:scaling>
+          <c:orientation val="minMax"/>
+        </c:scaling>
+        <c:delete val="0"/>
+        <c:axPos val="l"/>
+        <c:majorGridlines>
+          <c:spPr>
+            <a:ln w="9525" cap="flat" cmpd="sng" algn="ctr">
+              <a:solidFill>
+                <a:schemeClr val="lt1">
+                  <a:lumMod val="95000"/>
+                  <a:alpha val="10000"/>
+                </a:schemeClr>
+              </a:solidFill>
+              <a:round/>
+            </a:ln>
+            <a:effectLst/>
+          </c:spPr>
+        </c:majorGridlines>
+        <c:numFmt formatCode="General" sourceLinked="1"/>
+        <c:majorTickMark val="none"/>
+        <c:minorTickMark val="none"/>
+        <c:tickLblPos val="nextTo"/>
+        <c:spPr>
+          <a:noFill/>
+          <a:ln w="9525" cap="flat" cmpd="sng" algn="ctr">
+            <a:solidFill>
+              <a:schemeClr val="lt1">
+                <a:lumMod val="50000"/>
+              </a:schemeClr>
+            </a:solidFill>
+          </a:ln>
+          <a:effectLst/>
+        </c:spPr>
+        <c:txPr>
+          <a:bodyPr rot="-60000000" spcFirstLastPara="1" vertOverflow="ellipsis" vert="horz" wrap="square" anchor="ctr" anchorCtr="1"/>
+          <a:lstStyle/>
+          <a:p>
+            <a:pPr>
+              <a:defRPr sz="900" b="0" i="0" u="none" strike="noStrike" kern="1200" baseline="0">
+                <a:solidFill>
+                  <a:schemeClr val="lt1">
+                    <a:lumMod val="75000"/>
+                  </a:schemeClr>
+                </a:solidFill>
+                <a:latin typeface="+mn-lt"/>
+                <a:ea typeface="+mn-ea"/>
+                <a:cs typeface="+mn-cs"/>
+              </a:defRPr>
+            </a:pPr>
+            <a:endParaRPr lang="hu-HU"/>
+          </a:p>
+        </c:txPr>
+        <c:crossAx val="834283935"/>
+        <c:crosses val="autoZero"/>
+        <c:crossBetween val="midCat"/>
+      </c:valAx>
+      <c:spPr>
+        <a:noFill/>
+        <a:ln>
+          <a:noFill/>
+        </a:ln>
+        <a:effectLst/>
+      </c:spPr>
+    </c:plotArea>
+    <c:legend>
+      <c:legendPos val="b"/>
+      <c:layout>
+        <c:manualLayout>
+          <c:xMode val="edge"/>
+          <c:yMode val="edge"/>
+          <c:x val="0.17669192425411029"/>
+          <c:y val="0.91765343493898732"/>
+          <c:w val="0.63859935410048263"/>
+          <c:h val="6.9955896047815616E-2"/>
+        </c:manualLayout>
+      </c:layout>
+      <c:overlay val="0"/>
+      <c:spPr>
+        <a:noFill/>
+        <a:ln>
+          <a:noFill/>
+        </a:ln>
+        <a:effectLst/>
+      </c:spPr>
+      <c:txPr>
+        <a:bodyPr rot="0" spcFirstLastPara="1" vertOverflow="ellipsis" vert="horz" wrap="square" anchor="ctr" anchorCtr="1"/>
+        <a:lstStyle/>
+        <a:p>
+          <a:pPr>
+            <a:defRPr sz="1800" b="0" i="0" u="none" strike="noStrike" kern="1200" baseline="0">
+              <a:solidFill>
+                <a:schemeClr val="lt1">
+                  <a:lumMod val="75000"/>
+                </a:schemeClr>
+              </a:solidFill>
+              <a:latin typeface="+mn-lt"/>
+              <a:ea typeface="+mn-ea"/>
+              <a:cs typeface="+mn-cs"/>
+            </a:defRPr>
+          </a:pPr>
+          <a:endParaRPr lang="hu-HU"/>
+        </a:p>
+      </c:txPr>
+    </c:legend>
+    <c:plotVisOnly val="1"/>
+    <c:dispBlanksAs val="gap"/>
+    <c:showDLblsOverMax val="0"/>
+  </c:chart>
+  <c:spPr>
+    <a:gradFill flip="none" rotWithShape="1">
+      <a:gsLst>
+        <a:gs pos="0">
+          <a:schemeClr val="dk1">
+            <a:lumMod val="65000"/>
+            <a:lumOff val="35000"/>
+          </a:schemeClr>
+        </a:gs>
+        <a:gs pos="100000">
+          <a:schemeClr val="dk1">
+            <a:lumMod val="85000"/>
+            <a:lumOff val="15000"/>
+          </a:schemeClr>
+        </a:gs>
+      </a:gsLst>
+      <a:path path="circle">
+        <a:fillToRect l="50000" t="50000" r="50000" b="50000"/>
+      </a:path>
+      <a:tileRect/>
+    </a:gradFill>
+    <a:ln>
+      <a:noFill/>
+    </a:ln>
+    <a:effectLst/>
+  </c:spPr>
+  <c:txPr>
+    <a:bodyPr/>
+    <a:lstStyle/>
+    <a:p>
+      <a:pPr>
+        <a:defRPr/>
+      </a:pPr>
+      <a:endParaRPr lang="hu-HU"/>
+    </a:p>
+  </c:txPr>
+  <c:externalData r:id="rId3">
+    <c:autoUpdate val="0"/>
+  </c:externalData>
+</c:chartSpace>
+</file>
+
+<file path=ppt/charts/colors1.xml><?xml version="1.0" encoding="utf-8"?>
+<cs:colorStyle xmlns:cs="http://schemas.microsoft.com/office/drawing/2012/chartStyle" xmlns:a="http://schemas.openxmlformats.org/drawingml/2006/main" meth="cycle" id="10">
+  <a:schemeClr val="accent1"/>
+  <a:schemeClr val="accent2"/>
+  <a:schemeClr val="accent3"/>
+  <a:schemeClr val="accent4"/>
+  <a:schemeClr val="accent5"/>
+  <a:schemeClr val="accent6"/>
+  <cs:variation/>
+  <cs:variation>
+    <a:lumMod val="60000"/>
+  </cs:variation>
+  <cs:variation>
+    <a:lumMod val="80000"/>
+    <a:lumOff val="20000"/>
+  </cs:variation>
+  <cs:variation>
+    <a:lumMod val="80000"/>
+  </cs:variation>
+  <cs:variation>
+    <a:lumMod val="60000"/>
+    <a:lumOff val="40000"/>
+  </cs:variation>
+  <cs:variation>
+    <a:lumMod val="50000"/>
+  </cs:variation>
+  <cs:variation>
+    <a:lumMod val="70000"/>
+    <a:lumOff val="30000"/>
+  </cs:variation>
+  <cs:variation>
+    <a:lumMod val="70000"/>
+  </cs:variation>
+  <cs:variation>
+    <a:lumMod val="50000"/>
+    <a:lumOff val="50000"/>
+  </cs:variation>
+</cs:colorStyle>
+</file>
+
+<file path=ppt/charts/style1.xml><?xml version="1.0" encoding="utf-8"?>
+<cs:chartStyle xmlns:cs="http://schemas.microsoft.com/office/drawing/2012/chartStyle" xmlns:a="http://schemas.openxmlformats.org/drawingml/2006/main" id="248">
+  <cs:axisTitle>
+    <cs:lnRef idx="0"/>
+    <cs:fillRef idx="0"/>
+    <cs:effectRef idx="0"/>
+    <cs:fontRef idx="minor">
+      <a:schemeClr val="lt1">
+        <a:lumMod val="75000"/>
+      </a:schemeClr>
+    </cs:fontRef>
+    <cs:defRPr sz="900" b="1" kern="1200" cap="all"/>
+  </cs:axisTitle>
+  <cs:categoryAxis>
+    <cs:lnRef idx="0"/>
+    <cs:fillRef idx="0"/>
+    <cs:effectRef idx="0"/>
+    <cs:fontRef idx="minor">
+      <a:schemeClr val="lt1">
+        <a:lumMod val="75000"/>
+      </a:schemeClr>
+    </cs:fontRef>
+    <cs:spPr>
+      <a:ln w="9525" cap="flat" cmpd="sng" algn="ctr">
+        <a:solidFill>
+          <a:schemeClr val="lt1">
+            <a:lumMod val="50000"/>
+          </a:schemeClr>
+        </a:solidFill>
+      </a:ln>
+    </cs:spPr>
+    <cs:defRPr sz="900" kern="1200"/>
+  </cs:categoryAxis>
+  <cs:chartArea>
+    <cs:lnRef idx="0"/>
+    <cs:fillRef idx="0"/>
+    <cs:effectRef idx="0"/>
+    <cs:fontRef idx="minor">
+      <a:schemeClr val="dk1"/>
+    </cs:fontRef>
+    <cs:spPr>
+      <a:gradFill flip="none" rotWithShape="1">
+        <a:gsLst>
+          <a:gs pos="0">
+            <a:schemeClr val="dk1">
+              <a:lumMod val="65000"/>
+              <a:lumOff val="35000"/>
+            </a:schemeClr>
+          </a:gs>
+          <a:gs pos="100000">
+            <a:schemeClr val="dk1">
+              <a:lumMod val="85000"/>
+              <a:lumOff val="15000"/>
+            </a:schemeClr>
+          </a:gs>
+        </a:gsLst>
+        <a:path path="circle">
+          <a:fillToRect l="50000" t="50000" r="50000" b="50000"/>
+        </a:path>
+        <a:tileRect/>
+      </a:gradFill>
+    </cs:spPr>
+    <cs:defRPr sz="1000" kern="1200"/>
+  </cs:chartArea>
+  <cs:dataLabel>
+    <cs:lnRef idx="0"/>
+    <cs:fillRef idx="0"/>
+    <cs:effectRef idx="0"/>
+    <cs:fontRef idx="minor">
+      <a:schemeClr val="lt1">
+        <a:lumMod val="75000"/>
+      </a:schemeClr>
+    </cs:fontRef>
+    <cs:defRPr sz="900" kern="1200"/>
+  </cs:dataLabel>
+  <cs:dataLabelCallout>
+    <cs:lnRef idx="0"/>
+    <cs:fillRef idx="0"/>
+    <cs:effectRef idx="0"/>
+    <cs:fontRef idx="minor">
+      <a:schemeClr val="dk1">
+        <a:lumMod val="65000"/>
+        <a:lumOff val="35000"/>
+      </a:schemeClr>
+    </cs:fontRef>
+    <cs:spPr>
+      <a:solidFill>
+        <a:schemeClr val="lt1"/>
+      </a:solidFill>
+    </cs:spPr>
+    <cs:defRPr sz="900" kern="1200"/>
+    <cs:bodyPr rot="0" spcFirstLastPara="1" vertOverflow="clip" horzOverflow="clip" vert="horz" wrap="square" lIns="36576" tIns="18288" rIns="36576" bIns="18288" anchor="ctr" anchorCtr="1">
+      <a:spAutoFit/>
+    </cs:bodyPr>
+  </cs:dataLabelCallout>
+  <cs:dataPoint>
+    <cs:lnRef idx="0"/>
+    <cs:fillRef idx="3">
+      <cs:styleClr val="auto"/>
+    </cs:fillRef>
+    <cs:effectRef idx="3"/>
+    <cs:fontRef idx="minor">
+      <a:schemeClr val="tx1"/>
+    </cs:fontRef>
+  </cs:dataPoint>
+  <cs:dataPoint3D>
+    <cs:lnRef idx="0"/>
+    <cs:fillRef idx="3">
+      <cs:styleClr val="auto"/>
+    </cs:fillRef>
+    <cs:effectRef idx="3"/>
+    <cs:fontRef idx="minor">
+      <a:schemeClr val="tx1"/>
+    </cs:fontRef>
+  </cs:dataPoint3D>
+  <cs:dataPointLine>
+    <cs:lnRef idx="0">
+      <cs:styleClr val="auto"/>
+    </cs:lnRef>
+    <cs:fillRef idx="3"/>
+    <cs:effectRef idx="3"/>
+    <cs:fontRef idx="minor">
+      <a:schemeClr val="tx1"/>
+    </cs:fontRef>
+    <cs:spPr>
+      <a:ln w="9525" cap="rnd">
+        <a:solidFill>
+          <a:schemeClr val="phClr"/>
+        </a:solidFill>
+        <a:round/>
+      </a:ln>
+    </cs:spPr>
+  </cs:dataPointLine>
+  <cs:dataPointMarker>
+    <cs:lnRef idx="0">
+      <cs:styleClr val="auto"/>
+    </cs:lnRef>
+    <cs:fillRef idx="3">
+      <cs:styleClr val="auto"/>
+    </cs:fillRef>
+    <cs:effectRef idx="3"/>
+    <cs:fontRef idx="minor">
+      <a:schemeClr val="tx1"/>
+    </cs:fontRef>
+    <cs:spPr>
+      <a:ln w="9525" cap="rnd">
+        <a:solidFill>
+          <a:schemeClr val="phClr"/>
+        </a:solidFill>
+        <a:round/>
+      </a:ln>
+    </cs:spPr>
+  </cs:dataPointMarker>
+  <cs:dataPointMarkerLayout symbol="circle" size="6"/>
+  <cs:dataPointWireframe>
+    <cs:lnRef idx="0">
+      <cs:styleClr val="auto"/>
+    </cs:lnRef>
+    <cs:fillRef idx="3"/>
+    <cs:effectRef idx="3"/>
+    <cs:fontRef idx="minor">
+      <a:schemeClr val="tx1"/>
+    </cs:fontRef>
+    <cs:spPr>
+      <a:ln w="9525" cap="rnd">
+        <a:solidFill>
+          <a:schemeClr val="phClr"/>
+        </a:solidFill>
+        <a:round/>
+      </a:ln>
+    </cs:spPr>
+  </cs:dataPointWireframe>
+  <cs:dataTable>
+    <cs:lnRef idx="0"/>
+    <cs:fillRef idx="0"/>
+    <cs:effectRef idx="0"/>
+    <cs:fontRef idx="minor">
+      <a:schemeClr val="lt1">
+        <a:lumMod val="75000"/>
+      </a:schemeClr>
+    </cs:fontRef>
+    <cs:spPr>
+      <a:ln w="9525">
+        <a:solidFill>
+          <a:schemeClr val="lt1">
+            <a:lumMod val="95000"/>
+            <a:alpha val="54000"/>
+          </a:schemeClr>
+        </a:solidFill>
+      </a:ln>
+    </cs:spPr>
+    <cs:defRPr sz="900" kern="1200"/>
+  </cs:dataTable>
+  <cs:downBar>
+    <cs:lnRef idx="0"/>
+    <cs:fillRef idx="0"/>
+    <cs:effectRef idx="0"/>
+    <cs:fontRef idx="minor">
+      <a:schemeClr val="tx1"/>
+    </cs:fontRef>
+    <cs:spPr>
+      <a:solidFill>
+        <a:schemeClr val="dk1">
+          <a:lumMod val="75000"/>
+          <a:lumOff val="25000"/>
+        </a:schemeClr>
+      </a:solidFill>
+      <a:ln w="9525">
+        <a:solidFill>
+          <a:schemeClr val="lt1">
+            <a:lumMod val="95000"/>
+            <a:alpha val="54000"/>
+          </a:schemeClr>
+        </a:solidFill>
+      </a:ln>
+    </cs:spPr>
+  </cs:downBar>
+  <cs:dropLine>
+    <cs:lnRef idx="0"/>
+    <cs:fillRef idx="0"/>
+    <cs:effectRef idx="0"/>
+    <cs:fontRef idx="minor">
+      <a:schemeClr val="tx1"/>
+    </cs:fontRef>
+    <cs:spPr>
+      <a:ln w="9525">
+        <a:solidFill>
+          <a:schemeClr val="lt1">
+            <a:lumMod val="95000"/>
+            <a:alpha val="54000"/>
+          </a:schemeClr>
+        </a:solidFill>
+        <a:prstDash val="dash"/>
+      </a:ln>
+    </cs:spPr>
+  </cs:dropLine>
+  <cs:errorBar>
+    <cs:lnRef idx="0"/>
+    <cs:fillRef idx="0"/>
+    <cs:effectRef idx="0"/>
+    <cs:fontRef idx="minor">
+      <a:schemeClr val="tx1"/>
+    </cs:fontRef>
+    <cs:spPr>
+      <a:ln w="9525" cap="flat" cmpd="sng" algn="ctr">
+        <a:solidFill>
+          <a:schemeClr val="lt1">
+            <a:lumMod val="95000"/>
+          </a:schemeClr>
+        </a:solidFill>
+        <a:round/>
+      </a:ln>
+    </cs:spPr>
+  </cs:errorBar>
+  <cs:floor>
+    <cs:lnRef idx="0"/>
+    <cs:fillRef idx="0"/>
+    <cs:effectRef idx="0"/>
+    <cs:fontRef idx="minor">
+      <a:schemeClr val="tx1"/>
+    </cs:fontRef>
+  </cs:floor>
+  <cs:gridlineMajor>
+    <cs:lnRef idx="0"/>
+    <cs:fillRef idx="0"/>
+    <cs:effectRef idx="0"/>
+    <cs:fontRef idx="minor">
+      <a:schemeClr val="tx1"/>
+    </cs:fontRef>
+    <cs:spPr>
+      <a:ln w="9525" cap="flat" cmpd="sng" algn="ctr">
+        <a:solidFill>
+          <a:schemeClr val="lt1">
+            <a:lumMod val="95000"/>
+            <a:alpha val="10000"/>
+          </a:schemeClr>
+        </a:solidFill>
+        <a:round/>
+      </a:ln>
+    </cs:spPr>
+  </cs:gridlineMajor>
+  <cs:gridlineMinor>
+    <cs:lnRef idx="0"/>
+    <cs:fillRef idx="0"/>
+    <cs:effectRef idx="0"/>
+    <cs:fontRef idx="minor">
+      <a:schemeClr val="tx1"/>
+    </cs:fontRef>
+    <cs:spPr>
+      <a:ln>
+        <a:solidFill>
+          <a:schemeClr val="lt1">
+            <a:lumMod val="95000"/>
+            <a:alpha val="5000"/>
+          </a:schemeClr>
+        </a:solidFill>
+      </a:ln>
+    </cs:spPr>
+  </cs:gridlineMinor>
+  <cs:hiLoLine>
+    <cs:lnRef idx="0"/>
+    <cs:fillRef idx="0"/>
+    <cs:effectRef idx="0"/>
+    <cs:fontRef idx="minor">
+      <a:schemeClr val="tx1"/>
+    </cs:fontRef>
+    <cs:spPr>
+      <a:ln w="9525">
+        <a:solidFill>
+          <a:schemeClr val="lt1">
+            <a:lumMod val="95000"/>
+            <a:alpha val="54000"/>
+          </a:schemeClr>
+        </a:solidFill>
+        <a:prstDash val="dash"/>
+      </a:ln>
+    </cs:spPr>
+  </cs:hiLoLine>
+  <cs:leaderLine>
+    <cs:lnRef idx="0"/>
+    <cs:fillRef idx="0"/>
+    <cs:effectRef idx="0"/>
+    <cs:fontRef idx="minor">
+      <a:schemeClr val="tx1"/>
+    </cs:fontRef>
+    <cs:spPr>
+      <a:ln w="9525">
+        <a:solidFill>
+          <a:schemeClr val="lt1">
+            <a:lumMod val="95000"/>
+            <a:alpha val="54000"/>
+          </a:schemeClr>
+        </a:solidFill>
+      </a:ln>
+    </cs:spPr>
+  </cs:leaderLine>
+  <cs:legend>
+    <cs:lnRef idx="0"/>
+    <cs:fillRef idx="0"/>
+    <cs:effectRef idx="0"/>
+    <cs:fontRef idx="minor">
+      <a:schemeClr val="lt1">
+        <a:lumMod val="75000"/>
+      </a:schemeClr>
+    </cs:fontRef>
+    <cs:defRPr sz="900" kern="1200"/>
+  </cs:legend>
+  <cs:plotArea>
+    <cs:lnRef idx="0"/>
+    <cs:fillRef idx="0"/>
+    <cs:effectRef idx="0"/>
+    <cs:fontRef idx="minor">
+      <a:schemeClr val="tx1"/>
+    </cs:fontRef>
+  </cs:plotArea>
+  <cs:plotArea3D>
+    <cs:lnRef idx="0"/>
+    <cs:fillRef idx="0"/>
+    <cs:effectRef idx="0"/>
+    <cs:fontRef idx="minor">
+      <a:schemeClr val="tx1"/>
+    </cs:fontRef>
+  </cs:plotArea3D>
+  <cs:seriesAxis>
+    <cs:lnRef idx="0"/>
+    <cs:fillRef idx="0"/>
+    <cs:effectRef idx="0"/>
+    <cs:fontRef idx="minor">
+      <a:schemeClr val="lt1">
+        <a:lumMod val="75000"/>
+      </a:schemeClr>
+    </cs:fontRef>
+    <cs:spPr>
+      <a:ln w="9525" cap="flat" cmpd="sng" algn="ctr">
+        <a:solidFill>
+          <a:schemeClr val="lt1">
+            <a:lumMod val="50000"/>
+          </a:schemeClr>
+        </a:solidFill>
+      </a:ln>
+    </cs:spPr>
+    <cs:defRPr sz="900" kern="1200"/>
+  </cs:seriesAxis>
+  <cs:seriesLine>
+    <cs:lnRef idx="0"/>
+    <cs:fillRef idx="0"/>
+    <cs:effectRef idx="0"/>
+    <cs:fontRef idx="minor">
+      <a:schemeClr val="lt1"/>
+    </cs:fontRef>
+    <cs:spPr>
+      <a:ln w="9525" cap="flat" cmpd="sng" algn="ctr">
+        <a:solidFill>
+          <a:schemeClr val="lt1">
+            <a:lumMod val="95000"/>
+            <a:alpha val="54000"/>
+          </a:schemeClr>
+        </a:solidFill>
+        <a:round/>
+      </a:ln>
+    </cs:spPr>
+  </cs:seriesLine>
+  <cs:title>
+    <cs:lnRef idx="0"/>
+    <cs:fillRef idx="0"/>
+    <cs:effectRef idx="0"/>
+    <cs:fontRef idx="minor">
+      <a:schemeClr val="lt1">
+        <a:lumMod val="95000"/>
+      </a:schemeClr>
+    </cs:fontRef>
+    <cs:defRPr sz="1600" b="1" kern="1200" spc="100" baseline="0">
+      <a:effectLst>
+        <a:outerShdw blurRad="50800" dist="38100" dir="5400000" algn="t" rotWithShape="0">
+          <a:prstClr val="black">
+            <a:alpha val="40000"/>
+          </a:prstClr>
+        </a:outerShdw>
+      </a:effectLst>
+    </cs:defRPr>
+  </cs:title>
+  <cs:trendline>
+    <cs:lnRef idx="0">
+      <cs:styleClr val="auto"/>
+    </cs:lnRef>
+    <cs:fillRef idx="0"/>
+    <cs:effectRef idx="0"/>
+    <cs:fontRef idx="minor">
+      <a:schemeClr val="tx1"/>
+    </cs:fontRef>
+    <cs:spPr>
+      <a:ln w="19050" cap="rnd">
+        <a:solidFill>
+          <a:schemeClr val="phClr"/>
+        </a:solidFill>
+        <a:prstDash val="sysDash"/>
+      </a:ln>
+    </cs:spPr>
+  </cs:trendline>
+  <cs:trendlineLabel>
+    <cs:lnRef idx="0"/>
+    <cs:fillRef idx="0"/>
+    <cs:effectRef idx="0"/>
+    <cs:fontRef idx="minor">
+      <a:schemeClr val="lt1">
+        <a:lumMod val="75000"/>
+      </a:schemeClr>
+    </cs:fontRef>
+    <cs:defRPr sz="900" kern="1200"/>
+  </cs:trendlineLabel>
+  <cs:upBar>
+    <cs:lnRef idx="0"/>
+    <cs:fillRef idx="0"/>
+    <cs:effectRef idx="0"/>
+    <cs:fontRef idx="minor">
+      <a:schemeClr val="tx1"/>
+    </cs:fontRef>
+    <cs:spPr>
+      <a:solidFill>
+        <a:schemeClr val="lt1"/>
+      </a:solidFill>
+      <a:ln w="9525">
+        <a:solidFill>
+          <a:schemeClr val="lt1">
+            <a:lumMod val="95000"/>
+            <a:alpha val="54000"/>
+          </a:schemeClr>
+        </a:solidFill>
+      </a:ln>
+    </cs:spPr>
+  </cs:upBar>
+  <cs:valueAxis>
+    <cs:lnRef idx="0"/>
+    <cs:fillRef idx="0"/>
+    <cs:effectRef idx="0"/>
+    <cs:fontRef idx="minor">
+      <a:schemeClr val="lt1">
+        <a:lumMod val="75000"/>
+      </a:schemeClr>
+    </cs:fontRef>
+    <cs:spPr>
+      <a:ln w="9525" cap="flat" cmpd="sng" algn="ctr">
+        <a:solidFill>
+          <a:schemeClr val="lt1">
+            <a:lumMod val="50000"/>
+          </a:schemeClr>
+        </a:solidFill>
+      </a:ln>
+    </cs:spPr>
+    <cs:defRPr sz="900" kern="1200"/>
+  </cs:valueAxis>
+  <cs:wall>
+    <cs:lnRef idx="0"/>
+    <cs:fillRef idx="0"/>
+    <cs:effectRef idx="0"/>
+    <cs:fontRef idx="minor">
+      <a:schemeClr val="tx1"/>
+    </cs:fontRef>
+  </cs:wall>
+</cs:chartStyle>
+</file>
+
 <file path=ppt/slideLayouts/slideLayout1.xml><?xml version="1.0" encoding="utf-8"?>
 <p:sldLayout xmlns:a="http://schemas.openxmlformats.org/drawingml/2006/main" xmlns:r="http://schemas.openxmlformats.org/officeDocument/2006/relationships" xmlns:p="http://schemas.openxmlformats.org/presentationml/2006/main" type="title" preserve="1">
   <p:cSld name="Címdia">
@@ -252,7 +8705,7 @@
           <a:p>
             <a:fld id="{A2CBA9FF-E58C-4A4B-B797-E213643C68CF}" type="datetimeFigureOut">
               <a:rPr lang="hu-HU" smtClean="0"/>
-              <a:t>2018. 11. 19.</a:t>
+              <a:t>2018. 12. 09.</a:t>
             </a:fld>
             <a:endParaRPr lang="hu-HU"/>
           </a:p>
@@ -422,7 +8875,7 @@
           <a:p>
             <a:fld id="{A2CBA9FF-E58C-4A4B-B797-E213643C68CF}" type="datetimeFigureOut">
               <a:rPr lang="hu-HU" smtClean="0"/>
-              <a:t>2018. 11. 19.</a:t>
+              <a:t>2018. 12. 09.</a:t>
             </a:fld>
             <a:endParaRPr lang="hu-HU"/>
           </a:p>
@@ -602,7 +9055,7 @@
           <a:p>
             <a:fld id="{A2CBA9FF-E58C-4A4B-B797-E213643C68CF}" type="datetimeFigureOut">
               <a:rPr lang="hu-HU" smtClean="0"/>
-              <a:t>2018. 11. 19.</a:t>
+              <a:t>2018. 12. 09.</a:t>
             </a:fld>
             <a:endParaRPr lang="hu-HU"/>
           </a:p>
@@ -772,7 +9225,7 @@
           <a:p>
             <a:fld id="{A2CBA9FF-E58C-4A4B-B797-E213643C68CF}" type="datetimeFigureOut">
               <a:rPr lang="hu-HU" smtClean="0"/>
-              <a:t>2018. 11. 19.</a:t>
+              <a:t>2018. 12. 09.</a:t>
             </a:fld>
             <a:endParaRPr lang="hu-HU"/>
           </a:p>
@@ -1018,7 +9471,7 @@
           <a:p>
             <a:fld id="{A2CBA9FF-E58C-4A4B-B797-E213643C68CF}" type="datetimeFigureOut">
               <a:rPr lang="hu-HU" smtClean="0"/>
-              <a:t>2018. 11. 19.</a:t>
+              <a:t>2018. 12. 09.</a:t>
             </a:fld>
             <a:endParaRPr lang="hu-HU"/>
           </a:p>
@@ -1250,7 +9703,7 @@
           <a:p>
             <a:fld id="{A2CBA9FF-E58C-4A4B-B797-E213643C68CF}" type="datetimeFigureOut">
               <a:rPr lang="hu-HU" smtClean="0"/>
-              <a:t>2018. 11. 19.</a:t>
+              <a:t>2018. 12. 09.</a:t>
             </a:fld>
             <a:endParaRPr lang="hu-HU"/>
           </a:p>
@@ -1617,7 +10070,7 @@
           <a:p>
             <a:fld id="{A2CBA9FF-E58C-4A4B-B797-E213643C68CF}" type="datetimeFigureOut">
               <a:rPr lang="hu-HU" smtClean="0"/>
-              <a:t>2018. 11. 19.</a:t>
+              <a:t>2018. 12. 09.</a:t>
             </a:fld>
             <a:endParaRPr lang="hu-HU"/>
           </a:p>
@@ -1735,7 +10188,7 @@
           <a:p>
             <a:fld id="{A2CBA9FF-E58C-4A4B-B797-E213643C68CF}" type="datetimeFigureOut">
               <a:rPr lang="hu-HU" smtClean="0"/>
-              <a:t>2018. 11. 19.</a:t>
+              <a:t>2018. 12. 09.</a:t>
             </a:fld>
             <a:endParaRPr lang="hu-HU"/>
           </a:p>
@@ -1830,7 +10283,7 @@
           <a:p>
             <a:fld id="{A2CBA9FF-E58C-4A4B-B797-E213643C68CF}" type="datetimeFigureOut">
               <a:rPr lang="hu-HU" smtClean="0"/>
-              <a:t>2018. 11. 19.</a:t>
+              <a:t>2018. 12. 09.</a:t>
             </a:fld>
             <a:endParaRPr lang="hu-HU"/>
           </a:p>
@@ -2107,7 +10560,7 @@
           <a:p>
             <a:fld id="{A2CBA9FF-E58C-4A4B-B797-E213643C68CF}" type="datetimeFigureOut">
               <a:rPr lang="hu-HU" smtClean="0"/>
-              <a:t>2018. 11. 19.</a:t>
+              <a:t>2018. 12. 09.</a:t>
             </a:fld>
             <a:endParaRPr lang="hu-HU"/>
           </a:p>
@@ -2360,7 +10813,7 @@
           <a:p>
             <a:fld id="{A2CBA9FF-E58C-4A4B-B797-E213643C68CF}" type="datetimeFigureOut">
               <a:rPr lang="hu-HU" smtClean="0"/>
-              <a:t>2018. 11. 19.</a:t>
+              <a:t>2018. 12. 09.</a:t>
             </a:fld>
             <a:endParaRPr lang="hu-HU"/>
           </a:p>
@@ -2573,7 +11026,7 @@
           <a:p>
             <a:fld id="{A2CBA9FF-E58C-4A4B-B797-E213643C68CF}" type="datetimeFigureOut">
               <a:rPr lang="hu-HU" smtClean="0"/>
-              <a:t>2018. 11. 19.</a:t>
+              <a:t>2018. 12. 09.</a:t>
             </a:fld>
             <a:endParaRPr lang="hu-HU"/>
           </a:p>
@@ -3078,6 +11531,92 @@
       </p:grpSpPr>
       <p:sp>
         <p:nvSpPr>
+          <p:cNvPr id="2" name="Cím 1"/>
+          <p:cNvSpPr>
+            <a:spLocks noGrp="1"/>
+          </p:cNvSpPr>
+          <p:nvPr>
+            <p:ph type="title"/>
+          </p:nvPr>
+        </p:nvSpPr>
+        <p:spPr/>
+        <p:txBody>
+          <a:bodyPr/>
+          <a:lstStyle/>
+          <a:p>
+            <a:r>
+              <a:rPr lang="hu-HU" dirty="0" smtClean="0"/>
+              <a:t>További tervek</a:t>
+            </a:r>
+            <a:endParaRPr lang="hu-HU" dirty="0"/>
+          </a:p>
+        </p:txBody>
+      </p:sp>
+      <p:sp>
+        <p:nvSpPr>
+          <p:cNvPr id="3" name="Tartalom helye 2"/>
+          <p:cNvSpPr>
+            <a:spLocks noGrp="1"/>
+          </p:cNvSpPr>
+          <p:nvPr>
+            <p:ph idx="1"/>
+          </p:nvPr>
+        </p:nvSpPr>
+        <p:spPr/>
+        <p:txBody>
+          <a:bodyPr/>
+          <a:lstStyle/>
+          <a:p>
+            <a:r>
+              <a:rPr lang="hu-HU" dirty="0" smtClean="0"/>
+              <a:t>Párhuzamosítás</a:t>
+            </a:r>
+          </a:p>
+          <a:p>
+            <a:r>
+              <a:rPr lang="hu-HU" dirty="0" smtClean="0"/>
+              <a:t>Neurális </a:t>
+            </a:r>
+            <a:r>
+              <a:rPr lang="hu-HU" dirty="0" smtClean="0"/>
+              <a:t>háló az apertúra problémára</a:t>
+            </a:r>
+            <a:endParaRPr lang="hu-HU" dirty="0"/>
+          </a:p>
+        </p:txBody>
+      </p:sp>
+    </p:spTree>
+    <p:extLst>
+      <p:ext uri="{BB962C8B-B14F-4D97-AF65-F5344CB8AC3E}">
+        <p14:creationId xmlns:p14="http://schemas.microsoft.com/office/powerpoint/2010/main" val="4020667477"/>
+      </p:ext>
+    </p:extLst>
+  </p:cSld>
+  <p:clrMapOvr>
+    <a:masterClrMapping/>
+  </p:clrMapOvr>
+</p:sld>
+</file>
+
+<file path=ppt/slides/slide11.xml><?xml version="1.0" encoding="utf-8"?>
+<p:sld xmlns:a="http://schemas.openxmlformats.org/drawingml/2006/main" xmlns:r="http://schemas.openxmlformats.org/officeDocument/2006/relationships" xmlns:p="http://schemas.openxmlformats.org/presentationml/2006/main">
+  <p:cSld>
+    <p:spTree>
+      <p:nvGrpSpPr>
+        <p:cNvPr id="1" name=""/>
+        <p:cNvGrpSpPr/>
+        <p:nvPr/>
+      </p:nvGrpSpPr>
+      <p:grpSpPr>
+        <a:xfrm>
+          <a:off x="0" y="0"/>
+          <a:ext cx="0" cy="0"/>
+          <a:chOff x="0" y="0"/>
+          <a:chExt cx="0" cy="0"/>
+        </a:xfrm>
+      </p:grpSpPr>
+      <p:sp>
+        <p:nvSpPr>
           <p:cNvPr id="4" name="Cím 3"/>
           <p:cNvSpPr>
             <a:spLocks noGrp="1"/>
@@ -3803,7 +12342,6 @@
               <a:rPr lang="hu-HU" dirty="0"/>
               <a:t> of Gaussians</a:t>
             </a:r>
-            <a:endParaRPr lang="hu-HU" dirty="0"/>
           </a:p>
         </p:txBody>
       </p:sp>
@@ -3828,11 +12366,7 @@
             </a:r>
             <a:r>
               <a:rPr lang="hu-HU" dirty="0" smtClean="0"/>
-              <a:t> </a:t>
-            </a:r>
-            <a:r>
-              <a:rPr lang="hu-HU" dirty="0" smtClean="0"/>
-              <a:t>adattárolás</a:t>
+              <a:t> adattárolás</a:t>
             </a:r>
           </a:p>
           <a:p>
@@ -3924,7 +12458,6 @@
               <a:rPr lang="hu-HU" dirty="0"/>
               <a:t> of Gaussians</a:t>
             </a:r>
-            <a:endParaRPr lang="hu-HU" dirty="0"/>
           </a:p>
         </p:txBody>
       </p:sp>
@@ -4039,68 +12572,35 @@
           <a:chExt cx="0" cy="0"/>
         </a:xfrm>
       </p:grpSpPr>
-      <p:sp>
-        <p:nvSpPr>
-          <p:cNvPr id="2" name="Cím 1"/>
-          <p:cNvSpPr>
-            <a:spLocks noGrp="1"/>
-          </p:cNvSpPr>
-          <p:nvPr>
-            <p:ph type="title"/>
-          </p:nvPr>
-        </p:nvSpPr>
-        <p:spPr/>
-        <p:txBody>
-          <a:bodyPr/>
-          <a:lstStyle/>
-          <a:p>
-            <a:r>
-              <a:rPr lang="hu-HU" dirty="0" smtClean="0"/>
-              <a:t>Elért eredmények</a:t>
-            </a:r>
-            <a:endParaRPr lang="hu-HU" dirty="0"/>
-          </a:p>
-        </p:txBody>
-      </p:sp>
-      <p:sp>
-        <p:nvSpPr>
-          <p:cNvPr id="3" name="Tartalom helye 2"/>
-          <p:cNvSpPr>
-            <a:spLocks noGrp="1"/>
-          </p:cNvSpPr>
+      <p:graphicFrame>
+        <p:nvGraphicFramePr>
+          <p:cNvPr id="4" name="Tartalom helye 3"/>
+          <p:cNvGraphicFramePr>
+            <a:graphicFrameLocks noGrp="1"/>
+          </p:cNvGraphicFramePr>
           <p:nvPr>
             <p:ph idx="1"/>
+            <p:extLst>
+              <p:ext uri="{D42A27DB-BD31-4B8C-83A1-F6EECF244321}">
+                <p14:modId xmlns:p14="http://schemas.microsoft.com/office/powerpoint/2010/main" val="2099089702"/>
+              </p:ext>
+            </p:extLst>
           </p:nvPr>
-        </p:nvSpPr>
-        <p:spPr/>
-        <p:txBody>
-          <a:bodyPr/>
-          <a:lstStyle/>
-          <a:p>
-            <a:r>
-              <a:rPr lang="hu-HU" dirty="0" smtClean="0"/>
-              <a:t>Teszt </a:t>
-            </a:r>
-            <a:r>
-              <a:rPr lang="hu-HU" dirty="0" smtClean="0"/>
-              <a:t>képek összehasonlítva </a:t>
-            </a:r>
-            <a:r>
-              <a:rPr lang="hu-HU" dirty="0" err="1" smtClean="0"/>
-              <a:t>openCV</a:t>
-            </a:r>
-            <a:r>
-              <a:rPr lang="hu-HU" dirty="0" smtClean="0"/>
-              <a:t> MOG algoritmussal</a:t>
-            </a:r>
-            <a:endParaRPr lang="hu-HU" dirty="0"/>
-          </a:p>
-        </p:txBody>
-      </p:sp>
+        </p:nvGraphicFramePr>
+        <p:xfrm>
+          <a:off x="591671" y="295834"/>
+          <a:ext cx="11089341" cy="6149789"/>
+        </p:xfrm>
+        <a:graphic>
+          <a:graphicData uri="http://schemas.openxmlformats.org/drawingml/2006/chart">
+            <c:chart xmlns:c="http://schemas.openxmlformats.org/drawingml/2006/chart" xmlns:r="http://schemas.openxmlformats.org/officeDocument/2006/relationships" r:id="rId2"/>
+          </a:graphicData>
+        </a:graphic>
+      </p:graphicFrame>
     </p:spTree>
     <p:extLst>
       <p:ext uri="{BB962C8B-B14F-4D97-AF65-F5344CB8AC3E}">
-        <p14:creationId xmlns:p14="http://schemas.microsoft.com/office/powerpoint/2010/main" val="4078088953"/>
+        <p14:creationId xmlns:p14="http://schemas.microsoft.com/office/powerpoint/2010/main" val="3056832702"/>
       </p:ext>
     </p:extLst>
   </p:cSld>
@@ -4144,7 +12644,7 @@
           <a:p>
             <a:r>
               <a:rPr lang="hu-HU" dirty="0" smtClean="0"/>
-              <a:t>További tervek</a:t>
+              <a:t>Elért eredmények</a:t>
             </a:r>
             <a:endParaRPr lang="hu-HU" dirty="0"/>
           </a:p>
@@ -4167,7 +12667,15 @@
           <a:p>
             <a:r>
               <a:rPr lang="hu-HU" dirty="0" smtClean="0"/>
-              <a:t>Neurális háló az apertúra problémára</a:t>
+              <a:t>Teszt képek összehasonlítva </a:t>
+            </a:r>
+            <a:r>
+              <a:rPr lang="hu-HU" dirty="0" err="1" smtClean="0"/>
+              <a:t>openCV</a:t>
+            </a:r>
+            <a:r>
+              <a:rPr lang="hu-HU" dirty="0" smtClean="0"/>
+              <a:t> MOG algoritmussal</a:t>
             </a:r>
             <a:endParaRPr lang="hu-HU" dirty="0"/>
           </a:p>
@@ -4176,7 +12684,7 @@
     </p:spTree>
     <p:extLst>
       <p:ext uri="{BB962C8B-B14F-4D97-AF65-F5344CB8AC3E}">
-        <p14:creationId xmlns:p14="http://schemas.microsoft.com/office/powerpoint/2010/main" val="4020667477"/>
+        <p14:creationId xmlns:p14="http://schemas.microsoft.com/office/powerpoint/2010/main" val="4078088953"/>
       </p:ext>
     </p:extLst>
   </p:cSld>

--- a/01_doc/presentation.pptx
+++ b/01_doc/presentation.pptx
@@ -12,10 +12,11 @@
     <p:sldId id="267" r:id="rId6"/>
     <p:sldId id="258" r:id="rId7"/>
     <p:sldId id="259" r:id="rId8"/>
-    <p:sldId id="270" r:id="rId9"/>
-    <p:sldId id="260" r:id="rId10"/>
-    <p:sldId id="261" r:id="rId11"/>
-    <p:sldId id="265" r:id="rId12"/>
+    <p:sldId id="260" r:id="rId9"/>
+    <p:sldId id="270" r:id="rId10"/>
+    <p:sldId id="271" r:id="rId11"/>
+    <p:sldId id="261" r:id="rId12"/>
+    <p:sldId id="265" r:id="rId13"/>
   </p:sldIdLst>
   <p:sldSz cx="12192000" cy="6858000"/>
   <p:notesSz cx="6858000" cy="9144000"/>
@@ -8032,6 +8033,2143 @@
 </c:chartSpace>
 </file>
 
+<file path=ppt/charts/chart2.xml><?xml version="1.0" encoding="utf-8"?>
+<c:chartSpace xmlns:c="http://schemas.openxmlformats.org/drawingml/2006/chart" xmlns:a="http://schemas.openxmlformats.org/drawingml/2006/main" xmlns:r="http://schemas.openxmlformats.org/officeDocument/2006/relationships" xmlns:c16r2="http://schemas.microsoft.com/office/drawing/2015/06/chart">
+  <c:date1904 val="0"/>
+  <c:lang val="hu-HU"/>
+  <c:roundedCorners val="0"/>
+  <mc:AlternateContent xmlns:mc="http://schemas.openxmlformats.org/markup-compatibility/2006">
+    <mc:Choice xmlns:c14="http://schemas.microsoft.com/office/drawing/2007/8/2/chart" Requires="c14">
+      <c14:style val="102"/>
+    </mc:Choice>
+    <mc:Fallback>
+      <c:style val="2"/>
+    </mc:Fallback>
+  </mc:AlternateContent>
+  <c:chart>
+    <c:title>
+      <c:layout/>
+      <c:overlay val="0"/>
+      <c:spPr>
+        <a:noFill/>
+        <a:ln>
+          <a:noFill/>
+        </a:ln>
+        <a:effectLst/>
+      </c:spPr>
+      <c:txPr>
+        <a:bodyPr rot="0" spcFirstLastPara="1" vertOverflow="ellipsis" vert="horz" wrap="square" anchor="ctr" anchorCtr="1"/>
+        <a:lstStyle/>
+        <a:p>
+          <a:pPr>
+            <a:defRPr sz="1600" b="1" i="0" u="none" strike="noStrike" kern="1200" spc="100" baseline="0">
+              <a:solidFill>
+                <a:schemeClr val="lt1">
+                  <a:lumMod val="95000"/>
+                </a:schemeClr>
+              </a:solidFill>
+              <a:effectLst>
+                <a:outerShdw blurRad="50800" dist="38100" dir="5400000" algn="t" rotWithShape="0">
+                  <a:prstClr val="black">
+                    <a:alpha val="40000"/>
+                  </a:prstClr>
+                </a:outerShdw>
+              </a:effectLst>
+              <a:latin typeface="+mn-lt"/>
+              <a:ea typeface="+mn-ea"/>
+              <a:cs typeface="+mn-cs"/>
+            </a:defRPr>
+          </a:pPr>
+          <a:endParaRPr lang="hu-HU"/>
+        </a:p>
+      </c:txPr>
+    </c:title>
+    <c:autoTitleDeleted val="0"/>
+    <c:plotArea>
+      <c:layout/>
+      <c:scatterChart>
+        <c:scatterStyle val="lineMarker"/>
+        <c:varyColors val="0"/>
+        <c:ser>
+          <c:idx val="0"/>
+          <c:order val="0"/>
+          <c:tx>
+            <c:strRef>
+              <c:f>comparating!$E$1</c:f>
+              <c:strCache>
+                <c:ptCount val="1"/>
+                <c:pt idx="0">
+                  <c:v>Ratio</c:v>
+                </c:pt>
+              </c:strCache>
+            </c:strRef>
+          </c:tx>
+          <c:spPr>
+            <a:ln w="25400" cap="rnd">
+              <a:noFill/>
+              <a:round/>
+            </a:ln>
+            <a:effectLst>
+              <a:outerShdw blurRad="57150" dist="19050" dir="5400000" algn="ctr" rotWithShape="0">
+                <a:srgbClr val="000000">
+                  <a:alpha val="63000"/>
+                </a:srgbClr>
+              </a:outerShdw>
+            </a:effectLst>
+          </c:spPr>
+          <c:marker>
+            <c:symbol val="circle"/>
+            <c:size val="6"/>
+            <c:spPr>
+              <a:gradFill rotWithShape="1">
+                <a:gsLst>
+                  <a:gs pos="0">
+                    <a:schemeClr val="accent1">
+                      <a:satMod val="103000"/>
+                      <a:lumMod val="102000"/>
+                      <a:tint val="94000"/>
+                    </a:schemeClr>
+                  </a:gs>
+                  <a:gs pos="50000">
+                    <a:schemeClr val="accent1">
+                      <a:satMod val="110000"/>
+                      <a:lumMod val="100000"/>
+                      <a:shade val="100000"/>
+                    </a:schemeClr>
+                  </a:gs>
+                  <a:gs pos="100000">
+                    <a:schemeClr val="accent1">
+                      <a:lumMod val="99000"/>
+                      <a:satMod val="120000"/>
+                      <a:shade val="78000"/>
+                    </a:schemeClr>
+                  </a:gs>
+                </a:gsLst>
+                <a:lin ang="5400000" scaled="0"/>
+              </a:gradFill>
+              <a:ln w="9525" cap="rnd">
+                <a:solidFill>
+                  <a:schemeClr val="accent1"/>
+                </a:solidFill>
+                <a:round/>
+              </a:ln>
+              <a:effectLst>
+                <a:outerShdw blurRad="57150" dist="19050" dir="5400000" algn="ctr" rotWithShape="0">
+                  <a:srgbClr val="000000">
+                    <a:alpha val="63000"/>
+                  </a:srgbClr>
+                </a:outerShdw>
+              </a:effectLst>
+            </c:spPr>
+          </c:marker>
+          <c:xVal>
+            <c:numRef>
+              <c:f>comparating!$A$2:$A$301</c:f>
+              <c:numCache>
+                <c:formatCode>General</c:formatCode>
+                <c:ptCount val="300"/>
+                <c:pt idx="0">
+                  <c:v>69120</c:v>
+                </c:pt>
+                <c:pt idx="1">
+                  <c:v>138240</c:v>
+                </c:pt>
+                <c:pt idx="2">
+                  <c:v>207360</c:v>
+                </c:pt>
+                <c:pt idx="3">
+                  <c:v>276480</c:v>
+                </c:pt>
+                <c:pt idx="4">
+                  <c:v>345600</c:v>
+                </c:pt>
+                <c:pt idx="5">
+                  <c:v>414720</c:v>
+                </c:pt>
+                <c:pt idx="6">
+                  <c:v>483840</c:v>
+                </c:pt>
+                <c:pt idx="7">
+                  <c:v>552960</c:v>
+                </c:pt>
+                <c:pt idx="8">
+                  <c:v>622080</c:v>
+                </c:pt>
+                <c:pt idx="9">
+                  <c:v>691200</c:v>
+                </c:pt>
+                <c:pt idx="10">
+                  <c:v>760320</c:v>
+                </c:pt>
+                <c:pt idx="11">
+                  <c:v>829440</c:v>
+                </c:pt>
+                <c:pt idx="12">
+                  <c:v>898560</c:v>
+                </c:pt>
+                <c:pt idx="13">
+                  <c:v>967680</c:v>
+                </c:pt>
+                <c:pt idx="14">
+                  <c:v>1036800</c:v>
+                </c:pt>
+                <c:pt idx="15">
+                  <c:v>1105920</c:v>
+                </c:pt>
+                <c:pt idx="16">
+                  <c:v>1175040</c:v>
+                </c:pt>
+                <c:pt idx="17">
+                  <c:v>1244160</c:v>
+                </c:pt>
+                <c:pt idx="18">
+                  <c:v>1313280</c:v>
+                </c:pt>
+                <c:pt idx="19">
+                  <c:v>1382400</c:v>
+                </c:pt>
+                <c:pt idx="20">
+                  <c:v>1451520</c:v>
+                </c:pt>
+                <c:pt idx="21">
+                  <c:v>1520640</c:v>
+                </c:pt>
+                <c:pt idx="22">
+                  <c:v>1589760</c:v>
+                </c:pt>
+                <c:pt idx="23">
+                  <c:v>1658880</c:v>
+                </c:pt>
+                <c:pt idx="24">
+                  <c:v>1728000</c:v>
+                </c:pt>
+                <c:pt idx="25">
+                  <c:v>1797120</c:v>
+                </c:pt>
+                <c:pt idx="26">
+                  <c:v>1866240</c:v>
+                </c:pt>
+                <c:pt idx="27">
+                  <c:v>1935360</c:v>
+                </c:pt>
+                <c:pt idx="28">
+                  <c:v>2004480</c:v>
+                </c:pt>
+                <c:pt idx="29">
+                  <c:v>2073600</c:v>
+                </c:pt>
+                <c:pt idx="30">
+                  <c:v>2142720</c:v>
+                </c:pt>
+                <c:pt idx="31">
+                  <c:v>2211840</c:v>
+                </c:pt>
+                <c:pt idx="32">
+                  <c:v>2280960</c:v>
+                </c:pt>
+                <c:pt idx="33">
+                  <c:v>2350080</c:v>
+                </c:pt>
+                <c:pt idx="34">
+                  <c:v>2419200</c:v>
+                </c:pt>
+                <c:pt idx="35">
+                  <c:v>2488320</c:v>
+                </c:pt>
+                <c:pt idx="36">
+                  <c:v>2557440</c:v>
+                </c:pt>
+                <c:pt idx="37">
+                  <c:v>2626560</c:v>
+                </c:pt>
+                <c:pt idx="38">
+                  <c:v>2695680</c:v>
+                </c:pt>
+                <c:pt idx="39">
+                  <c:v>2764800</c:v>
+                </c:pt>
+                <c:pt idx="40">
+                  <c:v>2833920</c:v>
+                </c:pt>
+                <c:pt idx="41">
+                  <c:v>2903040</c:v>
+                </c:pt>
+                <c:pt idx="42">
+                  <c:v>2972160</c:v>
+                </c:pt>
+                <c:pt idx="43">
+                  <c:v>3041280</c:v>
+                </c:pt>
+                <c:pt idx="44">
+                  <c:v>3110400</c:v>
+                </c:pt>
+                <c:pt idx="45">
+                  <c:v>3179520</c:v>
+                </c:pt>
+                <c:pt idx="46">
+                  <c:v>3248640</c:v>
+                </c:pt>
+                <c:pt idx="47">
+                  <c:v>3317760</c:v>
+                </c:pt>
+                <c:pt idx="48">
+                  <c:v>3386880</c:v>
+                </c:pt>
+                <c:pt idx="49">
+                  <c:v>3456000</c:v>
+                </c:pt>
+                <c:pt idx="50">
+                  <c:v>3525120</c:v>
+                </c:pt>
+                <c:pt idx="51">
+                  <c:v>3594240</c:v>
+                </c:pt>
+                <c:pt idx="52">
+                  <c:v>3663360</c:v>
+                </c:pt>
+                <c:pt idx="53">
+                  <c:v>3732480</c:v>
+                </c:pt>
+                <c:pt idx="54">
+                  <c:v>3801600</c:v>
+                </c:pt>
+                <c:pt idx="55">
+                  <c:v>3870720</c:v>
+                </c:pt>
+                <c:pt idx="56">
+                  <c:v>3939840</c:v>
+                </c:pt>
+                <c:pt idx="57">
+                  <c:v>4008960</c:v>
+                </c:pt>
+                <c:pt idx="58">
+                  <c:v>4078080</c:v>
+                </c:pt>
+                <c:pt idx="59">
+                  <c:v>0</c:v>
+                </c:pt>
+                <c:pt idx="60">
+                  <c:v>69120</c:v>
+                </c:pt>
+                <c:pt idx="61">
+                  <c:v>138240</c:v>
+                </c:pt>
+                <c:pt idx="62">
+                  <c:v>207360</c:v>
+                </c:pt>
+                <c:pt idx="63">
+                  <c:v>276480</c:v>
+                </c:pt>
+                <c:pt idx="64">
+                  <c:v>345600</c:v>
+                </c:pt>
+                <c:pt idx="65">
+                  <c:v>414720</c:v>
+                </c:pt>
+                <c:pt idx="66">
+                  <c:v>483840</c:v>
+                </c:pt>
+                <c:pt idx="67">
+                  <c:v>552960</c:v>
+                </c:pt>
+                <c:pt idx="68">
+                  <c:v>622080</c:v>
+                </c:pt>
+                <c:pt idx="69">
+                  <c:v>691200</c:v>
+                </c:pt>
+                <c:pt idx="70">
+                  <c:v>760320</c:v>
+                </c:pt>
+                <c:pt idx="71">
+                  <c:v>829440</c:v>
+                </c:pt>
+                <c:pt idx="72">
+                  <c:v>898560</c:v>
+                </c:pt>
+                <c:pt idx="73">
+                  <c:v>967680</c:v>
+                </c:pt>
+                <c:pt idx="74">
+                  <c:v>1036800</c:v>
+                </c:pt>
+                <c:pt idx="75">
+                  <c:v>1105920</c:v>
+                </c:pt>
+                <c:pt idx="76">
+                  <c:v>1175040</c:v>
+                </c:pt>
+                <c:pt idx="77">
+                  <c:v>1244160</c:v>
+                </c:pt>
+                <c:pt idx="78">
+                  <c:v>1313280</c:v>
+                </c:pt>
+                <c:pt idx="79">
+                  <c:v>1382400</c:v>
+                </c:pt>
+                <c:pt idx="80">
+                  <c:v>1451520</c:v>
+                </c:pt>
+                <c:pt idx="81">
+                  <c:v>1520640</c:v>
+                </c:pt>
+                <c:pt idx="82">
+                  <c:v>1589760</c:v>
+                </c:pt>
+                <c:pt idx="83">
+                  <c:v>1658880</c:v>
+                </c:pt>
+                <c:pt idx="84">
+                  <c:v>1728000</c:v>
+                </c:pt>
+                <c:pt idx="85">
+                  <c:v>1797120</c:v>
+                </c:pt>
+                <c:pt idx="86">
+                  <c:v>1866240</c:v>
+                </c:pt>
+                <c:pt idx="87">
+                  <c:v>1935360</c:v>
+                </c:pt>
+                <c:pt idx="88">
+                  <c:v>2004480</c:v>
+                </c:pt>
+                <c:pt idx="89">
+                  <c:v>2073600</c:v>
+                </c:pt>
+                <c:pt idx="90">
+                  <c:v>2142720</c:v>
+                </c:pt>
+                <c:pt idx="91">
+                  <c:v>2211840</c:v>
+                </c:pt>
+                <c:pt idx="92">
+                  <c:v>2280960</c:v>
+                </c:pt>
+                <c:pt idx="93">
+                  <c:v>2350080</c:v>
+                </c:pt>
+                <c:pt idx="94">
+                  <c:v>2419200</c:v>
+                </c:pt>
+                <c:pt idx="95">
+                  <c:v>2488320</c:v>
+                </c:pt>
+                <c:pt idx="96">
+                  <c:v>2557440</c:v>
+                </c:pt>
+                <c:pt idx="97">
+                  <c:v>2626560</c:v>
+                </c:pt>
+                <c:pt idx="98">
+                  <c:v>2695680</c:v>
+                </c:pt>
+                <c:pt idx="99">
+                  <c:v>2764800</c:v>
+                </c:pt>
+                <c:pt idx="100">
+                  <c:v>2833920</c:v>
+                </c:pt>
+                <c:pt idx="101">
+                  <c:v>2903040</c:v>
+                </c:pt>
+                <c:pt idx="102">
+                  <c:v>2972160</c:v>
+                </c:pt>
+                <c:pt idx="103">
+                  <c:v>3041280</c:v>
+                </c:pt>
+                <c:pt idx="104">
+                  <c:v>3110400</c:v>
+                </c:pt>
+                <c:pt idx="105">
+                  <c:v>3179520</c:v>
+                </c:pt>
+                <c:pt idx="106">
+                  <c:v>3248640</c:v>
+                </c:pt>
+                <c:pt idx="107">
+                  <c:v>3317760</c:v>
+                </c:pt>
+                <c:pt idx="108">
+                  <c:v>3386880</c:v>
+                </c:pt>
+                <c:pt idx="109">
+                  <c:v>3456000</c:v>
+                </c:pt>
+                <c:pt idx="110">
+                  <c:v>3525120</c:v>
+                </c:pt>
+                <c:pt idx="111">
+                  <c:v>3594240</c:v>
+                </c:pt>
+                <c:pt idx="112">
+                  <c:v>3663360</c:v>
+                </c:pt>
+                <c:pt idx="113">
+                  <c:v>3732480</c:v>
+                </c:pt>
+                <c:pt idx="114">
+                  <c:v>3801600</c:v>
+                </c:pt>
+                <c:pt idx="115">
+                  <c:v>3870720</c:v>
+                </c:pt>
+                <c:pt idx="116">
+                  <c:v>3939840</c:v>
+                </c:pt>
+                <c:pt idx="117">
+                  <c:v>4008960</c:v>
+                </c:pt>
+                <c:pt idx="118">
+                  <c:v>4078080</c:v>
+                </c:pt>
+                <c:pt idx="119">
+                  <c:v>0</c:v>
+                </c:pt>
+                <c:pt idx="120">
+                  <c:v>69120</c:v>
+                </c:pt>
+                <c:pt idx="121">
+                  <c:v>138240</c:v>
+                </c:pt>
+                <c:pt idx="122">
+                  <c:v>207360</c:v>
+                </c:pt>
+                <c:pt idx="123">
+                  <c:v>276480</c:v>
+                </c:pt>
+                <c:pt idx="124">
+                  <c:v>345600</c:v>
+                </c:pt>
+                <c:pt idx="125">
+                  <c:v>414720</c:v>
+                </c:pt>
+                <c:pt idx="126">
+                  <c:v>483840</c:v>
+                </c:pt>
+                <c:pt idx="127">
+                  <c:v>552960</c:v>
+                </c:pt>
+                <c:pt idx="128">
+                  <c:v>622080</c:v>
+                </c:pt>
+                <c:pt idx="129">
+                  <c:v>691200</c:v>
+                </c:pt>
+                <c:pt idx="130">
+                  <c:v>760320</c:v>
+                </c:pt>
+                <c:pt idx="131">
+                  <c:v>829440</c:v>
+                </c:pt>
+                <c:pt idx="132">
+                  <c:v>898560</c:v>
+                </c:pt>
+                <c:pt idx="133">
+                  <c:v>967680</c:v>
+                </c:pt>
+                <c:pt idx="134">
+                  <c:v>1036800</c:v>
+                </c:pt>
+                <c:pt idx="135">
+                  <c:v>1105920</c:v>
+                </c:pt>
+                <c:pt idx="136">
+                  <c:v>1175040</c:v>
+                </c:pt>
+                <c:pt idx="137">
+                  <c:v>1244160</c:v>
+                </c:pt>
+                <c:pt idx="138">
+                  <c:v>1313280</c:v>
+                </c:pt>
+                <c:pt idx="139">
+                  <c:v>1382400</c:v>
+                </c:pt>
+                <c:pt idx="140">
+                  <c:v>1451520</c:v>
+                </c:pt>
+                <c:pt idx="141">
+                  <c:v>1520640</c:v>
+                </c:pt>
+                <c:pt idx="142">
+                  <c:v>1589760</c:v>
+                </c:pt>
+                <c:pt idx="143">
+                  <c:v>1658880</c:v>
+                </c:pt>
+                <c:pt idx="144">
+                  <c:v>1728000</c:v>
+                </c:pt>
+                <c:pt idx="145">
+                  <c:v>1797120</c:v>
+                </c:pt>
+                <c:pt idx="146">
+                  <c:v>1866240</c:v>
+                </c:pt>
+                <c:pt idx="147">
+                  <c:v>1935360</c:v>
+                </c:pt>
+                <c:pt idx="148">
+                  <c:v>2004480</c:v>
+                </c:pt>
+                <c:pt idx="149">
+                  <c:v>2073600</c:v>
+                </c:pt>
+                <c:pt idx="150">
+                  <c:v>2142720</c:v>
+                </c:pt>
+                <c:pt idx="151">
+                  <c:v>2211840</c:v>
+                </c:pt>
+                <c:pt idx="152">
+                  <c:v>2280960</c:v>
+                </c:pt>
+                <c:pt idx="153">
+                  <c:v>2350080</c:v>
+                </c:pt>
+                <c:pt idx="154">
+                  <c:v>2419200</c:v>
+                </c:pt>
+                <c:pt idx="155">
+                  <c:v>2488320</c:v>
+                </c:pt>
+                <c:pt idx="156">
+                  <c:v>2557440</c:v>
+                </c:pt>
+                <c:pt idx="157">
+                  <c:v>2626560</c:v>
+                </c:pt>
+                <c:pt idx="158">
+                  <c:v>2695680</c:v>
+                </c:pt>
+                <c:pt idx="159">
+                  <c:v>2764800</c:v>
+                </c:pt>
+                <c:pt idx="160">
+                  <c:v>2833920</c:v>
+                </c:pt>
+                <c:pt idx="161">
+                  <c:v>2903040</c:v>
+                </c:pt>
+                <c:pt idx="162">
+                  <c:v>2972160</c:v>
+                </c:pt>
+                <c:pt idx="163">
+                  <c:v>3041280</c:v>
+                </c:pt>
+                <c:pt idx="164">
+                  <c:v>3110400</c:v>
+                </c:pt>
+                <c:pt idx="165">
+                  <c:v>3179520</c:v>
+                </c:pt>
+                <c:pt idx="166">
+                  <c:v>3248640</c:v>
+                </c:pt>
+                <c:pt idx="167">
+                  <c:v>3317760</c:v>
+                </c:pt>
+                <c:pt idx="168">
+                  <c:v>3386880</c:v>
+                </c:pt>
+                <c:pt idx="169">
+                  <c:v>3456000</c:v>
+                </c:pt>
+                <c:pt idx="170">
+                  <c:v>3525120</c:v>
+                </c:pt>
+                <c:pt idx="171">
+                  <c:v>3594240</c:v>
+                </c:pt>
+                <c:pt idx="172">
+                  <c:v>3663360</c:v>
+                </c:pt>
+                <c:pt idx="173">
+                  <c:v>3732480</c:v>
+                </c:pt>
+                <c:pt idx="174">
+                  <c:v>3801600</c:v>
+                </c:pt>
+                <c:pt idx="175">
+                  <c:v>3870720</c:v>
+                </c:pt>
+                <c:pt idx="176">
+                  <c:v>3939840</c:v>
+                </c:pt>
+                <c:pt idx="177">
+                  <c:v>4008960</c:v>
+                </c:pt>
+                <c:pt idx="178">
+                  <c:v>4078080</c:v>
+                </c:pt>
+                <c:pt idx="179">
+                  <c:v>0</c:v>
+                </c:pt>
+                <c:pt idx="180">
+                  <c:v>69120</c:v>
+                </c:pt>
+                <c:pt idx="181">
+                  <c:v>138240</c:v>
+                </c:pt>
+                <c:pt idx="182">
+                  <c:v>207360</c:v>
+                </c:pt>
+                <c:pt idx="183">
+                  <c:v>276480</c:v>
+                </c:pt>
+                <c:pt idx="184">
+                  <c:v>345600</c:v>
+                </c:pt>
+                <c:pt idx="185">
+                  <c:v>414720</c:v>
+                </c:pt>
+                <c:pt idx="186">
+                  <c:v>483840</c:v>
+                </c:pt>
+                <c:pt idx="187">
+                  <c:v>552960</c:v>
+                </c:pt>
+                <c:pt idx="188">
+                  <c:v>622080</c:v>
+                </c:pt>
+                <c:pt idx="189">
+                  <c:v>691200</c:v>
+                </c:pt>
+                <c:pt idx="190">
+                  <c:v>760320</c:v>
+                </c:pt>
+                <c:pt idx="191">
+                  <c:v>829440</c:v>
+                </c:pt>
+                <c:pt idx="192">
+                  <c:v>898560</c:v>
+                </c:pt>
+                <c:pt idx="193">
+                  <c:v>967680</c:v>
+                </c:pt>
+                <c:pt idx="194">
+                  <c:v>1036800</c:v>
+                </c:pt>
+                <c:pt idx="195">
+                  <c:v>1105920</c:v>
+                </c:pt>
+                <c:pt idx="196">
+                  <c:v>1175040</c:v>
+                </c:pt>
+                <c:pt idx="197">
+                  <c:v>1244160</c:v>
+                </c:pt>
+                <c:pt idx="198">
+                  <c:v>1313280</c:v>
+                </c:pt>
+                <c:pt idx="199">
+                  <c:v>1382400</c:v>
+                </c:pt>
+                <c:pt idx="200">
+                  <c:v>1451520</c:v>
+                </c:pt>
+                <c:pt idx="201">
+                  <c:v>1520640</c:v>
+                </c:pt>
+                <c:pt idx="202">
+                  <c:v>1589760</c:v>
+                </c:pt>
+                <c:pt idx="203">
+                  <c:v>1658880</c:v>
+                </c:pt>
+                <c:pt idx="204">
+                  <c:v>1728000</c:v>
+                </c:pt>
+                <c:pt idx="205">
+                  <c:v>1797120</c:v>
+                </c:pt>
+                <c:pt idx="206">
+                  <c:v>1866240</c:v>
+                </c:pt>
+                <c:pt idx="207">
+                  <c:v>1935360</c:v>
+                </c:pt>
+                <c:pt idx="208">
+                  <c:v>2004480</c:v>
+                </c:pt>
+                <c:pt idx="209">
+                  <c:v>2073600</c:v>
+                </c:pt>
+                <c:pt idx="210">
+                  <c:v>2142720</c:v>
+                </c:pt>
+                <c:pt idx="211">
+                  <c:v>2211840</c:v>
+                </c:pt>
+                <c:pt idx="212">
+                  <c:v>2280960</c:v>
+                </c:pt>
+                <c:pt idx="213">
+                  <c:v>2350080</c:v>
+                </c:pt>
+                <c:pt idx="214">
+                  <c:v>2419200</c:v>
+                </c:pt>
+                <c:pt idx="215">
+                  <c:v>2488320</c:v>
+                </c:pt>
+                <c:pt idx="216">
+                  <c:v>2557440</c:v>
+                </c:pt>
+                <c:pt idx="217">
+                  <c:v>2626560</c:v>
+                </c:pt>
+                <c:pt idx="218">
+                  <c:v>2695680</c:v>
+                </c:pt>
+                <c:pt idx="219">
+                  <c:v>2764800</c:v>
+                </c:pt>
+                <c:pt idx="220">
+                  <c:v>2833920</c:v>
+                </c:pt>
+                <c:pt idx="221">
+                  <c:v>2903040</c:v>
+                </c:pt>
+                <c:pt idx="222">
+                  <c:v>2972160</c:v>
+                </c:pt>
+                <c:pt idx="223">
+                  <c:v>3041280</c:v>
+                </c:pt>
+                <c:pt idx="224">
+                  <c:v>3110400</c:v>
+                </c:pt>
+                <c:pt idx="225">
+                  <c:v>3179520</c:v>
+                </c:pt>
+                <c:pt idx="226">
+                  <c:v>3248640</c:v>
+                </c:pt>
+                <c:pt idx="227">
+                  <c:v>3317760</c:v>
+                </c:pt>
+                <c:pt idx="228">
+                  <c:v>3386880</c:v>
+                </c:pt>
+                <c:pt idx="229">
+                  <c:v>3456000</c:v>
+                </c:pt>
+                <c:pt idx="230">
+                  <c:v>3525120</c:v>
+                </c:pt>
+                <c:pt idx="231">
+                  <c:v>3594240</c:v>
+                </c:pt>
+                <c:pt idx="232">
+                  <c:v>3663360</c:v>
+                </c:pt>
+                <c:pt idx="233">
+                  <c:v>3732480</c:v>
+                </c:pt>
+                <c:pt idx="234">
+                  <c:v>3801600</c:v>
+                </c:pt>
+                <c:pt idx="235">
+                  <c:v>3870720</c:v>
+                </c:pt>
+                <c:pt idx="236">
+                  <c:v>3939840</c:v>
+                </c:pt>
+                <c:pt idx="237">
+                  <c:v>4008960</c:v>
+                </c:pt>
+                <c:pt idx="238">
+                  <c:v>4078080</c:v>
+                </c:pt>
+                <c:pt idx="239">
+                  <c:v>0</c:v>
+                </c:pt>
+                <c:pt idx="240">
+                  <c:v>69120</c:v>
+                </c:pt>
+                <c:pt idx="241">
+                  <c:v>138240</c:v>
+                </c:pt>
+                <c:pt idx="242">
+                  <c:v>207360</c:v>
+                </c:pt>
+                <c:pt idx="243">
+                  <c:v>276480</c:v>
+                </c:pt>
+                <c:pt idx="244">
+                  <c:v>345600</c:v>
+                </c:pt>
+                <c:pt idx="245">
+                  <c:v>414720</c:v>
+                </c:pt>
+                <c:pt idx="246">
+                  <c:v>483840</c:v>
+                </c:pt>
+                <c:pt idx="247">
+                  <c:v>552960</c:v>
+                </c:pt>
+                <c:pt idx="248">
+                  <c:v>622080</c:v>
+                </c:pt>
+                <c:pt idx="249">
+                  <c:v>691200</c:v>
+                </c:pt>
+                <c:pt idx="250">
+                  <c:v>760320</c:v>
+                </c:pt>
+                <c:pt idx="251">
+                  <c:v>829440</c:v>
+                </c:pt>
+                <c:pt idx="252">
+                  <c:v>898560</c:v>
+                </c:pt>
+                <c:pt idx="253">
+                  <c:v>967680</c:v>
+                </c:pt>
+                <c:pt idx="254">
+                  <c:v>1036800</c:v>
+                </c:pt>
+                <c:pt idx="255">
+                  <c:v>1105920</c:v>
+                </c:pt>
+                <c:pt idx="256">
+                  <c:v>1175040</c:v>
+                </c:pt>
+                <c:pt idx="257">
+                  <c:v>1244160</c:v>
+                </c:pt>
+                <c:pt idx="258">
+                  <c:v>1313280</c:v>
+                </c:pt>
+                <c:pt idx="259">
+                  <c:v>1382400</c:v>
+                </c:pt>
+                <c:pt idx="260">
+                  <c:v>1451520</c:v>
+                </c:pt>
+                <c:pt idx="261">
+                  <c:v>1520640</c:v>
+                </c:pt>
+                <c:pt idx="262">
+                  <c:v>1589760</c:v>
+                </c:pt>
+                <c:pt idx="263">
+                  <c:v>1658880</c:v>
+                </c:pt>
+                <c:pt idx="264">
+                  <c:v>1728000</c:v>
+                </c:pt>
+                <c:pt idx="265">
+                  <c:v>1797120</c:v>
+                </c:pt>
+                <c:pt idx="266">
+                  <c:v>1866240</c:v>
+                </c:pt>
+                <c:pt idx="267">
+                  <c:v>1935360</c:v>
+                </c:pt>
+                <c:pt idx="268">
+                  <c:v>2004480</c:v>
+                </c:pt>
+                <c:pt idx="269">
+                  <c:v>2073600</c:v>
+                </c:pt>
+                <c:pt idx="270">
+                  <c:v>2142720</c:v>
+                </c:pt>
+                <c:pt idx="271">
+                  <c:v>2211840</c:v>
+                </c:pt>
+                <c:pt idx="272">
+                  <c:v>2280960</c:v>
+                </c:pt>
+                <c:pt idx="273">
+                  <c:v>2350080</c:v>
+                </c:pt>
+                <c:pt idx="274">
+                  <c:v>2419200</c:v>
+                </c:pt>
+                <c:pt idx="275">
+                  <c:v>2488320</c:v>
+                </c:pt>
+                <c:pt idx="276">
+                  <c:v>2557440</c:v>
+                </c:pt>
+                <c:pt idx="277">
+                  <c:v>2626560</c:v>
+                </c:pt>
+                <c:pt idx="278">
+                  <c:v>2695680</c:v>
+                </c:pt>
+                <c:pt idx="279">
+                  <c:v>2764800</c:v>
+                </c:pt>
+                <c:pt idx="280">
+                  <c:v>2833920</c:v>
+                </c:pt>
+                <c:pt idx="281">
+                  <c:v>2903040</c:v>
+                </c:pt>
+                <c:pt idx="282">
+                  <c:v>2972160</c:v>
+                </c:pt>
+                <c:pt idx="283">
+                  <c:v>3041280</c:v>
+                </c:pt>
+                <c:pt idx="284">
+                  <c:v>3110400</c:v>
+                </c:pt>
+                <c:pt idx="285">
+                  <c:v>3179520</c:v>
+                </c:pt>
+                <c:pt idx="286">
+                  <c:v>3248640</c:v>
+                </c:pt>
+                <c:pt idx="287">
+                  <c:v>3317760</c:v>
+                </c:pt>
+                <c:pt idx="288">
+                  <c:v>3386880</c:v>
+                </c:pt>
+                <c:pt idx="289">
+                  <c:v>3456000</c:v>
+                </c:pt>
+                <c:pt idx="290">
+                  <c:v>3525120</c:v>
+                </c:pt>
+                <c:pt idx="291">
+                  <c:v>3594240</c:v>
+                </c:pt>
+                <c:pt idx="292">
+                  <c:v>3663360</c:v>
+                </c:pt>
+                <c:pt idx="293">
+                  <c:v>3732480</c:v>
+                </c:pt>
+                <c:pt idx="294">
+                  <c:v>3801600</c:v>
+                </c:pt>
+                <c:pt idx="295">
+                  <c:v>3870720</c:v>
+                </c:pt>
+                <c:pt idx="296">
+                  <c:v>3939840</c:v>
+                </c:pt>
+                <c:pt idx="297">
+                  <c:v>4008960</c:v>
+                </c:pt>
+                <c:pt idx="298">
+                  <c:v>4078080</c:v>
+                </c:pt>
+                <c:pt idx="299">
+                  <c:v>0</c:v>
+                </c:pt>
+              </c:numCache>
+            </c:numRef>
+          </c:xVal>
+          <c:yVal>
+            <c:numRef>
+              <c:f>comparating!$E$2:$E$301</c:f>
+              <c:numCache>
+                <c:formatCode>General</c:formatCode>
+                <c:ptCount val="300"/>
+                <c:pt idx="0">
+                  <c:v>0.41716343336416162</c:v>
+                </c:pt>
+                <c:pt idx="1">
+                  <c:v>9.244764092288813</c:v>
+                </c:pt>
+                <c:pt idx="2">
+                  <c:v>10.562050727841346</c:v>
+                </c:pt>
+                <c:pt idx="3">
+                  <c:v>13.184710135157468</c:v>
+                </c:pt>
+                <c:pt idx="4">
+                  <c:v>10.394757735531259</c:v>
+                </c:pt>
+                <c:pt idx="5">
+                  <c:v>12.022855528429963</c:v>
+                </c:pt>
+                <c:pt idx="6">
+                  <c:v>10.973076786400812</c:v>
+                </c:pt>
+                <c:pt idx="7">
+                  <c:v>11.1604227230006</c:v>
+                </c:pt>
+                <c:pt idx="8">
+                  <c:v>9.4776427743987721</c:v>
+                </c:pt>
+                <c:pt idx="9">
+                  <c:v>9.669695446478185</c:v>
+                </c:pt>
+                <c:pt idx="10">
+                  <c:v>8.8063124260315071</c:v>
+                </c:pt>
+                <c:pt idx="11">
+                  <c:v>16.629097104806789</c:v>
+                </c:pt>
+                <c:pt idx="12">
+                  <c:v>9.1076780689448817</c:v>
+                </c:pt>
+                <c:pt idx="13">
+                  <c:v>9.204723906244574</c:v>
+                </c:pt>
+                <c:pt idx="14">
+                  <c:v>9.7393715242286962</c:v>
+                </c:pt>
+                <c:pt idx="15">
+                  <c:v>9.2450058031055971</c:v>
+                </c:pt>
+                <c:pt idx="16">
+                  <c:v>9.45051028088705</c:v>
+                </c:pt>
+                <c:pt idx="17">
+                  <c:v>8.5106144673723403</c:v>
+                </c:pt>
+                <c:pt idx="18">
+                  <c:v>8.0827606275157411</c:v>
+                </c:pt>
+                <c:pt idx="19">
+                  <c:v>9.2075118723637122</c:v>
+                </c:pt>
+                <c:pt idx="20">
+                  <c:v>10.225248425668266</c:v>
+                </c:pt>
+                <c:pt idx="21">
+                  <c:v>8.1372139578460505</c:v>
+                </c:pt>
+                <c:pt idx="22">
+                  <c:v>8.9290553045259191</c:v>
+                </c:pt>
+                <c:pt idx="23">
+                  <c:v>8.4800757879236937</c:v>
+                </c:pt>
+                <c:pt idx="24">
+                  <c:v>12.534137751731377</c:v>
+                </c:pt>
+                <c:pt idx="25">
+                  <c:v>9.1409091323554499</c:v>
+                </c:pt>
+                <c:pt idx="26">
+                  <c:v>8.9013513918676352</c:v>
+                </c:pt>
+                <c:pt idx="27">
+                  <c:v>8.6936744957341627</c:v>
+                </c:pt>
+                <c:pt idx="28">
+                  <c:v>8.8063834555641538</c:v>
+                </c:pt>
+                <c:pt idx="29">
+                  <c:v>9.0030249165019622</c:v>
+                </c:pt>
+                <c:pt idx="30">
+                  <c:v>9.2993938204930906</c:v>
+                </c:pt>
+                <c:pt idx="31">
+                  <c:v>9.3464017001129882</c:v>
+                </c:pt>
+                <c:pt idx="32">
+                  <c:v>9.0878382862645566</c:v>
+                </c:pt>
+                <c:pt idx="33">
+                  <c:v>8.8489758136621077</c:v>
+                </c:pt>
+                <c:pt idx="34">
+                  <c:v>8.4395453227550092</c:v>
+                </c:pt>
+                <c:pt idx="35">
+                  <c:v>8.6739905334784186</c:v>
+                </c:pt>
+                <c:pt idx="36">
+                  <c:v>11.561292341883586</c:v>
+                </c:pt>
+                <c:pt idx="37">
+                  <c:v>9.9570682337577345</c:v>
+                </c:pt>
+                <c:pt idx="38">
+                  <c:v>9.4655746904415885</c:v>
+                </c:pt>
+                <c:pt idx="39">
+                  <c:v>8.5503806259919521</c:v>
+                </c:pt>
+                <c:pt idx="40">
+                  <c:v>9.0290938751791803</c:v>
+                </c:pt>
+                <c:pt idx="41">
+                  <c:v>8.3909367020873145</c:v>
+                </c:pt>
+                <c:pt idx="42">
+                  <c:v>9.2686185251228679</c:v>
+                </c:pt>
+                <c:pt idx="43">
+                  <c:v>9.9023848800863377</c:v>
+                </c:pt>
+                <c:pt idx="44">
+                  <c:v>9.5538655905204646</c:v>
+                </c:pt>
+                <c:pt idx="45">
+                  <c:v>9.8915598755875855</c:v>
+                </c:pt>
+                <c:pt idx="46">
+                  <c:v>10.597156943132047</c:v>
+                </c:pt>
+                <c:pt idx="47">
+                  <c:v>10.648369177423897</c:v>
+                </c:pt>
+                <c:pt idx="48">
+                  <c:v>11.748658380529568</c:v>
+                </c:pt>
+                <c:pt idx="49">
+                  <c:v>12.029611097524244</c:v>
+                </c:pt>
+                <c:pt idx="50">
+                  <c:v>12.54490164950488</c:v>
+                </c:pt>
+                <c:pt idx="51">
+                  <c:v>18.747475690221272</c:v>
+                </c:pt>
+                <c:pt idx="52">
+                  <c:v>14.816536184046935</c:v>
+                </c:pt>
+                <c:pt idx="53">
+                  <c:v>13.746693430426726</c:v>
+                </c:pt>
+                <c:pt idx="54">
+                  <c:v>13.550243811514097</c:v>
+                </c:pt>
+                <c:pt idx="55">
+                  <c:v>12.951204083047749</c:v>
+                </c:pt>
+                <c:pt idx="56">
+                  <c:v>12.809953526624762</c:v>
+                </c:pt>
+                <c:pt idx="57">
+                  <c:v>12.794912941378753</c:v>
+                </c:pt>
+                <c:pt idx="58">
+                  <c:v>13.890381059216212</c:v>
+                </c:pt>
+                <c:pt idx="59">
+                  <c:v>0</c:v>
+                </c:pt>
+                <c:pt idx="60">
+                  <c:v>10.216616802254418</c:v>
+                </c:pt>
+                <c:pt idx="61">
+                  <c:v>7.5273177728517462</c:v>
+                </c:pt>
+                <c:pt idx="62">
+                  <c:v>5.5674256094337276</c:v>
+                </c:pt>
+                <c:pt idx="63">
+                  <c:v>6.7749958663115635</c:v>
+                </c:pt>
+                <c:pt idx="64">
+                  <c:v>8.3770822025445817</c:v>
+                </c:pt>
+                <c:pt idx="65">
+                  <c:v>6.1281567514024724</c:v>
+                </c:pt>
+                <c:pt idx="66">
+                  <c:v>6.322589351714667</c:v>
+                </c:pt>
+                <c:pt idx="67">
+                  <c:v>6.492392127521744</c:v>
+                </c:pt>
+                <c:pt idx="68">
+                  <c:v>6.5430772440233458</c:v>
+                </c:pt>
+                <c:pt idx="69">
+                  <c:v>6.6816348104883412</c:v>
+                </c:pt>
+                <c:pt idx="70">
+                  <c:v>7.6917722359553879</c:v>
+                </c:pt>
+                <c:pt idx="71">
+                  <c:v>7.5134309081355548</c:v>
+                </c:pt>
+                <c:pt idx="72">
+                  <c:v>8.0419452451567626</c:v>
+                </c:pt>
+                <c:pt idx="73">
+                  <c:v>8.4655980938123268</c:v>
+                </c:pt>
+                <c:pt idx="74">
+                  <c:v>8.2962875432566037</c:v>
+                </c:pt>
+                <c:pt idx="75">
+                  <c:v>8.6317799743740302</c:v>
+                </c:pt>
+                <c:pt idx="76">
+                  <c:v>8.0373941311375905</c:v>
+                </c:pt>
+                <c:pt idx="77">
+                  <c:v>8.2322760228379419</c:v>
+                </c:pt>
+                <c:pt idx="78">
+                  <c:v>8.3488509140317539</c:v>
+                </c:pt>
+                <c:pt idx="79">
+                  <c:v>8.4513266051959928</c:v>
+                </c:pt>
+                <c:pt idx="80">
+                  <c:v>8.01599910114723</c:v>
+                </c:pt>
+                <c:pt idx="81">
+                  <c:v>8.4493402621764719</c:v>
+                </c:pt>
+                <c:pt idx="82">
+                  <c:v>8.3026789901372915</c:v>
+                </c:pt>
+                <c:pt idx="83">
+                  <c:v>8.6789510106741563</c:v>
+                </c:pt>
+                <c:pt idx="84">
+                  <c:v>8.0640413627437368</c:v>
+                </c:pt>
+                <c:pt idx="85">
+                  <c:v>8.0675869610325215</c:v>
+                </c:pt>
+                <c:pt idx="86">
+                  <c:v>8.1130662419475144</c:v>
+                </c:pt>
+                <c:pt idx="87">
+                  <c:v>8.9447681944158202</c:v>
+                </c:pt>
+                <c:pt idx="88">
+                  <c:v>8.1369076586383198</c:v>
+                </c:pt>
+                <c:pt idx="89">
+                  <c:v>8.4531960421023644</c:v>
+                </c:pt>
+                <c:pt idx="90">
+                  <c:v>8.5436816815781054</c:v>
+                </c:pt>
+                <c:pt idx="91">
+                  <c:v>7.895505829071304</c:v>
+                </c:pt>
+                <c:pt idx="92">
+                  <c:v>8.3229983629638404</c:v>
+                </c:pt>
+                <c:pt idx="93">
+                  <c:v>8.6440761590828181</c:v>
+                </c:pt>
+                <c:pt idx="94">
+                  <c:v>8.9910535489502177</c:v>
+                </c:pt>
+                <c:pt idx="95">
+                  <c:v>8.5877988767607167</c:v>
+                </c:pt>
+                <c:pt idx="96">
+                  <c:v>8.2103925111527278</c:v>
+                </c:pt>
+                <c:pt idx="97">
+                  <c:v>9.0525222466671984</c:v>
+                </c:pt>
+                <c:pt idx="98">
+                  <c:v>8.9920493822728425</c:v>
+                </c:pt>
+                <c:pt idx="99">
+                  <c:v>8.6798151367810377</c:v>
+                </c:pt>
+                <c:pt idx="100">
+                  <c:v>8.4095213834217013</c:v>
+                </c:pt>
+                <c:pt idx="101">
+                  <c:v>8.9613461967077317</c:v>
+                </c:pt>
+                <c:pt idx="102">
+                  <c:v>11.874227391092049</c:v>
+                </c:pt>
+                <c:pt idx="103">
+                  <c:v>10.080420489413561</c:v>
+                </c:pt>
+                <c:pt idx="104">
+                  <c:v>15.681461303984666</c:v>
+                </c:pt>
+                <c:pt idx="105">
+                  <c:v>9.694147433025238</c:v>
+                </c:pt>
+                <c:pt idx="106">
+                  <c:v>14.132303629508144</c:v>
+                </c:pt>
+                <c:pt idx="107">
+                  <c:v>9.2091041846533148</c:v>
+                </c:pt>
+                <c:pt idx="108">
+                  <c:v>9.0135878202090911</c:v>
+                </c:pt>
+                <c:pt idx="109">
+                  <c:v>10.940920308175553</c:v>
+                </c:pt>
+                <c:pt idx="110">
+                  <c:v>11.283310342649626</c:v>
+                </c:pt>
+                <c:pt idx="111">
+                  <c:v>13.650567160014683</c:v>
+                </c:pt>
+                <c:pt idx="112">
+                  <c:v>12.131016865151745</c:v>
+                </c:pt>
+                <c:pt idx="113">
+                  <c:v>10.783052064729679</c:v>
+                </c:pt>
+                <c:pt idx="114">
+                  <c:v>11.070542865021244</c:v>
+                </c:pt>
+                <c:pt idx="115">
+                  <c:v>15.666475582743995</c:v>
+                </c:pt>
+                <c:pt idx="116">
+                  <c:v>11.19577886060614</c:v>
+                </c:pt>
+                <c:pt idx="117">
+                  <c:v>11.673129111108173</c:v>
+                </c:pt>
+                <c:pt idx="118">
+                  <c:v>12.245884843770247</c:v>
+                </c:pt>
+                <c:pt idx="119">
+                  <c:v>0</c:v>
+                </c:pt>
+                <c:pt idx="120">
+                  <c:v>14.647696285016112</c:v>
+                </c:pt>
+                <c:pt idx="121">
+                  <c:v>8.8384381692315035</c:v>
+                </c:pt>
+                <c:pt idx="122">
+                  <c:v>10.143977585127969</c:v>
+                </c:pt>
+                <c:pt idx="123">
+                  <c:v>10.258552074632188</c:v>
+                </c:pt>
+                <c:pt idx="124">
+                  <c:v>10.302083878796713</c:v>
+                </c:pt>
+                <c:pt idx="125">
+                  <c:v>8.2687900105348664</c:v>
+                </c:pt>
+                <c:pt idx="126">
+                  <c:v>8.2538051095428884</c:v>
+                </c:pt>
+                <c:pt idx="127">
+                  <c:v>7.9043032656871786</c:v>
+                </c:pt>
+                <c:pt idx="128">
+                  <c:v>7.6814722348085782</c:v>
+                </c:pt>
+                <c:pt idx="129">
+                  <c:v>8.3943590304859939</c:v>
+                </c:pt>
+                <c:pt idx="130">
+                  <c:v>7.4450254437313275</c:v>
+                </c:pt>
+                <c:pt idx="131">
+                  <c:v>8.0051381384281513</c:v>
+                </c:pt>
+                <c:pt idx="132">
+                  <c:v>8.2497517916200032</c:v>
+                </c:pt>
+                <c:pt idx="133">
+                  <c:v>8.2059899675812336</c:v>
+                </c:pt>
+                <c:pt idx="134">
+                  <c:v>7.7858152408033403</c:v>
+                </c:pt>
+                <c:pt idx="135">
+                  <c:v>7.6781654356361235</c:v>
+                </c:pt>
+                <c:pt idx="136">
+                  <c:v>8.0254164653285844</c:v>
+                </c:pt>
+                <c:pt idx="137">
+                  <c:v>8.1450072686157196</c:v>
+                </c:pt>
+                <c:pt idx="138">
+                  <c:v>8.3239930160792621</c:v>
+                </c:pt>
+                <c:pt idx="139">
+                  <c:v>8.7391752632420108</c:v>
+                </c:pt>
+                <c:pt idx="140">
+                  <c:v>8.0302323897971313</c:v>
+                </c:pt>
+                <c:pt idx="141">
+                  <c:v>7.9438784744283399</c:v>
+                </c:pt>
+                <c:pt idx="142">
+                  <c:v>8.2132519043144043</c:v>
+                </c:pt>
+                <c:pt idx="143">
+                  <c:v>7.8090058804907789</c:v>
+                </c:pt>
+                <c:pt idx="144">
+                  <c:v>8.0614818610981445</c:v>
+                </c:pt>
+                <c:pt idx="145">
+                  <c:v>8.2274177690248393</c:v>
+                </c:pt>
+                <c:pt idx="146">
+                  <c:v>8.2840228891565637</c:v>
+                </c:pt>
+                <c:pt idx="147">
+                  <c:v>9.3903348421791684</c:v>
+                </c:pt>
+                <c:pt idx="148">
+                  <c:v>8.6060271506797488</c:v>
+                </c:pt>
+                <c:pt idx="149">
+                  <c:v>9.387990684533035</c:v>
+                </c:pt>
+                <c:pt idx="150">
+                  <c:v>9.5304443290761363</c:v>
+                </c:pt>
+                <c:pt idx="151">
+                  <c:v>9.081087845347577</c:v>
+                </c:pt>
+                <c:pt idx="152">
+                  <c:v>8.2906362503205795</c:v>
+                </c:pt>
+                <c:pt idx="153">
+                  <c:v>8.2135694628860119</c:v>
+                </c:pt>
+                <c:pt idx="154">
+                  <c:v>7.7113714282903345</c:v>
+                </c:pt>
+                <c:pt idx="155">
+                  <c:v>8.3448538149945115</c:v>
+                </c:pt>
+                <c:pt idx="156">
+                  <c:v>8.4454404718894942</c:v>
+                </c:pt>
+                <c:pt idx="157">
+                  <c:v>8.4813020672553527</c:v>
+                </c:pt>
+                <c:pt idx="158">
+                  <c:v>8.2918131033562226</c:v>
+                </c:pt>
+                <c:pt idx="159">
+                  <c:v>7.434536629082487</c:v>
+                </c:pt>
+                <c:pt idx="160">
+                  <c:v>7.8986801219811982</c:v>
+                </c:pt>
+                <c:pt idx="161">
+                  <c:v>8.6706944614397763</c:v>
+                </c:pt>
+                <c:pt idx="162">
+                  <c:v>9.3728208546756928</c:v>
+                </c:pt>
+                <c:pt idx="163">
+                  <c:v>9.0314422337007603</c:v>
+                </c:pt>
+                <c:pt idx="164">
+                  <c:v>9.186892411000116</c:v>
+                </c:pt>
+                <c:pt idx="165">
+                  <c:v>10.052362898722407</c:v>
+                </c:pt>
+                <c:pt idx="166">
+                  <c:v>10.218441197440104</c:v>
+                </c:pt>
+                <c:pt idx="167">
+                  <c:v>9.4575590643510594</c:v>
+                </c:pt>
+                <c:pt idx="168">
+                  <c:v>11.493409209894107</c:v>
+                </c:pt>
+                <c:pt idx="169">
+                  <c:v>11.805319174602868</c:v>
+                </c:pt>
+                <c:pt idx="170">
+                  <c:v>9.5649530469789106</c:v>
+                </c:pt>
+                <c:pt idx="171">
+                  <c:v>10.629256407406105</c:v>
+                </c:pt>
+                <c:pt idx="172">
+                  <c:v>11.45080742424142</c:v>
+                </c:pt>
+                <c:pt idx="173">
+                  <c:v>10.681776460118636</c:v>
+                </c:pt>
+                <c:pt idx="174">
+                  <c:v>10.732290399124674</c:v>
+                </c:pt>
+                <c:pt idx="175">
+                  <c:v>10.355179835155052</c:v>
+                </c:pt>
+                <c:pt idx="176">
+                  <c:v>12.141266076011568</c:v>
+                </c:pt>
+                <c:pt idx="177">
+                  <c:v>18.501234281248006</c:v>
+                </c:pt>
+                <c:pt idx="178">
+                  <c:v>14.677301216546928</c:v>
+                </c:pt>
+                <c:pt idx="179">
+                  <c:v>0</c:v>
+                </c:pt>
+                <c:pt idx="180">
+                  <c:v>12.258597382043563</c:v>
+                </c:pt>
+                <c:pt idx="181">
+                  <c:v>8.4975789705585925</c:v>
+                </c:pt>
+                <c:pt idx="182">
+                  <c:v>8.0067722591008454</c:v>
+                </c:pt>
+                <c:pt idx="183">
+                  <c:v>7.8775328752157119</c:v>
+                </c:pt>
+                <c:pt idx="184">
+                  <c:v>8.830293983668847</c:v>
+                </c:pt>
+                <c:pt idx="185">
+                  <c:v>8.2379268043345064</c:v>
+                </c:pt>
+                <c:pt idx="186">
+                  <c:v>8.5800249744068946</c:v>
+                </c:pt>
+                <c:pt idx="187">
+                  <c:v>7.7007117813163672</c:v>
+                </c:pt>
+                <c:pt idx="188">
+                  <c:v>7.7085392573264038</c:v>
+                </c:pt>
+                <c:pt idx="189">
+                  <c:v>7.1419896977866619</c:v>
+                </c:pt>
+                <c:pt idx="190">
+                  <c:v>8.4506520116067563</c:v>
+                </c:pt>
+                <c:pt idx="191">
+                  <c:v>8.0636592364552389</c:v>
+                </c:pt>
+                <c:pt idx="192">
+                  <c:v>7.9429729729729779</c:v>
+                </c:pt>
+                <c:pt idx="193">
+                  <c:v>7.9802100431119429</c:v>
+                </c:pt>
+                <c:pt idx="194">
+                  <c:v>8.0167945354808019</c:v>
+                </c:pt>
+                <c:pt idx="195">
+                  <c:v>7.4137250161186392</c:v>
+                </c:pt>
+                <c:pt idx="196">
+                  <c:v>8.1734465753487662</c:v>
+                </c:pt>
+                <c:pt idx="197">
+                  <c:v>7.7906701042852777</c:v>
+                </c:pt>
+                <c:pt idx="198">
+                  <c:v>7.5841180478443473</c:v>
+                </c:pt>
+                <c:pt idx="199">
+                  <c:v>7.3285852700050196</c:v>
+                </c:pt>
+                <c:pt idx="200">
+                  <c:v>7.9566038595795074</c:v>
+                </c:pt>
+                <c:pt idx="201">
+                  <c:v>7.9998756905476878</c:v>
+                </c:pt>
+                <c:pt idx="202">
+                  <c:v>8.0821469088719233</c:v>
+                </c:pt>
+                <c:pt idx="203">
+                  <c:v>7.6369631513753324</c:v>
+                </c:pt>
+                <c:pt idx="204">
+                  <c:v>8.4868689168421358</c:v>
+                </c:pt>
+                <c:pt idx="205">
+                  <c:v>7.6655508391990566</c:v>
+                </c:pt>
+                <c:pt idx="206">
+                  <c:v>8.1226779775490545</c:v>
+                </c:pt>
+                <c:pt idx="207">
+                  <c:v>8.2791493049281755</c:v>
+                </c:pt>
+                <c:pt idx="208">
+                  <c:v>8.2706225222430856</c:v>
+                </c:pt>
+                <c:pt idx="209">
+                  <c:v>8.1384911624131142</c:v>
+                </c:pt>
+                <c:pt idx="210">
+                  <c:v>8.1923325624574126</c:v>
+                </c:pt>
+                <c:pt idx="211">
+                  <c:v>8.2616407144620521</c:v>
+                </c:pt>
+                <c:pt idx="212">
+                  <c:v>8.487355939508916</c:v>
+                </c:pt>
+                <c:pt idx="213">
+                  <c:v>8.4906515797771522</c:v>
+                </c:pt>
+                <c:pt idx="214">
+                  <c:v>7.8561569283789003</c:v>
+                </c:pt>
+                <c:pt idx="215">
+                  <c:v>8.4218127908002867</c:v>
+                </c:pt>
+                <c:pt idx="216">
+                  <c:v>7.9935027326882224</c:v>
+                </c:pt>
+                <c:pt idx="217">
+                  <c:v>8.3114450808201532</c:v>
+                </c:pt>
+                <c:pt idx="218">
+                  <c:v>8.0732926953081705</c:v>
+                </c:pt>
+                <c:pt idx="219">
+                  <c:v>8.3277092869479485</c:v>
+                </c:pt>
+                <c:pt idx="220">
+                  <c:v>7.9831586293783792</c:v>
+                </c:pt>
+                <c:pt idx="221">
+                  <c:v>8.440015083463031</c:v>
+                </c:pt>
+                <c:pt idx="222">
+                  <c:v>8.3400519515186851</c:v>
+                </c:pt>
+                <c:pt idx="223">
+                  <c:v>8.6421033758684249</c:v>
+                </c:pt>
+                <c:pt idx="224">
+                  <c:v>8.3565394294085191</c:v>
+                </c:pt>
+                <c:pt idx="225">
+                  <c:v>8.8677540780474402</c:v>
+                </c:pt>
+                <c:pt idx="226">
+                  <c:v>10.230133072917511</c:v>
+                </c:pt>
+                <c:pt idx="227">
+                  <c:v>10.031038293319098</c:v>
+                </c:pt>
+                <c:pt idx="228">
+                  <c:v>10.886972666115462</c:v>
+                </c:pt>
+                <c:pt idx="229">
+                  <c:v>11.04754586133344</c:v>
+                </c:pt>
+                <c:pt idx="230">
+                  <c:v>11.529875564091542</c:v>
+                </c:pt>
+                <c:pt idx="231">
+                  <c:v>15.414820854905757</c:v>
+                </c:pt>
+                <c:pt idx="232">
+                  <c:v>14.42623486842084</c:v>
+                </c:pt>
+                <c:pt idx="233">
+                  <c:v>12.916282285211638</c:v>
+                </c:pt>
+                <c:pt idx="234">
+                  <c:v>14.023198760349141</c:v>
+                </c:pt>
+                <c:pt idx="235">
+                  <c:v>12.768971795878244</c:v>
+                </c:pt>
+                <c:pt idx="236">
+                  <c:v>14.272357457437838</c:v>
+                </c:pt>
+                <c:pt idx="237">
+                  <c:v>14.557185305534345</c:v>
+                </c:pt>
+                <c:pt idx="238">
+                  <c:v>14.15588468202427</c:v>
+                </c:pt>
+                <c:pt idx="239">
+                  <c:v>0</c:v>
+                </c:pt>
+                <c:pt idx="240">
+                  <c:v>9.6819445136225646</c:v>
+                </c:pt>
+                <c:pt idx="241">
+                  <c:v>9.1643001927376968</c:v>
+                </c:pt>
+                <c:pt idx="242">
+                  <c:v>10.116080970862853</c:v>
+                </c:pt>
+                <c:pt idx="243">
+                  <c:v>10.121106834042804</c:v>
+                </c:pt>
+                <c:pt idx="244">
+                  <c:v>10.579932206753659</c:v>
+                </c:pt>
+                <c:pt idx="245">
+                  <c:v>9.7204175296769577</c:v>
+                </c:pt>
+                <c:pt idx="246">
+                  <c:v>9.0881872410491003</c:v>
+                </c:pt>
+                <c:pt idx="247">
+                  <c:v>9.2010760226378761</c:v>
+                </c:pt>
+                <c:pt idx="248">
+                  <c:v>9.0218978531978617</c:v>
+                </c:pt>
+                <c:pt idx="249">
+                  <c:v>10.025687202388733</c:v>
+                </c:pt>
+                <c:pt idx="250">
+                  <c:v>11.251290805703851</c:v>
+                </c:pt>
+                <c:pt idx="251">
+                  <c:v>10.65494731945876</c:v>
+                </c:pt>
+                <c:pt idx="252">
+                  <c:v>10.459846745080579</c:v>
+                </c:pt>
+                <c:pt idx="253">
+                  <c:v>10.446050981824245</c:v>
+                </c:pt>
+                <c:pt idx="254">
+                  <c:v>9.402828568108621</c:v>
+                </c:pt>
+                <c:pt idx="255">
+                  <c:v>7.7803632384282109</c:v>
+                </c:pt>
+                <c:pt idx="256">
+                  <c:v>9.5392339356822955</c:v>
+                </c:pt>
+                <c:pt idx="257">
+                  <c:v>9.4608521303872788</c:v>
+                </c:pt>
+                <c:pt idx="258">
+                  <c:v>9.3505094274025282</c:v>
+                </c:pt>
+                <c:pt idx="259">
+                  <c:v>9.4154839673619595</c:v>
+                </c:pt>
+                <c:pt idx="260">
+                  <c:v>9.4499993093900461</c:v>
+                </c:pt>
+                <c:pt idx="261">
+                  <c:v>9.6351439493858724</c:v>
+                </c:pt>
+                <c:pt idx="262">
+                  <c:v>9.7436577595734715</c:v>
+                </c:pt>
+                <c:pt idx="263">
+                  <c:v>9.6717143616950896</c:v>
+                </c:pt>
+                <c:pt idx="264">
+                  <c:v>9.4043269326544934</c:v>
+                </c:pt>
+                <c:pt idx="265">
+                  <c:v>9.6198464960288437</c:v>
+                </c:pt>
+                <c:pt idx="266">
+                  <c:v>9.7605415336745178</c:v>
+                </c:pt>
+                <c:pt idx="267">
+                  <c:v>9.4483174770354772</c:v>
+                </c:pt>
+                <c:pt idx="268">
+                  <c:v>9.9222377792364149</c:v>
+                </c:pt>
+                <c:pt idx="269">
+                  <c:v>9.3998017434344998</c:v>
+                </c:pt>
+                <c:pt idx="270">
+                  <c:v>9.8955932195804213</c:v>
+                </c:pt>
+                <c:pt idx="271">
+                  <c:v>9.577777374501883</c:v>
+                </c:pt>
+                <c:pt idx="272">
+                  <c:v>9.6571846257768037</c:v>
+                </c:pt>
+                <c:pt idx="273">
+                  <c:v>9.4362731825734105</c:v>
+                </c:pt>
+                <c:pt idx="274">
+                  <c:v>9.7278407608647779</c:v>
+                </c:pt>
+                <c:pt idx="275">
+                  <c:v>10.315292325515143</c:v>
+                </c:pt>
+                <c:pt idx="276">
+                  <c:v>10.364724955157786</c:v>
+                </c:pt>
+                <c:pt idx="277">
+                  <c:v>10.342869696836628</c:v>
+                </c:pt>
+                <c:pt idx="278">
+                  <c:v>9.8793301630371264</c:v>
+                </c:pt>
+                <c:pt idx="279">
+                  <c:v>9.6611457204201567</c:v>
+                </c:pt>
+                <c:pt idx="280">
+                  <c:v>10.22463482402291</c:v>
+                </c:pt>
+                <c:pt idx="281">
+                  <c:v>9.9984239271629285</c:v>
+                </c:pt>
+                <c:pt idx="282">
+                  <c:v>10.316182069409598</c:v>
+                </c:pt>
+                <c:pt idx="283">
+                  <c:v>9.9177148995403499</c:v>
+                </c:pt>
+                <c:pt idx="284">
+                  <c:v>10.680849237555613</c:v>
+                </c:pt>
+                <c:pt idx="285">
+                  <c:v>10.252425965149104</c:v>
+                </c:pt>
+                <c:pt idx="286">
+                  <c:v>10.751712235046888</c:v>
+                </c:pt>
+                <c:pt idx="287">
+                  <c:v>11.84419220762204</c:v>
+                </c:pt>
+                <c:pt idx="288">
+                  <c:v>10.818771761221003</c:v>
+                </c:pt>
+                <c:pt idx="289">
+                  <c:v>16.467582765535838</c:v>
+                </c:pt>
+                <c:pt idx="290">
+                  <c:v>13.486217882439657</c:v>
+                </c:pt>
+                <c:pt idx="291">
+                  <c:v>13.00207860447933</c:v>
+                </c:pt>
+                <c:pt idx="292">
+                  <c:v>16.879928470454548</c:v>
+                </c:pt>
+                <c:pt idx="293">
+                  <c:v>15.339126203158141</c:v>
+                </c:pt>
+                <c:pt idx="294">
+                  <c:v>12.857069883559863</c:v>
+                </c:pt>
+                <c:pt idx="295">
+                  <c:v>16.23596465574186</c:v>
+                </c:pt>
+                <c:pt idx="296">
+                  <c:v>13.804696187378712</c:v>
+                </c:pt>
+                <c:pt idx="297">
+                  <c:v>13.695629006462154</c:v>
+                </c:pt>
+                <c:pt idx="298">
+                  <c:v>19.202446308138036</c:v>
+                </c:pt>
+                <c:pt idx="299">
+                  <c:v>0</c:v>
+                </c:pt>
+              </c:numCache>
+            </c:numRef>
+          </c:yVal>
+          <c:smooth val="0"/>
+          <c:extLst>
+            <c:ext xmlns:c16="http://schemas.microsoft.com/office/drawing/2014/chart" uri="{C3380CC4-5D6E-409C-BE32-E72D297353CC}">
+              <c16:uniqueId val="{00000000-D2BC-49E9-950B-FAA997BDD5B1}"/>
+            </c:ext>
+          </c:extLst>
+        </c:ser>
+        <c:dLbls>
+          <c:showLegendKey val="0"/>
+          <c:showVal val="0"/>
+          <c:showCatName val="0"/>
+          <c:showSerName val="0"/>
+          <c:showPercent val="0"/>
+          <c:showBubbleSize val="0"/>
+        </c:dLbls>
+        <c:axId val="552386816"/>
+        <c:axId val="562548128"/>
+      </c:scatterChart>
+      <c:valAx>
+        <c:axId val="552386816"/>
+        <c:scaling>
+          <c:orientation val="minMax"/>
+        </c:scaling>
+        <c:delete val="0"/>
+        <c:axPos val="b"/>
+        <c:majorGridlines>
+          <c:spPr>
+            <a:ln w="9525" cap="flat" cmpd="sng" algn="ctr">
+              <a:solidFill>
+                <a:schemeClr val="lt1">
+                  <a:lumMod val="95000"/>
+                  <a:alpha val="10000"/>
+                </a:schemeClr>
+              </a:solidFill>
+              <a:round/>
+            </a:ln>
+            <a:effectLst/>
+          </c:spPr>
+        </c:majorGridlines>
+        <c:numFmt formatCode="General" sourceLinked="1"/>
+        <c:majorTickMark val="none"/>
+        <c:minorTickMark val="none"/>
+        <c:tickLblPos val="nextTo"/>
+        <c:spPr>
+          <a:noFill/>
+          <a:ln w="9525" cap="flat" cmpd="sng" algn="ctr">
+            <a:solidFill>
+              <a:schemeClr val="lt1">
+                <a:lumMod val="50000"/>
+              </a:schemeClr>
+            </a:solidFill>
+          </a:ln>
+          <a:effectLst/>
+        </c:spPr>
+        <c:txPr>
+          <a:bodyPr rot="-60000000" spcFirstLastPara="1" vertOverflow="ellipsis" vert="horz" wrap="square" anchor="ctr" anchorCtr="1"/>
+          <a:lstStyle/>
+          <a:p>
+            <a:pPr>
+              <a:defRPr sz="900" b="0" i="0" u="none" strike="noStrike" kern="1200" baseline="0">
+                <a:solidFill>
+                  <a:schemeClr val="lt1">
+                    <a:lumMod val="75000"/>
+                  </a:schemeClr>
+                </a:solidFill>
+                <a:latin typeface="+mn-lt"/>
+                <a:ea typeface="+mn-ea"/>
+                <a:cs typeface="+mn-cs"/>
+              </a:defRPr>
+            </a:pPr>
+            <a:endParaRPr lang="hu-HU"/>
+          </a:p>
+        </c:txPr>
+        <c:crossAx val="562548128"/>
+        <c:crosses val="autoZero"/>
+        <c:crossBetween val="midCat"/>
+      </c:valAx>
+      <c:valAx>
+        <c:axId val="562548128"/>
+        <c:scaling>
+          <c:orientation val="minMax"/>
+        </c:scaling>
+        <c:delete val="0"/>
+        <c:axPos val="l"/>
+        <c:majorGridlines>
+          <c:spPr>
+            <a:ln w="9525" cap="flat" cmpd="sng" algn="ctr">
+              <a:solidFill>
+                <a:schemeClr val="lt1">
+                  <a:lumMod val="95000"/>
+                  <a:alpha val="10000"/>
+                </a:schemeClr>
+              </a:solidFill>
+              <a:round/>
+            </a:ln>
+            <a:effectLst/>
+          </c:spPr>
+        </c:majorGridlines>
+        <c:numFmt formatCode="General" sourceLinked="1"/>
+        <c:majorTickMark val="none"/>
+        <c:minorTickMark val="none"/>
+        <c:tickLblPos val="nextTo"/>
+        <c:spPr>
+          <a:noFill/>
+          <a:ln w="9525" cap="flat" cmpd="sng" algn="ctr">
+            <a:solidFill>
+              <a:schemeClr val="lt1">
+                <a:lumMod val="50000"/>
+              </a:schemeClr>
+            </a:solidFill>
+          </a:ln>
+          <a:effectLst/>
+        </c:spPr>
+        <c:txPr>
+          <a:bodyPr rot="-60000000" spcFirstLastPara="1" vertOverflow="ellipsis" vert="horz" wrap="square" anchor="ctr" anchorCtr="1"/>
+          <a:lstStyle/>
+          <a:p>
+            <a:pPr>
+              <a:defRPr sz="900" b="0" i="0" u="none" strike="noStrike" kern="1200" baseline="0">
+                <a:solidFill>
+                  <a:schemeClr val="lt1">
+                    <a:lumMod val="75000"/>
+                  </a:schemeClr>
+                </a:solidFill>
+                <a:latin typeface="+mn-lt"/>
+                <a:ea typeface="+mn-ea"/>
+                <a:cs typeface="+mn-cs"/>
+              </a:defRPr>
+            </a:pPr>
+            <a:endParaRPr lang="hu-HU"/>
+          </a:p>
+        </c:txPr>
+        <c:crossAx val="552386816"/>
+        <c:crosses val="autoZero"/>
+        <c:crossBetween val="midCat"/>
+      </c:valAx>
+      <c:spPr>
+        <a:noFill/>
+        <a:ln>
+          <a:noFill/>
+        </a:ln>
+        <a:effectLst/>
+      </c:spPr>
+    </c:plotArea>
+    <c:plotVisOnly val="1"/>
+    <c:dispBlanksAs val="gap"/>
+    <c:showDLblsOverMax val="0"/>
+  </c:chart>
+  <c:spPr>
+    <a:gradFill flip="none" rotWithShape="1">
+      <a:gsLst>
+        <a:gs pos="0">
+          <a:schemeClr val="dk1">
+            <a:lumMod val="65000"/>
+            <a:lumOff val="35000"/>
+          </a:schemeClr>
+        </a:gs>
+        <a:gs pos="100000">
+          <a:schemeClr val="dk1">
+            <a:lumMod val="85000"/>
+            <a:lumOff val="15000"/>
+          </a:schemeClr>
+        </a:gs>
+      </a:gsLst>
+      <a:path path="circle">
+        <a:fillToRect l="50000" t="50000" r="50000" b="50000"/>
+      </a:path>
+      <a:tileRect/>
+    </a:gradFill>
+    <a:ln>
+      <a:noFill/>
+    </a:ln>
+    <a:effectLst/>
+  </c:spPr>
+  <c:txPr>
+    <a:bodyPr/>
+    <a:lstStyle/>
+    <a:p>
+      <a:pPr>
+        <a:defRPr/>
+      </a:pPr>
+      <a:endParaRPr lang="hu-HU"/>
+    </a:p>
+  </c:txPr>
+  <c:externalData r:id="rId3">
+    <c:autoUpdate val="0"/>
+  </c:externalData>
+</c:chartSpace>
+</file>
+
 <file path=ppt/charts/colors1.xml><?xml version="1.0" encoding="utf-8"?>
 <cs:colorStyle xmlns:cs="http://schemas.microsoft.com/office/drawing/2012/chartStyle" xmlns:a="http://schemas.openxmlformats.org/drawingml/2006/main" meth="cycle" id="10">
   <a:schemeClr val="accent1"/>
@@ -8072,7 +10210,549 @@
 </cs:colorStyle>
 </file>
 
+<file path=ppt/charts/colors2.xml><?xml version="1.0" encoding="utf-8"?>
+<cs:colorStyle xmlns:cs="http://schemas.microsoft.com/office/drawing/2012/chartStyle" xmlns:a="http://schemas.openxmlformats.org/drawingml/2006/main" meth="cycle" id="10">
+  <a:schemeClr val="accent1"/>
+  <a:schemeClr val="accent2"/>
+  <a:schemeClr val="accent3"/>
+  <a:schemeClr val="accent4"/>
+  <a:schemeClr val="accent5"/>
+  <a:schemeClr val="accent6"/>
+  <cs:variation/>
+  <cs:variation>
+    <a:lumMod val="60000"/>
+  </cs:variation>
+  <cs:variation>
+    <a:lumMod val="80000"/>
+    <a:lumOff val="20000"/>
+  </cs:variation>
+  <cs:variation>
+    <a:lumMod val="80000"/>
+  </cs:variation>
+  <cs:variation>
+    <a:lumMod val="60000"/>
+    <a:lumOff val="40000"/>
+  </cs:variation>
+  <cs:variation>
+    <a:lumMod val="50000"/>
+  </cs:variation>
+  <cs:variation>
+    <a:lumMod val="70000"/>
+    <a:lumOff val="30000"/>
+  </cs:variation>
+  <cs:variation>
+    <a:lumMod val="70000"/>
+  </cs:variation>
+  <cs:variation>
+    <a:lumMod val="50000"/>
+    <a:lumOff val="50000"/>
+  </cs:variation>
+</cs:colorStyle>
+</file>
+
 <file path=ppt/charts/style1.xml><?xml version="1.0" encoding="utf-8"?>
+<cs:chartStyle xmlns:cs="http://schemas.microsoft.com/office/drawing/2012/chartStyle" xmlns:a="http://schemas.openxmlformats.org/drawingml/2006/main" id="248">
+  <cs:axisTitle>
+    <cs:lnRef idx="0"/>
+    <cs:fillRef idx="0"/>
+    <cs:effectRef idx="0"/>
+    <cs:fontRef idx="minor">
+      <a:schemeClr val="lt1">
+        <a:lumMod val="75000"/>
+      </a:schemeClr>
+    </cs:fontRef>
+    <cs:defRPr sz="900" b="1" kern="1200" cap="all"/>
+  </cs:axisTitle>
+  <cs:categoryAxis>
+    <cs:lnRef idx="0"/>
+    <cs:fillRef idx="0"/>
+    <cs:effectRef idx="0"/>
+    <cs:fontRef idx="minor">
+      <a:schemeClr val="lt1">
+        <a:lumMod val="75000"/>
+      </a:schemeClr>
+    </cs:fontRef>
+    <cs:spPr>
+      <a:ln w="9525" cap="flat" cmpd="sng" algn="ctr">
+        <a:solidFill>
+          <a:schemeClr val="lt1">
+            <a:lumMod val="50000"/>
+          </a:schemeClr>
+        </a:solidFill>
+      </a:ln>
+    </cs:spPr>
+    <cs:defRPr sz="900" kern="1200"/>
+  </cs:categoryAxis>
+  <cs:chartArea>
+    <cs:lnRef idx="0"/>
+    <cs:fillRef idx="0"/>
+    <cs:effectRef idx="0"/>
+    <cs:fontRef idx="minor">
+      <a:schemeClr val="dk1"/>
+    </cs:fontRef>
+    <cs:spPr>
+      <a:gradFill flip="none" rotWithShape="1">
+        <a:gsLst>
+          <a:gs pos="0">
+            <a:schemeClr val="dk1">
+              <a:lumMod val="65000"/>
+              <a:lumOff val="35000"/>
+            </a:schemeClr>
+          </a:gs>
+          <a:gs pos="100000">
+            <a:schemeClr val="dk1">
+              <a:lumMod val="85000"/>
+              <a:lumOff val="15000"/>
+            </a:schemeClr>
+          </a:gs>
+        </a:gsLst>
+        <a:path path="circle">
+          <a:fillToRect l="50000" t="50000" r="50000" b="50000"/>
+        </a:path>
+        <a:tileRect/>
+      </a:gradFill>
+    </cs:spPr>
+    <cs:defRPr sz="1000" kern="1200"/>
+  </cs:chartArea>
+  <cs:dataLabel>
+    <cs:lnRef idx="0"/>
+    <cs:fillRef idx="0"/>
+    <cs:effectRef idx="0"/>
+    <cs:fontRef idx="minor">
+      <a:schemeClr val="lt1">
+        <a:lumMod val="75000"/>
+      </a:schemeClr>
+    </cs:fontRef>
+    <cs:defRPr sz="900" kern="1200"/>
+  </cs:dataLabel>
+  <cs:dataLabelCallout>
+    <cs:lnRef idx="0"/>
+    <cs:fillRef idx="0"/>
+    <cs:effectRef idx="0"/>
+    <cs:fontRef idx="minor">
+      <a:schemeClr val="dk1">
+        <a:lumMod val="65000"/>
+        <a:lumOff val="35000"/>
+      </a:schemeClr>
+    </cs:fontRef>
+    <cs:spPr>
+      <a:solidFill>
+        <a:schemeClr val="lt1"/>
+      </a:solidFill>
+    </cs:spPr>
+    <cs:defRPr sz="900" kern="1200"/>
+    <cs:bodyPr rot="0" spcFirstLastPara="1" vertOverflow="clip" horzOverflow="clip" vert="horz" wrap="square" lIns="36576" tIns="18288" rIns="36576" bIns="18288" anchor="ctr" anchorCtr="1">
+      <a:spAutoFit/>
+    </cs:bodyPr>
+  </cs:dataLabelCallout>
+  <cs:dataPoint>
+    <cs:lnRef idx="0"/>
+    <cs:fillRef idx="3">
+      <cs:styleClr val="auto"/>
+    </cs:fillRef>
+    <cs:effectRef idx="3"/>
+    <cs:fontRef idx="minor">
+      <a:schemeClr val="tx1"/>
+    </cs:fontRef>
+  </cs:dataPoint>
+  <cs:dataPoint3D>
+    <cs:lnRef idx="0"/>
+    <cs:fillRef idx="3">
+      <cs:styleClr val="auto"/>
+    </cs:fillRef>
+    <cs:effectRef idx="3"/>
+    <cs:fontRef idx="minor">
+      <a:schemeClr val="tx1"/>
+    </cs:fontRef>
+  </cs:dataPoint3D>
+  <cs:dataPointLine>
+    <cs:lnRef idx="0">
+      <cs:styleClr val="auto"/>
+    </cs:lnRef>
+    <cs:fillRef idx="3"/>
+    <cs:effectRef idx="3"/>
+    <cs:fontRef idx="minor">
+      <a:schemeClr val="tx1"/>
+    </cs:fontRef>
+    <cs:spPr>
+      <a:ln w="9525" cap="rnd">
+        <a:solidFill>
+          <a:schemeClr val="phClr"/>
+        </a:solidFill>
+        <a:round/>
+      </a:ln>
+    </cs:spPr>
+  </cs:dataPointLine>
+  <cs:dataPointMarker>
+    <cs:lnRef idx="0">
+      <cs:styleClr val="auto"/>
+    </cs:lnRef>
+    <cs:fillRef idx="3">
+      <cs:styleClr val="auto"/>
+    </cs:fillRef>
+    <cs:effectRef idx="3"/>
+    <cs:fontRef idx="minor">
+      <a:schemeClr val="tx1"/>
+    </cs:fontRef>
+    <cs:spPr>
+      <a:ln w="9525" cap="rnd">
+        <a:solidFill>
+          <a:schemeClr val="phClr"/>
+        </a:solidFill>
+        <a:round/>
+      </a:ln>
+    </cs:spPr>
+  </cs:dataPointMarker>
+  <cs:dataPointMarkerLayout symbol="circle" size="6"/>
+  <cs:dataPointWireframe>
+    <cs:lnRef idx="0">
+      <cs:styleClr val="auto"/>
+    </cs:lnRef>
+    <cs:fillRef idx="3"/>
+    <cs:effectRef idx="3"/>
+    <cs:fontRef idx="minor">
+      <a:schemeClr val="tx1"/>
+    </cs:fontRef>
+    <cs:spPr>
+      <a:ln w="9525" cap="rnd">
+        <a:solidFill>
+          <a:schemeClr val="phClr"/>
+        </a:solidFill>
+        <a:round/>
+      </a:ln>
+    </cs:spPr>
+  </cs:dataPointWireframe>
+  <cs:dataTable>
+    <cs:lnRef idx="0"/>
+    <cs:fillRef idx="0"/>
+    <cs:effectRef idx="0"/>
+    <cs:fontRef idx="minor">
+      <a:schemeClr val="lt1">
+        <a:lumMod val="75000"/>
+      </a:schemeClr>
+    </cs:fontRef>
+    <cs:spPr>
+      <a:ln w="9525">
+        <a:solidFill>
+          <a:schemeClr val="lt1">
+            <a:lumMod val="95000"/>
+            <a:alpha val="54000"/>
+          </a:schemeClr>
+        </a:solidFill>
+      </a:ln>
+    </cs:spPr>
+    <cs:defRPr sz="900" kern="1200"/>
+  </cs:dataTable>
+  <cs:downBar>
+    <cs:lnRef idx="0"/>
+    <cs:fillRef idx="0"/>
+    <cs:effectRef idx="0"/>
+    <cs:fontRef idx="minor">
+      <a:schemeClr val="tx1"/>
+    </cs:fontRef>
+    <cs:spPr>
+      <a:solidFill>
+        <a:schemeClr val="dk1">
+          <a:lumMod val="75000"/>
+          <a:lumOff val="25000"/>
+        </a:schemeClr>
+      </a:solidFill>
+      <a:ln w="9525">
+        <a:solidFill>
+          <a:schemeClr val="lt1">
+            <a:lumMod val="95000"/>
+            <a:alpha val="54000"/>
+          </a:schemeClr>
+        </a:solidFill>
+      </a:ln>
+    </cs:spPr>
+  </cs:downBar>
+  <cs:dropLine>
+    <cs:lnRef idx="0"/>
+    <cs:fillRef idx="0"/>
+    <cs:effectRef idx="0"/>
+    <cs:fontRef idx="minor">
+      <a:schemeClr val="tx1"/>
+    </cs:fontRef>
+    <cs:spPr>
+      <a:ln w="9525">
+        <a:solidFill>
+          <a:schemeClr val="lt1">
+            <a:lumMod val="95000"/>
+            <a:alpha val="54000"/>
+          </a:schemeClr>
+        </a:solidFill>
+        <a:prstDash val="dash"/>
+      </a:ln>
+    </cs:spPr>
+  </cs:dropLine>
+  <cs:errorBar>
+    <cs:lnRef idx="0"/>
+    <cs:fillRef idx="0"/>
+    <cs:effectRef idx="0"/>
+    <cs:fontRef idx="minor">
+      <a:schemeClr val="tx1"/>
+    </cs:fontRef>
+    <cs:spPr>
+      <a:ln w="9525" cap="flat" cmpd="sng" algn="ctr">
+        <a:solidFill>
+          <a:schemeClr val="lt1">
+            <a:lumMod val="95000"/>
+          </a:schemeClr>
+        </a:solidFill>
+        <a:round/>
+      </a:ln>
+    </cs:spPr>
+  </cs:errorBar>
+  <cs:floor>
+    <cs:lnRef idx="0"/>
+    <cs:fillRef idx="0"/>
+    <cs:effectRef idx="0"/>
+    <cs:fontRef idx="minor">
+      <a:schemeClr val="tx1"/>
+    </cs:fontRef>
+  </cs:floor>
+  <cs:gridlineMajor>
+    <cs:lnRef idx="0"/>
+    <cs:fillRef idx="0"/>
+    <cs:effectRef idx="0"/>
+    <cs:fontRef idx="minor">
+      <a:schemeClr val="tx1"/>
+    </cs:fontRef>
+    <cs:spPr>
+      <a:ln w="9525" cap="flat" cmpd="sng" algn="ctr">
+        <a:solidFill>
+          <a:schemeClr val="lt1">
+            <a:lumMod val="95000"/>
+            <a:alpha val="10000"/>
+          </a:schemeClr>
+        </a:solidFill>
+        <a:round/>
+      </a:ln>
+    </cs:spPr>
+  </cs:gridlineMajor>
+  <cs:gridlineMinor>
+    <cs:lnRef idx="0"/>
+    <cs:fillRef idx="0"/>
+    <cs:effectRef idx="0"/>
+    <cs:fontRef idx="minor">
+      <a:schemeClr val="tx1"/>
+    </cs:fontRef>
+    <cs:spPr>
+      <a:ln>
+        <a:solidFill>
+          <a:schemeClr val="lt1">
+            <a:lumMod val="95000"/>
+            <a:alpha val="5000"/>
+          </a:schemeClr>
+        </a:solidFill>
+      </a:ln>
+    </cs:spPr>
+  </cs:gridlineMinor>
+  <cs:hiLoLine>
+    <cs:lnRef idx="0"/>
+    <cs:fillRef idx="0"/>
+    <cs:effectRef idx="0"/>
+    <cs:fontRef idx="minor">
+      <a:schemeClr val="tx1"/>
+    </cs:fontRef>
+    <cs:spPr>
+      <a:ln w="9525">
+        <a:solidFill>
+          <a:schemeClr val="lt1">
+            <a:lumMod val="95000"/>
+            <a:alpha val="54000"/>
+          </a:schemeClr>
+        </a:solidFill>
+        <a:prstDash val="dash"/>
+      </a:ln>
+    </cs:spPr>
+  </cs:hiLoLine>
+  <cs:leaderLine>
+    <cs:lnRef idx="0"/>
+    <cs:fillRef idx="0"/>
+    <cs:effectRef idx="0"/>
+    <cs:fontRef idx="minor">
+      <a:schemeClr val="tx1"/>
+    </cs:fontRef>
+    <cs:spPr>
+      <a:ln w="9525">
+        <a:solidFill>
+          <a:schemeClr val="lt1">
+            <a:lumMod val="95000"/>
+            <a:alpha val="54000"/>
+          </a:schemeClr>
+        </a:solidFill>
+      </a:ln>
+    </cs:spPr>
+  </cs:leaderLine>
+  <cs:legend>
+    <cs:lnRef idx="0"/>
+    <cs:fillRef idx="0"/>
+    <cs:effectRef idx="0"/>
+    <cs:fontRef idx="minor">
+      <a:schemeClr val="lt1">
+        <a:lumMod val="75000"/>
+      </a:schemeClr>
+    </cs:fontRef>
+    <cs:defRPr sz="900" kern="1200"/>
+  </cs:legend>
+  <cs:plotArea>
+    <cs:lnRef idx="0"/>
+    <cs:fillRef idx="0"/>
+    <cs:effectRef idx="0"/>
+    <cs:fontRef idx="minor">
+      <a:schemeClr val="tx1"/>
+    </cs:fontRef>
+  </cs:plotArea>
+  <cs:plotArea3D>
+    <cs:lnRef idx="0"/>
+    <cs:fillRef idx="0"/>
+    <cs:effectRef idx="0"/>
+    <cs:fontRef idx="minor">
+      <a:schemeClr val="tx1"/>
+    </cs:fontRef>
+  </cs:plotArea3D>
+  <cs:seriesAxis>
+    <cs:lnRef idx="0"/>
+    <cs:fillRef idx="0"/>
+    <cs:effectRef idx="0"/>
+    <cs:fontRef idx="minor">
+      <a:schemeClr val="lt1">
+        <a:lumMod val="75000"/>
+      </a:schemeClr>
+    </cs:fontRef>
+    <cs:spPr>
+      <a:ln w="9525" cap="flat" cmpd="sng" algn="ctr">
+        <a:solidFill>
+          <a:schemeClr val="lt1">
+            <a:lumMod val="50000"/>
+          </a:schemeClr>
+        </a:solidFill>
+      </a:ln>
+    </cs:spPr>
+    <cs:defRPr sz="900" kern="1200"/>
+  </cs:seriesAxis>
+  <cs:seriesLine>
+    <cs:lnRef idx="0"/>
+    <cs:fillRef idx="0"/>
+    <cs:effectRef idx="0"/>
+    <cs:fontRef idx="minor">
+      <a:schemeClr val="lt1"/>
+    </cs:fontRef>
+    <cs:spPr>
+      <a:ln w="9525" cap="flat" cmpd="sng" algn="ctr">
+        <a:solidFill>
+          <a:schemeClr val="lt1">
+            <a:lumMod val="95000"/>
+            <a:alpha val="54000"/>
+          </a:schemeClr>
+        </a:solidFill>
+        <a:round/>
+      </a:ln>
+    </cs:spPr>
+  </cs:seriesLine>
+  <cs:title>
+    <cs:lnRef idx="0"/>
+    <cs:fillRef idx="0"/>
+    <cs:effectRef idx="0"/>
+    <cs:fontRef idx="minor">
+      <a:schemeClr val="lt1">
+        <a:lumMod val="95000"/>
+      </a:schemeClr>
+    </cs:fontRef>
+    <cs:defRPr sz="1600" b="1" kern="1200" spc="100" baseline="0">
+      <a:effectLst>
+        <a:outerShdw blurRad="50800" dist="38100" dir="5400000" algn="t" rotWithShape="0">
+          <a:prstClr val="black">
+            <a:alpha val="40000"/>
+          </a:prstClr>
+        </a:outerShdw>
+      </a:effectLst>
+    </cs:defRPr>
+  </cs:title>
+  <cs:trendline>
+    <cs:lnRef idx="0">
+      <cs:styleClr val="auto"/>
+    </cs:lnRef>
+    <cs:fillRef idx="0"/>
+    <cs:effectRef idx="0"/>
+    <cs:fontRef idx="minor">
+      <a:schemeClr val="tx1"/>
+    </cs:fontRef>
+    <cs:spPr>
+      <a:ln w="19050" cap="rnd">
+        <a:solidFill>
+          <a:schemeClr val="phClr"/>
+        </a:solidFill>
+        <a:prstDash val="sysDash"/>
+      </a:ln>
+    </cs:spPr>
+  </cs:trendline>
+  <cs:trendlineLabel>
+    <cs:lnRef idx="0"/>
+    <cs:fillRef idx="0"/>
+    <cs:effectRef idx="0"/>
+    <cs:fontRef idx="minor">
+      <a:schemeClr val="lt1">
+        <a:lumMod val="75000"/>
+      </a:schemeClr>
+    </cs:fontRef>
+    <cs:defRPr sz="900" kern="1200"/>
+  </cs:trendlineLabel>
+  <cs:upBar>
+    <cs:lnRef idx="0"/>
+    <cs:fillRef idx="0"/>
+    <cs:effectRef idx="0"/>
+    <cs:fontRef idx="minor">
+      <a:schemeClr val="tx1"/>
+    </cs:fontRef>
+    <cs:spPr>
+      <a:solidFill>
+        <a:schemeClr val="lt1"/>
+      </a:solidFill>
+      <a:ln w="9525">
+        <a:solidFill>
+          <a:schemeClr val="lt1">
+            <a:lumMod val="95000"/>
+            <a:alpha val="54000"/>
+          </a:schemeClr>
+        </a:solidFill>
+      </a:ln>
+    </cs:spPr>
+  </cs:upBar>
+  <cs:valueAxis>
+    <cs:lnRef idx="0"/>
+    <cs:fillRef idx="0"/>
+    <cs:effectRef idx="0"/>
+    <cs:fontRef idx="minor">
+      <a:schemeClr val="lt1">
+        <a:lumMod val="75000"/>
+      </a:schemeClr>
+    </cs:fontRef>
+    <cs:spPr>
+      <a:ln w="9525" cap="flat" cmpd="sng" algn="ctr">
+        <a:solidFill>
+          <a:schemeClr val="lt1">
+            <a:lumMod val="50000"/>
+          </a:schemeClr>
+        </a:solidFill>
+      </a:ln>
+    </cs:spPr>
+    <cs:defRPr sz="900" kern="1200"/>
+  </cs:valueAxis>
+  <cs:wall>
+    <cs:lnRef idx="0"/>
+    <cs:fillRef idx="0"/>
+    <cs:effectRef idx="0"/>
+    <cs:fontRef idx="minor">
+      <a:schemeClr val="tx1"/>
+    </cs:fontRef>
+  </cs:wall>
+</cs:chartStyle>
+</file>
+
+<file path=ppt/charts/style2.xml><?xml version="1.0" encoding="utf-8"?>
 <cs:chartStyle xmlns:cs="http://schemas.microsoft.com/office/drawing/2012/chartStyle" xmlns:a="http://schemas.openxmlformats.org/drawingml/2006/main" id="248">
   <cs:axisTitle>
     <cs:lnRef idx="0"/>
@@ -11545,6 +14225,132 @@
           <a:lstStyle/>
           <a:p>
             <a:r>
+              <a:rPr lang="hu-HU" dirty="0" err="1" smtClean="0"/>
+              <a:t>OpenCV</a:t>
+            </a:r>
+            <a:r>
+              <a:rPr lang="hu-HU" dirty="0" smtClean="0"/>
+              <a:t> vs. Python</a:t>
+            </a:r>
+            <a:endParaRPr lang="hu-HU" dirty="0"/>
+          </a:p>
+        </p:txBody>
+      </p:sp>
+      <p:sp>
+        <p:nvSpPr>
+          <p:cNvPr id="3" name="Tartalom helye 2"/>
+          <p:cNvSpPr>
+            <a:spLocks noGrp="1"/>
+          </p:cNvSpPr>
+          <p:nvPr>
+            <p:ph idx="1"/>
+          </p:nvPr>
+        </p:nvSpPr>
+        <p:spPr>
+          <a:xfrm>
+            <a:off x="8462682" y="2734235"/>
+            <a:ext cx="2891118" cy="3442728"/>
+          </a:xfrm>
+        </p:spPr>
+        <p:txBody>
+          <a:bodyPr>
+            <a:normAutofit/>
+          </a:bodyPr>
+          <a:lstStyle/>
+          <a:p>
+            <a:pPr marL="0" indent="0" algn="ctr">
+              <a:buNone/>
+            </a:pPr>
+            <a:r>
+              <a:rPr lang="hu-HU" sz="2000" dirty="0" err="1" smtClean="0"/>
+              <a:t>OpenCV</a:t>
+            </a:r>
+            <a:r>
+              <a:rPr lang="hu-HU" sz="2000" dirty="0" smtClean="0"/>
+              <a:t> MOG() futási idő osztva a Python-</a:t>
+            </a:r>
+            <a:r>
+              <a:rPr lang="hu-HU" sz="2000" dirty="0" err="1" smtClean="0"/>
+              <a:t>os</a:t>
+            </a:r>
+            <a:r>
+              <a:rPr lang="hu-HU" sz="2000" dirty="0" smtClean="0"/>
+              <a:t> megvalósítás futási idejével</a:t>
+            </a:r>
+            <a:endParaRPr lang="hu-HU" sz="2000" dirty="0"/>
+          </a:p>
+        </p:txBody>
+      </p:sp>
+      <p:graphicFrame>
+        <p:nvGraphicFramePr>
+          <p:cNvPr id="4" name="Diagram 3"/>
+          <p:cNvGraphicFramePr>
+            <a:graphicFrameLocks/>
+          </p:cNvGraphicFramePr>
+          <p:nvPr>
+            <p:extLst>
+              <p:ext uri="{D42A27DB-BD31-4B8C-83A1-F6EECF244321}">
+                <p14:modId xmlns:p14="http://schemas.microsoft.com/office/powerpoint/2010/main" val="2659033243"/>
+              </p:ext>
+            </p:extLst>
+          </p:nvPr>
+        </p:nvGraphicFramePr>
+        <p:xfrm>
+          <a:off x="304801" y="1894263"/>
+          <a:ext cx="8157881" cy="4324349"/>
+        </p:xfrm>
+        <a:graphic>
+          <a:graphicData uri="http://schemas.openxmlformats.org/drawingml/2006/chart">
+            <c:chart xmlns:c="http://schemas.openxmlformats.org/drawingml/2006/chart" xmlns:r="http://schemas.openxmlformats.org/officeDocument/2006/relationships" r:id="rId2"/>
+          </a:graphicData>
+        </a:graphic>
+      </p:graphicFrame>
+    </p:spTree>
+    <p:extLst>
+      <p:ext uri="{BB962C8B-B14F-4D97-AF65-F5344CB8AC3E}">
+        <p14:creationId xmlns:p14="http://schemas.microsoft.com/office/powerpoint/2010/main" val="3693823625"/>
+      </p:ext>
+    </p:extLst>
+  </p:cSld>
+  <p:clrMapOvr>
+    <a:masterClrMapping/>
+  </p:clrMapOvr>
+</p:sld>
+</file>
+
+<file path=ppt/slides/slide11.xml><?xml version="1.0" encoding="utf-8"?>
+<p:sld xmlns:a="http://schemas.openxmlformats.org/drawingml/2006/main" xmlns:r="http://schemas.openxmlformats.org/officeDocument/2006/relationships" xmlns:p="http://schemas.openxmlformats.org/presentationml/2006/main">
+  <p:cSld>
+    <p:spTree>
+      <p:nvGrpSpPr>
+        <p:cNvPr id="1" name=""/>
+        <p:cNvGrpSpPr/>
+        <p:nvPr/>
+      </p:nvGrpSpPr>
+      <p:grpSpPr>
+        <a:xfrm>
+          <a:off x="0" y="0"/>
+          <a:ext cx="0" cy="0"/>
+          <a:chOff x="0" y="0"/>
+          <a:chExt cx="0" cy="0"/>
+        </a:xfrm>
+      </p:grpSpPr>
+      <p:sp>
+        <p:nvSpPr>
+          <p:cNvPr id="2" name="Cím 1"/>
+          <p:cNvSpPr>
+            <a:spLocks noGrp="1"/>
+          </p:cNvSpPr>
+          <p:nvPr>
+            <p:ph type="title"/>
+          </p:nvPr>
+        </p:nvSpPr>
+        <p:spPr/>
+        <p:txBody>
+          <a:bodyPr/>
+          <a:lstStyle/>
+          <a:p>
+            <a:r>
               <a:rPr lang="hu-HU" dirty="0" smtClean="0"/>
               <a:t>További tervek</a:t>
             </a:r>
@@ -11598,7 +14404,7 @@
 </p:sld>
 </file>
 
-<file path=ppt/slides/slide11.xml><?xml version="1.0" encoding="utf-8"?>
+<file path=ppt/slides/slide12.xml><?xml version="1.0" encoding="utf-8"?>
 <p:sld xmlns:a="http://schemas.openxmlformats.org/drawingml/2006/main" xmlns:r="http://schemas.openxmlformats.org/officeDocument/2006/relationships" xmlns:p="http://schemas.openxmlformats.org/presentationml/2006/main">
   <p:cSld>
     <p:spTree>
@@ -12397,8 +15203,8 @@
         </p:blipFill>
         <p:spPr>
           <a:xfrm>
-            <a:off x="5196821" y="3816723"/>
-            <a:ext cx="6049403" cy="1768287"/>
+            <a:off x="4100415" y="3496235"/>
+            <a:ext cx="7145809" cy="2088775"/>
           </a:xfrm>
           <a:prstGeom prst="rect">
             <a:avLst/>
@@ -12572,61 +15378,6 @@
           <a:chExt cx="0" cy="0"/>
         </a:xfrm>
       </p:grpSpPr>
-      <p:graphicFrame>
-        <p:nvGraphicFramePr>
-          <p:cNvPr id="4" name="Tartalom helye 3"/>
-          <p:cNvGraphicFramePr>
-            <a:graphicFrameLocks noGrp="1"/>
-          </p:cNvGraphicFramePr>
-          <p:nvPr>
-            <p:ph idx="1"/>
-            <p:extLst>
-              <p:ext uri="{D42A27DB-BD31-4B8C-83A1-F6EECF244321}">
-                <p14:modId xmlns:p14="http://schemas.microsoft.com/office/powerpoint/2010/main" val="2099089702"/>
-              </p:ext>
-            </p:extLst>
-          </p:nvPr>
-        </p:nvGraphicFramePr>
-        <p:xfrm>
-          <a:off x="591671" y="295834"/>
-          <a:ext cx="11089341" cy="6149789"/>
-        </p:xfrm>
-        <a:graphic>
-          <a:graphicData uri="http://schemas.openxmlformats.org/drawingml/2006/chart">
-            <c:chart xmlns:c="http://schemas.openxmlformats.org/drawingml/2006/chart" xmlns:r="http://schemas.openxmlformats.org/officeDocument/2006/relationships" r:id="rId2"/>
-          </a:graphicData>
-        </a:graphic>
-      </p:graphicFrame>
-    </p:spTree>
-    <p:extLst>
-      <p:ext uri="{BB962C8B-B14F-4D97-AF65-F5344CB8AC3E}">
-        <p14:creationId xmlns:p14="http://schemas.microsoft.com/office/powerpoint/2010/main" val="3056832702"/>
-      </p:ext>
-    </p:extLst>
-  </p:cSld>
-  <p:clrMapOvr>
-    <a:masterClrMapping/>
-  </p:clrMapOvr>
-</p:sld>
-</file>
-
-<file path=ppt/slides/slide9.xml><?xml version="1.0" encoding="utf-8"?>
-<p:sld xmlns:a="http://schemas.openxmlformats.org/drawingml/2006/main" xmlns:r="http://schemas.openxmlformats.org/officeDocument/2006/relationships" xmlns:p="http://schemas.openxmlformats.org/presentationml/2006/main">
-  <p:cSld>
-    <p:spTree>
-      <p:nvGrpSpPr>
-        <p:cNvPr id="1" name=""/>
-        <p:cNvGrpSpPr/>
-        <p:nvPr/>
-      </p:nvGrpSpPr>
-      <p:grpSpPr>
-        <a:xfrm>
-          <a:off x="0" y="0"/>
-          <a:ext cx="0" cy="0"/>
-          <a:chOff x="0" y="0"/>
-          <a:chExt cx="0" cy="0"/>
-        </a:xfrm>
-      </p:grpSpPr>
       <p:sp>
         <p:nvSpPr>
           <p:cNvPr id="2" name="Cím 1"/>
@@ -12685,6 +15436,118 @@
     <p:extLst>
       <p:ext uri="{BB962C8B-B14F-4D97-AF65-F5344CB8AC3E}">
         <p14:creationId xmlns:p14="http://schemas.microsoft.com/office/powerpoint/2010/main" val="4078088953"/>
+      </p:ext>
+    </p:extLst>
+  </p:cSld>
+  <p:clrMapOvr>
+    <a:masterClrMapping/>
+  </p:clrMapOvr>
+</p:sld>
+</file>
+
+<file path=ppt/slides/slide9.xml><?xml version="1.0" encoding="utf-8"?>
+<p:sld xmlns:a="http://schemas.openxmlformats.org/drawingml/2006/main" xmlns:r="http://schemas.openxmlformats.org/officeDocument/2006/relationships" xmlns:p="http://schemas.openxmlformats.org/presentationml/2006/main">
+  <p:cSld>
+    <p:spTree>
+      <p:nvGrpSpPr>
+        <p:cNvPr id="1" name=""/>
+        <p:cNvGrpSpPr/>
+        <p:nvPr/>
+      </p:nvGrpSpPr>
+      <p:grpSpPr>
+        <a:xfrm>
+          <a:off x="0" y="0"/>
+          <a:ext cx="0" cy="0"/>
+          <a:chOff x="0" y="0"/>
+          <a:chExt cx="0" cy="0"/>
+        </a:xfrm>
+      </p:grpSpPr>
+      <p:graphicFrame>
+        <p:nvGraphicFramePr>
+          <p:cNvPr id="4" name="Tartalom helye 3"/>
+          <p:cNvGraphicFramePr>
+            <a:graphicFrameLocks noGrp="1"/>
+          </p:cNvGraphicFramePr>
+          <p:nvPr>
+            <p:ph idx="1"/>
+            <p:extLst>
+              <p:ext uri="{D42A27DB-BD31-4B8C-83A1-F6EECF244321}">
+                <p14:modId xmlns:p14="http://schemas.microsoft.com/office/powerpoint/2010/main" val="570752879"/>
+              </p:ext>
+            </p:extLst>
+          </p:nvPr>
+        </p:nvGraphicFramePr>
+        <p:xfrm>
+          <a:off x="591671" y="295834"/>
+          <a:ext cx="8202705" cy="6149789"/>
+        </p:xfrm>
+        <a:graphic>
+          <a:graphicData uri="http://schemas.openxmlformats.org/drawingml/2006/chart">
+            <c:chart xmlns:c="http://schemas.openxmlformats.org/drawingml/2006/chart" xmlns:r="http://schemas.openxmlformats.org/officeDocument/2006/relationships" r:id="rId2"/>
+          </a:graphicData>
+        </a:graphic>
+      </p:graphicFrame>
+      <p:sp>
+        <p:nvSpPr>
+          <p:cNvPr id="6" name="Szövegdoboz 5"/>
+          <p:cNvSpPr txBox="1"/>
+          <p:nvPr/>
+        </p:nvSpPr>
+        <p:spPr>
+          <a:xfrm>
+            <a:off x="8937812" y="1380565"/>
+            <a:ext cx="2572871" cy="1477328"/>
+          </a:xfrm>
+          <a:prstGeom prst="rect">
+            <a:avLst/>
+          </a:prstGeom>
+          <a:noFill/>
+        </p:spPr>
+        <p:txBody>
+          <a:bodyPr wrap="square" rtlCol="0">
+            <a:spAutoFit/>
+          </a:bodyPr>
+          <a:lstStyle/>
+          <a:p>
+            <a:pPr marL="285750" indent="-285750">
+              <a:buFont typeface="Arial" panose="020B0604020202020204" pitchFamily="34" charset="0"/>
+              <a:buChar char="•"/>
+            </a:pPr>
+            <a:r>
+              <a:rPr lang="hu-HU" dirty="0" smtClean="0"/>
+              <a:t>5 különböző kép</a:t>
+            </a:r>
+          </a:p>
+          <a:p>
+            <a:pPr marL="285750" indent="-285750">
+              <a:buFont typeface="Arial" panose="020B0604020202020204" pitchFamily="34" charset="0"/>
+              <a:buChar char="•"/>
+            </a:pPr>
+            <a:endParaRPr lang="hu-HU" dirty="0" smtClean="0"/>
+          </a:p>
+          <a:p>
+            <a:pPr marL="285750" indent="-285750">
+              <a:buFont typeface="Arial" panose="020B0604020202020204" pitchFamily="34" charset="0"/>
+              <a:buChar char="•"/>
+            </a:pPr>
+            <a:r>
+              <a:rPr lang="hu-HU" dirty="0" smtClean="0"/>
+              <a:t>60 különböző kép méret</a:t>
+            </a:r>
+          </a:p>
+          <a:p>
+            <a:pPr marL="285750" indent="-285750">
+              <a:buFont typeface="Arial" panose="020B0604020202020204" pitchFamily="34" charset="0"/>
+              <a:buChar char="•"/>
+            </a:pPr>
+            <a:endParaRPr lang="hu-HU" dirty="0" smtClean="0"/>
+          </a:p>
+        </p:txBody>
+      </p:sp>
+    </p:spTree>
+    <p:extLst>
+      <p:ext uri="{BB962C8B-B14F-4D97-AF65-F5344CB8AC3E}">
+        <p14:creationId xmlns:p14="http://schemas.microsoft.com/office/powerpoint/2010/main" val="3056832702"/>
       </p:ext>
     </p:extLst>
   </p:cSld>

--- a/01_doc/presentation.pptx
+++ b/01_doc/presentation.pptx
@@ -13,10 +13,12 @@
     <p:sldId id="258" r:id="rId7"/>
     <p:sldId id="259" r:id="rId8"/>
     <p:sldId id="260" r:id="rId9"/>
-    <p:sldId id="270" r:id="rId10"/>
-    <p:sldId id="271" r:id="rId11"/>
-    <p:sldId id="261" r:id="rId12"/>
-    <p:sldId id="265" r:id="rId13"/>
+    <p:sldId id="273" r:id="rId10"/>
+    <p:sldId id="274" r:id="rId11"/>
+    <p:sldId id="270" r:id="rId12"/>
+    <p:sldId id="271" r:id="rId13"/>
+    <p:sldId id="261" r:id="rId14"/>
+    <p:sldId id="265" r:id="rId15"/>
   </p:sldIdLst>
   <p:sldSz cx="12192000" cy="6858000"/>
   <p:notesSz cx="6858000" cy="9144000"/>
@@ -14225,6 +14227,197 @@
           <a:lstStyle/>
           <a:p>
             <a:r>
+              <a:rPr lang="hu-HU" dirty="0" smtClean="0"/>
+              <a:t>Várható értékek megjelenítése</a:t>
+            </a:r>
+            <a:endParaRPr lang="hu-HU" dirty="0"/>
+          </a:p>
+        </p:txBody>
+      </p:sp>
+      <p:pic>
+        <p:nvPicPr>
+          <p:cNvPr id="6" name="Tartalom helye 5"/>
+          <p:cNvPicPr>
+            <a:picLocks noGrp="1" noChangeAspect="1"/>
+          </p:cNvPicPr>
+          <p:nvPr>
+            <p:ph idx="1"/>
+          </p:nvPr>
+        </p:nvPicPr>
+        <p:blipFill>
+          <a:blip r:embed="rId2"/>
+          <a:stretch>
+            <a:fillRect/>
+          </a:stretch>
+        </p:blipFill>
+        <p:spPr>
+          <a:xfrm>
+            <a:off x="838200" y="2115678"/>
+            <a:ext cx="10515600" cy="3771232"/>
+          </a:xfrm>
+          <a:prstGeom prst="rect">
+            <a:avLst/>
+          </a:prstGeom>
+        </p:spPr>
+      </p:pic>
+    </p:spTree>
+    <p:extLst>
+      <p:ext uri="{BB962C8B-B14F-4D97-AF65-F5344CB8AC3E}">
+        <p14:creationId xmlns:p14="http://schemas.microsoft.com/office/powerpoint/2010/main" val="2392925784"/>
+      </p:ext>
+    </p:extLst>
+  </p:cSld>
+  <p:clrMapOvr>
+    <a:masterClrMapping/>
+  </p:clrMapOvr>
+</p:sld>
+</file>
+
+<file path=ppt/slides/slide11.xml><?xml version="1.0" encoding="utf-8"?>
+<p:sld xmlns:a="http://schemas.openxmlformats.org/drawingml/2006/main" xmlns:r="http://schemas.openxmlformats.org/officeDocument/2006/relationships" xmlns:p="http://schemas.openxmlformats.org/presentationml/2006/main">
+  <p:cSld>
+    <p:spTree>
+      <p:nvGrpSpPr>
+        <p:cNvPr id="1" name=""/>
+        <p:cNvGrpSpPr/>
+        <p:nvPr/>
+      </p:nvGrpSpPr>
+      <p:grpSpPr>
+        <a:xfrm>
+          <a:off x="0" y="0"/>
+          <a:ext cx="0" cy="0"/>
+          <a:chOff x="0" y="0"/>
+          <a:chExt cx="0" cy="0"/>
+        </a:xfrm>
+      </p:grpSpPr>
+      <p:graphicFrame>
+        <p:nvGraphicFramePr>
+          <p:cNvPr id="4" name="Tartalom helye 3"/>
+          <p:cNvGraphicFramePr>
+            <a:graphicFrameLocks noGrp="1"/>
+          </p:cNvGraphicFramePr>
+          <p:nvPr>
+            <p:ph idx="1"/>
+            <p:extLst>
+              <p:ext uri="{D42A27DB-BD31-4B8C-83A1-F6EECF244321}">
+                <p14:modId xmlns:p14="http://schemas.microsoft.com/office/powerpoint/2010/main" val="570752879"/>
+              </p:ext>
+            </p:extLst>
+          </p:nvPr>
+        </p:nvGraphicFramePr>
+        <p:xfrm>
+          <a:off x="591671" y="295834"/>
+          <a:ext cx="8202705" cy="6149789"/>
+        </p:xfrm>
+        <a:graphic>
+          <a:graphicData uri="http://schemas.openxmlformats.org/drawingml/2006/chart">
+            <c:chart xmlns:c="http://schemas.openxmlformats.org/drawingml/2006/chart" xmlns:r="http://schemas.openxmlformats.org/officeDocument/2006/relationships" r:id="rId2"/>
+          </a:graphicData>
+        </a:graphic>
+      </p:graphicFrame>
+      <p:sp>
+        <p:nvSpPr>
+          <p:cNvPr id="6" name="Szövegdoboz 5"/>
+          <p:cNvSpPr txBox="1"/>
+          <p:nvPr/>
+        </p:nvSpPr>
+        <p:spPr>
+          <a:xfrm>
+            <a:off x="8937812" y="1380565"/>
+            <a:ext cx="2572871" cy="1477328"/>
+          </a:xfrm>
+          <a:prstGeom prst="rect">
+            <a:avLst/>
+          </a:prstGeom>
+          <a:noFill/>
+        </p:spPr>
+        <p:txBody>
+          <a:bodyPr wrap="square" rtlCol="0">
+            <a:spAutoFit/>
+          </a:bodyPr>
+          <a:lstStyle/>
+          <a:p>
+            <a:pPr marL="285750" indent="-285750">
+              <a:buFont typeface="Arial" panose="020B0604020202020204" pitchFamily="34" charset="0"/>
+              <a:buChar char="•"/>
+            </a:pPr>
+            <a:r>
+              <a:rPr lang="hu-HU" dirty="0" smtClean="0"/>
+              <a:t>5 különböző kép</a:t>
+            </a:r>
+          </a:p>
+          <a:p>
+            <a:pPr marL="285750" indent="-285750">
+              <a:buFont typeface="Arial" panose="020B0604020202020204" pitchFamily="34" charset="0"/>
+              <a:buChar char="•"/>
+            </a:pPr>
+            <a:endParaRPr lang="hu-HU" dirty="0" smtClean="0"/>
+          </a:p>
+          <a:p>
+            <a:pPr marL="285750" indent="-285750">
+              <a:buFont typeface="Arial" panose="020B0604020202020204" pitchFamily="34" charset="0"/>
+              <a:buChar char="•"/>
+            </a:pPr>
+            <a:r>
+              <a:rPr lang="hu-HU" dirty="0" smtClean="0"/>
+              <a:t>60 különböző kép méret</a:t>
+            </a:r>
+          </a:p>
+          <a:p>
+            <a:pPr marL="285750" indent="-285750">
+              <a:buFont typeface="Arial" panose="020B0604020202020204" pitchFamily="34" charset="0"/>
+              <a:buChar char="•"/>
+            </a:pPr>
+            <a:endParaRPr lang="hu-HU" dirty="0" smtClean="0"/>
+          </a:p>
+        </p:txBody>
+      </p:sp>
+    </p:spTree>
+    <p:extLst>
+      <p:ext uri="{BB962C8B-B14F-4D97-AF65-F5344CB8AC3E}">
+        <p14:creationId xmlns:p14="http://schemas.microsoft.com/office/powerpoint/2010/main" val="3056832702"/>
+      </p:ext>
+    </p:extLst>
+  </p:cSld>
+  <p:clrMapOvr>
+    <a:masterClrMapping/>
+  </p:clrMapOvr>
+</p:sld>
+</file>
+
+<file path=ppt/slides/slide12.xml><?xml version="1.0" encoding="utf-8"?>
+<p:sld xmlns:a="http://schemas.openxmlformats.org/drawingml/2006/main" xmlns:r="http://schemas.openxmlformats.org/officeDocument/2006/relationships" xmlns:p="http://schemas.openxmlformats.org/presentationml/2006/main">
+  <p:cSld>
+    <p:spTree>
+      <p:nvGrpSpPr>
+        <p:cNvPr id="1" name=""/>
+        <p:cNvGrpSpPr/>
+        <p:nvPr/>
+      </p:nvGrpSpPr>
+      <p:grpSpPr>
+        <a:xfrm>
+          <a:off x="0" y="0"/>
+          <a:ext cx="0" cy="0"/>
+          <a:chOff x="0" y="0"/>
+          <a:chExt cx="0" cy="0"/>
+        </a:xfrm>
+      </p:grpSpPr>
+      <p:sp>
+        <p:nvSpPr>
+          <p:cNvPr id="2" name="Cím 1"/>
+          <p:cNvSpPr>
+            <a:spLocks noGrp="1"/>
+          </p:cNvSpPr>
+          <p:nvPr>
+            <p:ph type="title"/>
+          </p:nvPr>
+        </p:nvSpPr>
+        <p:spPr/>
+        <p:txBody>
+          <a:bodyPr/>
+          <a:lstStyle/>
+          <a:p>
+            <a:r>
               <a:rPr lang="hu-HU" dirty="0" err="1" smtClean="0"/>
               <a:t>OpenCV</a:t>
             </a:r>
@@ -14318,7 +14511,7 @@
 </p:sld>
 </file>
 
-<file path=ppt/slides/slide11.xml><?xml version="1.0" encoding="utf-8"?>
+<file path=ppt/slides/slide13.xml><?xml version="1.0" encoding="utf-8"?>
 <p:sld xmlns:a="http://schemas.openxmlformats.org/drawingml/2006/main" xmlns:r="http://schemas.openxmlformats.org/officeDocument/2006/relationships" xmlns:p="http://schemas.openxmlformats.org/presentationml/2006/main">
   <p:cSld>
     <p:spTree>
@@ -14379,13 +14572,58 @@
             </a:r>
           </a:p>
           <a:p>
+            <a:pPr lvl="1"/>
+            <a:r>
+              <a:rPr lang="hu-HU" dirty="0" smtClean="0"/>
+              <a:t>Szálak használata</a:t>
+            </a:r>
+          </a:p>
+          <a:p>
+            <a:pPr lvl="1"/>
+            <a:r>
+              <a:rPr lang="hu-HU" dirty="0" err="1" smtClean="0"/>
+              <a:t>Processzek</a:t>
+            </a:r>
+            <a:r>
+              <a:rPr lang="hu-HU" dirty="0" smtClean="0"/>
+              <a:t> használata</a:t>
+            </a:r>
+          </a:p>
+          <a:p>
+            <a:endParaRPr lang="hu-HU" dirty="0"/>
+          </a:p>
+          <a:p>
             <a:r>
               <a:rPr lang="hu-HU" dirty="0" smtClean="0"/>
               <a:t>Neurális </a:t>
             </a:r>
             <a:r>
               <a:rPr lang="hu-HU" dirty="0" smtClean="0"/>
-              <a:t>háló az apertúra problémára</a:t>
+              <a:t>háló az apertúra </a:t>
+            </a:r>
+            <a:r>
+              <a:rPr lang="hu-HU" dirty="0" smtClean="0"/>
+              <a:t>problémára</a:t>
+            </a:r>
+            <a:endParaRPr lang="hu-HU" dirty="0"/>
+          </a:p>
+          <a:p>
+            <a:pPr lvl="1"/>
+            <a:r>
+              <a:rPr lang="hu-HU" dirty="0" err="1" smtClean="0"/>
+              <a:t>Autoencoder</a:t>
+            </a:r>
+            <a:endParaRPr lang="hu-HU" dirty="0" smtClean="0"/>
+          </a:p>
+          <a:p>
+            <a:pPr lvl="1"/>
+            <a:r>
+              <a:rPr lang="hu-HU" dirty="0" err="1" smtClean="0"/>
+              <a:t>Konvolúciós</a:t>
+            </a:r>
+            <a:r>
+              <a:rPr lang="hu-HU" dirty="0" smtClean="0"/>
+              <a:t> háló</a:t>
             </a:r>
             <a:endParaRPr lang="hu-HU" dirty="0"/>
           </a:p>
@@ -14404,7 +14642,7 @@
 </p:sld>
 </file>
 
-<file path=ppt/slides/slide12.xml><?xml version="1.0" encoding="utf-8"?>
+<file path=ppt/slides/slide14.xml><?xml version="1.0" encoding="utf-8"?>
 <p:sld xmlns:a="http://schemas.openxmlformats.org/drawingml/2006/main" xmlns:r="http://schemas.openxmlformats.org/officeDocument/2006/relationships" xmlns:p="http://schemas.openxmlformats.org/presentationml/2006/main">
   <p:cSld>
     <p:spTree>
@@ -15288,6 +15526,9 @@
             </a:r>
           </a:p>
           <a:p>
+            <a:endParaRPr lang="hu-HU" dirty="0" smtClean="0"/>
+          </a:p>
+          <a:p>
             <a:r>
               <a:rPr lang="hu-HU" dirty="0" err="1" smtClean="0"/>
               <a:t>np.einsum</a:t>
@@ -15395,43 +15636,38 @@
           <a:p>
             <a:r>
               <a:rPr lang="hu-HU" dirty="0" smtClean="0"/>
-              <a:t>Elért eredmények</a:t>
+              <a:t>Várható értékek megjelenítése</a:t>
             </a:r>
             <a:endParaRPr lang="hu-HU" dirty="0"/>
           </a:p>
         </p:txBody>
       </p:sp>
-      <p:sp>
-        <p:nvSpPr>
-          <p:cNvPr id="3" name="Tartalom helye 2"/>
-          <p:cNvSpPr>
-            <a:spLocks noGrp="1"/>
-          </p:cNvSpPr>
+      <p:pic>
+        <p:nvPicPr>
+          <p:cNvPr id="5" name="Tartalom helye 4"/>
+          <p:cNvPicPr>
+            <a:picLocks noGrp="1" noChangeAspect="1"/>
+          </p:cNvPicPr>
           <p:nvPr>
             <p:ph idx="1"/>
           </p:nvPr>
-        </p:nvSpPr>
-        <p:spPr/>
-        <p:txBody>
-          <a:bodyPr/>
-          <a:lstStyle/>
-          <a:p>
-            <a:r>
-              <a:rPr lang="hu-HU" dirty="0" smtClean="0"/>
-              <a:t>Teszt képek összehasonlítva </a:t>
-            </a:r>
-            <a:r>
-              <a:rPr lang="hu-HU" dirty="0" err="1" smtClean="0"/>
-              <a:t>openCV</a:t>
-            </a:r>
-            <a:r>
-              <a:rPr lang="hu-HU" dirty="0" smtClean="0"/>
-              <a:t> MOG algoritmussal</a:t>
-            </a:r>
-            <a:endParaRPr lang="hu-HU" dirty="0"/>
-          </a:p>
-        </p:txBody>
-      </p:sp>
+        </p:nvPicPr>
+        <p:blipFill>
+          <a:blip r:embed="rId2"/>
+          <a:stretch>
+            <a:fillRect/>
+          </a:stretch>
+        </p:blipFill>
+        <p:spPr>
+          <a:xfrm>
+            <a:off x="838200" y="2101674"/>
+            <a:ext cx="10515600" cy="3799240"/>
+          </a:xfrm>
+          <a:prstGeom prst="rect">
+            <a:avLst/>
+          </a:prstGeom>
+        </p:spPr>
+      </p:pic>
     </p:spTree>
     <p:extLst>
       <p:ext uri="{BB962C8B-B14F-4D97-AF65-F5344CB8AC3E}">
@@ -15462,92 +15698,59 @@
           <a:chExt cx="0" cy="0"/>
         </a:xfrm>
       </p:grpSpPr>
-      <p:graphicFrame>
-        <p:nvGraphicFramePr>
+      <p:sp>
+        <p:nvSpPr>
+          <p:cNvPr id="2" name="Cím 1"/>
+          <p:cNvSpPr>
+            <a:spLocks noGrp="1"/>
+          </p:cNvSpPr>
+          <p:nvPr>
+            <p:ph type="title"/>
+          </p:nvPr>
+        </p:nvSpPr>
+        <p:spPr/>
+        <p:txBody>
+          <a:bodyPr/>
+          <a:lstStyle/>
+          <a:p>
+            <a:r>
+              <a:rPr lang="hu-HU" dirty="0" smtClean="0"/>
+              <a:t>Várható értékek megjelenítése</a:t>
+            </a:r>
+            <a:endParaRPr lang="hu-HU" dirty="0"/>
+          </a:p>
+        </p:txBody>
+      </p:sp>
+      <p:pic>
+        <p:nvPicPr>
           <p:cNvPr id="4" name="Tartalom helye 3"/>
-          <p:cNvGraphicFramePr>
-            <a:graphicFrameLocks noGrp="1"/>
-          </p:cNvGraphicFramePr>
+          <p:cNvPicPr>
+            <a:picLocks noGrp="1" noChangeAspect="1"/>
+          </p:cNvPicPr>
           <p:nvPr>
             <p:ph idx="1"/>
-            <p:extLst>
-              <p:ext uri="{D42A27DB-BD31-4B8C-83A1-F6EECF244321}">
-                <p14:modId xmlns:p14="http://schemas.microsoft.com/office/powerpoint/2010/main" val="570752879"/>
-              </p:ext>
-            </p:extLst>
           </p:nvPr>
-        </p:nvGraphicFramePr>
-        <p:xfrm>
-          <a:off x="591671" y="295834"/>
-          <a:ext cx="8202705" cy="6149789"/>
-        </p:xfrm>
-        <a:graphic>
-          <a:graphicData uri="http://schemas.openxmlformats.org/drawingml/2006/chart">
-            <c:chart xmlns:c="http://schemas.openxmlformats.org/drawingml/2006/chart" xmlns:r="http://schemas.openxmlformats.org/officeDocument/2006/relationships" r:id="rId2"/>
-          </a:graphicData>
-        </a:graphic>
-      </p:graphicFrame>
-      <p:sp>
-        <p:nvSpPr>
-          <p:cNvPr id="6" name="Szövegdoboz 5"/>
-          <p:cNvSpPr txBox="1"/>
-          <p:nvPr/>
-        </p:nvSpPr>
+        </p:nvPicPr>
+        <p:blipFill>
+          <a:blip r:embed="rId2"/>
+          <a:stretch>
+            <a:fillRect/>
+          </a:stretch>
+        </p:blipFill>
         <p:spPr>
           <a:xfrm>
-            <a:off x="8937812" y="1380565"/>
-            <a:ext cx="2572871" cy="1477328"/>
+            <a:off x="838200" y="2113766"/>
+            <a:ext cx="10515600" cy="3775056"/>
           </a:xfrm>
           <a:prstGeom prst="rect">
             <a:avLst/>
           </a:prstGeom>
-          <a:noFill/>
         </p:spPr>
-        <p:txBody>
-          <a:bodyPr wrap="square" rtlCol="0">
-            <a:spAutoFit/>
-          </a:bodyPr>
-          <a:lstStyle/>
-          <a:p>
-            <a:pPr marL="285750" indent="-285750">
-              <a:buFont typeface="Arial" panose="020B0604020202020204" pitchFamily="34" charset="0"/>
-              <a:buChar char="•"/>
-            </a:pPr>
-            <a:r>
-              <a:rPr lang="hu-HU" dirty="0" smtClean="0"/>
-              <a:t>5 különböző kép</a:t>
-            </a:r>
-          </a:p>
-          <a:p>
-            <a:pPr marL="285750" indent="-285750">
-              <a:buFont typeface="Arial" panose="020B0604020202020204" pitchFamily="34" charset="0"/>
-              <a:buChar char="•"/>
-            </a:pPr>
-            <a:endParaRPr lang="hu-HU" dirty="0" smtClean="0"/>
-          </a:p>
-          <a:p>
-            <a:pPr marL="285750" indent="-285750">
-              <a:buFont typeface="Arial" panose="020B0604020202020204" pitchFamily="34" charset="0"/>
-              <a:buChar char="•"/>
-            </a:pPr>
-            <a:r>
-              <a:rPr lang="hu-HU" dirty="0" smtClean="0"/>
-              <a:t>60 különböző kép méret</a:t>
-            </a:r>
-          </a:p>
-          <a:p>
-            <a:pPr marL="285750" indent="-285750">
-              <a:buFont typeface="Arial" panose="020B0604020202020204" pitchFamily="34" charset="0"/>
-              <a:buChar char="•"/>
-            </a:pPr>
-            <a:endParaRPr lang="hu-HU" dirty="0" smtClean="0"/>
-          </a:p>
-        </p:txBody>
-      </p:sp>
+      </p:pic>
     </p:spTree>
     <p:extLst>
       <p:ext uri="{BB962C8B-B14F-4D97-AF65-F5344CB8AC3E}">
-        <p14:creationId xmlns:p14="http://schemas.microsoft.com/office/powerpoint/2010/main" val="3056832702"/>
+        <p14:creationId xmlns:p14="http://schemas.microsoft.com/office/powerpoint/2010/main" val="920575833"/>
       </p:ext>
     </p:extLst>
   </p:cSld>
